--- a/javabase1Jvm/src/main/java/com/javabase/jvm1runtime/runtimeDetail/3.常用JVM配置参数.pptx
+++ b/javabase1Jvm/src/main/java/com/javabase/jvm1runtime/runtimeDetail/3.常用JVM配置参数.pptx
@@ -1,19 +1,17 @@
 
 <file path=ppt/presentation.xml><?xml version="1.0" encoding="utf-8"?>
-<p:presentation xmlns:a="http://schemas.openxmlformats.org/drawingml/2006/main" xmlns:r="http://schemas.openxmlformats.org/officeDocument/2006/relationships" xmlns:p="http://schemas.openxmlformats.org/presentationml/2006/main" showSpecialPlsOnTitleSld="0" saveSubsetFonts="1">
+<p:presentation xmlns:a="http://schemas.openxmlformats.org/drawingml/2006/main" xmlns:r="http://schemas.openxmlformats.org/officeDocument/2006/relationships" xmlns:p="http://schemas.openxmlformats.org/presentationml/2006/main" showSpecialPlsOnTitleSld="0">
   <p:sldMasterIdLst>
     <p:sldMasterId id="2147483648" r:id="rId1"/>
   </p:sldMasterIdLst>
   <p:notesMasterIdLst>
-    <p:notesMasterId r:id="rId34"/>
+    <p:notesMasterId r:id="rId4"/>
   </p:notesMasterIdLst>
   <p:handoutMasterIdLst>
-    <p:handoutMasterId r:id="rId35"/>
+    <p:handoutMasterId r:id="rId34"/>
   </p:handoutMasterIdLst>
   <p:sldIdLst>
-    <p:sldId id="256" r:id="rId2"/>
-    <p:sldId id="298" r:id="rId3"/>
-    <p:sldId id="315" r:id="rId4"/>
+    <p:sldId id="315" r:id="rId3"/>
     <p:sldId id="316" r:id="rId5"/>
     <p:sldId id="317" r:id="rId6"/>
     <p:sldId id="318" r:id="rId7"/>
@@ -44,7 +42,7 @@
     <p:sldId id="342" r:id="rId32"/>
     <p:sldId id="265" r:id="rId33"/>
   </p:sldIdLst>
-  <p:sldSz cx="12204700" cy="6859588"/>
+  <p:sldSz cx="12204700" cy="6859270"/>
   <p:notesSz cx="9144000" cy="6858000"/>
   <p:defaultTextStyle>
     <a:defPPr>
@@ -61,12 +59,12 @@
         <a:solidFill>
           <a:schemeClr val="tx1"/>
         </a:solidFill>
-        <a:latin typeface="Arial" charset="0"/>
-        <a:ea typeface="宋体" pitchFamily="2" charset="-122"/>
+        <a:latin typeface="Arial" panose="020B0604020202020204" pitchFamily="34" charset="0"/>
+        <a:ea typeface="宋体" panose="02010600030101010101" pitchFamily="2" charset="-122"/>
         <a:cs typeface="+mn-cs"/>
       </a:defRPr>
     </a:lvl1pPr>
-    <a:lvl2pPr marL="544662" algn="l" rtl="0" fontAlgn="base">
+    <a:lvl2pPr marL="544830" algn="l" rtl="0" fontAlgn="base">
       <a:spcBef>
         <a:spcPct val="0"/>
       </a:spcBef>
@@ -77,12 +75,12 @@
         <a:solidFill>
           <a:schemeClr val="tx1"/>
         </a:solidFill>
-        <a:latin typeface="Arial" charset="0"/>
-        <a:ea typeface="宋体" pitchFamily="2" charset="-122"/>
+        <a:latin typeface="Arial" panose="020B0604020202020204" pitchFamily="34" charset="0"/>
+        <a:ea typeface="宋体" panose="02010600030101010101" pitchFamily="2" charset="-122"/>
         <a:cs typeface="+mn-cs"/>
       </a:defRPr>
     </a:lvl2pPr>
-    <a:lvl3pPr marL="1089325" algn="l" rtl="0" fontAlgn="base">
+    <a:lvl3pPr marL="1089025" algn="l" rtl="0" fontAlgn="base">
       <a:spcBef>
         <a:spcPct val="0"/>
       </a:spcBef>
@@ -93,12 +91,12 @@
         <a:solidFill>
           <a:schemeClr val="tx1"/>
         </a:solidFill>
-        <a:latin typeface="Arial" charset="0"/>
-        <a:ea typeface="宋体" pitchFamily="2" charset="-122"/>
+        <a:latin typeface="Arial" panose="020B0604020202020204" pitchFamily="34" charset="0"/>
+        <a:ea typeface="宋体" panose="02010600030101010101" pitchFamily="2" charset="-122"/>
         <a:cs typeface="+mn-cs"/>
       </a:defRPr>
     </a:lvl3pPr>
-    <a:lvl4pPr marL="1633987" algn="l" rtl="0" fontAlgn="base">
+    <a:lvl4pPr marL="1633855" algn="l" rtl="0" fontAlgn="base">
       <a:spcBef>
         <a:spcPct val="0"/>
       </a:spcBef>
@@ -109,12 +107,12 @@
         <a:solidFill>
           <a:schemeClr val="tx1"/>
         </a:solidFill>
-        <a:latin typeface="Arial" charset="0"/>
-        <a:ea typeface="宋体" pitchFamily="2" charset="-122"/>
+        <a:latin typeface="Arial" panose="020B0604020202020204" pitchFamily="34" charset="0"/>
+        <a:ea typeface="宋体" panose="02010600030101010101" pitchFamily="2" charset="-122"/>
         <a:cs typeface="+mn-cs"/>
       </a:defRPr>
     </a:lvl4pPr>
-    <a:lvl5pPr marL="2178649" algn="l" rtl="0" fontAlgn="base">
+    <a:lvl5pPr marL="2178685" algn="l" rtl="0" fontAlgn="base">
       <a:spcBef>
         <a:spcPct val="0"/>
       </a:spcBef>
@@ -125,48 +123,48 @@
         <a:solidFill>
           <a:schemeClr val="tx1"/>
         </a:solidFill>
-        <a:latin typeface="Arial" charset="0"/>
-        <a:ea typeface="宋体" pitchFamily="2" charset="-122"/>
+        <a:latin typeface="Arial" panose="020B0604020202020204" pitchFamily="34" charset="0"/>
+        <a:ea typeface="宋体" panose="02010600030101010101" pitchFamily="2" charset="-122"/>
         <a:cs typeface="+mn-cs"/>
       </a:defRPr>
     </a:lvl5pPr>
-    <a:lvl6pPr marL="2723312" algn="l" defTabSz="1089325" rtl="0" eaLnBrk="1" latinLnBrk="0" hangingPunct="1">
+    <a:lvl6pPr marL="2723515" algn="l" defTabSz="1089025" rtl="0" eaLnBrk="1" latinLnBrk="0" hangingPunct="1">
       <a:defRPr kern="1200">
         <a:solidFill>
           <a:schemeClr val="tx1"/>
         </a:solidFill>
-        <a:latin typeface="Arial" charset="0"/>
-        <a:ea typeface="宋体" pitchFamily="2" charset="-122"/>
+        <a:latin typeface="Arial" panose="020B0604020202020204" pitchFamily="34" charset="0"/>
+        <a:ea typeface="宋体" panose="02010600030101010101" pitchFamily="2" charset="-122"/>
         <a:cs typeface="+mn-cs"/>
       </a:defRPr>
     </a:lvl6pPr>
-    <a:lvl7pPr marL="3267974" algn="l" defTabSz="1089325" rtl="0" eaLnBrk="1" latinLnBrk="0" hangingPunct="1">
+    <a:lvl7pPr marL="3267710" algn="l" defTabSz="1089025" rtl="0" eaLnBrk="1" latinLnBrk="0" hangingPunct="1">
       <a:defRPr kern="1200">
         <a:solidFill>
           <a:schemeClr val="tx1"/>
         </a:solidFill>
-        <a:latin typeface="Arial" charset="0"/>
-        <a:ea typeface="宋体" pitchFamily="2" charset="-122"/>
+        <a:latin typeface="Arial" panose="020B0604020202020204" pitchFamily="34" charset="0"/>
+        <a:ea typeface="宋体" panose="02010600030101010101" pitchFamily="2" charset="-122"/>
         <a:cs typeface="+mn-cs"/>
       </a:defRPr>
     </a:lvl7pPr>
-    <a:lvl8pPr marL="3812637" algn="l" defTabSz="1089325" rtl="0" eaLnBrk="1" latinLnBrk="0" hangingPunct="1">
+    <a:lvl8pPr marL="3812540" algn="l" defTabSz="1089025" rtl="0" eaLnBrk="1" latinLnBrk="0" hangingPunct="1">
       <a:defRPr kern="1200">
         <a:solidFill>
           <a:schemeClr val="tx1"/>
         </a:solidFill>
-        <a:latin typeface="Arial" charset="0"/>
-        <a:ea typeface="宋体" pitchFamily="2" charset="-122"/>
+        <a:latin typeface="Arial" panose="020B0604020202020204" pitchFamily="34" charset="0"/>
+        <a:ea typeface="宋体" panose="02010600030101010101" pitchFamily="2" charset="-122"/>
         <a:cs typeface="+mn-cs"/>
       </a:defRPr>
     </a:lvl8pPr>
-    <a:lvl9pPr marL="4357299" algn="l" defTabSz="1089325" rtl="0" eaLnBrk="1" latinLnBrk="0" hangingPunct="1">
+    <a:lvl9pPr marL="4357370" algn="l" defTabSz="1089025" rtl="0" eaLnBrk="1" latinLnBrk="0" hangingPunct="1">
       <a:defRPr kern="1200">
         <a:solidFill>
           <a:schemeClr val="tx1"/>
         </a:solidFill>
-        <a:latin typeface="Arial" charset="0"/>
-        <a:ea typeface="宋体" pitchFamily="2" charset="-122"/>
+        <a:latin typeface="Arial" panose="020B0604020202020204" pitchFamily="34" charset="0"/>
+        <a:ea typeface="宋体" panose="02010600030101010101" pitchFamily="2" charset="-122"/>
         <a:cs typeface="+mn-cs"/>
       </a:defRPr>
     </a:lvl9pPr>
@@ -280,10 +278,6 @@
             </a:pPr>
             <a:fld id="{E60E44AF-0D8D-4B66-BECC-4D5B9292E151}" type="datetimeFigureOut">
               <a:rPr lang="zh-CN" altLang="en-US"/>
-              <a:pPr>
-                <a:defRPr/>
-              </a:pPr>
-              <a:t>2014/7/7</a:t>
             </a:fld>
             <a:endParaRPr lang="zh-CN" altLang="en-US"/>
           </a:p>
@@ -373,21 +367,12 @@
             </a:pPr>
             <a:fld id="{C3C35A87-E971-49BF-8F02-A5CE2B85C743}" type="slidenum">
               <a:rPr lang="zh-CN" altLang="en-US"/>
-              <a:pPr>
-                <a:defRPr/>
-              </a:pPr>
-              <a:t>‹#›</a:t>
             </a:fld>
             <a:endParaRPr lang="zh-CN" altLang="en-US"/>
           </a:p>
         </p:txBody>
       </p:sp>
     </p:spTree>
-    <p:extLst>
-      <p:ext uri="{BB962C8B-B14F-4D97-AF65-F5344CB8AC3E}">
-        <p14:creationId xmlns:p14="http://schemas.microsoft.com/office/powerpoint/2010/main" val="179028799"/>
-      </p:ext>
-    </p:extLst>
   </p:cSld>
   <p:clrMap bg1="lt1" tx1="dk1" bg2="lt2" tx2="dk2" accent1="accent1" accent2="accent2" accent3="accent3" accent4="accent4" accent5="accent5" accent6="accent6" hlink="hlink" folHlink="folHlink"/>
 </p:handoutMaster>
@@ -499,10 +484,6 @@
             </a:pPr>
             <a:fld id="{57119A08-1D2F-470C-8FD3-E69459F4B57D}" type="datetimeFigureOut">
               <a:rPr lang="zh-CN" altLang="en-US"/>
-              <a:pPr>
-                <a:defRPr/>
-              </a:pPr>
-              <a:t>2014/7/7</a:t>
             </a:fld>
             <a:endParaRPr lang="zh-CN" altLang="en-US"/>
           </a:p>
@@ -572,6 +553,7 @@
               <a:rPr lang="zh-CN" altLang="en-US" noProof="0" smtClean="0"/>
               <a:t>单击此处编辑母版文本样式</a:t>
             </a:r>
+            <a:endParaRPr lang="zh-CN" altLang="en-US" noProof="0" smtClean="0"/>
           </a:p>
           <a:p>
             <a:pPr lvl="1"/>
@@ -579,6 +561,7 @@
               <a:rPr lang="zh-CN" altLang="en-US" noProof="0" smtClean="0"/>
               <a:t>第二级</a:t>
             </a:r>
+            <a:endParaRPr lang="zh-CN" altLang="en-US" noProof="0" smtClean="0"/>
           </a:p>
           <a:p>
             <a:pPr lvl="2"/>
@@ -586,6 +569,7 @@
               <a:rPr lang="zh-CN" altLang="en-US" noProof="0" smtClean="0"/>
               <a:t>第三级</a:t>
             </a:r>
+            <a:endParaRPr lang="zh-CN" altLang="en-US" noProof="0" smtClean="0"/>
           </a:p>
           <a:p>
             <a:pPr lvl="3"/>
@@ -593,6 +577,7 @@
               <a:rPr lang="zh-CN" altLang="en-US" noProof="0" smtClean="0"/>
               <a:t>第四级</a:t>
             </a:r>
+            <a:endParaRPr lang="zh-CN" altLang="en-US" noProof="0" smtClean="0"/>
           </a:p>
           <a:p>
             <a:pPr lvl="4"/>
@@ -688,21 +673,12 @@
             </a:pPr>
             <a:fld id="{A06004EB-C740-4F3D-A864-243FCB14D11E}" type="slidenum">
               <a:rPr lang="zh-CN" altLang="en-US"/>
-              <a:pPr>
-                <a:defRPr/>
-              </a:pPr>
-              <a:t>‹#›</a:t>
             </a:fld>
             <a:endParaRPr lang="zh-CN" altLang="en-US"/>
           </a:p>
         </p:txBody>
       </p:sp>
     </p:spTree>
-    <p:extLst>
-      <p:ext uri="{BB962C8B-B14F-4D97-AF65-F5344CB8AC3E}">
-        <p14:creationId xmlns:p14="http://schemas.microsoft.com/office/powerpoint/2010/main" val="1757593058"/>
-      </p:ext>
-    </p:extLst>
   </p:cSld>
   <p:clrMap bg1="lt1" tx1="dk1" bg2="lt2" tx2="dk2" accent1="accent1" accent2="accent2" accent3="accent3" accent4="accent4" accent5="accent5" accent6="accent6" hlink="hlink" folHlink="folHlink"/>
   <p:notesStyle>
@@ -722,7 +698,7 @@
         <a:cs typeface="+mn-cs"/>
       </a:defRPr>
     </a:lvl1pPr>
-    <a:lvl2pPr marL="544662" algn="l" rtl="0" eaLnBrk="0" fontAlgn="base" hangingPunct="0">
+    <a:lvl2pPr marL="544830" algn="l" rtl="0" eaLnBrk="0" fontAlgn="base" hangingPunct="0">
       <a:spcBef>
         <a:spcPct val="30000"/>
       </a:spcBef>
@@ -738,7 +714,7 @@
         <a:cs typeface="+mn-cs"/>
       </a:defRPr>
     </a:lvl2pPr>
-    <a:lvl3pPr marL="1089325" algn="l" rtl="0" eaLnBrk="0" fontAlgn="base" hangingPunct="0">
+    <a:lvl3pPr marL="1089025" algn="l" rtl="0" eaLnBrk="0" fontAlgn="base" hangingPunct="0">
       <a:spcBef>
         <a:spcPct val="30000"/>
       </a:spcBef>
@@ -754,7 +730,7 @@
         <a:cs typeface="+mn-cs"/>
       </a:defRPr>
     </a:lvl3pPr>
-    <a:lvl4pPr marL="1633987" algn="l" rtl="0" eaLnBrk="0" fontAlgn="base" hangingPunct="0">
+    <a:lvl4pPr marL="1633855" algn="l" rtl="0" eaLnBrk="0" fontAlgn="base" hangingPunct="0">
       <a:spcBef>
         <a:spcPct val="30000"/>
       </a:spcBef>
@@ -770,7 +746,7 @@
         <a:cs typeface="+mn-cs"/>
       </a:defRPr>
     </a:lvl4pPr>
-    <a:lvl5pPr marL="2178649" algn="l" rtl="0" eaLnBrk="0" fontAlgn="base" hangingPunct="0">
+    <a:lvl5pPr marL="2178685" algn="l" rtl="0" eaLnBrk="0" fontAlgn="base" hangingPunct="0">
       <a:spcBef>
         <a:spcPct val="30000"/>
       </a:spcBef>
@@ -786,7 +762,7 @@
         <a:cs typeface="+mn-cs"/>
       </a:defRPr>
     </a:lvl5pPr>
-    <a:lvl6pPr marL="2723312" algn="l" defTabSz="1089325" rtl="0" eaLnBrk="1" latinLnBrk="0" hangingPunct="1">
+    <a:lvl6pPr marL="2723515" algn="l" defTabSz="1089025" rtl="0" eaLnBrk="1" latinLnBrk="0" hangingPunct="1">
       <a:defRPr sz="1400" kern="1200">
         <a:solidFill>
           <a:schemeClr val="tx1"/>
@@ -796,7 +772,7 @@
         <a:cs typeface="+mn-cs"/>
       </a:defRPr>
     </a:lvl6pPr>
-    <a:lvl7pPr marL="3267974" algn="l" defTabSz="1089325" rtl="0" eaLnBrk="1" latinLnBrk="0" hangingPunct="1">
+    <a:lvl7pPr marL="3267710" algn="l" defTabSz="1089025" rtl="0" eaLnBrk="1" latinLnBrk="0" hangingPunct="1">
       <a:defRPr sz="1400" kern="1200">
         <a:solidFill>
           <a:schemeClr val="tx1"/>
@@ -806,7 +782,7 @@
         <a:cs typeface="+mn-cs"/>
       </a:defRPr>
     </a:lvl7pPr>
-    <a:lvl8pPr marL="3812637" algn="l" defTabSz="1089325" rtl="0" eaLnBrk="1" latinLnBrk="0" hangingPunct="1">
+    <a:lvl8pPr marL="3812540" algn="l" defTabSz="1089025" rtl="0" eaLnBrk="1" latinLnBrk="0" hangingPunct="1">
       <a:defRPr sz="1400" kern="1200">
         <a:solidFill>
           <a:schemeClr val="tx1"/>
@@ -816,7 +792,7 @@
         <a:cs typeface="+mn-cs"/>
       </a:defRPr>
     </a:lvl8pPr>
-    <a:lvl9pPr marL="4357299" algn="l" defTabSz="1089325" rtl="0" eaLnBrk="1" latinLnBrk="0" hangingPunct="1">
+    <a:lvl9pPr marL="4357370" algn="l" defTabSz="1089025" rtl="0" eaLnBrk="1" latinLnBrk="0" hangingPunct="1">
       <a:defRPr sz="1400" kern="1200">
         <a:solidFill>
           <a:schemeClr val="tx1"/>
@@ -898,21 +874,12 @@
             </a:pPr>
             <a:fld id="{A06004EB-C740-4F3D-A864-243FCB14D11E}" type="slidenum">
               <a:rPr lang="zh-CN" altLang="en-US" smtClean="0"/>
-              <a:pPr>
-                <a:defRPr/>
-              </a:pPr>
-              <a:t>1</a:t>
             </a:fld>
             <a:endParaRPr lang="zh-CN" altLang="en-US"/>
           </a:p>
         </p:txBody>
       </p:sp>
     </p:spTree>
-    <p:extLst>
-      <p:ext uri="{BB962C8B-B14F-4D97-AF65-F5344CB8AC3E}">
-        <p14:creationId xmlns:p14="http://schemas.microsoft.com/office/powerpoint/2010/main" val="3595446171"/>
-      </p:ext>
-    </p:extLst>
   </p:cSld>
   <p:clrMapOvr>
     <a:masterClrMapping/>
@@ -988,21 +955,12 @@
             </a:pPr>
             <a:fld id="{A06004EB-C740-4F3D-A864-243FCB14D11E}" type="slidenum">
               <a:rPr lang="zh-CN" altLang="en-US" smtClean="0"/>
-              <a:pPr>
-                <a:defRPr/>
-              </a:pPr>
-              <a:t>10</a:t>
             </a:fld>
             <a:endParaRPr lang="zh-CN" altLang="en-US"/>
           </a:p>
         </p:txBody>
       </p:sp>
     </p:spTree>
-    <p:extLst>
-      <p:ext uri="{BB962C8B-B14F-4D97-AF65-F5344CB8AC3E}">
-        <p14:creationId xmlns:p14="http://schemas.microsoft.com/office/powerpoint/2010/main" val="2344363911"/>
-      </p:ext>
-    </p:extLst>
   </p:cSld>
   <p:clrMapOvr>
     <a:masterClrMapping/>
@@ -1078,21 +1036,12 @@
             </a:pPr>
             <a:fld id="{A06004EB-C740-4F3D-A864-243FCB14D11E}" type="slidenum">
               <a:rPr lang="zh-CN" altLang="en-US" smtClean="0"/>
-              <a:pPr>
-                <a:defRPr/>
-              </a:pPr>
-              <a:t>11</a:t>
             </a:fld>
             <a:endParaRPr lang="zh-CN" altLang="en-US"/>
           </a:p>
         </p:txBody>
       </p:sp>
     </p:spTree>
-    <p:extLst>
-      <p:ext uri="{BB962C8B-B14F-4D97-AF65-F5344CB8AC3E}">
-        <p14:creationId xmlns:p14="http://schemas.microsoft.com/office/powerpoint/2010/main" val="588242581"/>
-      </p:ext>
-    </p:extLst>
   </p:cSld>
   <p:clrMapOvr>
     <a:masterClrMapping/>
@@ -1168,21 +1117,12 @@
             </a:pPr>
             <a:fld id="{A06004EB-C740-4F3D-A864-243FCB14D11E}" type="slidenum">
               <a:rPr lang="zh-CN" altLang="en-US" smtClean="0"/>
-              <a:pPr>
-                <a:defRPr/>
-              </a:pPr>
-              <a:t>12</a:t>
             </a:fld>
             <a:endParaRPr lang="zh-CN" altLang="en-US"/>
           </a:p>
         </p:txBody>
       </p:sp>
     </p:spTree>
-    <p:extLst>
-      <p:ext uri="{BB962C8B-B14F-4D97-AF65-F5344CB8AC3E}">
-        <p14:creationId xmlns:p14="http://schemas.microsoft.com/office/powerpoint/2010/main" val="3980472115"/>
-      </p:ext>
-    </p:extLst>
   </p:cSld>
   <p:clrMapOvr>
     <a:masterClrMapping/>
@@ -1258,21 +1198,12 @@
             </a:pPr>
             <a:fld id="{A06004EB-C740-4F3D-A864-243FCB14D11E}" type="slidenum">
               <a:rPr lang="zh-CN" altLang="en-US" smtClean="0"/>
-              <a:pPr>
-                <a:defRPr/>
-              </a:pPr>
-              <a:t>13</a:t>
             </a:fld>
             <a:endParaRPr lang="zh-CN" altLang="en-US"/>
           </a:p>
         </p:txBody>
       </p:sp>
     </p:spTree>
-    <p:extLst>
-      <p:ext uri="{BB962C8B-B14F-4D97-AF65-F5344CB8AC3E}">
-        <p14:creationId xmlns:p14="http://schemas.microsoft.com/office/powerpoint/2010/main" val="1513119830"/>
-      </p:ext>
-    </p:extLst>
   </p:cSld>
   <p:clrMapOvr>
     <a:masterClrMapping/>
@@ -1348,21 +1279,12 @@
             </a:pPr>
             <a:fld id="{A06004EB-C740-4F3D-A864-243FCB14D11E}" type="slidenum">
               <a:rPr lang="zh-CN" altLang="en-US" smtClean="0"/>
-              <a:pPr>
-                <a:defRPr/>
-              </a:pPr>
-              <a:t>14</a:t>
             </a:fld>
             <a:endParaRPr lang="zh-CN" altLang="en-US"/>
           </a:p>
         </p:txBody>
       </p:sp>
     </p:spTree>
-    <p:extLst>
-      <p:ext uri="{BB962C8B-B14F-4D97-AF65-F5344CB8AC3E}">
-        <p14:creationId xmlns:p14="http://schemas.microsoft.com/office/powerpoint/2010/main" val="1178905162"/>
-      </p:ext>
-    </p:extLst>
   </p:cSld>
   <p:clrMapOvr>
     <a:masterClrMapping/>
@@ -1438,21 +1360,12 @@
             </a:pPr>
             <a:fld id="{A06004EB-C740-4F3D-A864-243FCB14D11E}" type="slidenum">
               <a:rPr lang="zh-CN" altLang="en-US" smtClean="0"/>
-              <a:pPr>
-                <a:defRPr/>
-              </a:pPr>
-              <a:t>15</a:t>
             </a:fld>
             <a:endParaRPr lang="zh-CN" altLang="en-US"/>
           </a:p>
         </p:txBody>
       </p:sp>
     </p:spTree>
-    <p:extLst>
-      <p:ext uri="{BB962C8B-B14F-4D97-AF65-F5344CB8AC3E}">
-        <p14:creationId xmlns:p14="http://schemas.microsoft.com/office/powerpoint/2010/main" val="2524907380"/>
-      </p:ext>
-    </p:extLst>
   </p:cSld>
   <p:clrMapOvr>
     <a:masterClrMapping/>
@@ -1479,7 +1392,7 @@
       </p:grpSpPr>
       <p:sp>
         <p:nvSpPr>
-          <p:cNvPr id="2" name="幻灯片图像占位符 1"/>
+          <p:cNvPr id="2" name="Slide Image Placeholder 1"/>
           <p:cNvSpPr>
             <a:spLocks noGrp="1" noRot="1" noChangeAspect="1"/>
           </p:cNvSpPr>
@@ -1491,7 +1404,7 @@
       </p:sp>
       <p:sp>
         <p:nvSpPr>
-          <p:cNvPr id="3" name="备注占位符 2"/>
+          <p:cNvPr id="3" name="Notes Placeholder 2"/>
           <p:cNvSpPr>
             <a:spLocks noGrp="1"/>
           </p:cNvSpPr>
@@ -1504,13 +1417,41 @@
           <a:bodyPr/>
           <a:lstStyle/>
           <a:p>
-            <a:endParaRPr lang="zh-CN" altLang="en-US"/>
-          </a:p>
-        </p:txBody>
-      </p:sp>
-      <p:sp>
-        <p:nvSpPr>
-          <p:cNvPr id="4" name="灯片编号占位符 3"/>
+            <a:r>
+              <a:rPr lang="zh-CN" altLang="en-US" dirty="0" smtClean="0"/>
+              <a:t>实际占用空间大约</a:t>
+            </a:r>
+            <a:r>
+              <a:rPr lang="en-US" altLang="zh-CN" dirty="0" smtClean="0"/>
+              <a:t>10M</a:t>
+            </a:r>
+            <a:r>
+              <a:rPr lang="en-US" altLang="zh-CN" baseline="0" dirty="0" smtClean="0"/>
+              <a:t> </a:t>
+            </a:r>
+            <a:r>
+              <a:rPr lang="zh-CN" altLang="en-US" baseline="0" dirty="0" smtClean="0"/>
+              <a:t>因为有系统级别的对象 如</a:t>
+            </a:r>
+            <a:r>
+              <a:rPr lang="en-US" altLang="zh-CN" baseline="0" dirty="0" err="1" smtClean="0"/>
+              <a:t>ClassLoader</a:t>
+            </a:r>
+            <a:r>
+              <a:rPr lang="en-US" altLang="zh-CN" baseline="0" dirty="0" smtClean="0"/>
+              <a:t> Thread</a:t>
+            </a:r>
+            <a:r>
+              <a:rPr lang="zh-CN" altLang="en-US" baseline="0" dirty="0" smtClean="0"/>
+              <a:t>等</a:t>
+            </a:r>
+            <a:endParaRPr lang="zh-CN" altLang="en-US" dirty="0"/>
+          </a:p>
+        </p:txBody>
+      </p:sp>
+      <p:sp>
+        <p:nvSpPr>
+          <p:cNvPr id="4" name="Slide Number Placeholder 3"/>
           <p:cNvSpPr>
             <a:spLocks noGrp="1"/>
           </p:cNvSpPr>
@@ -1528,21 +1469,12 @@
             </a:pPr>
             <a:fld id="{A06004EB-C740-4F3D-A864-243FCB14D11E}" type="slidenum">
               <a:rPr lang="zh-CN" altLang="en-US" smtClean="0"/>
-              <a:pPr>
-                <a:defRPr/>
-              </a:pPr>
-              <a:t>16</a:t>
             </a:fld>
             <a:endParaRPr lang="zh-CN" altLang="en-US"/>
           </a:p>
         </p:txBody>
       </p:sp>
     </p:spTree>
-    <p:extLst>
-      <p:ext uri="{BB962C8B-B14F-4D97-AF65-F5344CB8AC3E}">
-        <p14:creationId xmlns:p14="http://schemas.microsoft.com/office/powerpoint/2010/main" val="1877189752"/>
-      </p:ext>
-    </p:extLst>
   </p:cSld>
   <p:clrMapOvr>
     <a:masterClrMapping/>
@@ -1569,7 +1501,7 @@
       </p:grpSpPr>
       <p:sp>
         <p:nvSpPr>
-          <p:cNvPr id="2" name="幻灯片图像占位符 1"/>
+          <p:cNvPr id="2" name="Slide Image Placeholder 1"/>
           <p:cNvSpPr>
             <a:spLocks noGrp="1" noRot="1" noChangeAspect="1"/>
           </p:cNvSpPr>
@@ -1581,7 +1513,7 @@
       </p:sp>
       <p:sp>
         <p:nvSpPr>
-          <p:cNvPr id="3" name="备注占位符 2"/>
+          <p:cNvPr id="3" name="Notes Placeholder 2"/>
           <p:cNvSpPr>
             <a:spLocks noGrp="1"/>
           </p:cNvSpPr>
@@ -1594,13 +1526,44 @@
           <a:bodyPr/>
           <a:lstStyle/>
           <a:p>
-            <a:endParaRPr lang="zh-CN" altLang="en-US"/>
-          </a:p>
-        </p:txBody>
-      </p:sp>
-      <p:sp>
-        <p:nvSpPr>
-          <p:cNvPr id="4" name="灯片编号占位符 3"/>
+            <a:r>
+              <a:rPr lang="zh-CN" altLang="en-US" dirty="0" smtClean="0"/>
+              <a:t>一共回收</a:t>
+            </a:r>
+            <a:r>
+              <a:rPr lang="en-US" altLang="zh-CN" dirty="0" smtClean="0"/>
+              <a:t>7M</a:t>
+            </a:r>
+            <a:r>
+              <a:rPr lang="en-US" altLang="zh-CN" baseline="0" dirty="0" smtClean="0"/>
+              <a:t> </a:t>
+            </a:r>
+            <a:r>
+              <a:rPr lang="zh-CN" altLang="en-US" baseline="0" dirty="0" smtClean="0"/>
+              <a:t>剩余</a:t>
+            </a:r>
+            <a:r>
+              <a:rPr lang="en-US" altLang="zh-CN" baseline="0" dirty="0" smtClean="0"/>
+              <a:t>3M</a:t>
+            </a:r>
+            <a:endParaRPr lang="en-US" altLang="zh-CN" baseline="0" dirty="0" smtClean="0"/>
+          </a:p>
+          <a:p>
+            <a:r>
+              <a:rPr lang="en-US" altLang="zh-CN" baseline="0" dirty="0" smtClean="0"/>
+              <a:t>S0 s1 </a:t>
+            </a:r>
+            <a:r>
+              <a:rPr lang="zh-CN" altLang="en-US" baseline="0" dirty="0" smtClean="0"/>
+              <a:t>太小无法周转</a:t>
+            </a:r>
+            <a:endParaRPr lang="zh-CN" altLang="en-US" dirty="0"/>
+          </a:p>
+        </p:txBody>
+      </p:sp>
+      <p:sp>
+        <p:nvSpPr>
+          <p:cNvPr id="4" name="Slide Number Placeholder 3"/>
           <p:cNvSpPr>
             <a:spLocks noGrp="1"/>
           </p:cNvSpPr>
@@ -1618,21 +1581,12 @@
             </a:pPr>
             <a:fld id="{A06004EB-C740-4F3D-A864-243FCB14D11E}" type="slidenum">
               <a:rPr lang="zh-CN" altLang="en-US" smtClean="0"/>
-              <a:pPr>
-                <a:defRPr/>
-              </a:pPr>
-              <a:t>17</a:t>
             </a:fld>
             <a:endParaRPr lang="zh-CN" altLang="en-US"/>
           </a:p>
         </p:txBody>
       </p:sp>
     </p:spTree>
-    <p:extLst>
-      <p:ext uri="{BB962C8B-B14F-4D97-AF65-F5344CB8AC3E}">
-        <p14:creationId xmlns:p14="http://schemas.microsoft.com/office/powerpoint/2010/main" val="1865926008"/>
-      </p:ext>
-    </p:extLst>
   </p:cSld>
   <p:clrMapOvr>
     <a:masterClrMapping/>
@@ -1686,31 +1640,19 @@
           <a:p>
             <a:r>
               <a:rPr lang="zh-CN" altLang="en-US" dirty="0" smtClean="0"/>
-              <a:t>实际占用空间大约</a:t>
+              <a:t>回收</a:t>
             </a:r>
             <a:r>
               <a:rPr lang="en-US" altLang="zh-CN" dirty="0" smtClean="0"/>
-              <a:t>10M</a:t>
-            </a:r>
-            <a:r>
-              <a:rPr lang="en-US" altLang="zh-CN" baseline="0" dirty="0" smtClean="0"/>
-              <a:t> </a:t>
-            </a:r>
-            <a:r>
-              <a:rPr lang="zh-CN" altLang="en-US" baseline="0" dirty="0" smtClean="0"/>
-              <a:t>因为有系统级别的对象 如</a:t>
-            </a:r>
-            <a:r>
-              <a:rPr lang="en-US" altLang="zh-CN" baseline="0" dirty="0" err="1" smtClean="0"/>
-              <a:t>ClassLoader</a:t>
-            </a:r>
-            <a:r>
-              <a:rPr lang="en-US" altLang="zh-CN" baseline="0" dirty="0" smtClean="0"/>
-              <a:t> Thread</a:t>
-            </a:r>
-            <a:r>
-              <a:rPr lang="zh-CN" altLang="en-US" baseline="0" dirty="0" smtClean="0"/>
-              <a:t>等</a:t>
+              <a:t>7M </a:t>
+            </a:r>
+            <a:r>
+              <a:rPr lang="zh-CN" altLang="en-US" dirty="0" smtClean="0"/>
+              <a:t>剩余</a:t>
+            </a:r>
+            <a:r>
+              <a:rPr lang="en-US" altLang="zh-CN" dirty="0" smtClean="0"/>
+              <a:t>3M</a:t>
             </a:r>
             <a:endParaRPr lang="zh-CN" altLang="en-US" dirty="0"/>
           </a:p>
@@ -1736,21 +1678,12 @@
             </a:pPr>
             <a:fld id="{A06004EB-C740-4F3D-A864-243FCB14D11E}" type="slidenum">
               <a:rPr lang="zh-CN" altLang="en-US" smtClean="0"/>
-              <a:pPr>
-                <a:defRPr/>
-              </a:pPr>
-              <a:t>18</a:t>
             </a:fld>
             <a:endParaRPr lang="zh-CN" altLang="en-US"/>
           </a:p>
         </p:txBody>
       </p:sp>
     </p:spTree>
-    <p:extLst>
-      <p:ext uri="{BB962C8B-B14F-4D97-AF65-F5344CB8AC3E}">
-        <p14:creationId xmlns:p14="http://schemas.microsoft.com/office/powerpoint/2010/main" val="1290984627"/>
-      </p:ext>
-    </p:extLst>
   </p:cSld>
   <p:clrMapOvr>
     <a:masterClrMapping/>
@@ -1804,33 +1737,18 @@
           <a:p>
             <a:r>
               <a:rPr lang="zh-CN" altLang="en-US" dirty="0" smtClean="0"/>
-              <a:t>一共回收</a:t>
-            </a:r>
-            <a:r>
-              <a:rPr lang="en-US" altLang="zh-CN" dirty="0" smtClean="0"/>
-              <a:t>7M</a:t>
-            </a:r>
-            <a:r>
-              <a:rPr lang="en-US" altLang="zh-CN" baseline="0" dirty="0" smtClean="0"/>
-              <a:t> </a:t>
+              <a:t>比例分配，新生代</a:t>
             </a:r>
             <a:r>
               <a:rPr lang="zh-CN" altLang="en-US" baseline="0" dirty="0" smtClean="0"/>
-              <a:t>剩余</a:t>
-            </a:r>
-            <a:r>
-              <a:rPr lang="en-US" altLang="zh-CN" baseline="0" dirty="0" smtClean="0"/>
-              <a:t>3M</a:t>
-            </a:r>
-          </a:p>
-          <a:p>
-            <a:r>
-              <a:rPr lang="en-US" altLang="zh-CN" baseline="0" dirty="0" smtClean="0"/>
-              <a:t>S0 s1 </a:t>
-            </a:r>
+              <a:t> 老年代对半开</a:t>
+            </a:r>
+            <a:endParaRPr lang="en-US" altLang="zh-CN" baseline="0" dirty="0" smtClean="0"/>
+          </a:p>
+          <a:p>
             <a:r>
               <a:rPr lang="zh-CN" altLang="en-US" baseline="0" dirty="0" smtClean="0"/>
-              <a:t>太小无法周转</a:t>
+              <a:t>对象全部留在新生代</a:t>
             </a:r>
             <a:endParaRPr lang="zh-CN" altLang="en-US" dirty="0"/>
           </a:p>
@@ -1856,21 +1774,12 @@
             </a:pPr>
             <a:fld id="{A06004EB-C740-4F3D-A864-243FCB14D11E}" type="slidenum">
               <a:rPr lang="zh-CN" altLang="en-US" smtClean="0"/>
-              <a:pPr>
-                <a:defRPr/>
-              </a:pPr>
-              <a:t>19</a:t>
             </a:fld>
             <a:endParaRPr lang="zh-CN" altLang="en-US"/>
           </a:p>
         </p:txBody>
       </p:sp>
     </p:spTree>
-    <p:extLst>
-      <p:ext uri="{BB962C8B-B14F-4D97-AF65-F5344CB8AC3E}">
-        <p14:creationId xmlns:p14="http://schemas.microsoft.com/office/powerpoint/2010/main" val="683544670"/>
-      </p:ext>
-    </p:extLst>
   </p:cSld>
   <p:clrMapOvr>
     <a:masterClrMapping/>
@@ -1946,21 +1855,12 @@
             </a:pPr>
             <a:fld id="{A06004EB-C740-4F3D-A864-243FCB14D11E}" type="slidenum">
               <a:rPr lang="zh-CN" altLang="en-US" smtClean="0"/>
-              <a:pPr>
-                <a:defRPr/>
-              </a:pPr>
-              <a:t>2</a:t>
             </a:fld>
             <a:endParaRPr lang="zh-CN" altLang="en-US"/>
           </a:p>
         </p:txBody>
       </p:sp>
     </p:spTree>
-    <p:extLst>
-      <p:ext uri="{BB962C8B-B14F-4D97-AF65-F5344CB8AC3E}">
-        <p14:creationId xmlns:p14="http://schemas.microsoft.com/office/powerpoint/2010/main" val="3638718241"/>
-      </p:ext>
-    </p:extLst>
   </p:cSld>
   <p:clrMapOvr>
     <a:masterClrMapping/>
@@ -2014,21 +1914,17 @@
           <a:p>
             <a:r>
               <a:rPr lang="zh-CN" altLang="en-US" dirty="0" smtClean="0"/>
-              <a:t>回收</a:t>
+              <a:t>减少了</a:t>
             </a:r>
             <a:r>
               <a:rPr lang="en-US" altLang="zh-CN" dirty="0" smtClean="0"/>
-              <a:t>7M </a:t>
+              <a:t>s0 s1 GC</a:t>
             </a:r>
             <a:r>
               <a:rPr lang="zh-CN" altLang="en-US" dirty="0" smtClean="0"/>
-              <a:t>剩余</a:t>
-            </a:r>
-            <a:r>
-              <a:rPr lang="en-US" altLang="zh-CN" dirty="0" smtClean="0"/>
-              <a:t>3M</a:t>
-            </a:r>
-            <a:endParaRPr lang="zh-CN" altLang="en-US" dirty="0"/>
+              <a:t>数量变少，老年代未使用 空间使用率更高</a:t>
+            </a:r>
+            <a:endParaRPr lang="en-US" altLang="zh-CN" dirty="0" smtClean="0"/>
           </a:p>
         </p:txBody>
       </p:sp>
@@ -2052,21 +1948,12 @@
             </a:pPr>
             <a:fld id="{A06004EB-C740-4F3D-A864-243FCB14D11E}" type="slidenum">
               <a:rPr lang="zh-CN" altLang="en-US" smtClean="0"/>
-              <a:pPr>
-                <a:defRPr/>
-              </a:pPr>
-              <a:t>20</a:t>
             </a:fld>
             <a:endParaRPr lang="zh-CN" altLang="en-US"/>
           </a:p>
         </p:txBody>
       </p:sp>
     </p:spTree>
-    <p:extLst>
-      <p:ext uri="{BB962C8B-B14F-4D97-AF65-F5344CB8AC3E}">
-        <p14:creationId xmlns:p14="http://schemas.microsoft.com/office/powerpoint/2010/main" val="4014503202"/>
-      </p:ext>
-    </p:extLst>
   </p:cSld>
   <p:clrMapOvr>
     <a:masterClrMapping/>
@@ -2093,7 +1980,7 @@
       </p:grpSpPr>
       <p:sp>
         <p:nvSpPr>
-          <p:cNvPr id="2" name="Slide Image Placeholder 1"/>
+          <p:cNvPr id="2" name="幻灯片图像占位符 1"/>
           <p:cNvSpPr>
             <a:spLocks noGrp="1" noRot="1" noChangeAspect="1"/>
           </p:cNvSpPr>
@@ -2105,7 +1992,7 @@
       </p:sp>
       <p:sp>
         <p:nvSpPr>
-          <p:cNvPr id="3" name="Notes Placeholder 2"/>
+          <p:cNvPr id="3" name="备注占位符 2"/>
           <p:cNvSpPr>
             <a:spLocks noGrp="1"/>
           </p:cNvSpPr>
@@ -2118,28 +2005,13 @@
           <a:bodyPr/>
           <a:lstStyle/>
           <a:p>
-            <a:r>
-              <a:rPr lang="zh-CN" altLang="en-US" dirty="0" smtClean="0"/>
-              <a:t>比例分配，新生代</a:t>
-            </a:r>
-            <a:r>
-              <a:rPr lang="zh-CN" altLang="en-US" baseline="0" dirty="0" smtClean="0"/>
-              <a:t> 老年代对半开</a:t>
-            </a:r>
-            <a:endParaRPr lang="en-US" altLang="zh-CN" baseline="0" dirty="0" smtClean="0"/>
-          </a:p>
-          <a:p>
-            <a:r>
-              <a:rPr lang="zh-CN" altLang="en-US" baseline="0" dirty="0" smtClean="0"/>
-              <a:t>对象全部留在新生代</a:t>
-            </a:r>
-            <a:endParaRPr lang="zh-CN" altLang="en-US" dirty="0"/>
-          </a:p>
-        </p:txBody>
-      </p:sp>
-      <p:sp>
-        <p:nvSpPr>
-          <p:cNvPr id="4" name="Slide Number Placeholder 3"/>
+            <a:endParaRPr lang="zh-CN" altLang="en-US"/>
+          </a:p>
+        </p:txBody>
+      </p:sp>
+      <p:sp>
+        <p:nvSpPr>
+          <p:cNvPr id="4" name="灯片编号占位符 3"/>
           <p:cNvSpPr>
             <a:spLocks noGrp="1"/>
           </p:cNvSpPr>
@@ -2157,21 +2029,12 @@
             </a:pPr>
             <a:fld id="{A06004EB-C740-4F3D-A864-243FCB14D11E}" type="slidenum">
               <a:rPr lang="zh-CN" altLang="en-US" smtClean="0"/>
-              <a:pPr>
-                <a:defRPr/>
-              </a:pPr>
-              <a:t>21</a:t>
             </a:fld>
             <a:endParaRPr lang="zh-CN" altLang="en-US"/>
           </a:p>
         </p:txBody>
       </p:sp>
     </p:spTree>
-    <p:extLst>
-      <p:ext uri="{BB962C8B-B14F-4D97-AF65-F5344CB8AC3E}">
-        <p14:creationId xmlns:p14="http://schemas.microsoft.com/office/powerpoint/2010/main" val="386929878"/>
-      </p:ext>
-    </p:extLst>
   </p:cSld>
   <p:clrMapOvr>
     <a:masterClrMapping/>
@@ -2198,7 +2061,7 @@
       </p:grpSpPr>
       <p:sp>
         <p:nvSpPr>
-          <p:cNvPr id="2" name="Slide Image Placeholder 1"/>
+          <p:cNvPr id="2" name="幻灯片图像占位符 1"/>
           <p:cNvSpPr>
             <a:spLocks noGrp="1" noRot="1" noChangeAspect="1"/>
           </p:cNvSpPr>
@@ -2210,7 +2073,7 @@
       </p:sp>
       <p:sp>
         <p:nvSpPr>
-          <p:cNvPr id="3" name="Notes Placeholder 2"/>
+          <p:cNvPr id="3" name="备注占位符 2"/>
           <p:cNvSpPr>
             <a:spLocks noGrp="1"/>
           </p:cNvSpPr>
@@ -2223,25 +2086,13 @@
           <a:bodyPr/>
           <a:lstStyle/>
           <a:p>
-            <a:r>
-              <a:rPr lang="zh-CN" altLang="en-US" dirty="0" smtClean="0"/>
-              <a:t>减少了</a:t>
-            </a:r>
-            <a:r>
-              <a:rPr lang="en-US" altLang="zh-CN" dirty="0" smtClean="0"/>
-              <a:t>s0 s1 GC</a:t>
-            </a:r>
-            <a:r>
-              <a:rPr lang="zh-CN" altLang="en-US" dirty="0" smtClean="0"/>
-              <a:t>数量变少，老年代未使用 空间使用率更高</a:t>
-            </a:r>
-            <a:endParaRPr lang="en-US" altLang="zh-CN" dirty="0" smtClean="0"/>
-          </a:p>
-        </p:txBody>
-      </p:sp>
-      <p:sp>
-        <p:nvSpPr>
-          <p:cNvPr id="4" name="Slide Number Placeholder 3"/>
+            <a:endParaRPr lang="zh-CN" altLang="en-US"/>
+          </a:p>
+        </p:txBody>
+      </p:sp>
+      <p:sp>
+        <p:nvSpPr>
+          <p:cNvPr id="4" name="灯片编号占位符 3"/>
           <p:cNvSpPr>
             <a:spLocks noGrp="1"/>
           </p:cNvSpPr>
@@ -2259,21 +2110,12 @@
             </a:pPr>
             <a:fld id="{A06004EB-C740-4F3D-A864-243FCB14D11E}" type="slidenum">
               <a:rPr lang="zh-CN" altLang="en-US" smtClean="0"/>
-              <a:pPr>
-                <a:defRPr/>
-              </a:pPr>
-              <a:t>22</a:t>
             </a:fld>
             <a:endParaRPr lang="zh-CN" altLang="en-US"/>
           </a:p>
         </p:txBody>
       </p:sp>
     </p:spTree>
-    <p:extLst>
-      <p:ext uri="{BB962C8B-B14F-4D97-AF65-F5344CB8AC3E}">
-        <p14:creationId xmlns:p14="http://schemas.microsoft.com/office/powerpoint/2010/main" val="3435864584"/>
-      </p:ext>
-    </p:extLst>
   </p:cSld>
   <p:clrMapOvr>
     <a:masterClrMapping/>
@@ -2349,21 +2191,12 @@
             </a:pPr>
             <a:fld id="{A06004EB-C740-4F3D-A864-243FCB14D11E}" type="slidenum">
               <a:rPr lang="zh-CN" altLang="en-US" smtClean="0"/>
-              <a:pPr>
-                <a:defRPr/>
-              </a:pPr>
-              <a:t>23</a:t>
             </a:fld>
             <a:endParaRPr lang="zh-CN" altLang="en-US"/>
           </a:p>
         </p:txBody>
       </p:sp>
     </p:spTree>
-    <p:extLst>
-      <p:ext uri="{BB962C8B-B14F-4D97-AF65-F5344CB8AC3E}">
-        <p14:creationId xmlns:p14="http://schemas.microsoft.com/office/powerpoint/2010/main" val="1943213648"/>
-      </p:ext>
-    </p:extLst>
   </p:cSld>
   <p:clrMapOvr>
     <a:masterClrMapping/>
@@ -2439,21 +2272,12 @@
             </a:pPr>
             <a:fld id="{A06004EB-C740-4F3D-A864-243FCB14D11E}" type="slidenum">
               <a:rPr lang="zh-CN" altLang="en-US" smtClean="0"/>
-              <a:pPr>
-                <a:defRPr/>
-              </a:pPr>
-              <a:t>24</a:t>
             </a:fld>
             <a:endParaRPr lang="zh-CN" altLang="en-US"/>
           </a:p>
         </p:txBody>
       </p:sp>
     </p:spTree>
-    <p:extLst>
-      <p:ext uri="{BB962C8B-B14F-4D97-AF65-F5344CB8AC3E}">
-        <p14:creationId xmlns:p14="http://schemas.microsoft.com/office/powerpoint/2010/main" val="2436041667"/>
-      </p:ext>
-    </p:extLst>
   </p:cSld>
   <p:clrMapOvr>
     <a:masterClrMapping/>
@@ -2529,21 +2353,12 @@
             </a:pPr>
             <a:fld id="{A06004EB-C740-4F3D-A864-243FCB14D11E}" type="slidenum">
               <a:rPr lang="zh-CN" altLang="en-US" smtClean="0"/>
-              <a:pPr>
-                <a:defRPr/>
-              </a:pPr>
-              <a:t>25</a:t>
             </a:fld>
             <a:endParaRPr lang="zh-CN" altLang="en-US"/>
           </a:p>
         </p:txBody>
       </p:sp>
     </p:spTree>
-    <p:extLst>
-      <p:ext uri="{BB962C8B-B14F-4D97-AF65-F5344CB8AC3E}">
-        <p14:creationId xmlns:p14="http://schemas.microsoft.com/office/powerpoint/2010/main" val="3791774519"/>
-      </p:ext>
-    </p:extLst>
   </p:cSld>
   <p:clrMapOvr>
     <a:masterClrMapping/>
@@ -2619,21 +2434,12 @@
             </a:pPr>
             <a:fld id="{A06004EB-C740-4F3D-A864-243FCB14D11E}" type="slidenum">
               <a:rPr lang="zh-CN" altLang="en-US" smtClean="0"/>
-              <a:pPr>
-                <a:defRPr/>
-              </a:pPr>
-              <a:t>26</a:t>
             </a:fld>
             <a:endParaRPr lang="zh-CN" altLang="en-US"/>
           </a:p>
         </p:txBody>
       </p:sp>
     </p:spTree>
-    <p:extLst>
-      <p:ext uri="{BB962C8B-B14F-4D97-AF65-F5344CB8AC3E}">
-        <p14:creationId xmlns:p14="http://schemas.microsoft.com/office/powerpoint/2010/main" val="731419553"/>
-      </p:ext>
-    </p:extLst>
   </p:cSld>
   <p:clrMapOvr>
     <a:masterClrMapping/>
@@ -2709,21 +2515,12 @@
             </a:pPr>
             <a:fld id="{A06004EB-C740-4F3D-A864-243FCB14D11E}" type="slidenum">
               <a:rPr lang="zh-CN" altLang="en-US" smtClean="0"/>
-              <a:pPr>
-                <a:defRPr/>
-              </a:pPr>
-              <a:t>27</a:t>
             </a:fld>
             <a:endParaRPr lang="zh-CN" altLang="en-US"/>
           </a:p>
         </p:txBody>
       </p:sp>
     </p:spTree>
-    <p:extLst>
-      <p:ext uri="{BB962C8B-B14F-4D97-AF65-F5344CB8AC3E}">
-        <p14:creationId xmlns:p14="http://schemas.microsoft.com/office/powerpoint/2010/main" val="599347752"/>
-      </p:ext>
-    </p:extLst>
   </p:cSld>
   <p:clrMapOvr>
     <a:masterClrMapping/>
@@ -2750,7 +2547,7 @@
       </p:grpSpPr>
       <p:sp>
         <p:nvSpPr>
-          <p:cNvPr id="2" name="幻灯片图像占位符 1"/>
+          <p:cNvPr id="2" name="Slide Image Placeholder 1"/>
           <p:cNvSpPr>
             <a:spLocks noGrp="1" noRot="1" noChangeAspect="1"/>
           </p:cNvSpPr>
@@ -2762,7 +2559,7 @@
       </p:sp>
       <p:sp>
         <p:nvSpPr>
-          <p:cNvPr id="3" name="备注占位符 2"/>
+          <p:cNvPr id="3" name="Notes Placeholder 2"/>
           <p:cNvSpPr>
             <a:spLocks noGrp="1"/>
           </p:cNvSpPr>
@@ -2775,13 +2572,21 @@
           <a:bodyPr/>
           <a:lstStyle/>
           <a:p>
-            <a:endParaRPr lang="zh-CN" altLang="en-US"/>
-          </a:p>
-        </p:txBody>
-      </p:sp>
-      <p:sp>
-        <p:nvSpPr>
-          <p:cNvPr id="4" name="灯片编号占位符 3"/>
+            <a:r>
+              <a:rPr lang="zh-CN" altLang="en-US" dirty="0" smtClean="0"/>
+              <a:t>去掉局部变量</a:t>
+            </a:r>
+            <a:r>
+              <a:rPr lang="zh-CN" altLang="en-US" baseline="0" dirty="0" smtClean="0"/>
+              <a:t> 调用层次可以更深</a:t>
+            </a:r>
+            <a:endParaRPr lang="zh-CN" altLang="en-US" dirty="0"/>
+          </a:p>
+        </p:txBody>
+      </p:sp>
+      <p:sp>
+        <p:nvSpPr>
+          <p:cNvPr id="4" name="Slide Number Placeholder 3"/>
           <p:cNvSpPr>
             <a:spLocks noGrp="1"/>
           </p:cNvSpPr>
@@ -2799,21 +2604,12 @@
             </a:pPr>
             <a:fld id="{A06004EB-C740-4F3D-A864-243FCB14D11E}" type="slidenum">
               <a:rPr lang="zh-CN" altLang="en-US" smtClean="0"/>
-              <a:pPr>
-                <a:defRPr/>
-              </a:pPr>
-              <a:t>28</a:t>
             </a:fld>
             <a:endParaRPr lang="zh-CN" altLang="en-US"/>
           </a:p>
         </p:txBody>
       </p:sp>
     </p:spTree>
-    <p:extLst>
-      <p:ext uri="{BB962C8B-B14F-4D97-AF65-F5344CB8AC3E}">
-        <p14:creationId xmlns:p14="http://schemas.microsoft.com/office/powerpoint/2010/main" val="3464790833"/>
-      </p:ext>
-    </p:extLst>
   </p:cSld>
   <p:clrMapOvr>
     <a:masterClrMapping/>
@@ -2889,21 +2685,12 @@
             </a:pPr>
             <a:fld id="{A06004EB-C740-4F3D-A864-243FCB14D11E}" type="slidenum">
               <a:rPr lang="zh-CN" altLang="en-US" smtClean="0"/>
-              <a:pPr>
-                <a:defRPr/>
-              </a:pPr>
-              <a:t>29</a:t>
             </a:fld>
             <a:endParaRPr lang="zh-CN" altLang="en-US"/>
           </a:p>
         </p:txBody>
       </p:sp>
     </p:spTree>
-    <p:extLst>
-      <p:ext uri="{BB962C8B-B14F-4D97-AF65-F5344CB8AC3E}">
-        <p14:creationId xmlns:p14="http://schemas.microsoft.com/office/powerpoint/2010/main" val="3011941643"/>
-      </p:ext>
-    </p:extLst>
   </p:cSld>
   <p:clrMapOvr>
     <a:masterClrMapping/>
@@ -2979,209 +2766,12 @@
             </a:pPr>
             <a:fld id="{A06004EB-C740-4F3D-A864-243FCB14D11E}" type="slidenum">
               <a:rPr lang="zh-CN" altLang="en-US" smtClean="0"/>
-              <a:pPr>
-                <a:defRPr/>
-              </a:pPr>
-              <a:t>3</a:t>
             </a:fld>
             <a:endParaRPr lang="zh-CN" altLang="en-US"/>
           </a:p>
         </p:txBody>
       </p:sp>
     </p:spTree>
-    <p:extLst>
-      <p:ext uri="{BB962C8B-B14F-4D97-AF65-F5344CB8AC3E}">
-        <p14:creationId xmlns:p14="http://schemas.microsoft.com/office/powerpoint/2010/main" val="1251054728"/>
-      </p:ext>
-    </p:extLst>
-  </p:cSld>
-  <p:clrMapOvr>
-    <a:masterClrMapping/>
-  </p:clrMapOvr>
-</p:notes>
-</file>
-
-<file path=ppt/notesSlides/notesSlide30.xml><?xml version="1.0" encoding="utf-8"?>
-<p:notes xmlns:a="http://schemas.openxmlformats.org/drawingml/2006/main" xmlns:r="http://schemas.openxmlformats.org/officeDocument/2006/relationships" xmlns:p="http://schemas.openxmlformats.org/presentationml/2006/main">
-  <p:cSld>
-    <p:spTree>
-      <p:nvGrpSpPr>
-        <p:cNvPr id="1" name=""/>
-        <p:cNvGrpSpPr/>
-        <p:nvPr/>
-      </p:nvGrpSpPr>
-      <p:grpSpPr>
-        <a:xfrm>
-          <a:off x="0" y="0"/>
-          <a:ext cx="0" cy="0"/>
-          <a:chOff x="0" y="0"/>
-          <a:chExt cx="0" cy="0"/>
-        </a:xfrm>
-      </p:grpSpPr>
-      <p:sp>
-        <p:nvSpPr>
-          <p:cNvPr id="2" name="Slide Image Placeholder 1"/>
-          <p:cNvSpPr>
-            <a:spLocks noGrp="1" noRot="1" noChangeAspect="1"/>
-          </p:cNvSpPr>
-          <p:nvPr>
-            <p:ph type="sldImg"/>
-          </p:nvPr>
-        </p:nvSpPr>
-        <p:spPr/>
-      </p:sp>
-      <p:sp>
-        <p:nvSpPr>
-          <p:cNvPr id="3" name="Notes Placeholder 2"/>
-          <p:cNvSpPr>
-            <a:spLocks noGrp="1"/>
-          </p:cNvSpPr>
-          <p:nvPr>
-            <p:ph type="body" idx="1"/>
-          </p:nvPr>
-        </p:nvSpPr>
-        <p:spPr/>
-        <p:txBody>
-          <a:bodyPr/>
-          <a:lstStyle/>
-          <a:p>
-            <a:r>
-              <a:rPr lang="zh-CN" altLang="en-US" dirty="0" smtClean="0"/>
-              <a:t>去掉局部变量</a:t>
-            </a:r>
-            <a:r>
-              <a:rPr lang="zh-CN" altLang="en-US" baseline="0" dirty="0" smtClean="0"/>
-              <a:t> 调用层次可以更深</a:t>
-            </a:r>
-            <a:endParaRPr lang="zh-CN" altLang="en-US" dirty="0"/>
-          </a:p>
-        </p:txBody>
-      </p:sp>
-      <p:sp>
-        <p:nvSpPr>
-          <p:cNvPr id="4" name="Slide Number Placeholder 3"/>
-          <p:cNvSpPr>
-            <a:spLocks noGrp="1"/>
-          </p:cNvSpPr>
-          <p:nvPr>
-            <p:ph type="sldNum" sz="quarter" idx="10"/>
-          </p:nvPr>
-        </p:nvSpPr>
-        <p:spPr/>
-        <p:txBody>
-          <a:bodyPr/>
-          <a:lstStyle/>
-          <a:p>
-            <a:pPr>
-              <a:defRPr/>
-            </a:pPr>
-            <a:fld id="{A06004EB-C740-4F3D-A864-243FCB14D11E}" type="slidenum">
-              <a:rPr lang="zh-CN" altLang="en-US" smtClean="0"/>
-              <a:pPr>
-                <a:defRPr/>
-              </a:pPr>
-              <a:t>30</a:t>
-            </a:fld>
-            <a:endParaRPr lang="zh-CN" altLang="en-US"/>
-          </a:p>
-        </p:txBody>
-      </p:sp>
-    </p:spTree>
-    <p:extLst>
-      <p:ext uri="{BB962C8B-B14F-4D97-AF65-F5344CB8AC3E}">
-        <p14:creationId xmlns:p14="http://schemas.microsoft.com/office/powerpoint/2010/main" val="3382072252"/>
-      </p:ext>
-    </p:extLst>
-  </p:cSld>
-  <p:clrMapOvr>
-    <a:masterClrMapping/>
-  </p:clrMapOvr>
-</p:notes>
-</file>
-
-<file path=ppt/notesSlides/notesSlide31.xml><?xml version="1.0" encoding="utf-8"?>
-<p:notes xmlns:a="http://schemas.openxmlformats.org/drawingml/2006/main" xmlns:r="http://schemas.openxmlformats.org/officeDocument/2006/relationships" xmlns:p="http://schemas.openxmlformats.org/presentationml/2006/main">
-  <p:cSld>
-    <p:spTree>
-      <p:nvGrpSpPr>
-        <p:cNvPr id="1" name=""/>
-        <p:cNvGrpSpPr/>
-        <p:nvPr/>
-      </p:nvGrpSpPr>
-      <p:grpSpPr>
-        <a:xfrm>
-          <a:off x="0" y="0"/>
-          <a:ext cx="0" cy="0"/>
-          <a:chOff x="0" y="0"/>
-          <a:chExt cx="0" cy="0"/>
-        </a:xfrm>
-      </p:grpSpPr>
-      <p:sp>
-        <p:nvSpPr>
-          <p:cNvPr id="2" name="幻灯片图像占位符 1"/>
-          <p:cNvSpPr>
-            <a:spLocks noGrp="1" noRot="1" noChangeAspect="1"/>
-          </p:cNvSpPr>
-          <p:nvPr>
-            <p:ph type="sldImg"/>
-          </p:nvPr>
-        </p:nvSpPr>
-        <p:spPr/>
-      </p:sp>
-      <p:sp>
-        <p:nvSpPr>
-          <p:cNvPr id="3" name="备注占位符 2"/>
-          <p:cNvSpPr>
-            <a:spLocks noGrp="1"/>
-          </p:cNvSpPr>
-          <p:nvPr>
-            <p:ph type="body" idx="1"/>
-          </p:nvPr>
-        </p:nvSpPr>
-        <p:spPr/>
-        <p:txBody>
-          <a:bodyPr/>
-          <a:lstStyle/>
-          <a:p>
-            <a:endParaRPr lang="zh-CN" altLang="en-US"/>
-          </a:p>
-        </p:txBody>
-      </p:sp>
-      <p:sp>
-        <p:nvSpPr>
-          <p:cNvPr id="4" name="灯片编号占位符 3"/>
-          <p:cNvSpPr>
-            <a:spLocks noGrp="1"/>
-          </p:cNvSpPr>
-          <p:nvPr>
-            <p:ph type="sldNum" sz="quarter" idx="10"/>
-          </p:nvPr>
-        </p:nvSpPr>
-        <p:spPr/>
-        <p:txBody>
-          <a:bodyPr/>
-          <a:lstStyle/>
-          <a:p>
-            <a:pPr>
-              <a:defRPr/>
-            </a:pPr>
-            <a:fld id="{A06004EB-C740-4F3D-A864-243FCB14D11E}" type="slidenum">
-              <a:rPr lang="zh-CN" altLang="en-US" smtClean="0"/>
-              <a:pPr>
-                <a:defRPr/>
-              </a:pPr>
-              <a:t>31</a:t>
-            </a:fld>
-            <a:endParaRPr lang="zh-CN" altLang="en-US"/>
-          </a:p>
-        </p:txBody>
-      </p:sp>
-    </p:spTree>
-    <p:extLst>
-      <p:ext uri="{BB962C8B-B14F-4D97-AF65-F5344CB8AC3E}">
-        <p14:creationId xmlns:p14="http://schemas.microsoft.com/office/powerpoint/2010/main" val="133393159"/>
-      </p:ext>
-    </p:extLst>
   </p:cSld>
   <p:clrMapOvr>
     <a:masterClrMapping/>
@@ -3257,21 +2847,12 @@
             </a:pPr>
             <a:fld id="{A06004EB-C740-4F3D-A864-243FCB14D11E}" type="slidenum">
               <a:rPr lang="zh-CN" altLang="en-US" smtClean="0"/>
-              <a:pPr>
-                <a:defRPr/>
-              </a:pPr>
-              <a:t>4</a:t>
             </a:fld>
             <a:endParaRPr lang="zh-CN" altLang="en-US"/>
           </a:p>
         </p:txBody>
       </p:sp>
     </p:spTree>
-    <p:extLst>
-      <p:ext uri="{BB962C8B-B14F-4D97-AF65-F5344CB8AC3E}">
-        <p14:creationId xmlns:p14="http://schemas.microsoft.com/office/powerpoint/2010/main" val="1650993753"/>
-      </p:ext>
-    </p:extLst>
   </p:cSld>
   <p:clrMapOvr>
     <a:masterClrMapping/>
@@ -3347,21 +2928,12 @@
             </a:pPr>
             <a:fld id="{A06004EB-C740-4F3D-A864-243FCB14D11E}" type="slidenum">
               <a:rPr lang="zh-CN" altLang="en-US" smtClean="0"/>
-              <a:pPr>
-                <a:defRPr/>
-              </a:pPr>
-              <a:t>5</a:t>
             </a:fld>
             <a:endParaRPr lang="zh-CN" altLang="en-US"/>
           </a:p>
         </p:txBody>
       </p:sp>
     </p:spTree>
-    <p:extLst>
-      <p:ext uri="{BB962C8B-B14F-4D97-AF65-F5344CB8AC3E}">
-        <p14:creationId xmlns:p14="http://schemas.microsoft.com/office/powerpoint/2010/main" val="2229508603"/>
-      </p:ext>
-    </p:extLst>
   </p:cSld>
   <p:clrMapOvr>
     <a:masterClrMapping/>
@@ -3437,21 +3009,12 @@
             </a:pPr>
             <a:fld id="{A06004EB-C740-4F3D-A864-243FCB14D11E}" type="slidenum">
               <a:rPr lang="zh-CN" altLang="en-US" smtClean="0"/>
-              <a:pPr>
-                <a:defRPr/>
-              </a:pPr>
-              <a:t>6</a:t>
             </a:fld>
             <a:endParaRPr lang="zh-CN" altLang="en-US"/>
           </a:p>
         </p:txBody>
       </p:sp>
     </p:spTree>
-    <p:extLst>
-      <p:ext uri="{BB962C8B-B14F-4D97-AF65-F5344CB8AC3E}">
-        <p14:creationId xmlns:p14="http://schemas.microsoft.com/office/powerpoint/2010/main" val="2357488841"/>
-      </p:ext>
-    </p:extLst>
   </p:cSld>
   <p:clrMapOvr>
     <a:masterClrMapping/>
@@ -3527,21 +3090,12 @@
             </a:pPr>
             <a:fld id="{A06004EB-C740-4F3D-A864-243FCB14D11E}" type="slidenum">
               <a:rPr lang="zh-CN" altLang="en-US" smtClean="0"/>
-              <a:pPr>
-                <a:defRPr/>
-              </a:pPr>
-              <a:t>7</a:t>
             </a:fld>
             <a:endParaRPr lang="zh-CN" altLang="en-US"/>
           </a:p>
         </p:txBody>
       </p:sp>
     </p:spTree>
-    <p:extLst>
-      <p:ext uri="{BB962C8B-B14F-4D97-AF65-F5344CB8AC3E}">
-        <p14:creationId xmlns:p14="http://schemas.microsoft.com/office/powerpoint/2010/main" val="2614531311"/>
-      </p:ext>
-    </p:extLst>
   </p:cSld>
   <p:clrMapOvr>
     <a:masterClrMapping/>
@@ -3617,21 +3171,12 @@
             </a:pPr>
             <a:fld id="{A06004EB-C740-4F3D-A864-243FCB14D11E}" type="slidenum">
               <a:rPr lang="zh-CN" altLang="en-US" smtClean="0"/>
-              <a:pPr>
-                <a:defRPr/>
-              </a:pPr>
-              <a:t>8</a:t>
             </a:fld>
             <a:endParaRPr lang="zh-CN" altLang="en-US"/>
           </a:p>
         </p:txBody>
       </p:sp>
     </p:spTree>
-    <p:extLst>
-      <p:ext uri="{BB962C8B-B14F-4D97-AF65-F5344CB8AC3E}">
-        <p14:creationId xmlns:p14="http://schemas.microsoft.com/office/powerpoint/2010/main" val="2401274693"/>
-      </p:ext>
-    </p:extLst>
   </p:cSld>
   <p:clrMapOvr>
     <a:masterClrMapping/>
@@ -3707,21 +3252,12 @@
             </a:pPr>
             <a:fld id="{A06004EB-C740-4F3D-A864-243FCB14D11E}" type="slidenum">
               <a:rPr lang="zh-CN" altLang="en-US" smtClean="0"/>
-              <a:pPr>
-                <a:defRPr/>
-              </a:pPr>
-              <a:t>9</a:t>
             </a:fld>
             <a:endParaRPr lang="zh-CN" altLang="en-US"/>
           </a:p>
         </p:txBody>
       </p:sp>
     </p:spTree>
-    <p:extLst>
-      <p:ext uri="{BB962C8B-B14F-4D97-AF65-F5344CB8AC3E}">
-        <p14:creationId xmlns:p14="http://schemas.microsoft.com/office/powerpoint/2010/main" val="3768302416"/>
-      </p:ext>
-    </p:extLst>
   </p:cSld>
   <p:clrMapOvr>
     <a:masterClrMapping/>
@@ -3730,7 +3266,7 @@
 </file>
 
 <file path=ppt/slideLayouts/slideLayout1.xml><?xml version="1.0" encoding="utf-8"?>
-<p:sldLayout xmlns:a="http://schemas.openxmlformats.org/drawingml/2006/main" xmlns:r="http://schemas.openxmlformats.org/officeDocument/2006/relationships" xmlns:p="http://schemas.openxmlformats.org/presentationml/2006/main" showMasterSp="0" preserve="1" userDrawn="1">
+<p:sldLayout xmlns:a="http://schemas.openxmlformats.org/drawingml/2006/main" xmlns:r="http://schemas.openxmlformats.org/officeDocument/2006/relationships" xmlns:p="http://schemas.openxmlformats.org/presentationml/2006/main" preserve="1" showMasterSp="0" userDrawn="1">
   <p:cSld name="标题幻灯片">
     <p:spTree>
       <p:nvGrpSpPr>
@@ -3749,9 +3285,7 @@
       <p:sp>
         <p:nvSpPr>
           <p:cNvPr id="4" name="页脚占位符 4"/>
-          <p:cNvSpPr txBox="1">
-            <a:spLocks/>
-          </p:cNvSpPr>
+          <p:cNvSpPr txBox="1"/>
           <p:nvPr userDrawn="1"/>
         </p:nvSpPr>
         <p:spPr>
@@ -3794,8 +3328,8 @@
                   </a:schemeClr>
                 </a:solidFill>
                 <a:effectLst/>
-                <a:latin typeface="Arial" charset="0"/>
-                <a:ea typeface="微软雅黑" pitchFamily="34" charset="-122"/>
+                <a:latin typeface="Arial" panose="020B0604020202020204" pitchFamily="34" charset="0"/>
+                <a:ea typeface="微软雅黑" panose="020B0503020204020204" pitchFamily="34" charset="-122"/>
                 <a:cs typeface="+mn-cs"/>
               </a:rPr>
               <a:t>深入</a:t>
@@ -3808,8 +3342,8 @@
                   </a:schemeClr>
                 </a:solidFill>
                 <a:effectLst/>
-                <a:latin typeface="Arial" charset="0"/>
-                <a:ea typeface="微软雅黑" pitchFamily="34" charset="-122"/>
+                <a:latin typeface="Arial" panose="020B0604020202020204" pitchFamily="34" charset="0"/>
+                <a:ea typeface="微软雅黑" panose="020B0503020204020204" pitchFamily="34" charset="-122"/>
                 <a:cs typeface="+mn-cs"/>
               </a:rPr>
               <a:t>JVM</a:t>
@@ -3822,8 +3356,8 @@
                   </a:schemeClr>
                 </a:solidFill>
                 <a:effectLst/>
-                <a:latin typeface="Arial" charset="0"/>
-                <a:ea typeface="微软雅黑" pitchFamily="34" charset="-122"/>
+                <a:latin typeface="Arial" panose="020B0604020202020204" pitchFamily="34" charset="0"/>
+                <a:ea typeface="微软雅黑" panose="020B0503020204020204" pitchFamily="34" charset="-122"/>
                 <a:cs typeface="+mn-cs"/>
               </a:rPr>
               <a:t>内核</a:t>
@@ -3836,8 +3370,8 @@
                   </a:schemeClr>
                 </a:solidFill>
                 <a:effectLst/>
-                <a:latin typeface="Arial" charset="0"/>
-                <a:ea typeface="微软雅黑" pitchFamily="34" charset="-122"/>
+                <a:latin typeface="Arial" panose="020B0604020202020204" pitchFamily="34" charset="0"/>
+                <a:ea typeface="微软雅黑" panose="020B0503020204020204" pitchFamily="34" charset="-122"/>
                 <a:cs typeface="+mn-cs"/>
               </a:rPr>
               <a:t>——</a:t>
@@ -3850,23 +3384,23 @@
                   </a:schemeClr>
                 </a:solidFill>
                 <a:effectLst/>
-                <a:latin typeface="Arial" charset="0"/>
-                <a:ea typeface="微软雅黑" pitchFamily="34" charset="-122"/>
+                <a:latin typeface="Arial" panose="020B0604020202020204" pitchFamily="34" charset="0"/>
+                <a:ea typeface="微软雅黑" panose="020B0503020204020204" pitchFamily="34" charset="-122"/>
                 <a:cs typeface="+mn-cs"/>
               </a:rPr>
               <a:t>原理、诊断与优化    讲师 </a:t>
             </a:r>
             <a:r>
               <a:rPr lang="zh-CN" altLang="en-US" sz="1200" baseline="0" dirty="0" smtClean="0">
-                <a:latin typeface="微软雅黑" pitchFamily="34" charset="-122"/>
-                <a:ea typeface="微软雅黑" pitchFamily="34" charset="-122"/>
+                <a:latin typeface="微软雅黑" panose="020B0503020204020204" pitchFamily="34" charset="-122"/>
+                <a:ea typeface="微软雅黑" panose="020B0503020204020204" pitchFamily="34" charset="-122"/>
                 <a:cs typeface="Arial Unicode MS" pitchFamily="34" charset="-122"/>
               </a:rPr>
               <a:t>葛一鸣</a:t>
             </a:r>
             <a:endParaRPr lang="en-US" altLang="zh-CN" sz="1200" baseline="0" dirty="0" smtClean="0">
-              <a:latin typeface="微软雅黑" pitchFamily="34" charset="-122"/>
-              <a:ea typeface="微软雅黑" pitchFamily="34" charset="-122"/>
+              <a:latin typeface="微软雅黑" panose="020B0503020204020204" pitchFamily="34" charset="-122"/>
+              <a:ea typeface="微软雅黑" panose="020B0503020204020204" pitchFamily="34" charset="-122"/>
               <a:cs typeface="Arial Unicode MS" pitchFamily="34" charset="-122"/>
             </a:endParaRPr>
           </a:p>
@@ -3882,23 +3416,23 @@
             </a:pPr>
             <a:r>
               <a:rPr lang="zh-CN" altLang="en-US" sz="1200" baseline="0" dirty="0" smtClean="0">
-                <a:latin typeface="微软雅黑" pitchFamily="34" charset="-122"/>
-                <a:ea typeface="微软雅黑" pitchFamily="34" charset="-122"/>
+                <a:latin typeface="微软雅黑" panose="020B0503020204020204" pitchFamily="34" charset="-122"/>
+                <a:ea typeface="微软雅黑" panose="020B0503020204020204" pitchFamily="34" charset="-122"/>
                 <a:cs typeface="Arial Unicode MS" pitchFamily="34" charset="-122"/>
               </a:rPr>
               <a:t>主页 </a:t>
             </a:r>
             <a:r>
               <a:rPr lang="en-US" altLang="zh-CN" sz="1200" baseline="0" dirty="0" smtClean="0">
-                <a:latin typeface="微软雅黑" pitchFamily="34" charset="-122"/>
-                <a:ea typeface="微软雅黑" pitchFamily="34" charset="-122"/>
+                <a:latin typeface="微软雅黑" panose="020B0503020204020204" pitchFamily="34" charset="-122"/>
+                <a:ea typeface="微软雅黑" panose="020B0503020204020204" pitchFamily="34" charset="-122"/>
                 <a:cs typeface="Arial Unicode MS" pitchFamily="34" charset="-122"/>
               </a:rPr>
               <a:t>http://www.uucode.net</a:t>
             </a:r>
             <a:endParaRPr lang="zh-CN" altLang="en-US" sz="1200" dirty="0">
-              <a:latin typeface="微软雅黑" pitchFamily="34" charset="-122"/>
-              <a:ea typeface="微软雅黑" pitchFamily="34" charset="-122"/>
+              <a:latin typeface="微软雅黑" panose="020B0503020204020204" pitchFamily="34" charset="-122"/>
+              <a:ea typeface="微软雅黑" panose="020B0503020204020204" pitchFamily="34" charset="-122"/>
               <a:cs typeface="Arial Unicode MS" pitchFamily="34" charset="-122"/>
             </a:endParaRPr>
           </a:p>
@@ -3907,9 +3441,7 @@
       <p:grpSp>
         <p:nvGrpSpPr>
           <p:cNvPr id="5" name="组合 19"/>
-          <p:cNvGrpSpPr>
-            <a:grpSpLocks/>
-          </p:cNvGrpSpPr>
+          <p:cNvGrpSpPr/>
           <p:nvPr userDrawn="1"/>
         </p:nvGrpSpPr>
         <p:grpSpPr bwMode="auto">
@@ -4142,10 +3674,10 @@
                 </a:solidFill>
                 <a:latin typeface="+mn-ea"/>
                 <a:ea typeface="+mn-ea"/>
-                <a:sym typeface="Wingdings" pitchFamily="2" charset="2"/>
+                <a:sym typeface="Wingdings" panose="05000000000000000000" pitchFamily="2" charset="2"/>
               </a:defRPr>
             </a:lvl1pPr>
-            <a:lvl2pPr marL="544662" indent="0" algn="ctr">
+            <a:lvl2pPr marL="544830" indent="0" algn="ctr">
               <a:buNone/>
               <a:defRPr>
                 <a:solidFill>
@@ -4155,7 +3687,7 @@
                 </a:solidFill>
               </a:defRPr>
             </a:lvl2pPr>
-            <a:lvl3pPr marL="1089325" indent="0" algn="ctr">
+            <a:lvl3pPr marL="1089025" indent="0" algn="ctr">
               <a:buNone/>
               <a:defRPr>
                 <a:solidFill>
@@ -4165,7 +3697,7 @@
                 </a:solidFill>
               </a:defRPr>
             </a:lvl3pPr>
-            <a:lvl4pPr marL="1633987" indent="0" algn="ctr">
+            <a:lvl4pPr marL="1633855" indent="0" algn="ctr">
               <a:buNone/>
               <a:defRPr>
                 <a:solidFill>
@@ -4175,7 +3707,7 @@
                 </a:solidFill>
               </a:defRPr>
             </a:lvl4pPr>
-            <a:lvl5pPr marL="2178649" indent="0" algn="ctr">
+            <a:lvl5pPr marL="2178685" indent="0" algn="ctr">
               <a:buNone/>
               <a:defRPr>
                 <a:solidFill>
@@ -4185,7 +3717,7 @@
                 </a:solidFill>
               </a:defRPr>
             </a:lvl5pPr>
-            <a:lvl6pPr marL="2723312" indent="0" algn="ctr">
+            <a:lvl6pPr marL="2723515" indent="0" algn="ctr">
               <a:buNone/>
               <a:defRPr>
                 <a:solidFill>
@@ -4195,7 +3727,7 @@
                 </a:solidFill>
               </a:defRPr>
             </a:lvl6pPr>
-            <a:lvl7pPr marL="3267974" indent="0" algn="ctr">
+            <a:lvl7pPr marL="3267710" indent="0" algn="ctr">
               <a:buNone/>
               <a:defRPr>
                 <a:solidFill>
@@ -4205,7 +3737,7 @@
                 </a:solidFill>
               </a:defRPr>
             </a:lvl7pPr>
-            <a:lvl8pPr marL="3812637" indent="0" algn="ctr">
+            <a:lvl8pPr marL="3812540" indent="0" algn="ctr">
               <a:buNone/>
               <a:defRPr>
                 <a:solidFill>
@@ -4215,7 +3747,7 @@
                 </a:solidFill>
               </a:defRPr>
             </a:lvl8pPr>
-            <a:lvl9pPr marL="4357299" indent="0" algn="ctr">
+            <a:lvl9pPr marL="4357370" indent="0" algn="ctr">
               <a:buNone/>
               <a:defRPr>
                 <a:solidFill>
@@ -4336,7 +3868,7 @@
           <a:bodyPr/>
           <a:lstStyle>
             <a:lvl1pPr>
-              <a:buFont typeface="Wingdings" pitchFamily="2" charset="2"/>
+              <a:buFont typeface="Wingdings" panose="05000000000000000000" pitchFamily="2" charset="2"/>
               <a:buChar char="n"/>
               <a:defRPr/>
             </a:lvl1pPr>
@@ -4347,6 +3879,7 @@
               <a:rPr lang="zh-CN" altLang="en-US" dirty="0" smtClean="0"/>
               <a:t>单击此处编辑母版文本样式</a:t>
             </a:r>
+            <a:endParaRPr lang="zh-CN" altLang="en-US" dirty="0" smtClean="0"/>
           </a:p>
           <a:p>
             <a:pPr lvl="1"/>
@@ -4354,6 +3887,7 @@
               <a:rPr lang="zh-CN" altLang="en-US" dirty="0" smtClean="0"/>
               <a:t>第二级</a:t>
             </a:r>
+            <a:endParaRPr lang="zh-CN" altLang="en-US" dirty="0" smtClean="0"/>
           </a:p>
           <a:p>
             <a:pPr lvl="2"/>
@@ -4361,6 +3895,7 @@
               <a:rPr lang="zh-CN" altLang="en-US" dirty="0" smtClean="0"/>
               <a:t>第三级</a:t>
             </a:r>
+            <a:endParaRPr lang="zh-CN" altLang="en-US" dirty="0" smtClean="0"/>
           </a:p>
           <a:p>
             <a:pPr lvl="3"/>
@@ -4368,6 +3903,7 @@
               <a:rPr lang="zh-CN" altLang="en-US" dirty="0" smtClean="0"/>
               <a:t>第四级</a:t>
             </a:r>
+            <a:endParaRPr lang="zh-CN" altLang="en-US" dirty="0" smtClean="0"/>
           </a:p>
           <a:p>
             <a:pPr lvl="4"/>
@@ -4455,7 +3991,7 @@
           <a:bodyPr/>
           <a:lstStyle>
             <a:lvl1pPr>
-              <a:buFont typeface="Wingdings" pitchFamily="2" charset="2"/>
+              <a:buFont typeface="Wingdings" panose="05000000000000000000" pitchFamily="2" charset="2"/>
               <a:buChar char="n"/>
               <a:defRPr/>
             </a:lvl1pPr>
@@ -4466,6 +4002,7 @@
               <a:rPr lang="zh-CN" altLang="en-US" smtClean="0"/>
               <a:t>单击此处编辑母版文本样式</a:t>
             </a:r>
+            <a:endParaRPr lang="zh-CN" altLang="en-US" smtClean="0"/>
           </a:p>
         </p:txBody>
       </p:sp>
@@ -4501,10 +4038,6 @@
             </a:pPr>
             <a:fld id="{C9F260F8-0F8D-4271-AB2B-8487BB54F279}" type="datetime1">
               <a:rPr lang="zh-CN" altLang="en-US"/>
-              <a:pPr>
-                <a:defRPr/>
-              </a:pPr>
-              <a:t>2014/7/7</a:t>
             </a:fld>
             <a:endParaRPr lang="zh-CN" altLang="en-US"/>
           </a:p>
@@ -4622,10 +4155,6 @@
             </a:pPr>
             <a:fld id="{FFADEFA4-4608-418A-84AC-D4C3F38BFDE0}" type="datetime1">
               <a:rPr lang="zh-CN" altLang="en-US"/>
-              <a:pPr>
-                <a:defRPr/>
-              </a:pPr>
-              <a:t>2014/7/7</a:t>
             </a:fld>
             <a:endParaRPr lang="zh-CN" altLang="en-US"/>
           </a:p>
@@ -4640,7 +4169,7 @@
 </file>
 
 <file path=ppt/slideLayouts/slideLayout6.xml><?xml version="1.0" encoding="utf-8"?>
-<p:sldLayout xmlns:a="http://schemas.openxmlformats.org/drawingml/2006/main" xmlns:r="http://schemas.openxmlformats.org/officeDocument/2006/relationships" xmlns:p="http://schemas.openxmlformats.org/presentationml/2006/main" showMasterSp="0" preserve="1" userDrawn="1">
+<p:sldLayout xmlns:a="http://schemas.openxmlformats.org/drawingml/2006/main" xmlns:r="http://schemas.openxmlformats.org/officeDocument/2006/relationships" xmlns:p="http://schemas.openxmlformats.org/presentationml/2006/main" preserve="1" showMasterSp="0" userDrawn="1">
   <p:cSld name="1_标题幻灯片">
     <p:spTree>
       <p:nvGrpSpPr>
@@ -4772,9 +4301,7 @@
       <p:sp>
         <p:nvSpPr>
           <p:cNvPr id="4" name="页脚占位符 4"/>
-          <p:cNvSpPr txBox="1">
-            <a:spLocks/>
-          </p:cNvSpPr>
+          <p:cNvSpPr txBox="1"/>
           <p:nvPr userDrawn="1"/>
         </p:nvSpPr>
         <p:spPr>
@@ -5013,7 +4540,7 @@
                 <a:solidFill>
                   <a:schemeClr val="bg1"/>
                 </a:solidFill>
-                <a:latin typeface="Arial Black" pitchFamily="34" charset="0"/>
+                <a:latin typeface="Arial Black" panose="020B0A04020102020204" pitchFamily="34" charset="0"/>
                 <a:ea typeface="+mn-ea"/>
               </a:rPr>
               <a:t>FAQ</a:t>
@@ -5023,7 +4550,7 @@
                 <a:solidFill>
                   <a:schemeClr val="bg1"/>
                 </a:solidFill>
-                <a:latin typeface="Arial Black" pitchFamily="34" charset="0"/>
+                <a:latin typeface="Arial Black" panose="020B0A04020102020204" pitchFamily="34" charset="0"/>
                 <a:ea typeface="+mn-ea"/>
               </a:rPr>
               <a:t>时间</a:t>
@@ -5032,7 +4559,7 @@
               <a:solidFill>
                 <a:schemeClr val="bg1"/>
               </a:solidFill>
-              <a:latin typeface="Arial Black" pitchFamily="34" charset="0"/>
+              <a:latin typeface="Arial Black" panose="020B0A04020102020204" pitchFamily="34" charset="0"/>
               <a:ea typeface="+mn-ea"/>
             </a:endParaRPr>
           </a:p>
@@ -5116,16 +4643,10 @@
           <a:ln w="9525">
             <a:noFill/>
             <a:miter lim="800000"/>
-            <a:headEnd/>
-            <a:tailEnd/>
           </a:ln>
         </p:spPr>
         <p:txBody>
-          <a:bodyPr vert="horz" wrap="square" lIns="108932" tIns="54466" rIns="108932" bIns="54466" numCol="1" anchor="ctr" anchorCtr="0" compatLnSpc="1">
-            <a:prstTxWarp prst="textNoShape">
-              <a:avLst/>
-            </a:prstTxWarp>
-          </a:bodyPr>
+          <a:bodyPr vert="horz" wrap="square" lIns="108932" tIns="54466" rIns="108932" bIns="54466" numCol="1" anchor="ctr" anchorCtr="0" compatLnSpc="1"/>
           <a:lstStyle/>
           <a:p>
             <a:pPr lvl="0"/>
@@ -5133,6 +4654,7 @@
               <a:rPr lang="zh-CN" altLang="en-US" dirty="0" smtClean="0"/>
               <a:t>单击此处编辑母版标题样式</a:t>
             </a:r>
+            <a:endParaRPr lang="zh-CN" altLang="en-US" dirty="0" smtClean="0"/>
           </a:p>
         </p:txBody>
       </p:sp>
@@ -5158,16 +4680,10 @@
           <a:ln w="9525">
             <a:noFill/>
             <a:miter lim="800000"/>
-            <a:headEnd/>
-            <a:tailEnd/>
           </a:ln>
         </p:spPr>
         <p:txBody>
-          <a:bodyPr vert="horz" wrap="square" lIns="108932" tIns="54466" rIns="108932" bIns="54466" numCol="1" anchor="t" anchorCtr="0" compatLnSpc="1">
-            <a:prstTxWarp prst="textNoShape">
-              <a:avLst/>
-            </a:prstTxWarp>
-          </a:bodyPr>
+          <a:bodyPr vert="horz" wrap="square" lIns="108932" tIns="54466" rIns="108932" bIns="54466" numCol="1" anchor="t" anchorCtr="0" compatLnSpc="1"/>
           <a:lstStyle/>
           <a:p>
             <a:pPr lvl="0"/>
@@ -5175,6 +4691,7 @@
               <a:rPr lang="zh-CN" altLang="en-US" dirty="0" smtClean="0"/>
               <a:t>单击此处编辑母版文本样式</a:t>
             </a:r>
+            <a:endParaRPr lang="zh-CN" altLang="en-US" dirty="0" smtClean="0"/>
           </a:p>
           <a:p>
             <a:pPr lvl="1"/>
@@ -5182,6 +4699,7 @@
               <a:rPr lang="zh-CN" altLang="en-US" dirty="0" smtClean="0"/>
               <a:t>第二级</a:t>
             </a:r>
+            <a:endParaRPr lang="zh-CN" altLang="en-US" dirty="0" smtClean="0"/>
           </a:p>
           <a:p>
             <a:pPr lvl="2"/>
@@ -5189,6 +4707,7 @@
               <a:rPr lang="zh-CN" altLang="en-US" dirty="0" smtClean="0"/>
               <a:t>第三级</a:t>
             </a:r>
+            <a:endParaRPr lang="zh-CN" altLang="en-US" dirty="0" smtClean="0"/>
           </a:p>
           <a:p>
             <a:pPr lvl="3"/>
@@ -5196,6 +4715,7 @@
               <a:rPr lang="zh-CN" altLang="en-US" dirty="0" smtClean="0"/>
               <a:t>第四级</a:t>
             </a:r>
+            <a:endParaRPr lang="zh-CN" altLang="en-US" dirty="0" smtClean="0"/>
           </a:p>
           <a:p>
             <a:pPr lvl="4"/>
@@ -5203,6 +4723,7 @@
               <a:rPr lang="zh-CN" altLang="en-US" dirty="0" smtClean="0"/>
               <a:t>第五级</a:t>
             </a:r>
+            <a:endParaRPr lang="zh-CN" altLang="en-US" dirty="0" smtClean="0"/>
           </a:p>
         </p:txBody>
       </p:sp>
@@ -5246,9 +4767,7 @@
       <p:sp>
         <p:nvSpPr>
           <p:cNvPr id="17" name="页脚占位符 4"/>
-          <p:cNvSpPr txBox="1">
-            <a:spLocks/>
-          </p:cNvSpPr>
+          <p:cNvSpPr txBox="1"/>
           <p:nvPr userDrawn="1"/>
         </p:nvSpPr>
         <p:spPr>
@@ -5291,8 +4810,8 @@
                   </a:schemeClr>
                 </a:solidFill>
                 <a:effectLst/>
-                <a:latin typeface="Arial" charset="0"/>
-                <a:ea typeface="宋体" pitchFamily="2" charset="-122"/>
+                <a:latin typeface="Arial" panose="020B0604020202020204" pitchFamily="34" charset="0"/>
+                <a:ea typeface="宋体" panose="02010600030101010101" pitchFamily="2" charset="-122"/>
                 <a:cs typeface="+mn-cs"/>
               </a:rPr>
               <a:t>深入</a:t>
@@ -5305,8 +4824,8 @@
                   </a:schemeClr>
                 </a:solidFill>
                 <a:effectLst/>
-                <a:latin typeface="Arial" charset="0"/>
-                <a:ea typeface="宋体" pitchFamily="2" charset="-122"/>
+                <a:latin typeface="Arial" panose="020B0604020202020204" pitchFamily="34" charset="0"/>
+                <a:ea typeface="宋体" panose="02010600030101010101" pitchFamily="2" charset="-122"/>
                 <a:cs typeface="+mn-cs"/>
               </a:rPr>
               <a:t>JVM</a:t>
@@ -5319,8 +4838,8 @@
                   </a:schemeClr>
                 </a:solidFill>
                 <a:effectLst/>
-                <a:latin typeface="Arial" charset="0"/>
-                <a:ea typeface="宋体" pitchFamily="2" charset="-122"/>
+                <a:latin typeface="Arial" panose="020B0604020202020204" pitchFamily="34" charset="0"/>
+                <a:ea typeface="宋体" panose="02010600030101010101" pitchFamily="2" charset="-122"/>
                 <a:cs typeface="+mn-cs"/>
               </a:rPr>
               <a:t>内核</a:t>
@@ -5333,8 +4852,8 @@
                   </a:schemeClr>
                 </a:solidFill>
                 <a:effectLst/>
-                <a:latin typeface="Arial" charset="0"/>
-                <a:ea typeface="宋体" pitchFamily="2" charset="-122"/>
+                <a:latin typeface="Arial" panose="020B0604020202020204" pitchFamily="34" charset="0"/>
+                <a:ea typeface="宋体" panose="02010600030101010101" pitchFamily="2" charset="-122"/>
                 <a:cs typeface="+mn-cs"/>
               </a:rPr>
               <a:t>——</a:t>
@@ -5347,8 +4866,8 @@
                   </a:schemeClr>
                 </a:solidFill>
                 <a:effectLst/>
-                <a:latin typeface="Arial" charset="0"/>
-                <a:ea typeface="宋体" pitchFamily="2" charset="-122"/>
+                <a:latin typeface="Arial" panose="020B0604020202020204" pitchFamily="34" charset="0"/>
+                <a:ea typeface="宋体" panose="02010600030101010101" pitchFamily="2" charset="-122"/>
                 <a:cs typeface="+mn-cs"/>
               </a:rPr>
               <a:t>原理、诊断与优化    讲师 </a:t>
@@ -5465,9 +4984,7 @@
       <p:grpSp>
         <p:nvGrpSpPr>
           <p:cNvPr id="2059" name="组合 18"/>
-          <p:cNvGrpSpPr>
-            <a:grpSpLocks/>
-          </p:cNvGrpSpPr>
+          <p:cNvGrpSpPr/>
           <p:nvPr userDrawn="1"/>
         </p:nvGrpSpPr>
         <p:grpSpPr bwMode="auto">
@@ -5644,7 +5161,7 @@
           <p:nvPr userDrawn="1"/>
         </p:nvPicPr>
         <p:blipFill>
-          <a:blip r:embed="rId8" cstate="print"/>
+          <a:blip r:embed="rId7" cstate="print"/>
           <a:srcRect/>
           <a:stretch>
             <a:fillRect/>
@@ -5665,12 +5182,12 @@
   </p:cSld>
   <p:clrMap bg1="lt1" tx1="dk1" bg2="lt2" tx2="dk2" accent1="accent1" accent2="accent2" accent3="accent3" accent4="accent4" accent5="accent5" accent6="accent6" hlink="hlink" folHlink="folHlink"/>
   <p:sldLayoutIdLst>
-    <p:sldLayoutId id="2147483726" r:id="rId1"/>
-    <p:sldLayoutId id="2147483722" r:id="rId2"/>
-    <p:sldLayoutId id="2147483723" r:id="rId3"/>
-    <p:sldLayoutId id="2147483724" r:id="rId4"/>
-    <p:sldLayoutId id="2147483725" r:id="rId5"/>
-    <p:sldLayoutId id="2147483727" r:id="rId6"/>
+    <p:sldLayoutId id="2147483649" r:id="rId1"/>
+    <p:sldLayoutId id="2147483650" r:id="rId2"/>
+    <p:sldLayoutId id="2147483651" r:id="rId3"/>
+    <p:sldLayoutId id="2147483652" r:id="rId4"/>
+    <p:sldLayoutId id="2147483653" r:id="rId5"/>
+    <p:sldLayoutId id="2147483654" r:id="rId6"/>
   </p:sldLayoutIdLst>
   <p:timing>
     <p:tnLst>
@@ -5709,8 +5226,8 @@
           <a:solidFill>
             <a:schemeClr val="tx1"/>
           </a:solidFill>
-          <a:latin typeface="微软雅黑" pitchFamily="34" charset="-122"/>
-          <a:ea typeface="微软雅黑" pitchFamily="34" charset="-122"/>
+          <a:latin typeface="微软雅黑" panose="020B0503020204020204" pitchFamily="34" charset="-122"/>
+          <a:ea typeface="微软雅黑" panose="020B0503020204020204" pitchFamily="34" charset="-122"/>
         </a:defRPr>
       </a:lvl2pPr>
       <a:lvl3pPr algn="l" rtl="0" eaLnBrk="0" fontAlgn="base" hangingPunct="0">
@@ -5724,8 +5241,8 @@
           <a:solidFill>
             <a:schemeClr val="tx1"/>
           </a:solidFill>
-          <a:latin typeface="微软雅黑" pitchFamily="34" charset="-122"/>
-          <a:ea typeface="微软雅黑" pitchFamily="34" charset="-122"/>
+          <a:latin typeface="微软雅黑" panose="020B0503020204020204" pitchFamily="34" charset="-122"/>
+          <a:ea typeface="微软雅黑" panose="020B0503020204020204" pitchFamily="34" charset="-122"/>
         </a:defRPr>
       </a:lvl3pPr>
       <a:lvl4pPr algn="l" rtl="0" eaLnBrk="0" fontAlgn="base" hangingPunct="0">
@@ -5739,8 +5256,8 @@
           <a:solidFill>
             <a:schemeClr val="tx1"/>
           </a:solidFill>
-          <a:latin typeface="微软雅黑" pitchFamily="34" charset="-122"/>
-          <a:ea typeface="微软雅黑" pitchFamily="34" charset="-122"/>
+          <a:latin typeface="微软雅黑" panose="020B0503020204020204" pitchFamily="34" charset="-122"/>
+          <a:ea typeface="微软雅黑" panose="020B0503020204020204" pitchFamily="34" charset="-122"/>
         </a:defRPr>
       </a:lvl4pPr>
       <a:lvl5pPr algn="l" rtl="0" eaLnBrk="0" fontAlgn="base" hangingPunct="0">
@@ -5754,11 +5271,11 @@
           <a:solidFill>
             <a:schemeClr val="tx1"/>
           </a:solidFill>
-          <a:latin typeface="微软雅黑" pitchFamily="34" charset="-122"/>
-          <a:ea typeface="微软雅黑" pitchFamily="34" charset="-122"/>
+          <a:latin typeface="微软雅黑" panose="020B0503020204020204" pitchFamily="34" charset="-122"/>
+          <a:ea typeface="微软雅黑" panose="020B0503020204020204" pitchFamily="34" charset="-122"/>
         </a:defRPr>
       </a:lvl5pPr>
-      <a:lvl6pPr marL="544662" algn="l" rtl="0" fontAlgn="base">
+      <a:lvl6pPr marL="544830" algn="l" rtl="0" fontAlgn="base">
         <a:spcBef>
           <a:spcPct val="0"/>
         </a:spcBef>
@@ -5769,11 +5286,11 @@
           <a:solidFill>
             <a:schemeClr val="tx1"/>
           </a:solidFill>
-          <a:latin typeface="微软雅黑" pitchFamily="34" charset="-122"/>
-          <a:ea typeface="微软雅黑" pitchFamily="34" charset="-122"/>
+          <a:latin typeface="微软雅黑" panose="020B0503020204020204" pitchFamily="34" charset="-122"/>
+          <a:ea typeface="微软雅黑" panose="020B0503020204020204" pitchFamily="34" charset="-122"/>
         </a:defRPr>
       </a:lvl6pPr>
-      <a:lvl7pPr marL="1089325" algn="l" rtl="0" fontAlgn="base">
+      <a:lvl7pPr marL="1089025" algn="l" rtl="0" fontAlgn="base">
         <a:spcBef>
           <a:spcPct val="0"/>
         </a:spcBef>
@@ -5784,11 +5301,11 @@
           <a:solidFill>
             <a:schemeClr val="tx1"/>
           </a:solidFill>
-          <a:latin typeface="微软雅黑" pitchFamily="34" charset="-122"/>
-          <a:ea typeface="微软雅黑" pitchFamily="34" charset="-122"/>
+          <a:latin typeface="微软雅黑" panose="020B0503020204020204" pitchFamily="34" charset="-122"/>
+          <a:ea typeface="微软雅黑" panose="020B0503020204020204" pitchFamily="34" charset="-122"/>
         </a:defRPr>
       </a:lvl7pPr>
-      <a:lvl8pPr marL="1633987" algn="l" rtl="0" fontAlgn="base">
+      <a:lvl8pPr marL="1633855" algn="l" rtl="0" fontAlgn="base">
         <a:spcBef>
           <a:spcPct val="0"/>
         </a:spcBef>
@@ -5799,11 +5316,11 @@
           <a:solidFill>
             <a:schemeClr val="tx1"/>
           </a:solidFill>
-          <a:latin typeface="微软雅黑" pitchFamily="34" charset="-122"/>
-          <a:ea typeface="微软雅黑" pitchFamily="34" charset="-122"/>
+          <a:latin typeface="微软雅黑" panose="020B0503020204020204" pitchFamily="34" charset="-122"/>
+          <a:ea typeface="微软雅黑" panose="020B0503020204020204" pitchFamily="34" charset="-122"/>
         </a:defRPr>
       </a:lvl8pPr>
-      <a:lvl9pPr marL="2178649" algn="l" rtl="0" fontAlgn="base">
+      <a:lvl9pPr marL="2178685" algn="l" rtl="0" fontAlgn="base">
         <a:spcBef>
           <a:spcPct val="0"/>
         </a:spcBef>
@@ -5814,13 +5331,13 @@
           <a:solidFill>
             <a:schemeClr val="tx1"/>
           </a:solidFill>
-          <a:latin typeface="微软雅黑" pitchFamily="34" charset="-122"/>
-          <a:ea typeface="微软雅黑" pitchFamily="34" charset="-122"/>
+          <a:latin typeface="微软雅黑" panose="020B0503020204020204" pitchFamily="34" charset="-122"/>
+          <a:ea typeface="微软雅黑" panose="020B0503020204020204" pitchFamily="34" charset="-122"/>
         </a:defRPr>
       </a:lvl9pPr>
     </p:titleStyle>
     <p:bodyStyle>
-      <a:lvl1pPr marL="408497" indent="-408497" algn="l" rtl="0" eaLnBrk="0" fontAlgn="base" hangingPunct="0">
+      <a:lvl1pPr marL="408305" indent="-408305" algn="l" rtl="0" eaLnBrk="0" fontAlgn="base" hangingPunct="0">
         <a:lnSpc>
           <a:spcPct val="150000"/>
         </a:lnSpc>
@@ -5835,7 +5352,7 @@
             <a:lumMod val="50000"/>
           </a:schemeClr>
         </a:buClr>
-        <a:buFont typeface="Wingdings" pitchFamily="2" charset="2"/>
+        <a:buFont typeface="Wingdings" panose="05000000000000000000" pitchFamily="2" charset="2"/>
         <a:buChar char="u"/>
         <a:defRPr sz="1900" kern="1200">
           <a:solidFill>
@@ -5846,7 +5363,7 @@
           <a:cs typeface="+mn-cs"/>
         </a:defRPr>
       </a:lvl1pPr>
-      <a:lvl2pPr marL="885076" indent="-340414" algn="l" rtl="0" eaLnBrk="0" fontAlgn="base" hangingPunct="0">
+      <a:lvl2pPr marL="885190" indent="-340360" algn="l" rtl="0" eaLnBrk="0" fontAlgn="base" hangingPunct="0">
         <a:lnSpc>
           <a:spcPct val="150000"/>
         </a:lnSpc>
@@ -5859,7 +5376,7 @@
         <a:buClr>
           <a:srgbClr val="2F6231"/>
         </a:buClr>
-        <a:buFont typeface="Arial" charset="0"/>
+        <a:buFont typeface="Arial" panose="020B0604020202020204" pitchFamily="34" charset="0"/>
         <a:buChar char="–"/>
         <a:defRPr sz="1700" kern="1200">
           <a:solidFill>
@@ -5870,7 +5387,7 @@
           <a:cs typeface="+mn-cs"/>
         </a:defRPr>
       </a:lvl2pPr>
-      <a:lvl3pPr marL="1361656" indent="-272331" algn="l" rtl="0" eaLnBrk="0" fontAlgn="base" hangingPunct="0">
+      <a:lvl3pPr marL="1361440" indent="-272415" algn="l" rtl="0" eaLnBrk="0" fontAlgn="base" hangingPunct="0">
         <a:lnSpc>
           <a:spcPct val="150000"/>
         </a:lnSpc>
@@ -5883,7 +5400,7 @@
         <a:buClr>
           <a:srgbClr val="2F6231"/>
         </a:buClr>
-        <a:buFont typeface="Arial" charset="0"/>
+        <a:buFont typeface="Arial" panose="020B0604020202020204" pitchFamily="34" charset="0"/>
         <a:buChar char="•"/>
         <a:defRPr sz="1400" kern="1200">
           <a:solidFill>
@@ -5894,7 +5411,7 @@
           <a:cs typeface="+mn-cs"/>
         </a:defRPr>
       </a:lvl3pPr>
-      <a:lvl4pPr marL="1906318" indent="-272331" algn="l" rtl="0" eaLnBrk="0" fontAlgn="base" hangingPunct="0">
+      <a:lvl4pPr marL="1906270" indent="-272415" algn="l" rtl="0" eaLnBrk="0" fontAlgn="base" hangingPunct="0">
         <a:lnSpc>
           <a:spcPct val="150000"/>
         </a:lnSpc>
@@ -5907,7 +5424,7 @@
         <a:buClr>
           <a:srgbClr val="2F6231"/>
         </a:buClr>
-        <a:buFont typeface="Arial" charset="0"/>
+        <a:buFont typeface="Arial" panose="020B0604020202020204" pitchFamily="34" charset="0"/>
         <a:buChar char="–"/>
         <a:defRPr sz="1300" kern="1200">
           <a:solidFill>
@@ -5918,7 +5435,7 @@
           <a:cs typeface="+mn-cs"/>
         </a:defRPr>
       </a:lvl4pPr>
-      <a:lvl5pPr marL="2450981" indent="-272331" algn="l" rtl="0" eaLnBrk="0" fontAlgn="base" hangingPunct="0">
+      <a:lvl5pPr marL="2451100" indent="-272415" algn="l" rtl="0" eaLnBrk="0" fontAlgn="base" hangingPunct="0">
         <a:lnSpc>
           <a:spcPct val="150000"/>
         </a:lnSpc>
@@ -5931,7 +5448,7 @@
         <a:buClr>
           <a:srgbClr val="2F6231"/>
         </a:buClr>
-        <a:buFont typeface="Arial" charset="0"/>
+        <a:buFont typeface="Arial" panose="020B0604020202020204" pitchFamily="34" charset="0"/>
         <a:buChar char="»"/>
         <a:defRPr sz="1300" kern="1200">
           <a:solidFill>
@@ -5942,11 +5459,11 @@
           <a:cs typeface="+mn-cs"/>
         </a:defRPr>
       </a:lvl5pPr>
-      <a:lvl6pPr marL="2995643" indent="-272331" algn="l" defTabSz="1089325" rtl="0" eaLnBrk="1" latinLnBrk="0" hangingPunct="1">
+      <a:lvl6pPr marL="2995930" indent="-272415" algn="l" defTabSz="1089025" rtl="0" eaLnBrk="1" latinLnBrk="0" hangingPunct="1">
         <a:spcBef>
           <a:spcPct val="20000"/>
         </a:spcBef>
-        <a:buFont typeface="Arial" pitchFamily="34" charset="0"/>
+        <a:buFont typeface="Arial" panose="020B0604020202020204" pitchFamily="34" charset="0"/>
         <a:buChar char="•"/>
         <a:defRPr sz="2400" kern="1200">
           <a:solidFill>
@@ -5957,11 +5474,11 @@
           <a:cs typeface="+mn-cs"/>
         </a:defRPr>
       </a:lvl6pPr>
-      <a:lvl7pPr marL="3540305" indent="-272331" algn="l" defTabSz="1089325" rtl="0" eaLnBrk="1" latinLnBrk="0" hangingPunct="1">
+      <a:lvl7pPr marL="3540125" indent="-272415" algn="l" defTabSz="1089025" rtl="0" eaLnBrk="1" latinLnBrk="0" hangingPunct="1">
         <a:spcBef>
           <a:spcPct val="20000"/>
         </a:spcBef>
-        <a:buFont typeface="Arial" pitchFamily="34" charset="0"/>
+        <a:buFont typeface="Arial" panose="020B0604020202020204" pitchFamily="34" charset="0"/>
         <a:buChar char="•"/>
         <a:defRPr sz="2400" kern="1200">
           <a:solidFill>
@@ -5972,11 +5489,11 @@
           <a:cs typeface="+mn-cs"/>
         </a:defRPr>
       </a:lvl7pPr>
-      <a:lvl8pPr marL="4084968" indent="-272331" algn="l" defTabSz="1089325" rtl="0" eaLnBrk="1" latinLnBrk="0" hangingPunct="1">
+      <a:lvl8pPr marL="4084955" indent="-272415" algn="l" defTabSz="1089025" rtl="0" eaLnBrk="1" latinLnBrk="0" hangingPunct="1">
         <a:spcBef>
           <a:spcPct val="20000"/>
         </a:spcBef>
-        <a:buFont typeface="Arial" pitchFamily="34" charset="0"/>
+        <a:buFont typeface="Arial" panose="020B0604020202020204" pitchFamily="34" charset="0"/>
         <a:buChar char="•"/>
         <a:defRPr sz="2400" kern="1200">
           <a:solidFill>
@@ -5987,11 +5504,11 @@
           <a:cs typeface="+mn-cs"/>
         </a:defRPr>
       </a:lvl8pPr>
-      <a:lvl9pPr marL="4629630" indent="-272331" algn="l" defTabSz="1089325" rtl="0" eaLnBrk="1" latinLnBrk="0" hangingPunct="1">
+      <a:lvl9pPr marL="4629785" indent="-272415" algn="l" defTabSz="1089025" rtl="0" eaLnBrk="1" latinLnBrk="0" hangingPunct="1">
         <a:spcBef>
           <a:spcPct val="20000"/>
         </a:spcBef>
-        <a:buFont typeface="Arial" pitchFamily="34" charset="0"/>
+        <a:buFont typeface="Arial" panose="020B0604020202020204" pitchFamily="34" charset="0"/>
         <a:buChar char="•"/>
         <a:defRPr sz="2400" kern="1200">
           <a:solidFill>
@@ -6007,7 +5524,7 @@
       <a:defPPr>
         <a:defRPr lang="zh-CN"/>
       </a:defPPr>
-      <a:lvl1pPr marL="0" algn="l" defTabSz="1089325" rtl="0" eaLnBrk="1" latinLnBrk="0" hangingPunct="1">
+      <a:lvl1pPr marL="0" algn="l" defTabSz="1089025" rtl="0" eaLnBrk="1" latinLnBrk="0" hangingPunct="1">
         <a:defRPr sz="2100" kern="1200">
           <a:solidFill>
             <a:schemeClr val="tx1"/>
@@ -6017,7 +5534,7 @@
           <a:cs typeface="+mn-cs"/>
         </a:defRPr>
       </a:lvl1pPr>
-      <a:lvl2pPr marL="544662" algn="l" defTabSz="1089325" rtl="0" eaLnBrk="1" latinLnBrk="0" hangingPunct="1">
+      <a:lvl2pPr marL="544830" algn="l" defTabSz="1089025" rtl="0" eaLnBrk="1" latinLnBrk="0" hangingPunct="1">
         <a:defRPr sz="2100" kern="1200">
           <a:solidFill>
             <a:schemeClr val="tx1"/>
@@ -6027,7 +5544,7 @@
           <a:cs typeface="+mn-cs"/>
         </a:defRPr>
       </a:lvl2pPr>
-      <a:lvl3pPr marL="1089325" algn="l" defTabSz="1089325" rtl="0" eaLnBrk="1" latinLnBrk="0" hangingPunct="1">
+      <a:lvl3pPr marL="1089025" algn="l" defTabSz="1089025" rtl="0" eaLnBrk="1" latinLnBrk="0" hangingPunct="1">
         <a:defRPr sz="2100" kern="1200">
           <a:solidFill>
             <a:schemeClr val="tx1"/>
@@ -6037,7 +5554,7 @@
           <a:cs typeface="+mn-cs"/>
         </a:defRPr>
       </a:lvl3pPr>
-      <a:lvl4pPr marL="1633987" algn="l" defTabSz="1089325" rtl="0" eaLnBrk="1" latinLnBrk="0" hangingPunct="1">
+      <a:lvl4pPr marL="1633855" algn="l" defTabSz="1089025" rtl="0" eaLnBrk="1" latinLnBrk="0" hangingPunct="1">
         <a:defRPr sz="2100" kern="1200">
           <a:solidFill>
             <a:schemeClr val="tx1"/>
@@ -6047,7 +5564,7 @@
           <a:cs typeface="+mn-cs"/>
         </a:defRPr>
       </a:lvl4pPr>
-      <a:lvl5pPr marL="2178649" algn="l" defTabSz="1089325" rtl="0" eaLnBrk="1" latinLnBrk="0" hangingPunct="1">
+      <a:lvl5pPr marL="2178685" algn="l" defTabSz="1089025" rtl="0" eaLnBrk="1" latinLnBrk="0" hangingPunct="1">
         <a:defRPr sz="2100" kern="1200">
           <a:solidFill>
             <a:schemeClr val="tx1"/>
@@ -6057,7 +5574,7 @@
           <a:cs typeface="+mn-cs"/>
         </a:defRPr>
       </a:lvl5pPr>
-      <a:lvl6pPr marL="2723312" algn="l" defTabSz="1089325" rtl="0" eaLnBrk="1" latinLnBrk="0" hangingPunct="1">
+      <a:lvl6pPr marL="2723515" algn="l" defTabSz="1089025" rtl="0" eaLnBrk="1" latinLnBrk="0" hangingPunct="1">
         <a:defRPr sz="2100" kern="1200">
           <a:solidFill>
             <a:schemeClr val="tx1"/>
@@ -6067,7 +5584,7 @@
           <a:cs typeface="+mn-cs"/>
         </a:defRPr>
       </a:lvl6pPr>
-      <a:lvl7pPr marL="3267974" algn="l" defTabSz="1089325" rtl="0" eaLnBrk="1" latinLnBrk="0" hangingPunct="1">
+      <a:lvl7pPr marL="3267710" algn="l" defTabSz="1089025" rtl="0" eaLnBrk="1" latinLnBrk="0" hangingPunct="1">
         <a:defRPr sz="2100" kern="1200">
           <a:solidFill>
             <a:schemeClr val="tx1"/>
@@ -6077,7 +5594,7 @@
           <a:cs typeface="+mn-cs"/>
         </a:defRPr>
       </a:lvl7pPr>
-      <a:lvl8pPr marL="3812637" algn="l" defTabSz="1089325" rtl="0" eaLnBrk="1" latinLnBrk="0" hangingPunct="1">
+      <a:lvl8pPr marL="3812540" algn="l" defTabSz="1089025" rtl="0" eaLnBrk="1" latinLnBrk="0" hangingPunct="1">
         <a:defRPr sz="2100" kern="1200">
           <a:solidFill>
             <a:schemeClr val="tx1"/>
@@ -6087,7 +5604,7 @@
           <a:cs typeface="+mn-cs"/>
         </a:defRPr>
       </a:lvl8pPr>
-      <a:lvl9pPr marL="4357299" algn="l" defTabSz="1089325" rtl="0" eaLnBrk="1" latinLnBrk="0" hangingPunct="1">
+      <a:lvl9pPr marL="4357370" algn="l" defTabSz="1089025" rtl="0" eaLnBrk="1" latinLnBrk="0" hangingPunct="1">
         <a:defRPr sz="2100" kern="1200">
           <a:solidFill>
             <a:schemeClr val="tx1"/>
@@ -6121,98 +5638,76 @@
       </p:grpSpPr>
       <p:sp>
         <p:nvSpPr>
-          <p:cNvPr id="5122" name="标题 1"/>
+          <p:cNvPr id="2" name="Title 1"/>
           <p:cNvSpPr>
             <a:spLocks noGrp="1"/>
           </p:cNvSpPr>
           <p:nvPr>
-            <p:ph type="ctrTitle"/>
+            <p:ph type="title"/>
           </p:nvPr>
         </p:nvSpPr>
-        <p:spPr>
-          <a:xfrm>
-            <a:off x="816263" y="5302437"/>
-            <a:ext cx="10668285" cy="844324"/>
-          </a:xfrm>
-        </p:spPr>
-        <p:txBody>
-          <a:bodyPr>
-            <a:normAutofit fontScale="90000"/>
-          </a:bodyPr>
-          <a:lstStyle/>
-          <a:p>
-            <a:pPr algn="ctr" eaLnBrk="1" hangingPunct="1">
-              <a:lnSpc>
-                <a:spcPct val="150000"/>
-              </a:lnSpc>
-            </a:pPr>
-            <a:r>
-              <a:rPr lang="zh-CN" altLang="en-US" dirty="0"/>
-              <a:t>深入</a:t>
-            </a:r>
-            <a:r>
-              <a:rPr lang="en-US" altLang="zh-CN" dirty="0"/>
+        <p:spPr/>
+        <p:txBody>
+          <a:bodyPr/>
+          <a:lstStyle/>
+          <a:p>
+            <a:r>
+              <a:rPr lang="zh-CN" altLang="en-US" dirty="0" smtClean="0"/>
+              <a:t>常用</a:t>
+            </a:r>
+            <a:r>
+              <a:rPr lang="en-US" altLang="zh-CN" dirty="0" smtClean="0"/>
               <a:t>JVM</a:t>
             </a:r>
             <a:r>
-              <a:rPr lang="zh-CN" altLang="en-US" dirty="0"/>
-              <a:t>内核</a:t>
-            </a:r>
-            <a:r>
-              <a:rPr lang="en-US" altLang="zh-CN" dirty="0"/>
-              <a:t>——</a:t>
-            </a:r>
-            <a:r>
-              <a:rPr lang="zh-CN" altLang="en-US" dirty="0"/>
-              <a:t>原理、诊断与</a:t>
-            </a:r>
-            <a:r>
               <a:rPr lang="zh-CN" altLang="en-US" dirty="0" smtClean="0"/>
-              <a:t>优化    第</a:t>
-            </a:r>
+              <a:t>配置参数</a:t>
+            </a:r>
+            <a:endParaRPr lang="zh-CN" altLang="en-US" dirty="0"/>
+          </a:p>
+        </p:txBody>
+      </p:sp>
+      <p:sp>
+        <p:nvSpPr>
+          <p:cNvPr id="3" name="Content Placeholder 2"/>
+          <p:cNvSpPr>
+            <a:spLocks noGrp="1"/>
+          </p:cNvSpPr>
+          <p:nvPr>
+            <p:ph idx="1"/>
+          </p:nvPr>
+        </p:nvSpPr>
+        <p:spPr/>
+        <p:txBody>
+          <a:bodyPr/>
+          <a:lstStyle/>
+          <a:p>
             <a:r>
               <a:rPr lang="en-US" altLang="zh-CN" dirty="0" smtClean="0"/>
-              <a:t>3</a:t>
+              <a:t>Trace</a:t>
             </a:r>
             <a:r>
               <a:rPr lang="zh-CN" altLang="en-US" dirty="0" smtClean="0"/>
-              <a:t>周</a:t>
-            </a:r>
-          </a:p>
-        </p:txBody>
-      </p:sp>
-      <p:pic>
-        <p:nvPicPr>
-          <p:cNvPr id="43009" name="Picture 1"/>
-          <p:cNvPicPr>
-            <a:picLocks noChangeAspect="1" noChangeArrowheads="1"/>
-          </p:cNvPicPr>
-          <p:nvPr/>
-        </p:nvPicPr>
-        <p:blipFill>
-          <a:blip r:embed="rId3" cstate="print"/>
-          <a:srcRect/>
-          <a:stretch>
-            <a:fillRect/>
-          </a:stretch>
-        </p:blipFill>
-        <p:spPr bwMode="auto">
-          <a:xfrm>
-            <a:off x="2357934" y="1485578"/>
-            <a:ext cx="7560840" cy="3633901"/>
-          </a:xfrm>
-          <a:prstGeom prst="rect">
-            <a:avLst/>
-          </a:prstGeom>
-          <a:noFill/>
-          <a:ln w="9525">
-            <a:noFill/>
-            <a:miter lim="800000"/>
-            <a:headEnd/>
-            <a:tailEnd/>
-          </a:ln>
-        </p:spPr>
-      </p:pic>
+              <a:t>跟踪参数</a:t>
+            </a:r>
+            <a:endParaRPr lang="en-US" altLang="zh-CN" dirty="0" smtClean="0"/>
+          </a:p>
+          <a:p>
+            <a:r>
+              <a:rPr lang="zh-CN" altLang="en-US" dirty="0" smtClean="0"/>
+              <a:t>堆的分配参数</a:t>
+            </a:r>
+            <a:endParaRPr lang="en-US" altLang="zh-CN" dirty="0" smtClean="0"/>
+          </a:p>
+          <a:p>
+            <a:r>
+              <a:rPr lang="zh-CN" altLang="en-US" dirty="0" smtClean="0"/>
+              <a:t>栈的分配参数</a:t>
+            </a:r>
+            <a:endParaRPr lang="en-US" altLang="zh-CN" dirty="0" smtClean="0"/>
+          </a:p>
+        </p:txBody>
+      </p:sp>
     </p:spTree>
   </p:cSld>
   <p:clrMapOvr>
@@ -6261,13 +5756,10 @@
           <a:lstStyle/>
           <a:p>
             <a:r>
-              <a:rPr lang="en-US" altLang="zh-CN" dirty="0"/>
-              <a:t>Trace</a:t>
-            </a:r>
-            <a:r>
               <a:rPr lang="zh-CN" altLang="en-US" dirty="0"/>
-              <a:t>跟踪参数</a:t>
-            </a:r>
+              <a:t>堆的分配参数</a:t>
+            </a:r>
+            <a:endParaRPr lang="zh-CN" altLang="en-US" dirty="0"/>
           </a:p>
         </p:txBody>
       </p:sp>
@@ -6287,665 +5779,6 @@
           <a:lstStyle/>
           <a:p>
             <a:r>
-              <a:rPr lang="en-US" altLang="zh-CN" dirty="0" smtClean="0"/>
-              <a:t>-XX:+</a:t>
-            </a:r>
-            <a:r>
-              <a:rPr lang="en-US" altLang="zh-CN" dirty="0" err="1" smtClean="0"/>
-              <a:t>PrintClassHistogram</a:t>
-            </a:r>
-            <a:endParaRPr lang="en-US" altLang="zh-CN" dirty="0" smtClean="0"/>
-          </a:p>
-          <a:p>
-            <a:pPr lvl="1"/>
-            <a:r>
-              <a:rPr lang="zh-CN" altLang="en-US" dirty="0" smtClean="0"/>
-              <a:t>按下</a:t>
-            </a:r>
-            <a:r>
-              <a:rPr lang="en-US" altLang="zh-CN" dirty="0" err="1" smtClean="0"/>
-              <a:t>Ctrl+Break</a:t>
-            </a:r>
-            <a:r>
-              <a:rPr lang="zh-CN" altLang="en-US" dirty="0" smtClean="0"/>
-              <a:t>后，打印类的信息：</a:t>
-            </a:r>
-            <a:endParaRPr lang="en-US" altLang="zh-CN" dirty="0" smtClean="0"/>
-          </a:p>
-          <a:p>
-            <a:pPr lvl="1"/>
-            <a:endParaRPr lang="en-US" altLang="zh-CN" dirty="0"/>
-          </a:p>
-          <a:p>
-            <a:pPr lvl="1"/>
-            <a:endParaRPr lang="en-US" altLang="zh-CN" dirty="0" smtClean="0"/>
-          </a:p>
-          <a:p>
-            <a:pPr lvl="1"/>
-            <a:endParaRPr lang="en-US" altLang="zh-CN" dirty="0"/>
-          </a:p>
-          <a:p>
-            <a:pPr lvl="1"/>
-            <a:endParaRPr lang="en-US" altLang="zh-CN" dirty="0" smtClean="0"/>
-          </a:p>
-          <a:p>
-            <a:pPr lvl="1"/>
-            <a:endParaRPr lang="en-US" altLang="zh-CN" dirty="0"/>
-          </a:p>
-          <a:p>
-            <a:pPr lvl="1"/>
-            <a:endParaRPr lang="en-US" altLang="zh-CN" dirty="0" smtClean="0"/>
-          </a:p>
-          <a:p>
-            <a:pPr lvl="1"/>
-            <a:r>
-              <a:rPr lang="zh-CN" altLang="en-US" dirty="0" smtClean="0"/>
-              <a:t>分别显示：序号、实例数量、总大小、类型</a:t>
-            </a:r>
-            <a:endParaRPr lang="en-US" altLang="zh-CN" dirty="0" smtClean="0"/>
-          </a:p>
-          <a:p>
-            <a:pPr lvl="1"/>
-            <a:endParaRPr lang="zh-CN" altLang="en-US" dirty="0"/>
-          </a:p>
-        </p:txBody>
-      </p:sp>
-      <p:sp>
-        <p:nvSpPr>
-          <p:cNvPr id="4" name="TextBox 3"/>
-          <p:cNvSpPr txBox="1"/>
-          <p:nvPr/>
-        </p:nvSpPr>
-        <p:spPr>
-          <a:xfrm>
-            <a:off x="1637854" y="2205658"/>
-            <a:ext cx="5968301" cy="2308324"/>
-          </a:xfrm>
-          <a:prstGeom prst="rect">
-            <a:avLst/>
-          </a:prstGeom>
-          <a:noFill/>
-        </p:spPr>
-        <p:txBody>
-          <a:bodyPr wrap="none" rtlCol="0">
-            <a:spAutoFit/>
-          </a:bodyPr>
-          <a:lstStyle/>
-          <a:p>
-            <a:r>
-              <a:rPr lang="en-US" altLang="zh-CN" dirty="0"/>
-              <a:t> </a:t>
-            </a:r>
-            <a:r>
-              <a:rPr lang="en-US" altLang="zh-CN" dirty="0" err="1"/>
-              <a:t>num</a:t>
-            </a:r>
-            <a:r>
-              <a:rPr lang="en-US" altLang="zh-CN" dirty="0"/>
-              <a:t>     #instances         #bytes  class name</a:t>
-            </a:r>
-          </a:p>
-          <a:p>
-            <a:r>
-              <a:rPr lang="en-US" altLang="zh-CN" dirty="0"/>
-              <a:t>----------------------------------------------</a:t>
-            </a:r>
-          </a:p>
-          <a:p>
-            <a:r>
-              <a:rPr lang="en-US" altLang="zh-CN" dirty="0"/>
-              <a:t>   1:        890617      470266000  [B</a:t>
-            </a:r>
-          </a:p>
-          <a:p>
-            <a:r>
-              <a:rPr lang="en-US" altLang="zh-CN" dirty="0"/>
-              <a:t>   2:        890643       21375432  </a:t>
-            </a:r>
-            <a:r>
-              <a:rPr lang="en-US" altLang="zh-CN" dirty="0" err="1"/>
-              <a:t>java.util.HashMap$Node</a:t>
-            </a:r>
-            <a:endParaRPr lang="en-US" altLang="zh-CN" dirty="0"/>
-          </a:p>
-          <a:p>
-            <a:r>
-              <a:rPr lang="en-US" altLang="zh-CN" dirty="0"/>
-              <a:t>   3:        890608       14249728  </a:t>
-            </a:r>
-            <a:r>
-              <a:rPr lang="en-US" altLang="zh-CN" dirty="0" err="1"/>
-              <a:t>java.lang.Long</a:t>
-            </a:r>
-            <a:endParaRPr lang="en-US" altLang="zh-CN" dirty="0"/>
-          </a:p>
-          <a:p>
-            <a:r>
-              <a:rPr lang="en-US" altLang="zh-CN" dirty="0"/>
-              <a:t>   4:            13        8389712  [</a:t>
-            </a:r>
-            <a:r>
-              <a:rPr lang="en-US" altLang="zh-CN" dirty="0" err="1"/>
-              <a:t>Ljava.util.HashMap$Node</a:t>
-            </a:r>
-            <a:r>
-              <a:rPr lang="en-US" altLang="zh-CN" dirty="0"/>
-              <a:t>;</a:t>
-            </a:r>
-          </a:p>
-          <a:p>
-            <a:r>
-              <a:rPr lang="en-US" altLang="zh-CN" dirty="0"/>
-              <a:t>   5:          2062         371680  [C</a:t>
-            </a:r>
-          </a:p>
-          <a:p>
-            <a:r>
-              <a:rPr lang="en-US" altLang="zh-CN" dirty="0"/>
-              <a:t>   6:           463          41904  </a:t>
-            </a:r>
-            <a:r>
-              <a:rPr lang="en-US" altLang="zh-CN" dirty="0" err="1"/>
-              <a:t>java.lang.Class</a:t>
-            </a:r>
-            <a:endParaRPr lang="zh-CN" altLang="en-US" dirty="0"/>
-          </a:p>
-        </p:txBody>
-      </p:sp>
-    </p:spTree>
-    <p:extLst>
-      <p:ext uri="{BB962C8B-B14F-4D97-AF65-F5344CB8AC3E}">
-        <p14:creationId xmlns:p14="http://schemas.microsoft.com/office/powerpoint/2010/main" val="1285326322"/>
-      </p:ext>
-    </p:extLst>
-  </p:cSld>
-  <p:clrMapOvr>
-    <a:masterClrMapping/>
-  </p:clrMapOvr>
-  <p:timing>
-    <p:tnLst>
-      <p:par>
-        <p:cTn id="1" dur="indefinite" restart="never" nodeType="tmRoot"/>
-      </p:par>
-    </p:tnLst>
-  </p:timing>
-</p:sld>
-</file>
-
-<file path=ppt/slides/slide11.xml><?xml version="1.0" encoding="utf-8"?>
-<p:sld xmlns:a="http://schemas.openxmlformats.org/drawingml/2006/main" xmlns:r="http://schemas.openxmlformats.org/officeDocument/2006/relationships" xmlns:p="http://schemas.openxmlformats.org/presentationml/2006/main">
-  <p:cSld>
-    <p:spTree>
-      <p:nvGrpSpPr>
-        <p:cNvPr id="1" name=""/>
-        <p:cNvGrpSpPr/>
-        <p:nvPr/>
-      </p:nvGrpSpPr>
-      <p:grpSpPr>
-        <a:xfrm>
-          <a:off x="0" y="0"/>
-          <a:ext cx="0" cy="0"/>
-          <a:chOff x="0" y="0"/>
-          <a:chExt cx="0" cy="0"/>
-        </a:xfrm>
-      </p:grpSpPr>
-      <p:sp>
-        <p:nvSpPr>
-          <p:cNvPr id="2" name="标题 1"/>
-          <p:cNvSpPr>
-            <a:spLocks noGrp="1"/>
-          </p:cNvSpPr>
-          <p:nvPr>
-            <p:ph type="title"/>
-          </p:nvPr>
-        </p:nvSpPr>
-        <p:spPr/>
-        <p:txBody>
-          <a:bodyPr/>
-          <a:lstStyle/>
-          <a:p>
-            <a:r>
-              <a:rPr lang="zh-CN" altLang="en-US" dirty="0"/>
-              <a:t>堆的分配参数</a:t>
-            </a:r>
-          </a:p>
-        </p:txBody>
-      </p:sp>
-      <p:sp>
-        <p:nvSpPr>
-          <p:cNvPr id="3" name="内容占位符 2"/>
-          <p:cNvSpPr>
-            <a:spLocks noGrp="1"/>
-          </p:cNvSpPr>
-          <p:nvPr>
-            <p:ph idx="1"/>
-          </p:nvPr>
-        </p:nvSpPr>
-        <p:spPr/>
-        <p:txBody>
-          <a:bodyPr/>
-          <a:lstStyle/>
-          <a:p>
-            <a:r>
-              <a:rPr lang="en-US" altLang="zh-CN" dirty="0" smtClean="0"/>
-              <a:t>-</a:t>
-            </a:r>
-            <a:r>
-              <a:rPr lang="en-US" altLang="zh-CN" dirty="0" err="1" smtClean="0"/>
-              <a:t>Xmx</a:t>
-            </a:r>
-            <a:r>
-              <a:rPr lang="en-US" altLang="zh-CN" dirty="0" smtClean="0"/>
-              <a:t> –</a:t>
-            </a:r>
-            <a:r>
-              <a:rPr lang="en-US" altLang="zh-CN" dirty="0" err="1" smtClean="0"/>
-              <a:t>Xms</a:t>
-            </a:r>
-            <a:endParaRPr lang="en-US" altLang="zh-CN" dirty="0" smtClean="0"/>
-          </a:p>
-          <a:p>
-            <a:pPr lvl="1"/>
-            <a:r>
-              <a:rPr lang="zh-CN" altLang="en-US" dirty="0" smtClean="0"/>
-              <a:t>指定最大堆和最小堆</a:t>
-            </a:r>
-            <a:endParaRPr lang="en-US" altLang="zh-CN" dirty="0" smtClean="0"/>
-          </a:p>
-          <a:p>
-            <a:pPr lvl="1"/>
-            <a:r>
-              <a:rPr lang="en-US" altLang="zh-CN" dirty="0"/>
-              <a:t>-Xmx20m -</a:t>
-            </a:r>
-            <a:r>
-              <a:rPr lang="en-US" altLang="zh-CN" dirty="0" smtClean="0"/>
-              <a:t>Xms5m  </a:t>
-            </a:r>
-            <a:r>
-              <a:rPr lang="zh-CN" altLang="en-US" dirty="0" smtClean="0"/>
-              <a:t>运行代码：</a:t>
-            </a:r>
-            <a:endParaRPr lang="en-US" altLang="zh-CN" dirty="0" smtClean="0"/>
-          </a:p>
-          <a:p>
-            <a:pPr lvl="2"/>
-            <a:r>
-              <a:rPr lang="en-US" altLang="zh-CN" dirty="0" err="1"/>
-              <a:t>System.out.print</a:t>
-            </a:r>
-            <a:r>
-              <a:rPr lang="en-US" altLang="zh-CN" dirty="0"/>
-              <a:t>("</a:t>
-            </a:r>
-            <a:r>
-              <a:rPr lang="en-US" altLang="zh-CN" dirty="0" err="1"/>
-              <a:t>Xmx</a:t>
-            </a:r>
-            <a:r>
-              <a:rPr lang="en-US" altLang="zh-CN" dirty="0"/>
-              <a:t>=");</a:t>
-            </a:r>
-          </a:p>
-          <a:p>
-            <a:pPr lvl="2"/>
-            <a:r>
-              <a:rPr lang="en-US" altLang="zh-CN" dirty="0" err="1"/>
-              <a:t>System.out.println</a:t>
-            </a:r>
-            <a:r>
-              <a:rPr lang="en-US" altLang="zh-CN" dirty="0"/>
-              <a:t>(</a:t>
-            </a:r>
-            <a:r>
-              <a:rPr lang="en-US" altLang="zh-CN" dirty="0" err="1"/>
-              <a:t>Runtime.getRuntime</a:t>
-            </a:r>
-            <a:r>
-              <a:rPr lang="en-US" altLang="zh-CN" dirty="0"/>
-              <a:t>().</a:t>
-            </a:r>
-            <a:r>
-              <a:rPr lang="en-US" altLang="zh-CN" dirty="0" err="1"/>
-              <a:t>maxMemory</a:t>
-            </a:r>
-            <a:r>
-              <a:rPr lang="en-US" altLang="zh-CN" dirty="0"/>
-              <a:t>()/1024.0/1024+"M");</a:t>
-            </a:r>
-          </a:p>
-          <a:p>
-            <a:pPr lvl="2"/>
-            <a:endParaRPr lang="en-US" altLang="zh-CN" dirty="0"/>
-          </a:p>
-          <a:p>
-            <a:pPr lvl="2"/>
-            <a:r>
-              <a:rPr lang="en-US" altLang="zh-CN" dirty="0" err="1"/>
-              <a:t>System.out.print</a:t>
-            </a:r>
-            <a:r>
-              <a:rPr lang="en-US" altLang="zh-CN" dirty="0"/>
-              <a:t>("free </a:t>
-            </a:r>
-            <a:r>
-              <a:rPr lang="en-US" altLang="zh-CN" dirty="0" err="1"/>
-              <a:t>mem</a:t>
-            </a:r>
-            <a:r>
-              <a:rPr lang="en-US" altLang="zh-CN" dirty="0"/>
-              <a:t>=");</a:t>
-            </a:r>
-          </a:p>
-          <a:p>
-            <a:pPr lvl="2"/>
-            <a:r>
-              <a:rPr lang="en-US" altLang="zh-CN" dirty="0" err="1"/>
-              <a:t>System.out.println</a:t>
-            </a:r>
-            <a:r>
-              <a:rPr lang="en-US" altLang="zh-CN" dirty="0"/>
-              <a:t>(</a:t>
-            </a:r>
-            <a:r>
-              <a:rPr lang="en-US" altLang="zh-CN" dirty="0" err="1"/>
-              <a:t>Runtime.getRuntime</a:t>
-            </a:r>
-            <a:r>
-              <a:rPr lang="en-US" altLang="zh-CN" dirty="0"/>
-              <a:t>().</a:t>
-            </a:r>
-            <a:r>
-              <a:rPr lang="en-US" altLang="zh-CN" dirty="0" err="1"/>
-              <a:t>freeMemory</a:t>
-            </a:r>
-            <a:r>
-              <a:rPr lang="en-US" altLang="zh-CN" dirty="0"/>
-              <a:t>()/1024.0/1024+"M");</a:t>
-            </a:r>
-          </a:p>
-          <a:p>
-            <a:pPr lvl="2"/>
-            <a:endParaRPr lang="en-US" altLang="zh-CN" dirty="0"/>
-          </a:p>
-          <a:p>
-            <a:pPr lvl="2"/>
-            <a:r>
-              <a:rPr lang="en-US" altLang="zh-CN" dirty="0" err="1"/>
-              <a:t>System.out.print</a:t>
-            </a:r>
-            <a:r>
-              <a:rPr lang="en-US" altLang="zh-CN" dirty="0"/>
-              <a:t>("total </a:t>
-            </a:r>
-            <a:r>
-              <a:rPr lang="en-US" altLang="zh-CN" dirty="0" err="1"/>
-              <a:t>mem</a:t>
-            </a:r>
-            <a:r>
-              <a:rPr lang="en-US" altLang="zh-CN" dirty="0"/>
-              <a:t>=");</a:t>
-            </a:r>
-          </a:p>
-          <a:p>
-            <a:pPr lvl="2"/>
-            <a:r>
-              <a:rPr lang="en-US" altLang="zh-CN" dirty="0" err="1"/>
-              <a:t>System.out.println</a:t>
-            </a:r>
-            <a:r>
-              <a:rPr lang="en-US" altLang="zh-CN" dirty="0"/>
-              <a:t>(</a:t>
-            </a:r>
-            <a:r>
-              <a:rPr lang="en-US" altLang="zh-CN" dirty="0" err="1"/>
-              <a:t>Runtime.getRuntime</a:t>
-            </a:r>
-            <a:r>
-              <a:rPr lang="en-US" altLang="zh-CN" dirty="0"/>
-              <a:t>().</a:t>
-            </a:r>
-            <a:r>
-              <a:rPr lang="en-US" altLang="zh-CN" dirty="0" err="1"/>
-              <a:t>totalMemory</a:t>
-            </a:r>
-            <a:r>
-              <a:rPr lang="en-US" altLang="zh-CN" dirty="0"/>
-              <a:t>()/1024.0/1024+"M");</a:t>
-            </a:r>
-            <a:endParaRPr lang="zh-CN" altLang="en-US" dirty="0"/>
-          </a:p>
-        </p:txBody>
-      </p:sp>
-      <p:sp>
-        <p:nvSpPr>
-          <p:cNvPr id="5" name="TextBox 4"/>
-          <p:cNvSpPr txBox="1"/>
-          <p:nvPr/>
-        </p:nvSpPr>
-        <p:spPr>
-          <a:xfrm>
-            <a:off x="6894438" y="1731219"/>
-            <a:ext cx="4464496" cy="923330"/>
-          </a:xfrm>
-          <a:prstGeom prst="rect">
-            <a:avLst/>
-          </a:prstGeom>
-        </p:spPr>
-        <p:style>
-          <a:lnRef idx="2">
-            <a:schemeClr val="accent1"/>
-          </a:lnRef>
-          <a:fillRef idx="1">
-            <a:schemeClr val="lt1"/>
-          </a:fillRef>
-          <a:effectRef idx="0">
-            <a:schemeClr val="accent1"/>
-          </a:effectRef>
-          <a:fontRef idx="minor">
-            <a:schemeClr val="dk1"/>
-          </a:fontRef>
-        </p:style>
-        <p:txBody>
-          <a:bodyPr wrap="square" rtlCol="0">
-            <a:spAutoFit/>
-          </a:bodyPr>
-          <a:lstStyle/>
-          <a:p>
-            <a:r>
-              <a:rPr lang="en-US" altLang="zh-CN" dirty="0" err="1"/>
-              <a:t>Xmx</a:t>
-            </a:r>
-            <a:r>
-              <a:rPr lang="en-US" altLang="zh-CN" dirty="0"/>
-              <a:t>=19.375M</a:t>
-            </a:r>
-          </a:p>
-          <a:p>
-            <a:r>
-              <a:rPr lang="en-US" altLang="zh-CN" dirty="0"/>
-              <a:t>free </a:t>
-            </a:r>
-            <a:r>
-              <a:rPr lang="en-US" altLang="zh-CN" dirty="0" err="1"/>
-              <a:t>mem</a:t>
-            </a:r>
-            <a:r>
-              <a:rPr lang="en-US" altLang="zh-CN" dirty="0"/>
-              <a:t>=4.342750549316406M</a:t>
-            </a:r>
-          </a:p>
-          <a:p>
-            <a:r>
-              <a:rPr lang="en-US" altLang="zh-CN" dirty="0"/>
-              <a:t>total </a:t>
-            </a:r>
-            <a:r>
-              <a:rPr lang="en-US" altLang="zh-CN" dirty="0" err="1"/>
-              <a:t>mem</a:t>
-            </a:r>
-            <a:r>
-              <a:rPr lang="en-US" altLang="zh-CN" dirty="0"/>
-              <a:t>=4.875M</a:t>
-            </a:r>
-            <a:endParaRPr lang="zh-CN" altLang="en-US" dirty="0"/>
-          </a:p>
-        </p:txBody>
-      </p:sp>
-    </p:spTree>
-    <p:extLst>
-      <p:ext uri="{BB962C8B-B14F-4D97-AF65-F5344CB8AC3E}">
-        <p14:creationId xmlns:p14="http://schemas.microsoft.com/office/powerpoint/2010/main" val="4067966243"/>
-      </p:ext>
-    </p:extLst>
-  </p:cSld>
-  <p:clrMapOvr>
-    <a:masterClrMapping/>
-  </p:clrMapOvr>
-  <p:timing>
-    <p:tnLst>
-      <p:par>
-        <p:cTn id="1" dur="indefinite" restart="never" nodeType="tmRoot">
-          <p:childTnLst>
-            <p:seq concurrent="1" nextAc="seek">
-              <p:cTn id="2" dur="indefinite" nodeType="mainSeq">
-                <p:childTnLst>
-                  <p:par>
-                    <p:cTn id="3" fill="hold">
-                      <p:stCondLst>
-                        <p:cond delay="indefinite"/>
-                      </p:stCondLst>
-                      <p:childTnLst>
-                        <p:par>
-                          <p:cTn id="4" fill="hold">
-                            <p:stCondLst>
-                              <p:cond delay="0"/>
-                            </p:stCondLst>
-                            <p:childTnLst>
-                              <p:par>
-                                <p:cTn id="5" presetID="10" presetClass="entr" presetSubtype="0" fill="hold" grpId="0" nodeType="clickEffect">
-                                  <p:stCondLst>
-                                    <p:cond delay="0"/>
-                                  </p:stCondLst>
-                                  <p:childTnLst>
-                                    <p:set>
-                                      <p:cBhvr>
-                                        <p:cTn id="6" dur="1" fill="hold">
-                                          <p:stCondLst>
-                                            <p:cond delay="0"/>
-                                          </p:stCondLst>
-                                        </p:cTn>
-                                        <p:tgtEl>
-                                          <p:spTgt spid="5"/>
-                                        </p:tgtEl>
-                                        <p:attrNameLst>
-                                          <p:attrName>style.visibility</p:attrName>
-                                        </p:attrNameLst>
-                                      </p:cBhvr>
-                                      <p:to>
-                                        <p:strVal val="visible"/>
-                                      </p:to>
-                                    </p:set>
-                                    <p:animEffect transition="in" filter="fade">
-                                      <p:cBhvr>
-                                        <p:cTn id="7" dur="500"/>
-                                        <p:tgtEl>
-                                          <p:spTgt spid="5"/>
-                                        </p:tgtEl>
-                                      </p:cBhvr>
-                                    </p:animEffect>
-                                  </p:childTnLst>
-                                </p:cTn>
-                              </p:par>
-                            </p:childTnLst>
-                          </p:cTn>
-                        </p:par>
-                      </p:childTnLst>
-                    </p:cTn>
-                  </p:par>
-                </p:childTnLst>
-              </p:cTn>
-              <p:prevCondLst>
-                <p:cond evt="onPrev" delay="0">
-                  <p:tgtEl>
-                    <p:sldTgt/>
-                  </p:tgtEl>
-                </p:cond>
-              </p:prevCondLst>
-              <p:nextCondLst>
-                <p:cond evt="onNext" delay="0">
-                  <p:tgtEl>
-                    <p:sldTgt/>
-                  </p:tgtEl>
-                </p:cond>
-              </p:nextCondLst>
-            </p:seq>
-          </p:childTnLst>
-        </p:cTn>
-      </p:par>
-    </p:tnLst>
-    <p:bldLst>
-      <p:bldP spid="5" grpId="0" animBg="1"/>
-    </p:bldLst>
-  </p:timing>
-</p:sld>
-</file>
-
-<file path=ppt/slides/slide12.xml><?xml version="1.0" encoding="utf-8"?>
-<p:sld xmlns:a="http://schemas.openxmlformats.org/drawingml/2006/main" xmlns:r="http://schemas.openxmlformats.org/officeDocument/2006/relationships" xmlns:p="http://schemas.openxmlformats.org/presentationml/2006/main">
-  <p:cSld>
-    <p:spTree>
-      <p:nvGrpSpPr>
-        <p:cNvPr id="1" name=""/>
-        <p:cNvGrpSpPr/>
-        <p:nvPr/>
-      </p:nvGrpSpPr>
-      <p:grpSpPr>
-        <a:xfrm>
-          <a:off x="0" y="0"/>
-          <a:ext cx="0" cy="0"/>
-          <a:chOff x="0" y="0"/>
-          <a:chExt cx="0" cy="0"/>
-        </a:xfrm>
-      </p:grpSpPr>
-      <p:sp>
-        <p:nvSpPr>
-          <p:cNvPr id="2" name="标题 1"/>
-          <p:cNvSpPr>
-            <a:spLocks noGrp="1"/>
-          </p:cNvSpPr>
-          <p:nvPr>
-            <p:ph type="title"/>
-          </p:nvPr>
-        </p:nvSpPr>
-        <p:spPr/>
-        <p:txBody>
-          <a:bodyPr/>
-          <a:lstStyle/>
-          <a:p>
-            <a:r>
-              <a:rPr lang="zh-CN" altLang="en-US" dirty="0"/>
-              <a:t>堆的分配参数</a:t>
-            </a:r>
-          </a:p>
-        </p:txBody>
-      </p:sp>
-      <p:sp>
-        <p:nvSpPr>
-          <p:cNvPr id="3" name="内容占位符 2"/>
-          <p:cNvSpPr>
-            <a:spLocks noGrp="1"/>
-          </p:cNvSpPr>
-          <p:nvPr>
-            <p:ph idx="1"/>
-          </p:nvPr>
-        </p:nvSpPr>
-        <p:spPr/>
-        <p:txBody>
-          <a:bodyPr/>
-          <a:lstStyle/>
-          <a:p>
-            <a:r>
               <a:rPr lang="en-US" altLang="zh-CN" dirty="0"/>
               <a:t>-Xmx20m -Xms5m  </a:t>
             </a:r>
@@ -6969,6 +5802,11 @@
               </a:rPr>
               <a:t>byte[] b=new byte[1*1024*1024];</a:t>
             </a:r>
+            <a:endParaRPr lang="en-US" altLang="zh-CN" dirty="0">
+              <a:solidFill>
+                <a:srgbClr val="FF0000"/>
+              </a:solidFill>
+            </a:endParaRPr>
           </a:p>
           <a:p>
             <a:pPr lvl="2"/>
@@ -6996,6 +5834,7 @@
               <a:rPr lang="en-US" altLang="zh-CN" dirty="0"/>
               <a:t>");</a:t>
             </a:r>
+            <a:endParaRPr lang="en-US" altLang="zh-CN" dirty="0"/>
           </a:p>
           <a:p>
             <a:pPr lvl="2"/>
@@ -7019,6 +5858,7 @@
               <a:rPr lang="en-US" altLang="zh-CN" dirty="0"/>
               <a:t>=");</a:t>
             </a:r>
+            <a:endParaRPr lang="en-US" altLang="zh-CN" dirty="0"/>
           </a:p>
           <a:p>
             <a:pPr lvl="2"/>
@@ -7046,6 +5886,7 @@
               <a:rPr lang="en-US" altLang="zh-CN" dirty="0"/>
               <a:t>()/1024.0/1024+"M");</a:t>
             </a:r>
+            <a:endParaRPr lang="en-US" altLang="zh-CN" dirty="0"/>
           </a:p>
           <a:p>
             <a:pPr lvl="2"/>
@@ -7069,6 +5910,7 @@
               <a:rPr lang="en-US" altLang="zh-CN" dirty="0"/>
               <a:t>=");</a:t>
             </a:r>
+            <a:endParaRPr lang="en-US" altLang="zh-CN" dirty="0"/>
           </a:p>
           <a:p>
             <a:pPr lvl="2"/>
@@ -7096,6 +5938,7 @@
               <a:rPr lang="en-US" altLang="zh-CN" dirty="0"/>
               <a:t>()/1024.0/1024+"M");</a:t>
             </a:r>
+            <a:endParaRPr lang="en-US" altLang="zh-CN" dirty="0"/>
           </a:p>
           <a:p>
             <a:pPr lvl="2"/>
@@ -7119,6 +5962,7 @@
               <a:rPr lang="en-US" altLang="zh-CN" dirty="0"/>
               <a:t>=");</a:t>
             </a:r>
+            <a:endParaRPr lang="en-US" altLang="zh-CN" dirty="0"/>
           </a:p>
           <a:p>
             <a:pPr lvl="2"/>
@@ -7197,6 +6041,7 @@
               <a:rPr lang="zh-CN" altLang="en-US" dirty="0"/>
               <a:t>空间给数组</a:t>
             </a:r>
+            <a:endParaRPr lang="zh-CN" altLang="en-US" dirty="0"/>
           </a:p>
           <a:p>
             <a:r>
@@ -7207,6 +6052,7 @@
               <a:rPr lang="en-US" altLang="zh-CN" dirty="0"/>
               <a:t>=19.375M</a:t>
             </a:r>
+            <a:endParaRPr lang="en-US" altLang="zh-CN" dirty="0"/>
           </a:p>
           <a:p>
             <a:r>
@@ -7221,6 +6067,7 @@
               <a:rPr lang="en-US" altLang="zh-CN" dirty="0"/>
               <a:t>=3.4791183471679688M</a:t>
             </a:r>
+            <a:endParaRPr lang="en-US" altLang="zh-CN" dirty="0"/>
           </a:p>
           <a:p>
             <a:r>
@@ -7287,11 +6134,6 @@
         </p:txBody>
       </p:sp>
     </p:spTree>
-    <p:extLst>
-      <p:ext uri="{BB962C8B-B14F-4D97-AF65-F5344CB8AC3E}">
-        <p14:creationId xmlns:p14="http://schemas.microsoft.com/office/powerpoint/2010/main" val="1368702470"/>
-      </p:ext>
-    </p:extLst>
   </p:cSld>
   <p:clrMapOvr>
     <a:masterClrMapping/>
@@ -7508,7 +6350,7 @@
 </p:sld>
 </file>
 
-<file path=ppt/slides/slide13.xml><?xml version="1.0" encoding="utf-8"?>
+<file path=ppt/slides/slide11.xml><?xml version="1.0" encoding="utf-8"?>
 <p:sld xmlns:a="http://schemas.openxmlformats.org/drawingml/2006/main" xmlns:r="http://schemas.openxmlformats.org/officeDocument/2006/relationships" xmlns:p="http://schemas.openxmlformats.org/presentationml/2006/main">
   <p:cSld>
     <p:spTree>
@@ -7544,6 +6386,7 @@
               <a:rPr lang="zh-CN" altLang="en-US" dirty="0"/>
               <a:t>堆的分配参数</a:t>
             </a:r>
+            <a:endParaRPr lang="zh-CN" altLang="en-US" dirty="0"/>
           </a:p>
         </p:txBody>
       </p:sp>
@@ -7582,6 +6425,11 @@
               </a:rPr>
               <a:t>b=new byte[4*1024*1024];</a:t>
             </a:r>
+            <a:endParaRPr lang="en-US" altLang="zh-CN" dirty="0">
+              <a:solidFill>
+                <a:srgbClr val="FF0000"/>
+              </a:solidFill>
+            </a:endParaRPr>
           </a:p>
           <a:p>
             <a:pPr lvl="2"/>
@@ -7609,6 +6457,7 @@
               <a:rPr lang="en-US" altLang="zh-CN" dirty="0"/>
               <a:t>");</a:t>
             </a:r>
+            <a:endParaRPr lang="en-US" altLang="zh-CN" dirty="0"/>
           </a:p>
           <a:p>
             <a:pPr lvl="2"/>
@@ -7632,6 +6481,7 @@
               <a:rPr lang="en-US" altLang="zh-CN" dirty="0"/>
               <a:t>=");</a:t>
             </a:r>
+            <a:endParaRPr lang="en-US" altLang="zh-CN" dirty="0"/>
           </a:p>
           <a:p>
             <a:pPr lvl="2"/>
@@ -7659,6 +6509,7 @@
               <a:rPr lang="en-US" altLang="zh-CN" dirty="0"/>
               <a:t>()/1024.0/1024+"M");</a:t>
             </a:r>
+            <a:endParaRPr lang="en-US" altLang="zh-CN" dirty="0"/>
           </a:p>
           <a:p>
             <a:pPr lvl="2"/>
@@ -7682,6 +6533,7 @@
               <a:rPr lang="en-US" altLang="zh-CN" dirty="0"/>
               <a:t>=");</a:t>
             </a:r>
+            <a:endParaRPr lang="en-US" altLang="zh-CN" dirty="0"/>
           </a:p>
           <a:p>
             <a:pPr lvl="2"/>
@@ -7709,6 +6561,7 @@
               <a:rPr lang="en-US" altLang="zh-CN" dirty="0"/>
               <a:t>()/1024.0/1024+"M");</a:t>
             </a:r>
+            <a:endParaRPr lang="en-US" altLang="zh-CN" dirty="0"/>
           </a:p>
           <a:p>
             <a:pPr lvl="2"/>
@@ -7732,6 +6585,7 @@
               <a:rPr lang="en-US" altLang="zh-CN" dirty="0"/>
               <a:t>=");</a:t>
             </a:r>
+            <a:endParaRPr lang="en-US" altLang="zh-CN" dirty="0"/>
           </a:p>
           <a:p>
             <a:pPr lvl="2"/>
@@ -7810,6 +6664,7 @@
               <a:rPr lang="zh-CN" altLang="en-US" dirty="0"/>
               <a:t>空间给数组</a:t>
             </a:r>
+            <a:endParaRPr lang="zh-CN" altLang="en-US" dirty="0"/>
           </a:p>
           <a:p>
             <a:r>
@@ -7820,6 +6675,7 @@
               <a:rPr lang="en-US" altLang="zh-CN" dirty="0"/>
               <a:t>=19.375M</a:t>
             </a:r>
+            <a:endParaRPr lang="en-US" altLang="zh-CN" dirty="0"/>
           </a:p>
           <a:p>
             <a:r>
@@ -7834,6 +6690,7 @@
               <a:rPr lang="en-US" altLang="zh-CN" dirty="0"/>
               <a:t>=3.5899810791015625M</a:t>
             </a:r>
+            <a:endParaRPr lang="en-US" altLang="zh-CN" dirty="0"/>
           </a:p>
           <a:p>
             <a:r>
@@ -7930,11 +6787,6 @@
         </p:style>
       </p:cxnSp>
     </p:spTree>
-    <p:extLst>
-      <p:ext uri="{BB962C8B-B14F-4D97-AF65-F5344CB8AC3E}">
-        <p14:creationId xmlns:p14="http://schemas.microsoft.com/office/powerpoint/2010/main" val="2668987247"/>
-      </p:ext>
-    </p:extLst>
   </p:cSld>
   <p:clrMapOvr>
     <a:masterClrMapping/>
@@ -8099,7 +6951,7 @@
 </p:sld>
 </file>
 
-<file path=ppt/slides/slide14.xml><?xml version="1.0" encoding="utf-8"?>
+<file path=ppt/slides/slide12.xml><?xml version="1.0" encoding="utf-8"?>
 <p:sld xmlns:a="http://schemas.openxmlformats.org/drawingml/2006/main" xmlns:r="http://schemas.openxmlformats.org/officeDocument/2006/relationships" xmlns:p="http://schemas.openxmlformats.org/presentationml/2006/main">
   <p:cSld>
     <p:spTree>
@@ -8179,6 +7031,7 @@
               <a:rPr lang="zh-CN" altLang="en-US" dirty="0"/>
               <a:t>堆的分配参数</a:t>
             </a:r>
+            <a:endParaRPr lang="zh-CN" altLang="en-US" dirty="0"/>
           </a:p>
         </p:txBody>
       </p:sp>
@@ -8234,6 +7087,11 @@
               </a:rPr>
               <a:t>();</a:t>
             </a:r>
+            <a:endParaRPr lang="en-US" altLang="zh-CN" dirty="0" smtClean="0">
+              <a:solidFill>
+                <a:srgbClr val="FF0000"/>
+              </a:solidFill>
+            </a:endParaRPr>
           </a:p>
           <a:p>
             <a:pPr lvl="2"/>
@@ -8257,6 +7115,7 @@
               <a:rPr lang="en-US" altLang="zh-CN" dirty="0"/>
               <a:t>");</a:t>
             </a:r>
+            <a:endParaRPr lang="en-US" altLang="zh-CN" dirty="0"/>
           </a:p>
           <a:p>
             <a:pPr lvl="2"/>
@@ -8276,6 +7135,7 @@
               <a:rPr lang="en-US" altLang="zh-CN" dirty="0"/>
               <a:t>=");</a:t>
             </a:r>
+            <a:endParaRPr lang="en-US" altLang="zh-CN" dirty="0"/>
           </a:p>
           <a:p>
             <a:pPr lvl="2"/>
@@ -8303,6 +7163,7 @@
               <a:rPr lang="en-US" altLang="zh-CN" dirty="0"/>
               <a:t>()/1024.0/1024+"M");</a:t>
             </a:r>
+            <a:endParaRPr lang="en-US" altLang="zh-CN" dirty="0"/>
           </a:p>
           <a:p>
             <a:pPr lvl="2"/>
@@ -8326,6 +7187,7 @@
               <a:rPr lang="en-US" altLang="zh-CN" dirty="0"/>
               <a:t>=");</a:t>
             </a:r>
+            <a:endParaRPr lang="en-US" altLang="zh-CN" dirty="0"/>
           </a:p>
           <a:p>
             <a:pPr lvl="2"/>
@@ -8353,6 +7215,7 @@
               <a:rPr lang="en-US" altLang="zh-CN" dirty="0"/>
               <a:t>()/1024.0/1024+"M");</a:t>
             </a:r>
+            <a:endParaRPr lang="en-US" altLang="zh-CN" dirty="0"/>
           </a:p>
           <a:p>
             <a:pPr lvl="2"/>
@@ -8376,6 +7239,7 @@
               <a:rPr lang="en-US" altLang="zh-CN" dirty="0"/>
               <a:t>=");</a:t>
             </a:r>
+            <a:endParaRPr lang="en-US" altLang="zh-CN" dirty="0"/>
           </a:p>
           <a:p>
             <a:pPr lvl="2"/>
@@ -8403,6 +7267,7 @@
               <a:rPr lang="en-US" altLang="zh-CN" dirty="0"/>
               <a:t>()/1024.0/1024+"M");</a:t>
             </a:r>
+            <a:endParaRPr lang="en-US" altLang="zh-CN" dirty="0"/>
           </a:p>
           <a:p>
             <a:endParaRPr lang="zh-CN" altLang="en-US" dirty="0"/>
@@ -8448,6 +7313,7 @@
               <a:rPr lang="zh-CN" altLang="en-US" dirty="0"/>
               <a:t>回收内存</a:t>
             </a:r>
+            <a:endParaRPr lang="zh-CN" altLang="en-US" dirty="0"/>
           </a:p>
           <a:p>
             <a:r>
@@ -8458,6 +7324,7 @@
               <a:rPr lang="en-US" altLang="zh-CN" dirty="0"/>
               <a:t>=19.375M</a:t>
             </a:r>
+            <a:endParaRPr lang="en-US" altLang="zh-CN" dirty="0"/>
           </a:p>
           <a:p>
             <a:r>
@@ -8472,6 +7339,7 @@
               <a:rPr lang="en-US" altLang="zh-CN" dirty="0"/>
               <a:t>=6.354591369628906M</a:t>
             </a:r>
+            <a:endParaRPr lang="en-US" altLang="zh-CN" dirty="0"/>
           </a:p>
           <a:p>
             <a:r>
@@ -8524,11 +7392,6 @@
         </p:style>
       </p:cxnSp>
     </p:spTree>
-    <p:extLst>
-      <p:ext uri="{BB962C8B-B14F-4D97-AF65-F5344CB8AC3E}">
-        <p14:creationId xmlns:p14="http://schemas.microsoft.com/office/powerpoint/2010/main" val="3701728093"/>
-      </p:ext>
-    </p:extLst>
   </p:cSld>
   <p:clrMapOvr>
     <a:masterClrMapping/>
@@ -8693,7 +7556,7 @@
 </p:sld>
 </file>
 
-<file path=ppt/slides/slide15.xml><?xml version="1.0" encoding="utf-8"?>
+<file path=ppt/slides/slide13.xml><?xml version="1.0" encoding="utf-8"?>
 <p:sld xmlns:a="http://schemas.openxmlformats.org/drawingml/2006/main" xmlns:r="http://schemas.openxmlformats.org/officeDocument/2006/relationships" xmlns:p="http://schemas.openxmlformats.org/presentationml/2006/main">
   <p:cSld>
     <p:spTree>
@@ -8729,6 +7592,7 @@
               <a:rPr lang="zh-CN" altLang="en-US" dirty="0"/>
               <a:t>堆的分配参数</a:t>
             </a:r>
+            <a:endParaRPr lang="zh-CN" altLang="en-US" dirty="0"/>
           </a:p>
         </p:txBody>
       </p:sp>
@@ -8950,11 +7814,6 @@
         </p:txBody>
       </p:sp>
     </p:spTree>
-    <p:extLst>
-      <p:ext uri="{BB962C8B-B14F-4D97-AF65-F5344CB8AC3E}">
-        <p14:creationId xmlns:p14="http://schemas.microsoft.com/office/powerpoint/2010/main" val="3376791411"/>
-      </p:ext>
-    </p:extLst>
   </p:cSld>
   <p:clrMapOvr>
     <a:masterClrMapping/>
@@ -8969,7 +7828,7 @@
 </p:sld>
 </file>
 
-<file path=ppt/slides/slide16.xml><?xml version="1.0" encoding="utf-8"?>
+<file path=ppt/slides/slide14.xml><?xml version="1.0" encoding="utf-8"?>
 <p:sld xmlns:a="http://schemas.openxmlformats.org/drawingml/2006/main" xmlns:r="http://schemas.openxmlformats.org/officeDocument/2006/relationships" xmlns:p="http://schemas.openxmlformats.org/presentationml/2006/main">
   <p:cSld>
     <p:spTree>
@@ -9005,6 +7864,7 @@
               <a:rPr lang="zh-CN" altLang="en-US" dirty="0"/>
               <a:t>堆的分配参数</a:t>
             </a:r>
+            <a:endParaRPr lang="zh-CN" altLang="en-US" dirty="0"/>
           </a:p>
         </p:txBody>
       </p:sp>
@@ -9098,6 +7958,7 @@
               <a:rPr lang="en-US" altLang="zh-CN" dirty="0" smtClean="0"/>
               <a:t>1/5</a:t>
             </a:r>
+            <a:endParaRPr lang="en-US" altLang="zh-CN" dirty="0" smtClean="0"/>
           </a:p>
           <a:p>
             <a:r>
@@ -9189,11 +8050,6 @@
         </p:txBody>
       </p:sp>
     </p:spTree>
-    <p:extLst>
-      <p:ext uri="{BB962C8B-B14F-4D97-AF65-F5344CB8AC3E}">
-        <p14:creationId xmlns:p14="http://schemas.microsoft.com/office/powerpoint/2010/main" val="4265538465"/>
-      </p:ext>
-    </p:extLst>
   </p:cSld>
   <p:clrMapOvr>
     <a:masterClrMapping/>
@@ -9208,7 +8064,7 @@
 </p:sld>
 </file>
 
-<file path=ppt/slides/slide17.xml><?xml version="1.0" encoding="utf-8"?>
+<file path=ppt/slides/slide15.xml><?xml version="1.0" encoding="utf-8"?>
 <p:sld xmlns:a="http://schemas.openxmlformats.org/drawingml/2006/main" xmlns:r="http://schemas.openxmlformats.org/officeDocument/2006/relationships" xmlns:p="http://schemas.openxmlformats.org/presentationml/2006/main">
   <p:cSld>
     <p:spTree>
@@ -9244,6 +8100,7 @@
               <a:rPr lang="zh-CN" altLang="en-US" dirty="0"/>
               <a:t>堆的分配参数</a:t>
             </a:r>
+            <a:endParaRPr lang="zh-CN" altLang="en-US" dirty="0"/>
           </a:p>
         </p:txBody>
       </p:sp>
@@ -9296,12 +8153,14 @@
               <a:rPr lang="en-US" altLang="zh-CN" dirty="0"/>
               <a:t>) {</a:t>
             </a:r>
+            <a:endParaRPr lang="en-US" altLang="zh-CN" dirty="0"/>
           </a:p>
           <a:p>
             <a:r>
               <a:rPr lang="en-US" altLang="zh-CN" dirty="0"/>
               <a:t>   byte[] b=null;</a:t>
             </a:r>
+            <a:endParaRPr lang="en-US" altLang="zh-CN" dirty="0"/>
           </a:p>
           <a:p>
             <a:r>
@@ -9324,12 +8183,14 @@
               <a:rPr lang="en-US" altLang="zh-CN" dirty="0"/>
               <a:t>=0;i&lt;10;i++)</a:t>
             </a:r>
+            <a:endParaRPr lang="en-US" altLang="zh-CN" dirty="0"/>
           </a:p>
           <a:p>
             <a:r>
               <a:rPr lang="en-US" altLang="zh-CN" dirty="0"/>
               <a:t>       b=new byte[1*1024*1024];</a:t>
             </a:r>
+            <a:endParaRPr lang="en-US" altLang="zh-CN" dirty="0"/>
           </a:p>
           <a:p>
             <a:r>
@@ -9400,7 +8261,7 @@
           <p:nvPr/>
         </p:nvPicPr>
         <p:blipFill>
-          <a:blip r:embed="rId3">
+          <a:blip r:embed="rId1">
             <a:extLst>
               <a:ext uri="{28A0092B-C50C-407E-A947-70E740481C1C}">
                 <a14:useLocalDpi xmlns:a14="http://schemas.microsoft.com/office/drawing/2010/main" val="0"/>
@@ -9491,6 +8352,7 @@
               <a:rPr lang="en-US" altLang="zh-CN" dirty="0" smtClean="0"/>
               <a:t>GC</a:t>
             </a:r>
+            <a:endParaRPr lang="en-US" altLang="zh-CN" dirty="0" smtClean="0"/>
           </a:p>
           <a:p>
             <a:pPr marL="342900" indent="-342900">
@@ -9512,11 +8374,6 @@
         </p:txBody>
       </p:sp>
     </p:spTree>
-    <p:extLst>
-      <p:ext uri="{BB962C8B-B14F-4D97-AF65-F5344CB8AC3E}">
-        <p14:creationId xmlns:p14="http://schemas.microsoft.com/office/powerpoint/2010/main" val="3773455868"/>
-      </p:ext>
-    </p:extLst>
   </p:cSld>
   <p:clrMapOvr>
     <a:masterClrMapping/>
@@ -9531,7 +8388,7 @@
 </p:sld>
 </file>
 
-<file path=ppt/slides/slide18.xml><?xml version="1.0" encoding="utf-8"?>
+<file path=ppt/slides/slide16.xml><?xml version="1.0" encoding="utf-8"?>
 <p:sld xmlns:a="http://schemas.openxmlformats.org/drawingml/2006/main" xmlns:r="http://schemas.openxmlformats.org/officeDocument/2006/relationships" xmlns:p="http://schemas.openxmlformats.org/presentationml/2006/main">
   <p:cSld>
     <p:spTree>
@@ -9567,6 +8424,7 @@
               <a:rPr lang="zh-CN" altLang="en-US" dirty="0"/>
               <a:t>堆的分配参数</a:t>
             </a:r>
+            <a:endParaRPr lang="zh-CN" altLang="en-US" dirty="0"/>
           </a:p>
         </p:txBody>
       </p:sp>
@@ -9619,12 +8477,14 @@
               <a:rPr lang="en-US" altLang="zh-CN" dirty="0"/>
               <a:t>) {</a:t>
             </a:r>
+            <a:endParaRPr lang="en-US" altLang="zh-CN" dirty="0"/>
           </a:p>
           <a:p>
             <a:r>
               <a:rPr lang="en-US" altLang="zh-CN" dirty="0"/>
               <a:t>   byte[] b=null;</a:t>
             </a:r>
+            <a:endParaRPr lang="en-US" altLang="zh-CN" dirty="0"/>
           </a:p>
           <a:p>
             <a:r>
@@ -9647,12 +8507,14 @@
               <a:rPr lang="en-US" altLang="zh-CN" dirty="0"/>
               <a:t>=0;i&lt;10;i++)</a:t>
             </a:r>
+            <a:endParaRPr lang="en-US" altLang="zh-CN" dirty="0"/>
           </a:p>
           <a:p>
             <a:r>
               <a:rPr lang="en-US" altLang="zh-CN" dirty="0"/>
               <a:t>       b=new byte[1*1024*1024];</a:t>
             </a:r>
+            <a:endParaRPr lang="en-US" altLang="zh-CN" dirty="0"/>
           </a:p>
           <a:p>
             <a:r>
@@ -9719,7 +8581,7 @@
           <p:nvPr/>
         </p:nvPicPr>
         <p:blipFill>
-          <a:blip r:embed="rId3">
+          <a:blip r:embed="rId1">
             <a:extLst>
               <a:ext uri="{28A0092B-C50C-407E-A947-70E740481C1C}">
                 <a14:useLocalDpi xmlns:a14="http://schemas.microsoft.com/office/drawing/2010/main" val="0"/>
@@ -9810,6 +8672,7 @@
               <a:rPr lang="en-US" altLang="zh-CN" dirty="0" smtClean="0"/>
               <a:t>GC</a:t>
             </a:r>
+            <a:endParaRPr lang="en-US" altLang="zh-CN" dirty="0" smtClean="0"/>
           </a:p>
           <a:p>
             <a:pPr marL="342900" indent="-342900">
@@ -9845,11 +8708,6 @@
         </p:txBody>
       </p:sp>
     </p:spTree>
-    <p:extLst>
-      <p:ext uri="{BB962C8B-B14F-4D97-AF65-F5344CB8AC3E}">
-        <p14:creationId xmlns:p14="http://schemas.microsoft.com/office/powerpoint/2010/main" val="2202541426"/>
-      </p:ext>
-    </p:extLst>
   </p:cSld>
   <p:clrMapOvr>
     <a:masterClrMapping/>
@@ -9864,7 +8722,7 @@
 </p:sld>
 </file>
 
-<file path=ppt/slides/slide19.xml><?xml version="1.0" encoding="utf-8"?>
+<file path=ppt/slides/slide17.xml><?xml version="1.0" encoding="utf-8"?>
 <p:sld xmlns:a="http://schemas.openxmlformats.org/drawingml/2006/main" xmlns:r="http://schemas.openxmlformats.org/officeDocument/2006/relationships" xmlns:p="http://schemas.openxmlformats.org/presentationml/2006/main">
   <p:cSld>
     <p:spTree>
@@ -9900,6 +8758,7 @@
               <a:rPr lang="zh-CN" altLang="en-US" dirty="0"/>
               <a:t>堆的分配参数</a:t>
             </a:r>
+            <a:endParaRPr lang="zh-CN" altLang="en-US" dirty="0"/>
           </a:p>
         </p:txBody>
       </p:sp>
@@ -9952,12 +8811,14 @@
               <a:rPr lang="en-US" altLang="zh-CN" dirty="0"/>
               <a:t>) {</a:t>
             </a:r>
+            <a:endParaRPr lang="en-US" altLang="zh-CN" dirty="0"/>
           </a:p>
           <a:p>
             <a:r>
               <a:rPr lang="en-US" altLang="zh-CN" dirty="0"/>
               <a:t>   byte[] b=null;</a:t>
             </a:r>
+            <a:endParaRPr lang="en-US" altLang="zh-CN" dirty="0"/>
           </a:p>
           <a:p>
             <a:r>
@@ -9980,12 +8841,14 @@
               <a:rPr lang="en-US" altLang="zh-CN" dirty="0"/>
               <a:t>=0;i&lt;10;i++)</a:t>
             </a:r>
+            <a:endParaRPr lang="en-US" altLang="zh-CN" dirty="0"/>
           </a:p>
           <a:p>
             <a:r>
               <a:rPr lang="en-US" altLang="zh-CN" dirty="0"/>
               <a:t>       b=new byte[1*1024*1024];</a:t>
             </a:r>
+            <a:endParaRPr lang="en-US" altLang="zh-CN" dirty="0"/>
           </a:p>
           <a:p>
             <a:r>
@@ -10064,7 +8927,7 @@
           <p:nvPr/>
         </p:nvPicPr>
         <p:blipFill>
-          <a:blip r:embed="rId3">
+          <a:blip r:embed="rId1">
             <a:extLst>
               <a:ext uri="{28A0092B-C50C-407E-A947-70E740481C1C}">
                 <a14:useLocalDpi xmlns:a14="http://schemas.microsoft.com/office/drawing/2010/main" val="0"/>
@@ -10164,6 +9027,7 @@
               <a:rPr lang="en-US" altLang="zh-CN" dirty="0" smtClean="0"/>
               <a:t>GC</a:t>
             </a:r>
+            <a:endParaRPr lang="en-US" altLang="zh-CN" dirty="0" smtClean="0"/>
           </a:p>
           <a:p>
             <a:r>
@@ -10187,11 +9051,6 @@
         </p:txBody>
       </p:sp>
     </p:spTree>
-    <p:extLst>
-      <p:ext uri="{BB962C8B-B14F-4D97-AF65-F5344CB8AC3E}">
-        <p14:creationId xmlns:p14="http://schemas.microsoft.com/office/powerpoint/2010/main" val="3672574463"/>
-      </p:ext>
-    </p:extLst>
   </p:cSld>
   <p:clrMapOvr>
     <a:masterClrMapping/>
@@ -10206,7 +9065,7 @@
 </p:sld>
 </file>
 
-<file path=ppt/slides/slide2.xml><?xml version="1.0" encoding="utf-8"?>
+<file path=ppt/slides/slide18.xml><?xml version="1.0" encoding="utf-8"?>
 <p:sld xmlns:a="http://schemas.openxmlformats.org/drawingml/2006/main" xmlns:r="http://schemas.openxmlformats.org/officeDocument/2006/relationships" xmlns:p="http://schemas.openxmlformats.org/presentationml/2006/main">
   <p:cSld>
     <p:spTree>
@@ -10225,165 +9084,6 @@
       </p:grpSpPr>
       <p:sp>
         <p:nvSpPr>
-          <p:cNvPr id="2" name="标题 1"/>
-          <p:cNvSpPr>
-            <a:spLocks noGrp="1"/>
-          </p:cNvSpPr>
-          <p:nvPr>
-            <p:ph type="title"/>
-          </p:nvPr>
-        </p:nvSpPr>
-        <p:spPr/>
-        <p:txBody>
-          <a:bodyPr/>
-          <a:lstStyle/>
-          <a:p>
-            <a:r>
-              <a:rPr lang="zh-CN" altLang="en-US" dirty="0" smtClean="0"/>
-              <a:t>法律声明</a:t>
-            </a:r>
-            <a:endParaRPr lang="zh-CN" altLang="en-US" dirty="0"/>
-          </a:p>
-        </p:txBody>
-      </p:sp>
-      <p:sp>
-        <p:nvSpPr>
-          <p:cNvPr id="3" name="内容占位符 2"/>
-          <p:cNvSpPr>
-            <a:spLocks noGrp="1"/>
-          </p:cNvSpPr>
-          <p:nvPr>
-            <p:ph idx="1"/>
-          </p:nvPr>
-        </p:nvSpPr>
-        <p:spPr>
-          <a:xfrm>
-            <a:off x="610235" y="1429081"/>
-            <a:ext cx="10970424" cy="4809652"/>
-          </a:xfrm>
-        </p:spPr>
-        <p:txBody>
-          <a:bodyPr/>
-          <a:lstStyle/>
-          <a:p>
-            <a:pPr>
-              <a:buNone/>
-            </a:pPr>
-            <a:r>
-              <a:rPr lang="en-US" altLang="zh-CN" sz="3300" b="1" dirty="0" smtClean="0">
-                <a:solidFill>
-                  <a:srgbClr val="FF0000"/>
-                </a:solidFill>
-              </a:rPr>
-              <a:t>【</a:t>
-            </a:r>
-            <a:r>
-              <a:rPr lang="zh-CN" altLang="en-US" sz="3300" b="1" dirty="0" smtClean="0">
-                <a:solidFill>
-                  <a:srgbClr val="FF0000"/>
-                </a:solidFill>
-              </a:rPr>
-              <a:t>声明</a:t>
-            </a:r>
-            <a:r>
-              <a:rPr lang="en-US" altLang="zh-CN" sz="3300" b="1" dirty="0" smtClean="0">
-                <a:solidFill>
-                  <a:srgbClr val="FF0000"/>
-                </a:solidFill>
-              </a:rPr>
-              <a:t>】</a:t>
-            </a:r>
-            <a:r>
-              <a:rPr lang="zh-CN" altLang="en-US" sz="3300" b="1" dirty="0" smtClean="0"/>
-              <a:t>本视频和幻灯片为炼数成金网络课程的教学资料，所有资料只能在课程内使用，不得在课程以外范围散播，违者将可能被追究法律和经济责任。</a:t>
-            </a:r>
-            <a:endParaRPr lang="en-US" altLang="zh-CN" sz="3300" b="1" dirty="0" smtClean="0"/>
-          </a:p>
-          <a:p>
-            <a:pPr>
-              <a:buNone/>
-            </a:pPr>
-            <a:r>
-              <a:rPr lang="zh-CN" altLang="en-US" sz="3300" b="1" dirty="0" smtClean="0">
-                <a:solidFill>
-                  <a:srgbClr val="003399"/>
-                </a:solidFill>
-              </a:rPr>
-              <a:t>课程详情访问炼数成金培训网站</a:t>
-            </a:r>
-            <a:endParaRPr lang="en-US" altLang="zh-CN" sz="3300" b="1" dirty="0" smtClean="0">
-              <a:solidFill>
-                <a:srgbClr val="003399"/>
-              </a:solidFill>
-            </a:endParaRPr>
-          </a:p>
-          <a:p>
-            <a:pPr>
-              <a:buNone/>
-            </a:pPr>
-            <a:r>
-              <a:rPr lang="en-US" altLang="zh-CN" sz="3300" b="1" dirty="0" smtClean="0">
-                <a:solidFill>
-                  <a:srgbClr val="FF0000"/>
-                </a:solidFill>
-                <a:hlinkClick r:id="rId3"/>
-              </a:rPr>
-              <a:t>http://edu.dataguru.cn</a:t>
-            </a:r>
-            <a:endParaRPr lang="en-US" altLang="zh-CN" sz="3300" b="1" dirty="0" smtClean="0">
-              <a:solidFill>
-                <a:srgbClr val="FF0000"/>
-              </a:solidFill>
-            </a:endParaRPr>
-          </a:p>
-          <a:p>
-            <a:pPr>
-              <a:buNone/>
-            </a:pPr>
-            <a:endParaRPr lang="en-US" altLang="zh-CN" dirty="0" smtClean="0"/>
-          </a:p>
-          <a:p>
-            <a:pPr>
-              <a:buNone/>
-            </a:pPr>
-            <a:endParaRPr lang="zh-CN" altLang="en-US" dirty="0"/>
-          </a:p>
-        </p:txBody>
-      </p:sp>
-    </p:spTree>
-  </p:cSld>
-  <p:clrMapOvr>
-    <a:masterClrMapping/>
-  </p:clrMapOvr>
-  <p:timing>
-    <p:tnLst>
-      <p:par>
-        <p:cTn id="1" dur="indefinite" restart="never" nodeType="tmRoot"/>
-      </p:par>
-    </p:tnLst>
-  </p:timing>
-</p:sld>
-</file>
-
-<file path=ppt/slides/slide20.xml><?xml version="1.0" encoding="utf-8"?>
-<p:sld xmlns:a="http://schemas.openxmlformats.org/drawingml/2006/main" xmlns:r="http://schemas.openxmlformats.org/officeDocument/2006/relationships" xmlns:p="http://schemas.openxmlformats.org/presentationml/2006/main">
-  <p:cSld>
-    <p:spTree>
-      <p:nvGrpSpPr>
-        <p:cNvPr id="1" name=""/>
-        <p:cNvGrpSpPr/>
-        <p:nvPr/>
-      </p:nvGrpSpPr>
-      <p:grpSpPr>
-        <a:xfrm>
-          <a:off x="0" y="0"/>
-          <a:ext cx="0" cy="0"/>
-          <a:chOff x="0" y="0"/>
-          <a:chExt cx="0" cy="0"/>
-        </a:xfrm>
-      </p:grpSpPr>
-      <p:sp>
-        <p:nvSpPr>
           <p:cNvPr id="2" name="Title 1"/>
           <p:cNvSpPr>
             <a:spLocks noGrp="1"/>
@@ -10401,6 +9101,7 @@
               <a:rPr lang="zh-CN" altLang="en-US" dirty="0"/>
               <a:t>堆的分配参数</a:t>
             </a:r>
+            <a:endParaRPr lang="zh-CN" altLang="en-US" dirty="0"/>
           </a:p>
         </p:txBody>
       </p:sp>
@@ -10453,12 +9154,14 @@
               <a:rPr lang="en-US" altLang="zh-CN" dirty="0"/>
               <a:t>) {</a:t>
             </a:r>
+            <a:endParaRPr lang="en-US" altLang="zh-CN" dirty="0"/>
           </a:p>
           <a:p>
             <a:r>
               <a:rPr lang="en-US" altLang="zh-CN" dirty="0"/>
               <a:t>   byte[] b=null;</a:t>
             </a:r>
+            <a:endParaRPr lang="en-US" altLang="zh-CN" dirty="0"/>
           </a:p>
           <a:p>
             <a:r>
@@ -10481,12 +9184,14 @@
               <a:rPr lang="en-US" altLang="zh-CN" dirty="0"/>
               <a:t>=0;i&lt;10;i++)</a:t>
             </a:r>
+            <a:endParaRPr lang="en-US" altLang="zh-CN" dirty="0"/>
           </a:p>
           <a:p>
             <a:r>
               <a:rPr lang="en-US" altLang="zh-CN" dirty="0"/>
               <a:t>       b=new byte[1*1024*1024];</a:t>
             </a:r>
+            <a:endParaRPr lang="en-US" altLang="zh-CN" dirty="0"/>
           </a:p>
           <a:p>
             <a:r>
@@ -10615,6 +9320,7 @@
               <a:rPr lang="en-US" altLang="zh-CN" dirty="0" smtClean="0"/>
               <a:t>GC</a:t>
             </a:r>
+            <a:endParaRPr lang="en-US" altLang="zh-CN" dirty="0" smtClean="0"/>
           </a:p>
           <a:p>
             <a:r>
@@ -10638,7 +9344,7 @@
           <p:nvPr/>
         </p:nvPicPr>
         <p:blipFill>
-          <a:blip r:embed="rId3">
+          <a:blip r:embed="rId1">
             <a:extLst>
               <a:ext uri="{28A0092B-C50C-407E-A947-70E740481C1C}">
                 <a14:useLocalDpi xmlns:a14="http://schemas.microsoft.com/office/drawing/2010/main" val="0"/>
@@ -10684,11 +9390,6 @@
         </p:spPr>
       </p:pic>
     </p:spTree>
-    <p:extLst>
-      <p:ext uri="{BB962C8B-B14F-4D97-AF65-F5344CB8AC3E}">
-        <p14:creationId xmlns:p14="http://schemas.microsoft.com/office/powerpoint/2010/main" val="3309853112"/>
-      </p:ext>
-    </p:extLst>
   </p:cSld>
   <p:clrMapOvr>
     <a:masterClrMapping/>
@@ -10703,7 +9404,7 @@
 </p:sld>
 </file>
 
-<file path=ppt/slides/slide21.xml><?xml version="1.0" encoding="utf-8"?>
+<file path=ppt/slides/slide19.xml><?xml version="1.0" encoding="utf-8"?>
 <p:sld xmlns:a="http://schemas.openxmlformats.org/drawingml/2006/main" xmlns:r="http://schemas.openxmlformats.org/officeDocument/2006/relationships" xmlns:p="http://schemas.openxmlformats.org/presentationml/2006/main">
   <p:cSld>
     <p:spTree>
@@ -10739,6 +9440,7 @@
               <a:rPr lang="zh-CN" altLang="en-US" dirty="0"/>
               <a:t>堆的分配参数</a:t>
             </a:r>
+            <a:endParaRPr lang="zh-CN" altLang="en-US" dirty="0"/>
           </a:p>
         </p:txBody>
       </p:sp>
@@ -10791,12 +9493,14 @@
               <a:rPr lang="en-US" altLang="zh-CN" dirty="0"/>
               <a:t>) {</a:t>
             </a:r>
+            <a:endParaRPr lang="en-US" altLang="zh-CN" dirty="0"/>
           </a:p>
           <a:p>
             <a:r>
               <a:rPr lang="en-US" altLang="zh-CN" dirty="0"/>
               <a:t>   byte[] b=null;</a:t>
             </a:r>
+            <a:endParaRPr lang="en-US" altLang="zh-CN" dirty="0"/>
           </a:p>
           <a:p>
             <a:r>
@@ -10819,12 +9523,14 @@
               <a:rPr lang="en-US" altLang="zh-CN" dirty="0"/>
               <a:t>=0;i&lt;10;i++)</a:t>
             </a:r>
+            <a:endParaRPr lang="en-US" altLang="zh-CN" dirty="0"/>
           </a:p>
           <a:p>
             <a:r>
               <a:rPr lang="en-US" altLang="zh-CN" dirty="0"/>
               <a:t>       b=new byte[1*1024*1024];</a:t>
             </a:r>
+            <a:endParaRPr lang="en-US" altLang="zh-CN" dirty="0"/>
           </a:p>
           <a:p>
             <a:r>
@@ -10914,7 +9620,7 @@
           <p:nvPr/>
         </p:nvPicPr>
         <p:blipFill>
-          <a:blip r:embed="rId3">
+          <a:blip r:embed="rId1">
             <a:extLst>
               <a:ext uri="{28A0092B-C50C-407E-A947-70E740481C1C}">
                 <a14:useLocalDpi xmlns:a14="http://schemas.microsoft.com/office/drawing/2010/main" val="0"/>
@@ -10960,11 +9666,6 @@
         </p:spPr>
       </p:pic>
     </p:spTree>
-    <p:extLst>
-      <p:ext uri="{BB962C8B-B14F-4D97-AF65-F5344CB8AC3E}">
-        <p14:creationId xmlns:p14="http://schemas.microsoft.com/office/powerpoint/2010/main" val="1315977420"/>
-      </p:ext>
-    </p:extLst>
   </p:cSld>
   <p:clrMapOvr>
     <a:masterClrMapping/>
@@ -10979,7 +9680,7 @@
 </p:sld>
 </file>
 
-<file path=ppt/slides/slide22.xml><?xml version="1.0" encoding="utf-8"?>
+<file path=ppt/slides/slide2.xml><?xml version="1.0" encoding="utf-8"?>
 <p:sld xmlns:a="http://schemas.openxmlformats.org/drawingml/2006/main" xmlns:r="http://schemas.openxmlformats.org/officeDocument/2006/relationships" xmlns:p="http://schemas.openxmlformats.org/presentationml/2006/main">
   <p:cSld>
     <p:spTree>
@@ -10998,6 +9699,161 @@
       </p:grpSpPr>
       <p:sp>
         <p:nvSpPr>
+          <p:cNvPr id="2" name="标题 1"/>
+          <p:cNvSpPr>
+            <a:spLocks noGrp="1"/>
+          </p:cNvSpPr>
+          <p:nvPr>
+            <p:ph type="title"/>
+          </p:nvPr>
+        </p:nvSpPr>
+        <p:spPr/>
+        <p:txBody>
+          <a:bodyPr/>
+          <a:lstStyle/>
+          <a:p>
+            <a:r>
+              <a:rPr lang="en-US" altLang="zh-CN" dirty="0"/>
+              <a:t>Trace</a:t>
+            </a:r>
+            <a:r>
+              <a:rPr lang="zh-CN" altLang="en-US" dirty="0"/>
+              <a:t>跟踪</a:t>
+            </a:r>
+            <a:r>
+              <a:rPr lang="zh-CN" altLang="en-US" dirty="0" smtClean="0"/>
+              <a:t>参数</a:t>
+            </a:r>
+            <a:endParaRPr lang="zh-CN" altLang="en-US" dirty="0"/>
+          </a:p>
+        </p:txBody>
+      </p:sp>
+      <p:sp>
+        <p:nvSpPr>
+          <p:cNvPr id="3" name="内容占位符 2"/>
+          <p:cNvSpPr>
+            <a:spLocks noGrp="1"/>
+          </p:cNvSpPr>
+          <p:nvPr>
+            <p:ph idx="1"/>
+          </p:nvPr>
+        </p:nvSpPr>
+        <p:spPr/>
+        <p:txBody>
+          <a:bodyPr/>
+          <a:lstStyle/>
+          <a:p>
+            <a:r>
+              <a:rPr lang="en-US" altLang="zh-CN" dirty="0" smtClean="0"/>
+              <a:t>-</a:t>
+            </a:r>
+            <a:r>
+              <a:rPr lang="en-US" altLang="zh-CN" dirty="0" err="1" smtClean="0"/>
+              <a:t>verbose:gc</a:t>
+            </a:r>
+            <a:endParaRPr lang="en-US" altLang="zh-CN" dirty="0" smtClean="0"/>
+          </a:p>
+          <a:p>
+            <a:r>
+              <a:rPr lang="en-US" altLang="zh-CN" dirty="0" smtClean="0"/>
+              <a:t>-XX</a:t>
+            </a:r>
+            <a:r>
+              <a:rPr lang="en-US" altLang="zh-CN" dirty="0"/>
+              <a:t>:+</a:t>
+            </a:r>
+            <a:r>
+              <a:rPr lang="en-US" altLang="zh-CN" dirty="0" err="1" smtClean="0"/>
+              <a:t>printGC</a:t>
+            </a:r>
+            <a:endParaRPr lang="en-US" altLang="zh-CN" dirty="0" smtClean="0"/>
+          </a:p>
+          <a:p>
+            <a:r>
+              <a:rPr lang="zh-CN" altLang="en-US" dirty="0" smtClean="0"/>
+              <a:t>可以打印</a:t>
+            </a:r>
+            <a:r>
+              <a:rPr lang="en-US" altLang="zh-CN" dirty="0" smtClean="0"/>
+              <a:t>GC</a:t>
+            </a:r>
+            <a:r>
+              <a:rPr lang="zh-CN" altLang="en-US" dirty="0" smtClean="0"/>
+              <a:t>的简要信息</a:t>
+            </a:r>
+            <a:endParaRPr lang="en-US" altLang="zh-CN" dirty="0"/>
+          </a:p>
+          <a:p>
+            <a:pPr lvl="1"/>
+            <a:r>
+              <a:rPr lang="de-DE" altLang="zh-CN" sz="1800" dirty="0"/>
+              <a:t>[GC 4790K-&gt;374K(15872K), 0.0001606 secs]</a:t>
+            </a:r>
+            <a:endParaRPr lang="de-DE" altLang="zh-CN" sz="1800" dirty="0"/>
+          </a:p>
+          <a:p>
+            <a:pPr lvl="1"/>
+            <a:r>
+              <a:rPr lang="de-DE" altLang="zh-CN" sz="1800" dirty="0"/>
+              <a:t>[GC 4790K-&gt;374K(15872K), 0.0001474 secs]</a:t>
+            </a:r>
+            <a:endParaRPr lang="de-DE" altLang="zh-CN" sz="1800" dirty="0"/>
+          </a:p>
+          <a:p>
+            <a:pPr lvl="1"/>
+            <a:r>
+              <a:rPr lang="de-DE" altLang="zh-CN" sz="1800" dirty="0"/>
+              <a:t>[GC 4790K-&gt;374K(15872K), 0.0001563 secs]</a:t>
+            </a:r>
+            <a:endParaRPr lang="de-DE" altLang="zh-CN" sz="1800" dirty="0"/>
+          </a:p>
+          <a:p>
+            <a:pPr lvl="1"/>
+            <a:r>
+              <a:rPr lang="de-DE" altLang="zh-CN" sz="1800" dirty="0"/>
+              <a:t>[GC 4790K-&gt;374K(15872K), 0.0001682 secs]</a:t>
+            </a:r>
+            <a:endParaRPr lang="en-US" altLang="zh-CN" dirty="0" smtClean="0"/>
+          </a:p>
+          <a:p>
+            <a:endParaRPr lang="zh-CN" altLang="en-US" dirty="0"/>
+          </a:p>
+        </p:txBody>
+      </p:sp>
+    </p:spTree>
+  </p:cSld>
+  <p:clrMapOvr>
+    <a:masterClrMapping/>
+  </p:clrMapOvr>
+  <p:timing>
+    <p:tnLst>
+      <p:par>
+        <p:cTn id="1" dur="indefinite" restart="never" nodeType="tmRoot"/>
+      </p:par>
+    </p:tnLst>
+  </p:timing>
+</p:sld>
+</file>
+
+<file path=ppt/slides/slide20.xml><?xml version="1.0" encoding="utf-8"?>
+<p:sld xmlns:a="http://schemas.openxmlformats.org/drawingml/2006/main" xmlns:r="http://schemas.openxmlformats.org/officeDocument/2006/relationships" xmlns:p="http://schemas.openxmlformats.org/presentationml/2006/main">
+  <p:cSld>
+    <p:spTree>
+      <p:nvGrpSpPr>
+        <p:cNvPr id="1" name=""/>
+        <p:cNvGrpSpPr/>
+        <p:nvPr/>
+      </p:nvGrpSpPr>
+      <p:grpSpPr>
+        <a:xfrm>
+          <a:off x="0" y="0"/>
+          <a:ext cx="0" cy="0"/>
+          <a:chOff x="0" y="0"/>
+          <a:chExt cx="0" cy="0"/>
+        </a:xfrm>
+      </p:grpSpPr>
+      <p:sp>
+        <p:nvSpPr>
           <p:cNvPr id="2" name="Title 1"/>
           <p:cNvSpPr>
             <a:spLocks noGrp="1"/>
@@ -11015,6 +9871,7 @@
               <a:rPr lang="zh-CN" altLang="en-US" dirty="0"/>
               <a:t>堆的分配参数</a:t>
             </a:r>
+            <a:endParaRPr lang="zh-CN" altLang="en-US" dirty="0"/>
           </a:p>
         </p:txBody>
       </p:sp>
@@ -11067,12 +9924,14 @@
               <a:rPr lang="en-US" altLang="zh-CN" dirty="0"/>
               <a:t>) {</a:t>
             </a:r>
+            <a:endParaRPr lang="en-US" altLang="zh-CN" dirty="0"/>
           </a:p>
           <a:p>
             <a:r>
               <a:rPr lang="en-US" altLang="zh-CN" dirty="0"/>
               <a:t>   byte[] b=null;</a:t>
             </a:r>
+            <a:endParaRPr lang="en-US" altLang="zh-CN" dirty="0"/>
           </a:p>
           <a:p>
             <a:r>
@@ -11095,12 +9954,14 @@
               <a:rPr lang="en-US" altLang="zh-CN" dirty="0"/>
               <a:t>=0;i&lt;10;i++)</a:t>
             </a:r>
+            <a:endParaRPr lang="en-US" altLang="zh-CN" dirty="0"/>
           </a:p>
           <a:p>
             <a:r>
               <a:rPr lang="en-US" altLang="zh-CN" dirty="0"/>
               <a:t>       b=new byte[1*1024*1024];</a:t>
             </a:r>
+            <a:endParaRPr lang="en-US" altLang="zh-CN" dirty="0"/>
           </a:p>
           <a:p>
             <a:r>
@@ -11194,7 +10055,7 @@
           <p:nvPr/>
         </p:nvPicPr>
         <p:blipFill>
-          <a:blip r:embed="rId3">
+          <a:blip r:embed="rId1">
             <a:extLst>
               <a:ext uri="{28A0092B-C50C-407E-A947-70E740481C1C}">
                 <a14:useLocalDpi xmlns:a14="http://schemas.microsoft.com/office/drawing/2010/main" val="0"/>
@@ -11240,11 +10101,6 @@
         </p:spPr>
       </p:pic>
     </p:spTree>
-    <p:extLst>
-      <p:ext uri="{BB962C8B-B14F-4D97-AF65-F5344CB8AC3E}">
-        <p14:creationId xmlns:p14="http://schemas.microsoft.com/office/powerpoint/2010/main" val="3988744230"/>
-      </p:ext>
-    </p:extLst>
   </p:cSld>
   <p:clrMapOvr>
     <a:masterClrMapping/>
@@ -11259,7 +10115,7 @@
 </p:sld>
 </file>
 
-<file path=ppt/slides/slide23.xml><?xml version="1.0" encoding="utf-8"?>
+<file path=ppt/slides/slide21.xml><?xml version="1.0" encoding="utf-8"?>
 <p:sld xmlns:a="http://schemas.openxmlformats.org/drawingml/2006/main" xmlns:r="http://schemas.openxmlformats.org/officeDocument/2006/relationships" xmlns:p="http://schemas.openxmlformats.org/presentationml/2006/main">
   <p:cSld>
     <p:spTree>
@@ -11295,6 +10151,7 @@
               <a:rPr lang="zh-CN" altLang="en-US" dirty="0"/>
               <a:t>堆的分配参数</a:t>
             </a:r>
+            <a:endParaRPr lang="zh-CN" altLang="en-US" dirty="0"/>
           </a:p>
         </p:txBody>
       </p:sp>
@@ -11399,6 +10256,7 @@
               <a:rPr lang="en-US" altLang="zh-CN" sz="1400" dirty="0" smtClean="0"/>
               <a:t>a.dump</a:t>
             </a:r>
+            <a:endParaRPr lang="en-US" altLang="zh-CN" sz="1400" dirty="0" smtClean="0"/>
           </a:p>
           <a:p>
             <a:pPr lvl="1"/>
@@ -11414,6 +10272,7 @@
               <a:rPr lang="en-US" altLang="zh-CN" sz="1600" b="1" u="sng" dirty="0"/>
               <a:t>new Vector();</a:t>
             </a:r>
+            <a:endParaRPr lang="en-US" altLang="zh-CN" sz="1600" b="1" u="sng" dirty="0"/>
           </a:p>
           <a:p>
             <a:pPr lvl="1"/>
@@ -11441,6 +10300,7 @@
               <a:rPr lang="en-US" altLang="zh-CN" sz="1600" b="1" dirty="0"/>
               <a:t>=0;i&lt;25;i++)</a:t>
             </a:r>
+            <a:endParaRPr lang="en-US" altLang="zh-CN" sz="1600" b="1" dirty="0"/>
           </a:p>
           <a:p>
             <a:pPr lvl="1"/>
@@ -11464,6 +10324,7 @@
               <a:rPr lang="en-US" altLang="zh-CN" sz="1600" b="1" u="sng" dirty="0" smtClean="0"/>
               <a:t>]);</a:t>
             </a:r>
+            <a:endParaRPr lang="en-US" altLang="zh-CN" sz="1600" b="1" u="sng" dirty="0" smtClean="0"/>
           </a:p>
           <a:p>
             <a:endParaRPr lang="en-US" altLang="zh-CN" sz="1800" b="1" u="sng" dirty="0" smtClean="0"/>
@@ -11483,7 +10344,7 @@
           <p:nvPr/>
         </p:nvPicPr>
         <p:blipFill>
-          <a:blip r:embed="rId3">
+          <a:blip r:embed="rId1">
             <a:extLst>
               <a:ext uri="{28A0092B-C50C-407E-A947-70E740481C1C}">
                 <a14:useLocalDpi xmlns:a14="http://schemas.microsoft.com/office/drawing/2010/main" val="0"/>
@@ -11547,7 +10408,7 @@
           <p:nvPr/>
         </p:nvPicPr>
         <p:blipFill>
-          <a:blip r:embed="rId4">
+          <a:blip r:embed="rId2">
             <a:extLst>
               <a:ext uri="{28A0092B-C50C-407E-A947-70E740481C1C}">
                 <a14:useLocalDpi xmlns:a14="http://schemas.microsoft.com/office/drawing/2010/main" val="0"/>
@@ -11603,11 +10464,6 @@
         </p:spPr>
       </p:pic>
     </p:spTree>
-    <p:extLst>
-      <p:ext uri="{BB962C8B-B14F-4D97-AF65-F5344CB8AC3E}">
-        <p14:creationId xmlns:p14="http://schemas.microsoft.com/office/powerpoint/2010/main" val="2259266662"/>
-      </p:ext>
-    </p:extLst>
   </p:cSld>
   <p:clrMapOvr>
     <a:masterClrMapping/>
@@ -11698,7 +10554,7 @@
 </p:sld>
 </file>
 
-<file path=ppt/slides/slide24.xml><?xml version="1.0" encoding="utf-8"?>
+<file path=ppt/slides/slide22.xml><?xml version="1.0" encoding="utf-8"?>
 <p:sld xmlns:a="http://schemas.openxmlformats.org/drawingml/2006/main" xmlns:r="http://schemas.openxmlformats.org/officeDocument/2006/relationships" xmlns:p="http://schemas.openxmlformats.org/presentationml/2006/main">
   <p:cSld>
     <p:spTree>
@@ -11734,6 +10590,7 @@
               <a:rPr lang="zh-CN" altLang="en-US" dirty="0"/>
               <a:t>堆的分配参数</a:t>
             </a:r>
+            <a:endParaRPr lang="zh-CN" altLang="en-US" dirty="0"/>
           </a:p>
         </p:txBody>
       </p:sp>
@@ -11796,6 +10653,7 @@
               <a:rPr lang="en-US" altLang="zh-CN" dirty="0" smtClean="0"/>
               <a:t>p“</a:t>
             </a:r>
+            <a:endParaRPr lang="en-US" altLang="zh-CN" dirty="0" smtClean="0"/>
           </a:p>
           <a:p>
             <a:pPr lvl="1"/>
@@ -11827,6 +10685,7 @@
               <a:rPr lang="en-US" altLang="zh-CN" dirty="0" smtClean="0"/>
               <a:t>dump</a:t>
             </a:r>
+            <a:endParaRPr lang="en-US" altLang="zh-CN" dirty="0" smtClean="0"/>
           </a:p>
           <a:p>
             <a:pPr lvl="1"/>
@@ -11925,11 +10784,6 @@
         </p:style>
       </p:cxnSp>
     </p:spTree>
-    <p:extLst>
-      <p:ext uri="{BB962C8B-B14F-4D97-AF65-F5344CB8AC3E}">
-        <p14:creationId xmlns:p14="http://schemas.microsoft.com/office/powerpoint/2010/main" val="161943920"/>
-      </p:ext>
-    </p:extLst>
   </p:cSld>
   <p:clrMapOvr>
     <a:masterClrMapping/>
@@ -12058,6 +10912,282 @@
 </p:sld>
 </file>
 
+<file path=ppt/slides/slide23.xml><?xml version="1.0" encoding="utf-8"?>
+<p:sld xmlns:a="http://schemas.openxmlformats.org/drawingml/2006/main" xmlns:r="http://schemas.openxmlformats.org/officeDocument/2006/relationships" xmlns:p="http://schemas.openxmlformats.org/presentationml/2006/main">
+  <p:cSld>
+    <p:spTree>
+      <p:nvGrpSpPr>
+        <p:cNvPr id="1" name=""/>
+        <p:cNvGrpSpPr/>
+        <p:nvPr/>
+      </p:nvGrpSpPr>
+      <p:grpSpPr>
+        <a:xfrm>
+          <a:off x="0" y="0"/>
+          <a:ext cx="0" cy="0"/>
+          <a:chOff x="0" y="0"/>
+          <a:chExt cx="0" cy="0"/>
+        </a:xfrm>
+      </p:grpSpPr>
+      <p:sp>
+        <p:nvSpPr>
+          <p:cNvPr id="2" name="Title 1"/>
+          <p:cNvSpPr>
+            <a:spLocks noGrp="1"/>
+          </p:cNvSpPr>
+          <p:nvPr>
+            <p:ph type="title"/>
+          </p:nvPr>
+        </p:nvSpPr>
+        <p:spPr/>
+        <p:txBody>
+          <a:bodyPr/>
+          <a:lstStyle/>
+          <a:p>
+            <a:r>
+              <a:rPr lang="zh-CN" altLang="en-US" dirty="0"/>
+              <a:t>堆的分配参</a:t>
+            </a:r>
+            <a:r>
+              <a:rPr lang="zh-CN" altLang="en-US" dirty="0" smtClean="0"/>
+              <a:t>数 </a:t>
+            </a:r>
+            <a:r>
+              <a:rPr lang="en-US" altLang="zh-CN" dirty="0" smtClean="0"/>
+              <a:t>– </a:t>
+            </a:r>
+            <a:r>
+              <a:rPr lang="zh-CN" altLang="en-US" dirty="0" smtClean="0"/>
+              <a:t>总结</a:t>
+            </a:r>
+            <a:endParaRPr lang="zh-CN" altLang="en-US" dirty="0"/>
+          </a:p>
+        </p:txBody>
+      </p:sp>
+      <p:sp>
+        <p:nvSpPr>
+          <p:cNvPr id="3" name="Content Placeholder 2"/>
+          <p:cNvSpPr>
+            <a:spLocks noGrp="1"/>
+          </p:cNvSpPr>
+          <p:nvPr>
+            <p:ph idx="1"/>
+          </p:nvPr>
+        </p:nvSpPr>
+        <p:spPr/>
+        <p:txBody>
+          <a:bodyPr/>
+          <a:lstStyle/>
+          <a:p>
+            <a:r>
+              <a:rPr lang="zh-CN" altLang="en-US" dirty="0" smtClean="0"/>
+              <a:t>根据实际事情调整新生代和幸存代的大小</a:t>
+            </a:r>
+            <a:endParaRPr lang="en-US" altLang="zh-CN" dirty="0" smtClean="0"/>
+          </a:p>
+          <a:p>
+            <a:r>
+              <a:rPr lang="zh-CN" altLang="en-US" dirty="0"/>
+              <a:t>官</a:t>
+            </a:r>
+            <a:r>
+              <a:rPr lang="zh-CN" altLang="en-US" dirty="0" smtClean="0"/>
+              <a:t>方推荐新生代占堆的</a:t>
+            </a:r>
+            <a:r>
+              <a:rPr lang="en-US" altLang="zh-CN" dirty="0" smtClean="0"/>
+              <a:t>3/8</a:t>
+            </a:r>
+            <a:endParaRPr lang="en-US" altLang="zh-CN" dirty="0" smtClean="0"/>
+          </a:p>
+          <a:p>
+            <a:r>
+              <a:rPr lang="zh-CN" altLang="en-US" dirty="0"/>
+              <a:t>幸存</a:t>
+            </a:r>
+            <a:r>
+              <a:rPr lang="zh-CN" altLang="en-US" dirty="0" smtClean="0"/>
+              <a:t>代占新生代的</a:t>
+            </a:r>
+            <a:r>
+              <a:rPr lang="en-US" altLang="zh-CN" dirty="0" smtClean="0"/>
+              <a:t>1/10</a:t>
+            </a:r>
+            <a:endParaRPr lang="en-US" altLang="zh-CN" dirty="0" smtClean="0"/>
+          </a:p>
+          <a:p>
+            <a:r>
+              <a:rPr lang="zh-CN" altLang="en-US" dirty="0" smtClean="0"/>
+              <a:t>在</a:t>
+            </a:r>
+            <a:r>
+              <a:rPr lang="en-US" altLang="zh-CN" dirty="0" smtClean="0"/>
+              <a:t>OOM</a:t>
+            </a:r>
+            <a:r>
+              <a:rPr lang="zh-CN" altLang="en-US" dirty="0" smtClean="0"/>
+              <a:t>时，记得</a:t>
+            </a:r>
+            <a:r>
+              <a:rPr lang="en-US" altLang="zh-CN" dirty="0" smtClean="0"/>
+              <a:t>Dump</a:t>
+            </a:r>
+            <a:r>
+              <a:rPr lang="zh-CN" altLang="en-US" dirty="0" smtClean="0"/>
+              <a:t>出堆，确保</a:t>
+            </a:r>
+            <a:r>
+              <a:rPr lang="zh-CN" altLang="en-US" dirty="0"/>
+              <a:t>可以排查现场</a:t>
+            </a:r>
+            <a:r>
+              <a:rPr lang="zh-CN" altLang="en-US" dirty="0" smtClean="0"/>
+              <a:t>问题</a:t>
+            </a:r>
+            <a:endParaRPr lang="zh-CN" altLang="en-US" dirty="0"/>
+          </a:p>
+        </p:txBody>
+      </p:sp>
+    </p:spTree>
+  </p:cSld>
+  <p:clrMapOvr>
+    <a:masterClrMapping/>
+  </p:clrMapOvr>
+  <p:timing>
+    <p:tnLst>
+      <p:par>
+        <p:cTn id="1" dur="indefinite" restart="never" nodeType="tmRoot"/>
+      </p:par>
+    </p:tnLst>
+  </p:timing>
+</p:sld>
+</file>
+
+<file path=ppt/slides/slide24.xml><?xml version="1.0" encoding="utf-8"?>
+<p:sld xmlns:a="http://schemas.openxmlformats.org/drawingml/2006/main" xmlns:r="http://schemas.openxmlformats.org/officeDocument/2006/relationships" xmlns:p="http://schemas.openxmlformats.org/presentationml/2006/main">
+  <p:cSld>
+    <p:spTree>
+      <p:nvGrpSpPr>
+        <p:cNvPr id="1" name=""/>
+        <p:cNvGrpSpPr/>
+        <p:nvPr/>
+      </p:nvGrpSpPr>
+      <p:grpSpPr>
+        <a:xfrm>
+          <a:off x="0" y="0"/>
+          <a:ext cx="0" cy="0"/>
+          <a:chOff x="0" y="0"/>
+          <a:chExt cx="0" cy="0"/>
+        </a:xfrm>
+      </p:grpSpPr>
+      <p:sp>
+        <p:nvSpPr>
+          <p:cNvPr id="2" name="标题 1"/>
+          <p:cNvSpPr>
+            <a:spLocks noGrp="1"/>
+          </p:cNvSpPr>
+          <p:nvPr>
+            <p:ph type="title"/>
+          </p:nvPr>
+        </p:nvSpPr>
+        <p:spPr/>
+        <p:txBody>
+          <a:bodyPr/>
+          <a:lstStyle/>
+          <a:p>
+            <a:r>
+              <a:rPr lang="zh-CN" altLang="en-US" dirty="0" smtClean="0"/>
+              <a:t>永久区分</a:t>
+            </a:r>
+            <a:r>
+              <a:rPr lang="zh-CN" altLang="en-US" dirty="0"/>
+              <a:t>配参数</a:t>
+            </a:r>
+            <a:endParaRPr lang="zh-CN" altLang="en-US" dirty="0"/>
+          </a:p>
+        </p:txBody>
+      </p:sp>
+      <p:sp>
+        <p:nvSpPr>
+          <p:cNvPr id="3" name="内容占位符 2"/>
+          <p:cNvSpPr>
+            <a:spLocks noGrp="1"/>
+          </p:cNvSpPr>
+          <p:nvPr>
+            <p:ph idx="1"/>
+          </p:nvPr>
+        </p:nvSpPr>
+        <p:spPr/>
+        <p:txBody>
+          <a:bodyPr/>
+          <a:lstStyle/>
+          <a:p>
+            <a:r>
+              <a:rPr lang="en-US" altLang="zh-CN" dirty="0"/>
+              <a:t>-</a:t>
+            </a:r>
+            <a:r>
+              <a:rPr lang="en-US" altLang="zh-CN" dirty="0" err="1" smtClean="0"/>
+              <a:t>XX:PermSize</a:t>
+            </a:r>
+            <a:r>
+              <a:rPr lang="en-US" altLang="zh-CN" dirty="0"/>
+              <a:t> </a:t>
+            </a:r>
+            <a:r>
+              <a:rPr lang="en-US" altLang="zh-CN" dirty="0" smtClean="0"/>
+              <a:t> </a:t>
+            </a:r>
+            <a:r>
+              <a:rPr lang="en-US" altLang="zh-CN" dirty="0"/>
+              <a:t>-</a:t>
+            </a:r>
+            <a:r>
+              <a:rPr lang="en-US" altLang="zh-CN" dirty="0" err="1" smtClean="0"/>
+              <a:t>XX:MaxPermSize</a:t>
+            </a:r>
+            <a:endParaRPr lang="en-US" altLang="zh-CN" dirty="0" smtClean="0"/>
+          </a:p>
+          <a:p>
+            <a:pPr lvl="1"/>
+            <a:r>
+              <a:rPr lang="zh-CN" altLang="en-US" dirty="0" smtClean="0"/>
+              <a:t>设置永久区的初始空间和最大空间</a:t>
+            </a:r>
+            <a:endParaRPr lang="en-US" altLang="zh-CN" dirty="0" smtClean="0"/>
+          </a:p>
+          <a:p>
+            <a:pPr lvl="1"/>
+            <a:r>
+              <a:rPr lang="zh-CN" altLang="en-US" dirty="0"/>
+              <a:t>他</a:t>
+            </a:r>
+            <a:r>
+              <a:rPr lang="zh-CN" altLang="en-US" dirty="0" smtClean="0"/>
+              <a:t>们表示，一个系统可以容纳多少个类型</a:t>
+            </a:r>
+            <a:endParaRPr lang="en-US" altLang="zh-CN" dirty="0" smtClean="0"/>
+          </a:p>
+          <a:p>
+            <a:endParaRPr lang="zh-CN" altLang="en-US" dirty="0"/>
+          </a:p>
+        </p:txBody>
+      </p:sp>
+    </p:spTree>
+  </p:cSld>
+  <p:clrMapOvr>
+    <a:masterClrMapping/>
+  </p:clrMapOvr>
+  <p:timing>
+    <p:tnLst>
+      <p:par>
+        <p:cTn id="1" dur="indefinite" restart="never" nodeType="tmRoot"/>
+      </p:par>
+    </p:tnLst>
+  </p:timing>
+</p:sld>
+</file>
+
 <file path=ppt/slides/slide25.xml><?xml version="1.0" encoding="utf-8"?>
 <p:sld xmlns:a="http://schemas.openxmlformats.org/drawingml/2006/main" xmlns:r="http://schemas.openxmlformats.org/officeDocument/2006/relationships" xmlns:p="http://schemas.openxmlformats.org/presentationml/2006/main">
   <p:cSld>
@@ -12092,291 +11222,9 @@
           <a:p>
             <a:r>
               <a:rPr lang="zh-CN" altLang="en-US" dirty="0"/>
-              <a:t>堆的分配参</a:t>
-            </a:r>
-            <a:r>
-              <a:rPr lang="zh-CN" altLang="en-US" dirty="0" smtClean="0"/>
-              <a:t>数 </a:t>
-            </a:r>
-            <a:r>
-              <a:rPr lang="en-US" altLang="zh-CN" dirty="0" smtClean="0"/>
-              <a:t>– </a:t>
-            </a:r>
-            <a:r>
-              <a:rPr lang="zh-CN" altLang="en-US" dirty="0" smtClean="0"/>
-              <a:t>总结</a:t>
+              <a:t>永久区分配参数</a:t>
             </a:r>
             <a:endParaRPr lang="zh-CN" altLang="en-US" dirty="0"/>
-          </a:p>
-        </p:txBody>
-      </p:sp>
-      <p:sp>
-        <p:nvSpPr>
-          <p:cNvPr id="3" name="Content Placeholder 2"/>
-          <p:cNvSpPr>
-            <a:spLocks noGrp="1"/>
-          </p:cNvSpPr>
-          <p:nvPr>
-            <p:ph idx="1"/>
-          </p:nvPr>
-        </p:nvSpPr>
-        <p:spPr/>
-        <p:txBody>
-          <a:bodyPr/>
-          <a:lstStyle/>
-          <a:p>
-            <a:r>
-              <a:rPr lang="zh-CN" altLang="en-US" dirty="0" smtClean="0"/>
-              <a:t>根据实际事情调整新生代和幸存代的大小</a:t>
-            </a:r>
-            <a:endParaRPr lang="en-US" altLang="zh-CN" dirty="0" smtClean="0"/>
-          </a:p>
-          <a:p>
-            <a:r>
-              <a:rPr lang="zh-CN" altLang="en-US" dirty="0"/>
-              <a:t>官</a:t>
-            </a:r>
-            <a:r>
-              <a:rPr lang="zh-CN" altLang="en-US" dirty="0" smtClean="0"/>
-              <a:t>方推荐新生代占堆的</a:t>
-            </a:r>
-            <a:r>
-              <a:rPr lang="en-US" altLang="zh-CN" dirty="0" smtClean="0"/>
-              <a:t>3/8</a:t>
-            </a:r>
-          </a:p>
-          <a:p>
-            <a:r>
-              <a:rPr lang="zh-CN" altLang="en-US" dirty="0"/>
-              <a:t>幸存</a:t>
-            </a:r>
-            <a:r>
-              <a:rPr lang="zh-CN" altLang="en-US" dirty="0" smtClean="0"/>
-              <a:t>代占新生代的</a:t>
-            </a:r>
-            <a:r>
-              <a:rPr lang="en-US" altLang="zh-CN" dirty="0" smtClean="0"/>
-              <a:t>1/10</a:t>
-            </a:r>
-          </a:p>
-          <a:p>
-            <a:r>
-              <a:rPr lang="zh-CN" altLang="en-US" dirty="0" smtClean="0"/>
-              <a:t>在</a:t>
-            </a:r>
-            <a:r>
-              <a:rPr lang="en-US" altLang="zh-CN" dirty="0" smtClean="0"/>
-              <a:t>OOM</a:t>
-            </a:r>
-            <a:r>
-              <a:rPr lang="zh-CN" altLang="en-US" dirty="0" smtClean="0"/>
-              <a:t>时，记得</a:t>
-            </a:r>
-            <a:r>
-              <a:rPr lang="en-US" altLang="zh-CN" dirty="0" smtClean="0"/>
-              <a:t>Dump</a:t>
-            </a:r>
-            <a:r>
-              <a:rPr lang="zh-CN" altLang="en-US" dirty="0" smtClean="0"/>
-              <a:t>出堆，确保</a:t>
-            </a:r>
-            <a:r>
-              <a:rPr lang="zh-CN" altLang="en-US" dirty="0"/>
-              <a:t>可以排查现场</a:t>
-            </a:r>
-            <a:r>
-              <a:rPr lang="zh-CN" altLang="en-US" dirty="0" smtClean="0"/>
-              <a:t>问题</a:t>
-            </a:r>
-            <a:endParaRPr lang="zh-CN" altLang="en-US" dirty="0"/>
-          </a:p>
-        </p:txBody>
-      </p:sp>
-    </p:spTree>
-    <p:extLst>
-      <p:ext uri="{BB962C8B-B14F-4D97-AF65-F5344CB8AC3E}">
-        <p14:creationId xmlns:p14="http://schemas.microsoft.com/office/powerpoint/2010/main" val="2789405629"/>
-      </p:ext>
-    </p:extLst>
-  </p:cSld>
-  <p:clrMapOvr>
-    <a:masterClrMapping/>
-  </p:clrMapOvr>
-  <p:timing>
-    <p:tnLst>
-      <p:par>
-        <p:cTn id="1" dur="indefinite" restart="never" nodeType="tmRoot"/>
-      </p:par>
-    </p:tnLst>
-  </p:timing>
-</p:sld>
-</file>
-
-<file path=ppt/slides/slide26.xml><?xml version="1.0" encoding="utf-8"?>
-<p:sld xmlns:a="http://schemas.openxmlformats.org/drawingml/2006/main" xmlns:r="http://schemas.openxmlformats.org/officeDocument/2006/relationships" xmlns:p="http://schemas.openxmlformats.org/presentationml/2006/main">
-  <p:cSld>
-    <p:spTree>
-      <p:nvGrpSpPr>
-        <p:cNvPr id="1" name=""/>
-        <p:cNvGrpSpPr/>
-        <p:nvPr/>
-      </p:nvGrpSpPr>
-      <p:grpSpPr>
-        <a:xfrm>
-          <a:off x="0" y="0"/>
-          <a:ext cx="0" cy="0"/>
-          <a:chOff x="0" y="0"/>
-          <a:chExt cx="0" cy="0"/>
-        </a:xfrm>
-      </p:grpSpPr>
-      <p:sp>
-        <p:nvSpPr>
-          <p:cNvPr id="2" name="标题 1"/>
-          <p:cNvSpPr>
-            <a:spLocks noGrp="1"/>
-          </p:cNvSpPr>
-          <p:nvPr>
-            <p:ph type="title"/>
-          </p:nvPr>
-        </p:nvSpPr>
-        <p:spPr/>
-        <p:txBody>
-          <a:bodyPr/>
-          <a:lstStyle/>
-          <a:p>
-            <a:r>
-              <a:rPr lang="zh-CN" altLang="en-US" dirty="0" smtClean="0"/>
-              <a:t>永久区分</a:t>
-            </a:r>
-            <a:r>
-              <a:rPr lang="zh-CN" altLang="en-US" dirty="0"/>
-              <a:t>配参数</a:t>
-            </a:r>
-          </a:p>
-        </p:txBody>
-      </p:sp>
-      <p:sp>
-        <p:nvSpPr>
-          <p:cNvPr id="3" name="内容占位符 2"/>
-          <p:cNvSpPr>
-            <a:spLocks noGrp="1"/>
-          </p:cNvSpPr>
-          <p:nvPr>
-            <p:ph idx="1"/>
-          </p:nvPr>
-        </p:nvSpPr>
-        <p:spPr/>
-        <p:txBody>
-          <a:bodyPr/>
-          <a:lstStyle/>
-          <a:p>
-            <a:r>
-              <a:rPr lang="en-US" altLang="zh-CN" dirty="0"/>
-              <a:t>-</a:t>
-            </a:r>
-            <a:r>
-              <a:rPr lang="en-US" altLang="zh-CN" dirty="0" err="1" smtClean="0"/>
-              <a:t>XX:PermSize</a:t>
-            </a:r>
-            <a:r>
-              <a:rPr lang="en-US" altLang="zh-CN" dirty="0"/>
-              <a:t> </a:t>
-            </a:r>
-            <a:r>
-              <a:rPr lang="en-US" altLang="zh-CN" dirty="0" smtClean="0"/>
-              <a:t> </a:t>
-            </a:r>
-            <a:r>
-              <a:rPr lang="en-US" altLang="zh-CN" dirty="0"/>
-              <a:t>-</a:t>
-            </a:r>
-            <a:r>
-              <a:rPr lang="en-US" altLang="zh-CN" dirty="0" err="1" smtClean="0"/>
-              <a:t>XX:MaxPermSize</a:t>
-            </a:r>
-            <a:endParaRPr lang="en-US" altLang="zh-CN" dirty="0" smtClean="0"/>
-          </a:p>
-          <a:p>
-            <a:pPr lvl="1"/>
-            <a:r>
-              <a:rPr lang="zh-CN" altLang="en-US" dirty="0" smtClean="0"/>
-              <a:t>设置永久区的初始空间和最大空间</a:t>
-            </a:r>
-            <a:endParaRPr lang="en-US" altLang="zh-CN" dirty="0" smtClean="0"/>
-          </a:p>
-          <a:p>
-            <a:pPr lvl="1"/>
-            <a:r>
-              <a:rPr lang="zh-CN" altLang="en-US" dirty="0"/>
-              <a:t>他</a:t>
-            </a:r>
-            <a:r>
-              <a:rPr lang="zh-CN" altLang="en-US" dirty="0" smtClean="0"/>
-              <a:t>们表示，一个系统可以容纳多少个类型</a:t>
-            </a:r>
-            <a:endParaRPr lang="en-US" altLang="zh-CN" dirty="0" smtClean="0"/>
-          </a:p>
-          <a:p>
-            <a:endParaRPr lang="zh-CN" altLang="en-US" dirty="0"/>
-          </a:p>
-        </p:txBody>
-      </p:sp>
-    </p:spTree>
-    <p:extLst>
-      <p:ext uri="{BB962C8B-B14F-4D97-AF65-F5344CB8AC3E}">
-        <p14:creationId xmlns:p14="http://schemas.microsoft.com/office/powerpoint/2010/main" val="99747585"/>
-      </p:ext>
-    </p:extLst>
-  </p:cSld>
-  <p:clrMapOvr>
-    <a:masterClrMapping/>
-  </p:clrMapOvr>
-  <p:timing>
-    <p:tnLst>
-      <p:par>
-        <p:cTn id="1" dur="indefinite" restart="never" nodeType="tmRoot"/>
-      </p:par>
-    </p:tnLst>
-  </p:timing>
-</p:sld>
-</file>
-
-<file path=ppt/slides/slide27.xml><?xml version="1.0" encoding="utf-8"?>
-<p:sld xmlns:a="http://schemas.openxmlformats.org/drawingml/2006/main" xmlns:r="http://schemas.openxmlformats.org/officeDocument/2006/relationships" xmlns:p="http://schemas.openxmlformats.org/presentationml/2006/main">
-  <p:cSld>
-    <p:spTree>
-      <p:nvGrpSpPr>
-        <p:cNvPr id="1" name=""/>
-        <p:cNvGrpSpPr/>
-        <p:nvPr/>
-      </p:nvGrpSpPr>
-      <p:grpSpPr>
-        <a:xfrm>
-          <a:off x="0" y="0"/>
-          <a:ext cx="0" cy="0"/>
-          <a:chOff x="0" y="0"/>
-          <a:chExt cx="0" cy="0"/>
-        </a:xfrm>
-      </p:grpSpPr>
-      <p:sp>
-        <p:nvSpPr>
-          <p:cNvPr id="2" name="Title 1"/>
-          <p:cNvSpPr>
-            <a:spLocks noGrp="1"/>
-          </p:cNvSpPr>
-          <p:nvPr>
-            <p:ph type="title"/>
-          </p:nvPr>
-        </p:nvSpPr>
-        <p:spPr/>
-        <p:txBody>
-          <a:bodyPr/>
-          <a:lstStyle/>
-          <a:p>
-            <a:r>
-              <a:rPr lang="zh-CN" altLang="en-US" dirty="0"/>
-              <a:t>永久区分配参数</a:t>
-            </a:r>
           </a:p>
         </p:txBody>
       </p:sp>
@@ -12470,6 +11318,7 @@
               <a:rPr lang="en-US" altLang="zh-CN" dirty="0"/>
               <a:t>=0;i&lt;100000;i++){</a:t>
             </a:r>
+            <a:endParaRPr lang="en-US" altLang="zh-CN" dirty="0"/>
           </a:p>
           <a:p>
             <a:r>
@@ -12500,6 +11349,7 @@
               <a:rPr lang="en-US" altLang="zh-CN" dirty="0"/>
               <a:t>());</a:t>
             </a:r>
+            <a:endParaRPr lang="en-US" altLang="zh-CN" dirty="0"/>
           </a:p>
           <a:p>
             <a:r>
@@ -12519,7 +11369,7 @@
           <p:nvPr/>
         </p:nvPicPr>
         <p:blipFill>
-          <a:blip r:embed="rId3">
+          <a:blip r:embed="rId1">
             <a:extLst>
               <a:ext uri="{28A0092B-C50C-407E-A947-70E740481C1C}">
                 <a14:useLocalDpi xmlns:a14="http://schemas.microsoft.com/office/drawing/2010/main" val="0"/>
@@ -12645,11 +11495,6 @@
         </p:txBody>
       </p:sp>
     </p:spTree>
-    <p:extLst>
-      <p:ext uri="{BB962C8B-B14F-4D97-AF65-F5344CB8AC3E}">
-        <p14:creationId xmlns:p14="http://schemas.microsoft.com/office/powerpoint/2010/main" val="4048507455"/>
-      </p:ext>
-    </p:extLst>
   </p:cSld>
   <p:clrMapOvr>
     <a:masterClrMapping/>
@@ -12664,7 +11509,7 @@
 </p:sld>
 </file>
 
-<file path=ppt/slides/slide28.xml><?xml version="1.0" encoding="utf-8"?>
+<file path=ppt/slides/slide26.xml><?xml version="1.0" encoding="utf-8"?>
 <p:sld xmlns:a="http://schemas.openxmlformats.org/drawingml/2006/main" xmlns:r="http://schemas.openxmlformats.org/officeDocument/2006/relationships" xmlns:p="http://schemas.openxmlformats.org/presentationml/2006/main">
   <p:cSld>
     <p:spTree>
@@ -12700,6 +11545,7 @@
               <a:rPr lang="zh-CN" altLang="en-US" dirty="0"/>
               <a:t>永久区分配参数</a:t>
             </a:r>
+            <a:endParaRPr lang="zh-CN" altLang="en-US" dirty="0"/>
           </a:p>
         </p:txBody>
       </p:sp>
@@ -12731,6 +11577,7 @@
               <a:rPr lang="en-US" altLang="zh-CN" dirty="0" smtClean="0"/>
               <a:t>Dump</a:t>
             </a:r>
+            <a:endParaRPr lang="en-US" altLang="zh-CN" dirty="0" smtClean="0"/>
           </a:p>
           <a:p>
             <a:pPr lvl="1"/>
@@ -12763,7 +11610,7 @@
           <p:nvPr/>
         </p:nvPicPr>
         <p:blipFill>
-          <a:blip r:embed="rId3">
+          <a:blip r:embed="rId1">
             <a:extLst>
               <a:ext uri="{28A0092B-C50C-407E-A947-70E740481C1C}">
                 <a14:useLocalDpi xmlns:a14="http://schemas.microsoft.com/office/drawing/2010/main" val="0"/>
@@ -12862,11 +11709,527 @@
         </p:txBody>
       </p:sp>
     </p:spTree>
-    <p:extLst>
-      <p:ext uri="{BB962C8B-B14F-4D97-AF65-F5344CB8AC3E}">
-        <p14:creationId xmlns:p14="http://schemas.microsoft.com/office/powerpoint/2010/main" val="2255177250"/>
-      </p:ext>
-    </p:extLst>
+  </p:cSld>
+  <p:clrMapOvr>
+    <a:masterClrMapping/>
+  </p:clrMapOvr>
+  <p:timing>
+    <p:tnLst>
+      <p:par>
+        <p:cTn id="1" dur="indefinite" restart="never" nodeType="tmRoot"/>
+      </p:par>
+    </p:tnLst>
+  </p:timing>
+</p:sld>
+</file>
+
+<file path=ppt/slides/slide27.xml><?xml version="1.0" encoding="utf-8"?>
+<p:sld xmlns:a="http://schemas.openxmlformats.org/drawingml/2006/main" xmlns:r="http://schemas.openxmlformats.org/officeDocument/2006/relationships" xmlns:p="http://schemas.openxmlformats.org/presentationml/2006/main">
+  <p:cSld>
+    <p:spTree>
+      <p:nvGrpSpPr>
+        <p:cNvPr id="1" name=""/>
+        <p:cNvGrpSpPr/>
+        <p:nvPr/>
+      </p:nvGrpSpPr>
+      <p:grpSpPr>
+        <a:xfrm>
+          <a:off x="0" y="0"/>
+          <a:ext cx="0" cy="0"/>
+          <a:chOff x="0" y="0"/>
+          <a:chExt cx="0" cy="0"/>
+        </a:xfrm>
+      </p:grpSpPr>
+      <p:sp>
+        <p:nvSpPr>
+          <p:cNvPr id="2" name="Title 1"/>
+          <p:cNvSpPr>
+            <a:spLocks noGrp="1"/>
+          </p:cNvSpPr>
+          <p:nvPr>
+            <p:ph type="title"/>
+          </p:nvPr>
+        </p:nvSpPr>
+        <p:spPr/>
+        <p:txBody>
+          <a:bodyPr/>
+          <a:lstStyle/>
+          <a:p>
+            <a:r>
+              <a:rPr lang="zh-CN" altLang="en-US" dirty="0" smtClean="0"/>
+              <a:t>栈大小分配</a:t>
+            </a:r>
+            <a:endParaRPr lang="zh-CN" altLang="en-US" dirty="0"/>
+          </a:p>
+        </p:txBody>
+      </p:sp>
+      <p:sp>
+        <p:nvSpPr>
+          <p:cNvPr id="3" name="Content Placeholder 2"/>
+          <p:cNvSpPr>
+            <a:spLocks noGrp="1"/>
+          </p:cNvSpPr>
+          <p:nvPr>
+            <p:ph idx="1"/>
+          </p:nvPr>
+        </p:nvSpPr>
+        <p:spPr/>
+        <p:txBody>
+          <a:bodyPr/>
+          <a:lstStyle/>
+          <a:p>
+            <a:r>
+              <a:rPr lang="en-US" altLang="zh-CN" dirty="0" smtClean="0"/>
+              <a:t>-</a:t>
+            </a:r>
+            <a:r>
+              <a:rPr lang="en-US" altLang="zh-CN" dirty="0" err="1" smtClean="0"/>
+              <a:t>Xss</a:t>
+            </a:r>
+            <a:endParaRPr lang="en-US" altLang="zh-CN" dirty="0" smtClean="0"/>
+          </a:p>
+          <a:p>
+            <a:pPr lvl="1"/>
+            <a:r>
+              <a:rPr lang="zh-CN" altLang="en-US" dirty="0"/>
+              <a:t>通</a:t>
+            </a:r>
+            <a:r>
+              <a:rPr lang="zh-CN" altLang="en-US" dirty="0" smtClean="0"/>
+              <a:t>常只有几百</a:t>
+            </a:r>
+            <a:r>
+              <a:rPr lang="en-US" altLang="zh-CN" dirty="0" smtClean="0"/>
+              <a:t>K</a:t>
+            </a:r>
+            <a:endParaRPr lang="en-US" altLang="zh-CN" dirty="0" smtClean="0"/>
+          </a:p>
+          <a:p>
+            <a:pPr lvl="1"/>
+            <a:r>
+              <a:rPr lang="zh-CN" altLang="en-US" dirty="0"/>
+              <a:t>决</a:t>
+            </a:r>
+            <a:r>
+              <a:rPr lang="zh-CN" altLang="en-US" dirty="0" smtClean="0"/>
+              <a:t>定了函数调用的深度</a:t>
+            </a:r>
+            <a:endParaRPr lang="en-US" altLang="zh-CN" dirty="0" smtClean="0"/>
+          </a:p>
+          <a:p>
+            <a:pPr lvl="1"/>
+            <a:r>
+              <a:rPr lang="zh-CN" altLang="en-US" dirty="0"/>
+              <a:t>每</a:t>
+            </a:r>
+            <a:r>
+              <a:rPr lang="zh-CN" altLang="en-US" dirty="0" smtClean="0"/>
+              <a:t>个线程都有独立的栈空间</a:t>
+            </a:r>
+            <a:endParaRPr lang="en-US" altLang="zh-CN" dirty="0" smtClean="0"/>
+          </a:p>
+          <a:p>
+            <a:pPr lvl="1"/>
+            <a:r>
+              <a:rPr lang="zh-CN" altLang="en-US" dirty="0"/>
+              <a:t>局</a:t>
+            </a:r>
+            <a:r>
+              <a:rPr lang="zh-CN" altLang="en-US" dirty="0" smtClean="0"/>
+              <a:t>部变量、参数 分配在栈上</a:t>
+            </a:r>
+            <a:endParaRPr lang="zh-CN" altLang="en-US" dirty="0"/>
+          </a:p>
+        </p:txBody>
+      </p:sp>
+    </p:spTree>
+  </p:cSld>
+  <p:clrMapOvr>
+    <a:masterClrMapping/>
+  </p:clrMapOvr>
+  <p:timing>
+    <p:tnLst>
+      <p:par>
+        <p:cTn id="1" dur="indefinite" restart="never" nodeType="tmRoot"/>
+      </p:par>
+    </p:tnLst>
+  </p:timing>
+</p:sld>
+</file>
+
+<file path=ppt/slides/slide28.xml><?xml version="1.0" encoding="utf-8"?>
+<p:sld xmlns:a="http://schemas.openxmlformats.org/drawingml/2006/main" xmlns:r="http://schemas.openxmlformats.org/officeDocument/2006/relationships" xmlns:p="http://schemas.openxmlformats.org/presentationml/2006/main">
+  <p:cSld>
+    <p:spTree>
+      <p:nvGrpSpPr>
+        <p:cNvPr id="1" name=""/>
+        <p:cNvGrpSpPr/>
+        <p:nvPr/>
+      </p:nvGrpSpPr>
+      <p:grpSpPr>
+        <a:xfrm>
+          <a:off x="0" y="0"/>
+          <a:ext cx="0" cy="0"/>
+          <a:chOff x="0" y="0"/>
+          <a:chExt cx="0" cy="0"/>
+        </a:xfrm>
+      </p:grpSpPr>
+      <p:sp>
+        <p:nvSpPr>
+          <p:cNvPr id="2" name="Title 1"/>
+          <p:cNvSpPr>
+            <a:spLocks noGrp="1"/>
+          </p:cNvSpPr>
+          <p:nvPr>
+            <p:ph type="title"/>
+          </p:nvPr>
+        </p:nvSpPr>
+        <p:spPr/>
+        <p:txBody>
+          <a:bodyPr/>
+          <a:lstStyle/>
+          <a:p>
+            <a:r>
+              <a:rPr lang="zh-CN" altLang="en-US" dirty="0"/>
+              <a:t>栈大小分配</a:t>
+            </a:r>
+            <a:endParaRPr lang="zh-CN" altLang="en-US" dirty="0"/>
+          </a:p>
+        </p:txBody>
+      </p:sp>
+      <p:sp>
+        <p:nvSpPr>
+          <p:cNvPr id="4" name="TextBox 3"/>
+          <p:cNvSpPr txBox="1"/>
+          <p:nvPr/>
+        </p:nvSpPr>
+        <p:spPr>
+          <a:xfrm>
+            <a:off x="557734" y="1197546"/>
+            <a:ext cx="8064896" cy="4524315"/>
+          </a:xfrm>
+          <a:prstGeom prst="rect">
+            <a:avLst/>
+          </a:prstGeom>
+        </p:spPr>
+        <p:style>
+          <a:lnRef idx="2">
+            <a:schemeClr val="accent1"/>
+          </a:lnRef>
+          <a:fillRef idx="1">
+            <a:schemeClr val="lt1"/>
+          </a:fillRef>
+          <a:effectRef idx="0">
+            <a:schemeClr val="accent1"/>
+          </a:effectRef>
+          <a:fontRef idx="minor">
+            <a:schemeClr val="dk1"/>
+          </a:fontRef>
+        </p:style>
+        <p:txBody>
+          <a:bodyPr wrap="square" rtlCol="0">
+            <a:spAutoFit/>
+          </a:bodyPr>
+          <a:lstStyle/>
+          <a:p>
+            <a:r>
+              <a:rPr lang="en-US" altLang="zh-CN" dirty="0"/>
+              <a:t>public class </a:t>
+            </a:r>
+            <a:r>
+              <a:rPr lang="en-US" altLang="zh-CN" dirty="0" err="1"/>
+              <a:t>TestStackDeep</a:t>
+            </a:r>
+            <a:r>
+              <a:rPr lang="en-US" altLang="zh-CN" dirty="0"/>
+              <a:t> {</a:t>
+            </a:r>
+            <a:endParaRPr lang="en-US" altLang="zh-CN" dirty="0"/>
+          </a:p>
+          <a:p>
+            <a:r>
+              <a:rPr lang="en-US" altLang="zh-CN" dirty="0"/>
+              <a:t>	private static </a:t>
+            </a:r>
+            <a:r>
+              <a:rPr lang="en-US" altLang="zh-CN" dirty="0" err="1"/>
+              <a:t>int</a:t>
+            </a:r>
+            <a:r>
+              <a:rPr lang="en-US" altLang="zh-CN" dirty="0"/>
+              <a:t> count=0;</a:t>
+            </a:r>
+            <a:endParaRPr lang="en-US" altLang="zh-CN" dirty="0"/>
+          </a:p>
+          <a:p>
+            <a:r>
+              <a:rPr lang="en-US" altLang="zh-CN" dirty="0"/>
+              <a:t>	public static void recursion(long </a:t>
+            </a:r>
+            <a:r>
+              <a:rPr lang="en-US" altLang="zh-CN" dirty="0" err="1"/>
+              <a:t>a,long</a:t>
+            </a:r>
+            <a:r>
+              <a:rPr lang="en-US" altLang="zh-CN" dirty="0"/>
+              <a:t> </a:t>
+            </a:r>
+            <a:r>
+              <a:rPr lang="en-US" altLang="zh-CN" dirty="0" err="1"/>
+              <a:t>b,long</a:t>
+            </a:r>
+            <a:r>
+              <a:rPr lang="en-US" altLang="zh-CN" dirty="0"/>
+              <a:t> c){</a:t>
+            </a:r>
+            <a:endParaRPr lang="en-US" altLang="zh-CN" dirty="0"/>
+          </a:p>
+          <a:p>
+            <a:r>
+              <a:rPr lang="en-US" altLang="zh-CN" dirty="0"/>
+              <a:t>		long e=1,f=2,g=3,h=4,i=5,k=6,q=7,x=8,y=9,z=10;</a:t>
+            </a:r>
+            <a:endParaRPr lang="en-US" altLang="zh-CN" dirty="0"/>
+          </a:p>
+          <a:p>
+            <a:r>
+              <a:rPr lang="en-US" altLang="zh-CN" dirty="0"/>
+              <a:t>		count++;</a:t>
+            </a:r>
+            <a:endParaRPr lang="en-US" altLang="zh-CN" dirty="0"/>
+          </a:p>
+          <a:p>
+            <a:r>
+              <a:rPr lang="en-US" altLang="zh-CN" dirty="0"/>
+              <a:t>		recursion(</a:t>
+            </a:r>
+            <a:r>
+              <a:rPr lang="en-US" altLang="zh-CN" dirty="0" err="1"/>
+              <a:t>a,b,c</a:t>
+            </a:r>
+            <a:r>
+              <a:rPr lang="en-US" altLang="zh-CN" dirty="0"/>
+              <a:t>);</a:t>
+            </a:r>
+            <a:endParaRPr lang="en-US" altLang="zh-CN" dirty="0"/>
+          </a:p>
+          <a:p>
+            <a:r>
+              <a:rPr lang="en-US" altLang="zh-CN" dirty="0"/>
+              <a:t>	}</a:t>
+            </a:r>
+            <a:endParaRPr lang="en-US" altLang="zh-CN" dirty="0"/>
+          </a:p>
+          <a:p>
+            <a:r>
+              <a:rPr lang="en-US" altLang="zh-CN" dirty="0"/>
+              <a:t>	public static void main(String </a:t>
+            </a:r>
+            <a:r>
+              <a:rPr lang="en-US" altLang="zh-CN" dirty="0" err="1"/>
+              <a:t>args</a:t>
+            </a:r>
+            <a:r>
+              <a:rPr lang="en-US" altLang="zh-CN" dirty="0"/>
+              <a:t>[]){</a:t>
+            </a:r>
+            <a:endParaRPr lang="en-US" altLang="zh-CN" dirty="0"/>
+          </a:p>
+          <a:p>
+            <a:r>
+              <a:rPr lang="en-US" altLang="zh-CN" dirty="0"/>
+              <a:t>		try{</a:t>
+            </a:r>
+            <a:endParaRPr lang="en-US" altLang="zh-CN" dirty="0"/>
+          </a:p>
+          <a:p>
+            <a:r>
+              <a:rPr lang="en-US" altLang="zh-CN" dirty="0"/>
+              <a:t>		</a:t>
+            </a:r>
+            <a:r>
+              <a:rPr lang="en-US" altLang="zh-CN" dirty="0" smtClean="0"/>
+              <a:t>	recursion(0L,0L,0L</a:t>
+            </a:r>
+            <a:r>
+              <a:rPr lang="en-US" altLang="zh-CN" dirty="0"/>
+              <a:t>);</a:t>
+            </a:r>
+            <a:endParaRPr lang="en-US" altLang="zh-CN" dirty="0"/>
+          </a:p>
+          <a:p>
+            <a:r>
+              <a:rPr lang="en-US" altLang="zh-CN" dirty="0"/>
+              <a:t>		}catch(</a:t>
+            </a:r>
+            <a:r>
+              <a:rPr lang="en-US" altLang="zh-CN" dirty="0" err="1"/>
+              <a:t>Throwable</a:t>
+            </a:r>
+            <a:r>
+              <a:rPr lang="en-US" altLang="zh-CN" dirty="0"/>
+              <a:t> e){</a:t>
+            </a:r>
+            <a:endParaRPr lang="en-US" altLang="zh-CN" dirty="0"/>
+          </a:p>
+          <a:p>
+            <a:r>
+              <a:rPr lang="en-US" altLang="zh-CN" dirty="0"/>
+              <a:t>			</a:t>
+            </a:r>
+            <a:r>
+              <a:rPr lang="en-US" altLang="zh-CN" dirty="0" err="1"/>
+              <a:t>System.out.println</a:t>
+            </a:r>
+            <a:r>
+              <a:rPr lang="en-US" altLang="zh-CN" dirty="0"/>
+              <a:t>("deep of calling = "+count);</a:t>
+            </a:r>
+            <a:endParaRPr lang="en-US" altLang="zh-CN" dirty="0"/>
+          </a:p>
+          <a:p>
+            <a:r>
+              <a:rPr lang="en-US" altLang="zh-CN" dirty="0"/>
+              <a:t>			</a:t>
+            </a:r>
+            <a:r>
+              <a:rPr lang="en-US" altLang="zh-CN" dirty="0" err="1"/>
+              <a:t>e.printStackTrace</a:t>
+            </a:r>
+            <a:r>
+              <a:rPr lang="en-US" altLang="zh-CN" dirty="0"/>
+              <a:t>();</a:t>
+            </a:r>
+            <a:endParaRPr lang="en-US" altLang="zh-CN" dirty="0"/>
+          </a:p>
+          <a:p>
+            <a:r>
+              <a:rPr lang="en-US" altLang="zh-CN" dirty="0"/>
+              <a:t>		}</a:t>
+            </a:r>
+            <a:endParaRPr lang="en-US" altLang="zh-CN" dirty="0"/>
+          </a:p>
+          <a:p>
+            <a:r>
+              <a:rPr lang="en-US" altLang="zh-CN" dirty="0"/>
+              <a:t>	}</a:t>
+            </a:r>
+            <a:endParaRPr lang="en-US" altLang="zh-CN" dirty="0"/>
+          </a:p>
+          <a:p>
+            <a:r>
+              <a:rPr lang="en-US" altLang="zh-CN" dirty="0"/>
+              <a:t>}</a:t>
+            </a:r>
+            <a:endParaRPr lang="zh-CN" altLang="en-US" dirty="0"/>
+          </a:p>
+        </p:txBody>
+      </p:sp>
+      <p:sp>
+        <p:nvSpPr>
+          <p:cNvPr id="5" name="TextBox 4"/>
+          <p:cNvSpPr txBox="1"/>
+          <p:nvPr/>
+        </p:nvSpPr>
+        <p:spPr>
+          <a:xfrm>
+            <a:off x="8766646" y="1197546"/>
+            <a:ext cx="3312367" cy="2308324"/>
+          </a:xfrm>
+          <a:prstGeom prst="rect">
+            <a:avLst/>
+          </a:prstGeom>
+        </p:spPr>
+        <p:style>
+          <a:lnRef idx="2">
+            <a:schemeClr val="accent1"/>
+          </a:lnRef>
+          <a:fillRef idx="1">
+            <a:schemeClr val="lt1"/>
+          </a:fillRef>
+          <a:effectRef idx="0">
+            <a:schemeClr val="accent1"/>
+          </a:effectRef>
+          <a:fontRef idx="minor">
+            <a:schemeClr val="dk1"/>
+          </a:fontRef>
+        </p:style>
+        <p:txBody>
+          <a:bodyPr wrap="square" rtlCol="0">
+            <a:spAutoFit/>
+          </a:bodyPr>
+          <a:lstStyle/>
+          <a:p>
+            <a:r>
+              <a:rPr lang="zh-CN" altLang="en-US" dirty="0" smtClean="0"/>
+              <a:t>递归调用</a:t>
+            </a:r>
+            <a:endParaRPr lang="en-US" altLang="zh-CN" dirty="0" smtClean="0"/>
+          </a:p>
+          <a:p>
+            <a:r>
+              <a:rPr lang="en-US" altLang="zh-CN" dirty="0"/>
+              <a:t>-</a:t>
+            </a:r>
+            <a:r>
+              <a:rPr lang="en-US" altLang="zh-CN" dirty="0" smtClean="0"/>
+              <a:t>Xss128K</a:t>
+            </a:r>
+            <a:endParaRPr lang="en-US" altLang="zh-CN" dirty="0" smtClean="0"/>
+          </a:p>
+          <a:p>
+            <a:r>
+              <a:rPr lang="en-US" altLang="zh-CN" dirty="0"/>
+              <a:t>deep of calling = </a:t>
+            </a:r>
+            <a:r>
+              <a:rPr lang="en-US" altLang="zh-CN" dirty="0" smtClean="0"/>
+              <a:t>701</a:t>
+            </a:r>
+            <a:endParaRPr lang="en-US" altLang="zh-CN" dirty="0"/>
+          </a:p>
+          <a:p>
+            <a:r>
+              <a:rPr lang="en-US" altLang="zh-CN" dirty="0" err="1" smtClean="0"/>
+              <a:t>java.lang.StackOverflowError</a:t>
+            </a:r>
+            <a:endParaRPr lang="en-US" altLang="zh-CN" dirty="0" smtClean="0"/>
+          </a:p>
+          <a:p>
+            <a:endParaRPr lang="en-US" altLang="zh-CN" dirty="0"/>
+          </a:p>
+          <a:p>
+            <a:r>
+              <a:rPr lang="en-US" altLang="zh-CN" dirty="0"/>
+              <a:t>-</a:t>
+            </a:r>
+            <a:r>
+              <a:rPr lang="en-US" altLang="zh-CN" dirty="0" smtClean="0"/>
+              <a:t>Xss256K</a:t>
+            </a:r>
+            <a:endParaRPr lang="en-US" altLang="zh-CN" dirty="0"/>
+          </a:p>
+          <a:p>
+            <a:r>
+              <a:rPr lang="en-US" altLang="zh-CN" dirty="0"/>
+              <a:t>deep of calling = </a:t>
+            </a:r>
+            <a:r>
+              <a:rPr lang="en-US" altLang="zh-CN" dirty="0" smtClean="0"/>
+              <a:t>1817</a:t>
+            </a:r>
+            <a:endParaRPr lang="en-US" altLang="zh-CN" dirty="0" smtClean="0"/>
+          </a:p>
+          <a:p>
+            <a:r>
+              <a:rPr lang="en-US" altLang="zh-CN" dirty="0" err="1" smtClean="0"/>
+              <a:t>java.lang.StackOverflowError</a:t>
+            </a:r>
+            <a:endParaRPr lang="en-US" altLang="zh-CN" dirty="0"/>
+          </a:p>
+        </p:txBody>
+      </p:sp>
+    </p:spTree>
   </p:cSld>
   <p:clrMapOvr>
     <a:masterClrMapping/>
@@ -12914,627 +12277,6 @@
           <a:lstStyle/>
           <a:p>
             <a:r>
-              <a:rPr lang="zh-CN" altLang="en-US" dirty="0" smtClean="0"/>
-              <a:t>栈大小分配</a:t>
-            </a:r>
-            <a:endParaRPr lang="zh-CN" altLang="en-US" dirty="0"/>
-          </a:p>
-        </p:txBody>
-      </p:sp>
-      <p:sp>
-        <p:nvSpPr>
-          <p:cNvPr id="3" name="Content Placeholder 2"/>
-          <p:cNvSpPr>
-            <a:spLocks noGrp="1"/>
-          </p:cNvSpPr>
-          <p:nvPr>
-            <p:ph idx="1"/>
-          </p:nvPr>
-        </p:nvSpPr>
-        <p:spPr/>
-        <p:txBody>
-          <a:bodyPr/>
-          <a:lstStyle/>
-          <a:p>
-            <a:r>
-              <a:rPr lang="en-US" altLang="zh-CN" dirty="0" smtClean="0"/>
-              <a:t>-</a:t>
-            </a:r>
-            <a:r>
-              <a:rPr lang="en-US" altLang="zh-CN" dirty="0" err="1" smtClean="0"/>
-              <a:t>Xss</a:t>
-            </a:r>
-            <a:endParaRPr lang="en-US" altLang="zh-CN" dirty="0" smtClean="0"/>
-          </a:p>
-          <a:p>
-            <a:pPr lvl="1"/>
-            <a:r>
-              <a:rPr lang="zh-CN" altLang="en-US" dirty="0"/>
-              <a:t>通</a:t>
-            </a:r>
-            <a:r>
-              <a:rPr lang="zh-CN" altLang="en-US" dirty="0" smtClean="0"/>
-              <a:t>常只有几百</a:t>
-            </a:r>
-            <a:r>
-              <a:rPr lang="en-US" altLang="zh-CN" dirty="0" smtClean="0"/>
-              <a:t>K</a:t>
-            </a:r>
-          </a:p>
-          <a:p>
-            <a:pPr lvl="1"/>
-            <a:r>
-              <a:rPr lang="zh-CN" altLang="en-US" dirty="0"/>
-              <a:t>决</a:t>
-            </a:r>
-            <a:r>
-              <a:rPr lang="zh-CN" altLang="en-US" dirty="0" smtClean="0"/>
-              <a:t>定了函数调用的深度</a:t>
-            </a:r>
-            <a:endParaRPr lang="en-US" altLang="zh-CN" dirty="0" smtClean="0"/>
-          </a:p>
-          <a:p>
-            <a:pPr lvl="1"/>
-            <a:r>
-              <a:rPr lang="zh-CN" altLang="en-US" dirty="0"/>
-              <a:t>每</a:t>
-            </a:r>
-            <a:r>
-              <a:rPr lang="zh-CN" altLang="en-US" dirty="0" smtClean="0"/>
-              <a:t>个线程都有独立的栈空间</a:t>
-            </a:r>
-            <a:endParaRPr lang="en-US" altLang="zh-CN" dirty="0" smtClean="0"/>
-          </a:p>
-          <a:p>
-            <a:pPr lvl="1"/>
-            <a:r>
-              <a:rPr lang="zh-CN" altLang="en-US" dirty="0"/>
-              <a:t>局</a:t>
-            </a:r>
-            <a:r>
-              <a:rPr lang="zh-CN" altLang="en-US" dirty="0" smtClean="0"/>
-              <a:t>部变量、参数 分配在栈上</a:t>
-            </a:r>
-            <a:endParaRPr lang="zh-CN" altLang="en-US" dirty="0"/>
-          </a:p>
-        </p:txBody>
-      </p:sp>
-    </p:spTree>
-    <p:extLst>
-      <p:ext uri="{BB962C8B-B14F-4D97-AF65-F5344CB8AC3E}">
-        <p14:creationId xmlns:p14="http://schemas.microsoft.com/office/powerpoint/2010/main" val="1623700201"/>
-      </p:ext>
-    </p:extLst>
-  </p:cSld>
-  <p:clrMapOvr>
-    <a:masterClrMapping/>
-  </p:clrMapOvr>
-  <p:timing>
-    <p:tnLst>
-      <p:par>
-        <p:cTn id="1" dur="indefinite" restart="never" nodeType="tmRoot"/>
-      </p:par>
-    </p:tnLst>
-  </p:timing>
-</p:sld>
-</file>
-
-<file path=ppt/slides/slide3.xml><?xml version="1.0" encoding="utf-8"?>
-<p:sld xmlns:a="http://schemas.openxmlformats.org/drawingml/2006/main" xmlns:r="http://schemas.openxmlformats.org/officeDocument/2006/relationships" xmlns:p="http://schemas.openxmlformats.org/presentationml/2006/main">
-  <p:cSld>
-    <p:spTree>
-      <p:nvGrpSpPr>
-        <p:cNvPr id="1" name=""/>
-        <p:cNvGrpSpPr/>
-        <p:nvPr/>
-      </p:nvGrpSpPr>
-      <p:grpSpPr>
-        <a:xfrm>
-          <a:off x="0" y="0"/>
-          <a:ext cx="0" cy="0"/>
-          <a:chOff x="0" y="0"/>
-          <a:chExt cx="0" cy="0"/>
-        </a:xfrm>
-      </p:grpSpPr>
-      <p:sp>
-        <p:nvSpPr>
-          <p:cNvPr id="2" name="Title 1"/>
-          <p:cNvSpPr>
-            <a:spLocks noGrp="1"/>
-          </p:cNvSpPr>
-          <p:nvPr>
-            <p:ph type="title"/>
-          </p:nvPr>
-        </p:nvSpPr>
-        <p:spPr/>
-        <p:txBody>
-          <a:bodyPr/>
-          <a:lstStyle/>
-          <a:p>
-            <a:r>
-              <a:rPr lang="zh-CN" altLang="en-US" dirty="0" smtClean="0"/>
-              <a:t>常用</a:t>
-            </a:r>
-            <a:r>
-              <a:rPr lang="en-US" altLang="zh-CN" dirty="0" smtClean="0"/>
-              <a:t>JVM</a:t>
-            </a:r>
-            <a:r>
-              <a:rPr lang="zh-CN" altLang="en-US" dirty="0" smtClean="0"/>
-              <a:t>配置参数</a:t>
-            </a:r>
-            <a:endParaRPr lang="zh-CN" altLang="en-US" dirty="0"/>
-          </a:p>
-        </p:txBody>
-      </p:sp>
-      <p:sp>
-        <p:nvSpPr>
-          <p:cNvPr id="3" name="Content Placeholder 2"/>
-          <p:cNvSpPr>
-            <a:spLocks noGrp="1"/>
-          </p:cNvSpPr>
-          <p:nvPr>
-            <p:ph idx="1"/>
-          </p:nvPr>
-        </p:nvSpPr>
-        <p:spPr/>
-        <p:txBody>
-          <a:bodyPr/>
-          <a:lstStyle/>
-          <a:p>
-            <a:r>
-              <a:rPr lang="en-US" altLang="zh-CN" dirty="0" smtClean="0"/>
-              <a:t>Trace</a:t>
-            </a:r>
-            <a:r>
-              <a:rPr lang="zh-CN" altLang="en-US" dirty="0" smtClean="0"/>
-              <a:t>跟踪参数</a:t>
-            </a:r>
-            <a:endParaRPr lang="en-US" altLang="zh-CN" dirty="0" smtClean="0"/>
-          </a:p>
-          <a:p>
-            <a:r>
-              <a:rPr lang="zh-CN" altLang="en-US" dirty="0" smtClean="0"/>
-              <a:t>堆的分配参数</a:t>
-            </a:r>
-            <a:endParaRPr lang="en-US" altLang="zh-CN" dirty="0" smtClean="0"/>
-          </a:p>
-          <a:p>
-            <a:r>
-              <a:rPr lang="zh-CN" altLang="en-US" dirty="0" smtClean="0"/>
-              <a:t>栈的分配参数</a:t>
-            </a:r>
-            <a:endParaRPr lang="en-US" altLang="zh-CN" dirty="0" smtClean="0"/>
-          </a:p>
-        </p:txBody>
-      </p:sp>
-    </p:spTree>
-    <p:extLst>
-      <p:ext uri="{BB962C8B-B14F-4D97-AF65-F5344CB8AC3E}">
-        <p14:creationId xmlns:p14="http://schemas.microsoft.com/office/powerpoint/2010/main" val="2513976141"/>
-      </p:ext>
-    </p:extLst>
-  </p:cSld>
-  <p:clrMapOvr>
-    <a:masterClrMapping/>
-  </p:clrMapOvr>
-  <p:timing>
-    <p:tnLst>
-      <p:par>
-        <p:cTn id="1" dur="indefinite" restart="never" nodeType="tmRoot"/>
-      </p:par>
-    </p:tnLst>
-  </p:timing>
-</p:sld>
-</file>
-
-<file path=ppt/slides/slide30.xml><?xml version="1.0" encoding="utf-8"?>
-<p:sld xmlns:a="http://schemas.openxmlformats.org/drawingml/2006/main" xmlns:r="http://schemas.openxmlformats.org/officeDocument/2006/relationships" xmlns:p="http://schemas.openxmlformats.org/presentationml/2006/main">
-  <p:cSld>
-    <p:spTree>
-      <p:nvGrpSpPr>
-        <p:cNvPr id="1" name=""/>
-        <p:cNvGrpSpPr/>
-        <p:nvPr/>
-      </p:nvGrpSpPr>
-      <p:grpSpPr>
-        <a:xfrm>
-          <a:off x="0" y="0"/>
-          <a:ext cx="0" cy="0"/>
-          <a:chOff x="0" y="0"/>
-          <a:chExt cx="0" cy="0"/>
-        </a:xfrm>
-      </p:grpSpPr>
-      <p:sp>
-        <p:nvSpPr>
-          <p:cNvPr id="2" name="Title 1"/>
-          <p:cNvSpPr>
-            <a:spLocks noGrp="1"/>
-          </p:cNvSpPr>
-          <p:nvPr>
-            <p:ph type="title"/>
-          </p:nvPr>
-        </p:nvSpPr>
-        <p:spPr/>
-        <p:txBody>
-          <a:bodyPr/>
-          <a:lstStyle/>
-          <a:p>
-            <a:r>
-              <a:rPr lang="zh-CN" altLang="en-US" dirty="0"/>
-              <a:t>栈大小分配</a:t>
-            </a:r>
-          </a:p>
-        </p:txBody>
-      </p:sp>
-      <p:sp>
-        <p:nvSpPr>
-          <p:cNvPr id="4" name="TextBox 3"/>
-          <p:cNvSpPr txBox="1"/>
-          <p:nvPr/>
-        </p:nvSpPr>
-        <p:spPr>
-          <a:xfrm>
-            <a:off x="557734" y="1197546"/>
-            <a:ext cx="8064896" cy="4524315"/>
-          </a:xfrm>
-          <a:prstGeom prst="rect">
-            <a:avLst/>
-          </a:prstGeom>
-        </p:spPr>
-        <p:style>
-          <a:lnRef idx="2">
-            <a:schemeClr val="accent1"/>
-          </a:lnRef>
-          <a:fillRef idx="1">
-            <a:schemeClr val="lt1"/>
-          </a:fillRef>
-          <a:effectRef idx="0">
-            <a:schemeClr val="accent1"/>
-          </a:effectRef>
-          <a:fontRef idx="minor">
-            <a:schemeClr val="dk1"/>
-          </a:fontRef>
-        </p:style>
-        <p:txBody>
-          <a:bodyPr wrap="square" rtlCol="0">
-            <a:spAutoFit/>
-          </a:bodyPr>
-          <a:lstStyle/>
-          <a:p>
-            <a:r>
-              <a:rPr lang="en-US" altLang="zh-CN" dirty="0"/>
-              <a:t>public class </a:t>
-            </a:r>
-            <a:r>
-              <a:rPr lang="en-US" altLang="zh-CN" dirty="0" err="1"/>
-              <a:t>TestStackDeep</a:t>
-            </a:r>
-            <a:r>
-              <a:rPr lang="en-US" altLang="zh-CN" dirty="0"/>
-              <a:t> {</a:t>
-            </a:r>
-          </a:p>
-          <a:p>
-            <a:r>
-              <a:rPr lang="en-US" altLang="zh-CN" dirty="0"/>
-              <a:t>	private static </a:t>
-            </a:r>
-            <a:r>
-              <a:rPr lang="en-US" altLang="zh-CN" dirty="0" err="1"/>
-              <a:t>int</a:t>
-            </a:r>
-            <a:r>
-              <a:rPr lang="en-US" altLang="zh-CN" dirty="0"/>
-              <a:t> count=0;</a:t>
-            </a:r>
-          </a:p>
-          <a:p>
-            <a:r>
-              <a:rPr lang="en-US" altLang="zh-CN" dirty="0"/>
-              <a:t>	public static void recursion(long </a:t>
-            </a:r>
-            <a:r>
-              <a:rPr lang="en-US" altLang="zh-CN" dirty="0" err="1"/>
-              <a:t>a,long</a:t>
-            </a:r>
-            <a:r>
-              <a:rPr lang="en-US" altLang="zh-CN" dirty="0"/>
-              <a:t> </a:t>
-            </a:r>
-            <a:r>
-              <a:rPr lang="en-US" altLang="zh-CN" dirty="0" err="1"/>
-              <a:t>b,long</a:t>
-            </a:r>
-            <a:r>
-              <a:rPr lang="en-US" altLang="zh-CN" dirty="0"/>
-              <a:t> c){</a:t>
-            </a:r>
-          </a:p>
-          <a:p>
-            <a:r>
-              <a:rPr lang="en-US" altLang="zh-CN" dirty="0"/>
-              <a:t>		long e=1,f=2,g=3,h=4,i=5,k=6,q=7,x=8,y=9,z=10;</a:t>
-            </a:r>
-          </a:p>
-          <a:p>
-            <a:r>
-              <a:rPr lang="en-US" altLang="zh-CN" dirty="0"/>
-              <a:t>		count++;</a:t>
-            </a:r>
-          </a:p>
-          <a:p>
-            <a:r>
-              <a:rPr lang="en-US" altLang="zh-CN" dirty="0"/>
-              <a:t>		recursion(</a:t>
-            </a:r>
-            <a:r>
-              <a:rPr lang="en-US" altLang="zh-CN" dirty="0" err="1"/>
-              <a:t>a,b,c</a:t>
-            </a:r>
-            <a:r>
-              <a:rPr lang="en-US" altLang="zh-CN" dirty="0"/>
-              <a:t>);</a:t>
-            </a:r>
-          </a:p>
-          <a:p>
-            <a:r>
-              <a:rPr lang="en-US" altLang="zh-CN" dirty="0"/>
-              <a:t>	}</a:t>
-            </a:r>
-          </a:p>
-          <a:p>
-            <a:r>
-              <a:rPr lang="en-US" altLang="zh-CN" dirty="0"/>
-              <a:t>	public static void main(String </a:t>
-            </a:r>
-            <a:r>
-              <a:rPr lang="en-US" altLang="zh-CN" dirty="0" err="1"/>
-              <a:t>args</a:t>
-            </a:r>
-            <a:r>
-              <a:rPr lang="en-US" altLang="zh-CN" dirty="0"/>
-              <a:t>[]){</a:t>
-            </a:r>
-          </a:p>
-          <a:p>
-            <a:r>
-              <a:rPr lang="en-US" altLang="zh-CN" dirty="0"/>
-              <a:t>		try{</a:t>
-            </a:r>
-          </a:p>
-          <a:p>
-            <a:r>
-              <a:rPr lang="en-US" altLang="zh-CN" dirty="0"/>
-              <a:t>		</a:t>
-            </a:r>
-            <a:r>
-              <a:rPr lang="en-US" altLang="zh-CN" dirty="0" smtClean="0"/>
-              <a:t>	recursion(0L,0L,0L</a:t>
-            </a:r>
-            <a:r>
-              <a:rPr lang="en-US" altLang="zh-CN" dirty="0"/>
-              <a:t>);</a:t>
-            </a:r>
-          </a:p>
-          <a:p>
-            <a:r>
-              <a:rPr lang="en-US" altLang="zh-CN" dirty="0"/>
-              <a:t>		}catch(</a:t>
-            </a:r>
-            <a:r>
-              <a:rPr lang="en-US" altLang="zh-CN" dirty="0" err="1"/>
-              <a:t>Throwable</a:t>
-            </a:r>
-            <a:r>
-              <a:rPr lang="en-US" altLang="zh-CN" dirty="0"/>
-              <a:t> e){</a:t>
-            </a:r>
-          </a:p>
-          <a:p>
-            <a:r>
-              <a:rPr lang="en-US" altLang="zh-CN" dirty="0"/>
-              <a:t>			</a:t>
-            </a:r>
-            <a:r>
-              <a:rPr lang="en-US" altLang="zh-CN" dirty="0" err="1"/>
-              <a:t>System.out.println</a:t>
-            </a:r>
-            <a:r>
-              <a:rPr lang="en-US" altLang="zh-CN" dirty="0"/>
-              <a:t>("deep of calling = "+count);</a:t>
-            </a:r>
-          </a:p>
-          <a:p>
-            <a:r>
-              <a:rPr lang="en-US" altLang="zh-CN" dirty="0"/>
-              <a:t>			</a:t>
-            </a:r>
-            <a:r>
-              <a:rPr lang="en-US" altLang="zh-CN" dirty="0" err="1"/>
-              <a:t>e.printStackTrace</a:t>
-            </a:r>
-            <a:r>
-              <a:rPr lang="en-US" altLang="zh-CN" dirty="0"/>
-              <a:t>();</a:t>
-            </a:r>
-          </a:p>
-          <a:p>
-            <a:r>
-              <a:rPr lang="en-US" altLang="zh-CN" dirty="0"/>
-              <a:t>		}</a:t>
-            </a:r>
-          </a:p>
-          <a:p>
-            <a:r>
-              <a:rPr lang="en-US" altLang="zh-CN" dirty="0"/>
-              <a:t>	}</a:t>
-            </a:r>
-          </a:p>
-          <a:p>
-            <a:r>
-              <a:rPr lang="en-US" altLang="zh-CN" dirty="0"/>
-              <a:t>}</a:t>
-            </a:r>
-            <a:endParaRPr lang="zh-CN" altLang="en-US" dirty="0"/>
-          </a:p>
-        </p:txBody>
-      </p:sp>
-      <p:sp>
-        <p:nvSpPr>
-          <p:cNvPr id="5" name="TextBox 4"/>
-          <p:cNvSpPr txBox="1"/>
-          <p:nvPr/>
-        </p:nvSpPr>
-        <p:spPr>
-          <a:xfrm>
-            <a:off x="8766646" y="1197546"/>
-            <a:ext cx="3312367" cy="2308324"/>
-          </a:xfrm>
-          <a:prstGeom prst="rect">
-            <a:avLst/>
-          </a:prstGeom>
-        </p:spPr>
-        <p:style>
-          <a:lnRef idx="2">
-            <a:schemeClr val="accent1"/>
-          </a:lnRef>
-          <a:fillRef idx="1">
-            <a:schemeClr val="lt1"/>
-          </a:fillRef>
-          <a:effectRef idx="0">
-            <a:schemeClr val="accent1"/>
-          </a:effectRef>
-          <a:fontRef idx="minor">
-            <a:schemeClr val="dk1"/>
-          </a:fontRef>
-        </p:style>
-        <p:txBody>
-          <a:bodyPr wrap="square" rtlCol="0">
-            <a:spAutoFit/>
-          </a:bodyPr>
-          <a:lstStyle/>
-          <a:p>
-            <a:r>
-              <a:rPr lang="zh-CN" altLang="en-US" dirty="0" smtClean="0"/>
-              <a:t>递归调用</a:t>
-            </a:r>
-            <a:endParaRPr lang="en-US" altLang="zh-CN" dirty="0" smtClean="0"/>
-          </a:p>
-          <a:p>
-            <a:r>
-              <a:rPr lang="en-US" altLang="zh-CN" dirty="0"/>
-              <a:t>-</a:t>
-            </a:r>
-            <a:r>
-              <a:rPr lang="en-US" altLang="zh-CN" dirty="0" smtClean="0"/>
-              <a:t>Xss128K</a:t>
-            </a:r>
-          </a:p>
-          <a:p>
-            <a:r>
-              <a:rPr lang="en-US" altLang="zh-CN" dirty="0"/>
-              <a:t>deep of calling = </a:t>
-            </a:r>
-            <a:r>
-              <a:rPr lang="en-US" altLang="zh-CN" dirty="0" smtClean="0"/>
-              <a:t>701</a:t>
-            </a:r>
-            <a:endParaRPr lang="en-US" altLang="zh-CN" dirty="0"/>
-          </a:p>
-          <a:p>
-            <a:r>
-              <a:rPr lang="en-US" altLang="zh-CN" dirty="0" err="1" smtClean="0"/>
-              <a:t>java.lang.StackOverflowError</a:t>
-            </a:r>
-            <a:endParaRPr lang="en-US" altLang="zh-CN" dirty="0" smtClean="0"/>
-          </a:p>
-          <a:p>
-            <a:endParaRPr lang="en-US" altLang="zh-CN" dirty="0"/>
-          </a:p>
-          <a:p>
-            <a:r>
-              <a:rPr lang="en-US" altLang="zh-CN" dirty="0"/>
-              <a:t>-</a:t>
-            </a:r>
-            <a:r>
-              <a:rPr lang="en-US" altLang="zh-CN" dirty="0" smtClean="0"/>
-              <a:t>Xss256K</a:t>
-            </a:r>
-            <a:endParaRPr lang="en-US" altLang="zh-CN" dirty="0"/>
-          </a:p>
-          <a:p>
-            <a:r>
-              <a:rPr lang="en-US" altLang="zh-CN" dirty="0"/>
-              <a:t>deep of calling = </a:t>
-            </a:r>
-            <a:r>
-              <a:rPr lang="en-US" altLang="zh-CN" dirty="0" smtClean="0"/>
-              <a:t>1817</a:t>
-            </a:r>
-          </a:p>
-          <a:p>
-            <a:r>
-              <a:rPr lang="en-US" altLang="zh-CN" dirty="0" err="1" smtClean="0"/>
-              <a:t>java.lang.StackOverflowError</a:t>
-            </a:r>
-            <a:endParaRPr lang="en-US" altLang="zh-CN" dirty="0"/>
-          </a:p>
-        </p:txBody>
-      </p:sp>
-    </p:spTree>
-    <p:extLst>
-      <p:ext uri="{BB962C8B-B14F-4D97-AF65-F5344CB8AC3E}">
-        <p14:creationId xmlns:p14="http://schemas.microsoft.com/office/powerpoint/2010/main" val="3199722203"/>
-      </p:ext>
-    </p:extLst>
-  </p:cSld>
-  <p:clrMapOvr>
-    <a:masterClrMapping/>
-  </p:clrMapOvr>
-  <p:timing>
-    <p:tnLst>
-      <p:par>
-        <p:cTn id="1" dur="indefinite" restart="never" nodeType="tmRoot"/>
-      </p:par>
-    </p:tnLst>
-  </p:timing>
-</p:sld>
-</file>
-
-<file path=ppt/slides/slide31.xml><?xml version="1.0" encoding="utf-8"?>
-<p:sld xmlns:a="http://schemas.openxmlformats.org/drawingml/2006/main" xmlns:r="http://schemas.openxmlformats.org/officeDocument/2006/relationships" xmlns:p="http://schemas.openxmlformats.org/presentationml/2006/main">
-  <p:cSld>
-    <p:spTree>
-      <p:nvGrpSpPr>
-        <p:cNvPr id="1" name=""/>
-        <p:cNvGrpSpPr/>
-        <p:nvPr/>
-      </p:nvGrpSpPr>
-      <p:grpSpPr>
-        <a:xfrm>
-          <a:off x="0" y="0"/>
-          <a:ext cx="0" cy="0"/>
-          <a:chOff x="0" y="0"/>
-          <a:chExt cx="0" cy="0"/>
-        </a:xfrm>
-      </p:grpSpPr>
-      <p:sp>
-        <p:nvSpPr>
-          <p:cNvPr id="2" name="Title 1"/>
-          <p:cNvSpPr>
-            <a:spLocks noGrp="1"/>
-          </p:cNvSpPr>
-          <p:nvPr>
-            <p:ph type="title"/>
-          </p:nvPr>
-        </p:nvSpPr>
-        <p:spPr/>
-        <p:txBody>
-          <a:bodyPr/>
-          <a:lstStyle/>
-          <a:p>
-            <a:r>
               <a:rPr lang="zh-CN" altLang="en-US" dirty="0"/>
               <a:t>常用</a:t>
             </a:r>
@@ -13546,6 +12288,7 @@
               <a:rPr lang="zh-CN" altLang="en-US"/>
               <a:t>配置参数</a:t>
             </a:r>
+            <a:endParaRPr lang="zh-CN" altLang="en-US"/>
           </a:p>
         </p:txBody>
       </p:sp>
@@ -13688,15 +12431,29 @@
               </a:rPr>
               <a:t>温故而知新，可以为师也</a:t>
             </a:r>
+            <a:endParaRPr lang="zh-CN" altLang="en-US" sz="5400" b="1" dirty="0">
+              <a:ln w="18000">
+                <a:solidFill>
+                  <a:schemeClr val="accent2">
+                    <a:satMod val="140000"/>
+                  </a:schemeClr>
+                </a:solidFill>
+                <a:prstDash val="solid"/>
+                <a:miter lim="800000"/>
+              </a:ln>
+              <a:noFill/>
+              <a:effectLst>
+                <a:outerShdw blurRad="25500" dist="23000" dir="7020000" algn="tl">
+                  <a:srgbClr val="000000">
+                    <a:alpha val="50000"/>
+                  </a:srgbClr>
+                </a:outerShdw>
+              </a:effectLst>
+            </a:endParaRPr>
           </a:p>
         </p:txBody>
       </p:sp>
     </p:spTree>
-    <p:extLst>
-      <p:ext uri="{BB962C8B-B14F-4D97-AF65-F5344CB8AC3E}">
-        <p14:creationId xmlns:p14="http://schemas.microsoft.com/office/powerpoint/2010/main" val="44720038"/>
-      </p:ext>
-    </p:extLst>
   </p:cSld>
   <p:clrMapOvr>
     <a:masterClrMapping/>
@@ -13711,7 +12468,7 @@
 </p:sld>
 </file>
 
-<file path=ppt/slides/slide32.xml><?xml version="1.0" encoding="utf-8"?>
+<file path=ppt/slides/slide3.xml><?xml version="1.0" encoding="utf-8"?>
 <p:sld xmlns:a="http://schemas.openxmlformats.org/drawingml/2006/main" xmlns:r="http://schemas.openxmlformats.org/officeDocument/2006/relationships" xmlns:p="http://schemas.openxmlformats.org/presentationml/2006/main">
   <p:cSld>
     <p:spTree>
@@ -13730,6 +12487,190 @@
       </p:grpSpPr>
       <p:sp>
         <p:nvSpPr>
+          <p:cNvPr id="2" name="标题 1"/>
+          <p:cNvSpPr>
+            <a:spLocks noGrp="1"/>
+          </p:cNvSpPr>
+          <p:nvPr>
+            <p:ph type="title"/>
+          </p:nvPr>
+        </p:nvSpPr>
+        <p:spPr/>
+        <p:txBody>
+          <a:bodyPr/>
+          <a:lstStyle/>
+          <a:p>
+            <a:r>
+              <a:rPr lang="en-US" altLang="zh-CN" dirty="0"/>
+              <a:t>Trace</a:t>
+            </a:r>
+            <a:r>
+              <a:rPr lang="zh-CN" altLang="en-US" dirty="0"/>
+              <a:t>跟踪参数</a:t>
+            </a:r>
+            <a:endParaRPr lang="zh-CN" altLang="en-US" dirty="0"/>
+          </a:p>
+        </p:txBody>
+      </p:sp>
+      <p:sp>
+        <p:nvSpPr>
+          <p:cNvPr id="3" name="内容占位符 2"/>
+          <p:cNvSpPr>
+            <a:spLocks noGrp="1"/>
+          </p:cNvSpPr>
+          <p:nvPr>
+            <p:ph idx="1"/>
+          </p:nvPr>
+        </p:nvSpPr>
+        <p:spPr/>
+        <p:txBody>
+          <a:bodyPr/>
+          <a:lstStyle/>
+          <a:p>
+            <a:r>
+              <a:rPr lang="en-US" altLang="zh-CN" dirty="0" smtClean="0"/>
+              <a:t>-XX:+</a:t>
+            </a:r>
+            <a:r>
+              <a:rPr lang="en-US" altLang="zh-CN" dirty="0" err="1" smtClean="0"/>
+              <a:t>PrintGCDetails</a:t>
+            </a:r>
+            <a:endParaRPr lang="en-US" altLang="zh-CN" dirty="0" smtClean="0"/>
+          </a:p>
+          <a:p>
+            <a:pPr lvl="1"/>
+            <a:r>
+              <a:rPr lang="zh-CN" altLang="en-US" dirty="0" smtClean="0"/>
+              <a:t>打印</a:t>
+            </a:r>
+            <a:r>
+              <a:rPr lang="en-US" altLang="zh-CN" dirty="0" smtClean="0"/>
+              <a:t>GC</a:t>
+            </a:r>
+            <a:r>
+              <a:rPr lang="zh-CN" altLang="en-US" dirty="0" smtClean="0"/>
+              <a:t>详细信息</a:t>
+            </a:r>
+            <a:endParaRPr lang="en-US" altLang="zh-CN" dirty="0" smtClean="0"/>
+          </a:p>
+          <a:p>
+            <a:r>
+              <a:rPr lang="en-US" altLang="zh-CN" dirty="0" smtClean="0"/>
+              <a:t>-XX:+</a:t>
+            </a:r>
+            <a:r>
+              <a:rPr lang="en-US" altLang="zh-CN" dirty="0" err="1" smtClean="0"/>
+              <a:t>PrintGCTimeStamps</a:t>
+            </a:r>
+            <a:endParaRPr lang="en-US" altLang="zh-CN" dirty="0" smtClean="0"/>
+          </a:p>
+          <a:p>
+            <a:pPr lvl="1"/>
+            <a:r>
+              <a:rPr lang="zh-CN" altLang="en-US" dirty="0" smtClean="0"/>
+              <a:t>打印</a:t>
+            </a:r>
+            <a:r>
+              <a:rPr lang="en-US" altLang="zh-CN" dirty="0" smtClean="0"/>
+              <a:t>CG</a:t>
+            </a:r>
+            <a:r>
+              <a:rPr lang="zh-CN" altLang="en-US" dirty="0" smtClean="0"/>
+              <a:t>发生的时间戳</a:t>
+            </a:r>
+            <a:endParaRPr lang="en-US" altLang="zh-CN" dirty="0" smtClean="0"/>
+          </a:p>
+          <a:p>
+            <a:r>
+              <a:rPr lang="zh-CN" altLang="en-US" dirty="0" smtClean="0"/>
+              <a:t>例</a:t>
+            </a:r>
+            <a:endParaRPr lang="en-US" altLang="zh-CN" dirty="0"/>
+          </a:p>
+          <a:p>
+            <a:pPr lvl="1"/>
+            <a:r>
+              <a:rPr lang="en-US" altLang="zh-CN" dirty="0"/>
+              <a:t>[GC[</a:t>
+            </a:r>
+            <a:r>
+              <a:rPr lang="en-US" altLang="zh-CN" dirty="0" err="1"/>
+              <a:t>DefNew</a:t>
+            </a:r>
+            <a:r>
+              <a:rPr lang="en-US" altLang="zh-CN" dirty="0"/>
+              <a:t>: 4416K-&gt;0K(4928K), 0.0001897 </a:t>
+            </a:r>
+            <a:r>
+              <a:rPr lang="en-US" altLang="zh-CN" dirty="0" err="1"/>
+              <a:t>secs</a:t>
+            </a:r>
+            <a:r>
+              <a:rPr lang="en-US" altLang="zh-CN" dirty="0"/>
+              <a:t>] 4790K-&gt;374K(15872K), 0.0002232 </a:t>
+            </a:r>
+            <a:r>
+              <a:rPr lang="en-US" altLang="zh-CN" dirty="0" err="1"/>
+              <a:t>secs</a:t>
+            </a:r>
+            <a:r>
+              <a:rPr lang="en-US" altLang="zh-CN" dirty="0"/>
+              <a:t>] [Times: user=0.00 sys=0.00, real=0.00 </a:t>
+            </a:r>
+            <a:r>
+              <a:rPr lang="en-US" altLang="zh-CN" dirty="0" err="1"/>
+              <a:t>secs</a:t>
+            </a:r>
+            <a:r>
+              <a:rPr lang="en-US" altLang="zh-CN" dirty="0"/>
+              <a:t>] </a:t>
+            </a:r>
+            <a:endParaRPr lang="en-US" altLang="zh-CN" dirty="0" smtClean="0"/>
+          </a:p>
+          <a:p>
+            <a:pPr lvl="1"/>
+            <a:endParaRPr lang="en-US" altLang="zh-CN" dirty="0"/>
+          </a:p>
+          <a:p>
+            <a:pPr lvl="1"/>
+            <a:endParaRPr lang="zh-CN" altLang="en-US" dirty="0"/>
+          </a:p>
+        </p:txBody>
+      </p:sp>
+    </p:spTree>
+  </p:cSld>
+  <p:clrMapOvr>
+    <a:masterClrMapping/>
+  </p:clrMapOvr>
+  <p:timing>
+    <p:tnLst>
+      <p:par>
+        <p:cTn id="1" dur="indefinite" restart="never" nodeType="tmRoot"/>
+      </p:par>
+    </p:tnLst>
+  </p:timing>
+</p:sld>
+</file>
+
+<file path=ppt/slides/slide30.xml><?xml version="1.0" encoding="utf-8"?>
+<p:sld xmlns:a="http://schemas.openxmlformats.org/drawingml/2006/main" xmlns:r="http://schemas.openxmlformats.org/officeDocument/2006/relationships" xmlns:p="http://schemas.openxmlformats.org/presentationml/2006/main">
+  <p:cSld>
+    <p:spTree>
+      <p:nvGrpSpPr>
+        <p:cNvPr id="1" name=""/>
+        <p:cNvGrpSpPr/>
+        <p:nvPr/>
+      </p:nvGrpSpPr>
+      <p:grpSpPr>
+        <a:xfrm>
+          <a:off x="0" y="0"/>
+          <a:ext cx="0" cy="0"/>
+          <a:chOff x="0" y="0"/>
+          <a:chExt cx="0" cy="0"/>
+        </a:xfrm>
+      </p:grpSpPr>
+      <p:sp>
+        <p:nvSpPr>
           <p:cNvPr id="2" name="灯片编号占位符 1"/>
           <p:cNvSpPr>
             <a:spLocks noGrp="1"/>
@@ -13756,10 +12697,6 @@
             </a:pPr>
             <a:fld id="{7277B87E-B5C5-40CB-9E3E-78438E974F9E}" type="slidenum">
               <a:rPr lang="zh-CN" altLang="en-US"/>
-              <a:pPr>
-                <a:defRPr/>
-              </a:pPr>
-              <a:t>32</a:t>
             </a:fld>
             <a:endParaRPr lang="zh-CN" altLang="en-US" dirty="0"/>
           </a:p>
@@ -13818,11 +12755,7 @@
             </a:r>
             <a:r>
               <a:rPr lang="zh-CN" altLang="en-US" dirty="0"/>
-              <a:t>跟踪</a:t>
-            </a:r>
-            <a:r>
-              <a:rPr lang="zh-CN" altLang="en-US" dirty="0" smtClean="0"/>
-              <a:t>参数</a:t>
+              <a:t>跟踪参数</a:t>
             </a:r>
             <a:endParaRPr lang="zh-CN" altLang="en-US" dirty="0"/>
           </a:p>
@@ -13844,346 +12777,6 @@
           <a:lstStyle/>
           <a:p>
             <a:r>
-              <a:rPr lang="en-US" altLang="zh-CN" dirty="0" smtClean="0"/>
-              <a:t>-</a:t>
-            </a:r>
-            <a:r>
-              <a:rPr lang="en-US" altLang="zh-CN" dirty="0" err="1" smtClean="0"/>
-              <a:t>verbose:gc</a:t>
-            </a:r>
-            <a:endParaRPr lang="en-US" altLang="zh-CN" dirty="0" smtClean="0"/>
-          </a:p>
-          <a:p>
-            <a:r>
-              <a:rPr lang="en-US" altLang="zh-CN" dirty="0" smtClean="0"/>
-              <a:t>-XX</a:t>
-            </a:r>
-            <a:r>
-              <a:rPr lang="en-US" altLang="zh-CN" dirty="0"/>
-              <a:t>:+</a:t>
-            </a:r>
-            <a:r>
-              <a:rPr lang="en-US" altLang="zh-CN" dirty="0" err="1" smtClean="0"/>
-              <a:t>printGC</a:t>
-            </a:r>
-            <a:endParaRPr lang="en-US" altLang="zh-CN" dirty="0" smtClean="0"/>
-          </a:p>
-          <a:p>
-            <a:r>
-              <a:rPr lang="zh-CN" altLang="en-US" dirty="0" smtClean="0"/>
-              <a:t>可以打印</a:t>
-            </a:r>
-            <a:r>
-              <a:rPr lang="en-US" altLang="zh-CN" dirty="0" smtClean="0"/>
-              <a:t>GC</a:t>
-            </a:r>
-            <a:r>
-              <a:rPr lang="zh-CN" altLang="en-US" dirty="0" smtClean="0"/>
-              <a:t>的简要信息</a:t>
-            </a:r>
-            <a:endParaRPr lang="en-US" altLang="zh-CN" dirty="0"/>
-          </a:p>
-          <a:p>
-            <a:pPr lvl="1"/>
-            <a:r>
-              <a:rPr lang="de-DE" altLang="zh-CN" sz="1800" dirty="0"/>
-              <a:t>[GC 4790K-&gt;374K(15872K), 0.0001606 secs]</a:t>
-            </a:r>
-          </a:p>
-          <a:p>
-            <a:pPr lvl="1"/>
-            <a:r>
-              <a:rPr lang="de-DE" altLang="zh-CN" sz="1800" dirty="0"/>
-              <a:t>[GC 4790K-&gt;374K(15872K), 0.0001474 secs]</a:t>
-            </a:r>
-          </a:p>
-          <a:p>
-            <a:pPr lvl="1"/>
-            <a:r>
-              <a:rPr lang="de-DE" altLang="zh-CN" sz="1800" dirty="0"/>
-              <a:t>[GC 4790K-&gt;374K(15872K), 0.0001563 secs]</a:t>
-            </a:r>
-          </a:p>
-          <a:p>
-            <a:pPr lvl="1"/>
-            <a:r>
-              <a:rPr lang="de-DE" altLang="zh-CN" sz="1800" dirty="0"/>
-              <a:t>[GC 4790K-&gt;374K(15872K), 0.0001682 secs]</a:t>
-            </a:r>
-            <a:endParaRPr lang="en-US" altLang="zh-CN" dirty="0" smtClean="0"/>
-          </a:p>
-          <a:p>
-            <a:endParaRPr lang="zh-CN" altLang="en-US" dirty="0"/>
-          </a:p>
-        </p:txBody>
-      </p:sp>
-    </p:spTree>
-    <p:extLst>
-      <p:ext uri="{BB962C8B-B14F-4D97-AF65-F5344CB8AC3E}">
-        <p14:creationId xmlns:p14="http://schemas.microsoft.com/office/powerpoint/2010/main" val="746197736"/>
-      </p:ext>
-    </p:extLst>
-  </p:cSld>
-  <p:clrMapOvr>
-    <a:masterClrMapping/>
-  </p:clrMapOvr>
-  <p:timing>
-    <p:tnLst>
-      <p:par>
-        <p:cTn id="1" dur="indefinite" restart="never" nodeType="tmRoot"/>
-      </p:par>
-    </p:tnLst>
-  </p:timing>
-</p:sld>
-</file>
-
-<file path=ppt/slides/slide5.xml><?xml version="1.0" encoding="utf-8"?>
-<p:sld xmlns:a="http://schemas.openxmlformats.org/drawingml/2006/main" xmlns:r="http://schemas.openxmlformats.org/officeDocument/2006/relationships" xmlns:p="http://schemas.openxmlformats.org/presentationml/2006/main">
-  <p:cSld>
-    <p:spTree>
-      <p:nvGrpSpPr>
-        <p:cNvPr id="1" name=""/>
-        <p:cNvGrpSpPr/>
-        <p:nvPr/>
-      </p:nvGrpSpPr>
-      <p:grpSpPr>
-        <a:xfrm>
-          <a:off x="0" y="0"/>
-          <a:ext cx="0" cy="0"/>
-          <a:chOff x="0" y="0"/>
-          <a:chExt cx="0" cy="0"/>
-        </a:xfrm>
-      </p:grpSpPr>
-      <p:sp>
-        <p:nvSpPr>
-          <p:cNvPr id="2" name="标题 1"/>
-          <p:cNvSpPr>
-            <a:spLocks noGrp="1"/>
-          </p:cNvSpPr>
-          <p:nvPr>
-            <p:ph type="title"/>
-          </p:nvPr>
-        </p:nvSpPr>
-        <p:spPr/>
-        <p:txBody>
-          <a:bodyPr/>
-          <a:lstStyle/>
-          <a:p>
-            <a:r>
-              <a:rPr lang="en-US" altLang="zh-CN" dirty="0"/>
-              <a:t>Trace</a:t>
-            </a:r>
-            <a:r>
-              <a:rPr lang="zh-CN" altLang="en-US" dirty="0"/>
-              <a:t>跟踪参数</a:t>
-            </a:r>
-          </a:p>
-        </p:txBody>
-      </p:sp>
-      <p:sp>
-        <p:nvSpPr>
-          <p:cNvPr id="3" name="内容占位符 2"/>
-          <p:cNvSpPr>
-            <a:spLocks noGrp="1"/>
-          </p:cNvSpPr>
-          <p:nvPr>
-            <p:ph idx="1"/>
-          </p:nvPr>
-        </p:nvSpPr>
-        <p:spPr/>
-        <p:txBody>
-          <a:bodyPr/>
-          <a:lstStyle/>
-          <a:p>
-            <a:r>
-              <a:rPr lang="en-US" altLang="zh-CN" dirty="0" smtClean="0"/>
-              <a:t>-XX:+</a:t>
-            </a:r>
-            <a:r>
-              <a:rPr lang="en-US" altLang="zh-CN" dirty="0" err="1" smtClean="0"/>
-              <a:t>PrintGCDetails</a:t>
-            </a:r>
-            <a:endParaRPr lang="en-US" altLang="zh-CN" dirty="0" smtClean="0"/>
-          </a:p>
-          <a:p>
-            <a:pPr lvl="1"/>
-            <a:r>
-              <a:rPr lang="zh-CN" altLang="en-US" dirty="0" smtClean="0"/>
-              <a:t>打印</a:t>
-            </a:r>
-            <a:r>
-              <a:rPr lang="en-US" altLang="zh-CN" dirty="0" smtClean="0"/>
-              <a:t>GC</a:t>
-            </a:r>
-            <a:r>
-              <a:rPr lang="zh-CN" altLang="en-US" dirty="0" smtClean="0"/>
-              <a:t>详细信息</a:t>
-            </a:r>
-            <a:endParaRPr lang="en-US" altLang="zh-CN" dirty="0" smtClean="0"/>
-          </a:p>
-          <a:p>
-            <a:r>
-              <a:rPr lang="en-US" altLang="zh-CN" dirty="0" smtClean="0"/>
-              <a:t>-XX:+</a:t>
-            </a:r>
-            <a:r>
-              <a:rPr lang="en-US" altLang="zh-CN" dirty="0" err="1" smtClean="0"/>
-              <a:t>PrintGCTimeStamps</a:t>
-            </a:r>
-            <a:endParaRPr lang="en-US" altLang="zh-CN" dirty="0" smtClean="0"/>
-          </a:p>
-          <a:p>
-            <a:pPr lvl="1"/>
-            <a:r>
-              <a:rPr lang="zh-CN" altLang="en-US" dirty="0" smtClean="0"/>
-              <a:t>打印</a:t>
-            </a:r>
-            <a:r>
-              <a:rPr lang="en-US" altLang="zh-CN" dirty="0" smtClean="0"/>
-              <a:t>CG</a:t>
-            </a:r>
-            <a:r>
-              <a:rPr lang="zh-CN" altLang="en-US" dirty="0" smtClean="0"/>
-              <a:t>发生的时间戳</a:t>
-            </a:r>
-            <a:endParaRPr lang="en-US" altLang="zh-CN" dirty="0" smtClean="0"/>
-          </a:p>
-          <a:p>
-            <a:r>
-              <a:rPr lang="zh-CN" altLang="en-US" dirty="0" smtClean="0"/>
-              <a:t>例</a:t>
-            </a:r>
-            <a:endParaRPr lang="en-US" altLang="zh-CN" dirty="0"/>
-          </a:p>
-          <a:p>
-            <a:pPr lvl="1"/>
-            <a:r>
-              <a:rPr lang="en-US" altLang="zh-CN" dirty="0"/>
-              <a:t>[GC[</a:t>
-            </a:r>
-            <a:r>
-              <a:rPr lang="en-US" altLang="zh-CN" dirty="0" err="1"/>
-              <a:t>DefNew</a:t>
-            </a:r>
-            <a:r>
-              <a:rPr lang="en-US" altLang="zh-CN" dirty="0"/>
-              <a:t>: 4416K-&gt;0K(4928K), 0.0001897 </a:t>
-            </a:r>
-            <a:r>
-              <a:rPr lang="en-US" altLang="zh-CN" dirty="0" err="1"/>
-              <a:t>secs</a:t>
-            </a:r>
-            <a:r>
-              <a:rPr lang="en-US" altLang="zh-CN" dirty="0"/>
-              <a:t>] 4790K-&gt;374K(15872K), 0.0002232 </a:t>
-            </a:r>
-            <a:r>
-              <a:rPr lang="en-US" altLang="zh-CN" dirty="0" err="1"/>
-              <a:t>secs</a:t>
-            </a:r>
-            <a:r>
-              <a:rPr lang="en-US" altLang="zh-CN" dirty="0"/>
-              <a:t>] [Times: user=0.00 sys=0.00, real=0.00 </a:t>
-            </a:r>
-            <a:r>
-              <a:rPr lang="en-US" altLang="zh-CN" dirty="0" err="1"/>
-              <a:t>secs</a:t>
-            </a:r>
-            <a:r>
-              <a:rPr lang="en-US" altLang="zh-CN" dirty="0"/>
-              <a:t>] </a:t>
-            </a:r>
-            <a:endParaRPr lang="en-US" altLang="zh-CN" dirty="0" smtClean="0"/>
-          </a:p>
-          <a:p>
-            <a:pPr lvl="1"/>
-            <a:endParaRPr lang="en-US" altLang="zh-CN" dirty="0"/>
-          </a:p>
-          <a:p>
-            <a:pPr lvl="1"/>
-            <a:endParaRPr lang="zh-CN" altLang="en-US" dirty="0"/>
-          </a:p>
-        </p:txBody>
-      </p:sp>
-    </p:spTree>
-    <p:extLst>
-      <p:ext uri="{BB962C8B-B14F-4D97-AF65-F5344CB8AC3E}">
-        <p14:creationId xmlns:p14="http://schemas.microsoft.com/office/powerpoint/2010/main" val="2018502298"/>
-      </p:ext>
-    </p:extLst>
-  </p:cSld>
-  <p:clrMapOvr>
-    <a:masterClrMapping/>
-  </p:clrMapOvr>
-  <p:timing>
-    <p:tnLst>
-      <p:par>
-        <p:cTn id="1" dur="indefinite" restart="never" nodeType="tmRoot"/>
-      </p:par>
-    </p:tnLst>
-  </p:timing>
-</p:sld>
-</file>
-
-<file path=ppt/slides/slide6.xml><?xml version="1.0" encoding="utf-8"?>
-<p:sld xmlns:a="http://schemas.openxmlformats.org/drawingml/2006/main" xmlns:r="http://schemas.openxmlformats.org/officeDocument/2006/relationships" xmlns:p="http://schemas.openxmlformats.org/presentationml/2006/main">
-  <p:cSld>
-    <p:spTree>
-      <p:nvGrpSpPr>
-        <p:cNvPr id="1" name=""/>
-        <p:cNvGrpSpPr/>
-        <p:nvPr/>
-      </p:nvGrpSpPr>
-      <p:grpSpPr>
-        <a:xfrm>
-          <a:off x="0" y="0"/>
-          <a:ext cx="0" cy="0"/>
-          <a:chOff x="0" y="0"/>
-          <a:chExt cx="0" cy="0"/>
-        </a:xfrm>
-      </p:grpSpPr>
-      <p:sp>
-        <p:nvSpPr>
-          <p:cNvPr id="2" name="标题 1"/>
-          <p:cNvSpPr>
-            <a:spLocks noGrp="1"/>
-          </p:cNvSpPr>
-          <p:nvPr>
-            <p:ph type="title"/>
-          </p:nvPr>
-        </p:nvSpPr>
-        <p:spPr/>
-        <p:txBody>
-          <a:bodyPr/>
-          <a:lstStyle/>
-          <a:p>
-            <a:r>
-              <a:rPr lang="en-US" altLang="zh-CN" dirty="0"/>
-              <a:t>Trace</a:t>
-            </a:r>
-            <a:r>
-              <a:rPr lang="zh-CN" altLang="en-US" dirty="0"/>
-              <a:t>跟踪参数</a:t>
-            </a:r>
-          </a:p>
-        </p:txBody>
-      </p:sp>
-      <p:sp>
-        <p:nvSpPr>
-          <p:cNvPr id="3" name="内容占位符 2"/>
-          <p:cNvSpPr>
-            <a:spLocks noGrp="1"/>
-          </p:cNvSpPr>
-          <p:nvPr>
-            <p:ph idx="1"/>
-          </p:nvPr>
-        </p:nvSpPr>
-        <p:spPr/>
-        <p:txBody>
-          <a:bodyPr/>
-          <a:lstStyle/>
-          <a:p>
-            <a:r>
               <a:rPr lang="en-US" altLang="zh-CN" sz="1600" dirty="0"/>
               <a:t>-XX:+</a:t>
             </a:r>
@@ -14203,6 +12796,7 @@
               <a:rPr lang="en-US" altLang="zh-CN" sz="1400" dirty="0"/>
               <a:t>Heap</a:t>
             </a:r>
+            <a:endParaRPr lang="en-US" altLang="zh-CN" sz="1400" dirty="0"/>
           </a:p>
           <a:p>
             <a:pPr lvl="1"/>
@@ -14218,6 +12812,7 @@
               <a:rPr lang="en-US" altLang="zh-CN" sz="1400" dirty="0"/>
               <a:t> new generation   total 13824K, used 11223K [0x27e80000, 0x28d80000, 0x28d80000)</a:t>
             </a:r>
+            <a:endParaRPr lang="en-US" altLang="zh-CN" sz="1400" dirty="0"/>
           </a:p>
           <a:p>
             <a:pPr lvl="1"/>
@@ -14233,6 +12828,7 @@
               <a:rPr lang="en-US" altLang="zh-CN" sz="1400" dirty="0"/>
               <a:t> space 12288K,  91% used [0x27e80000, 0x28975f20, 0x28a80000)</a:t>
             </a:r>
+            <a:endParaRPr lang="en-US" altLang="zh-CN" sz="1400" dirty="0"/>
           </a:p>
           <a:p>
             <a:pPr lvl="1"/>
@@ -14240,6 +12836,7 @@
               <a:rPr lang="en-US" altLang="zh-CN" sz="1400" dirty="0"/>
               <a:t>  from space 1536K,   0% used [0x28a80000, 0x28a80000, 0x28c00000)</a:t>
             </a:r>
+            <a:endParaRPr lang="en-US" altLang="zh-CN" sz="1400" dirty="0"/>
           </a:p>
           <a:p>
             <a:pPr lvl="1"/>
@@ -14247,6 +12844,7 @@
               <a:rPr lang="en-US" altLang="zh-CN" sz="1400" dirty="0"/>
               <a:t>  to   space 1536K,   0% used [0x28c00000, 0x28c00000, 0x28d80000)</a:t>
             </a:r>
+            <a:endParaRPr lang="en-US" altLang="zh-CN" sz="1400" dirty="0"/>
           </a:p>
           <a:p>
             <a:pPr lvl="1"/>
@@ -14254,6 +12852,7 @@
               <a:rPr lang="en-US" altLang="zh-CN" sz="1400" dirty="0"/>
               <a:t> tenured generation   total 5120K, used 0K [0x28d80000, 0x29280000, 0x34680000)</a:t>
             </a:r>
+            <a:endParaRPr lang="en-US" altLang="zh-CN" sz="1400" dirty="0"/>
           </a:p>
           <a:p>
             <a:pPr lvl="1"/>
@@ -14261,6 +12860,7 @@
               <a:rPr lang="en-US" altLang="zh-CN" sz="1400" dirty="0"/>
               <a:t>   the space 5120K,   0% used [0x28d80000, 0x28d80000, 0x28d80200, 0x29280000)</a:t>
             </a:r>
+            <a:endParaRPr lang="en-US" altLang="zh-CN" sz="1400" dirty="0"/>
           </a:p>
           <a:p>
             <a:pPr lvl="1"/>
@@ -14268,6 +12868,7 @@
               <a:rPr lang="en-US" altLang="zh-CN" sz="1400" dirty="0"/>
               <a:t> compacting perm gen  total 12288K, used 142K [0x34680000, 0x35280000, 0x38680000)</a:t>
             </a:r>
+            <a:endParaRPr lang="en-US" altLang="zh-CN" sz="1400" dirty="0"/>
           </a:p>
           <a:p>
             <a:pPr lvl="1"/>
@@ -14275,6 +12876,7 @@
               <a:rPr lang="en-US" altLang="zh-CN" sz="1400" dirty="0"/>
               <a:t>   the space 12288K,   1% used [0x34680000, 0x346a3a90, 0x346a3c00, 0x35280000)</a:t>
             </a:r>
+            <a:endParaRPr lang="en-US" altLang="zh-CN" sz="1400" dirty="0"/>
           </a:p>
           <a:p>
             <a:pPr lvl="1"/>
@@ -14290,6 +12892,7 @@
               <a:rPr lang="en-US" altLang="zh-CN" sz="1400" dirty="0"/>
               <a:t> space 10240K,  44% used [0x38680000, 0x38af73f0, 0x38af7400, 0x39080000)</a:t>
             </a:r>
+            <a:endParaRPr lang="en-US" altLang="zh-CN" sz="1400" dirty="0"/>
           </a:p>
           <a:p>
             <a:pPr lvl="1"/>
@@ -14568,11 +13171,6 @@
         </p:txBody>
       </p:sp>
     </p:spTree>
-    <p:extLst>
-      <p:ext uri="{BB962C8B-B14F-4D97-AF65-F5344CB8AC3E}">
-        <p14:creationId xmlns:p14="http://schemas.microsoft.com/office/powerpoint/2010/main" val="3928591662"/>
-      </p:ext>
-    </p:extLst>
   </p:cSld>
   <p:clrMapOvr>
     <a:masterClrMapping/>
@@ -14918,7 +13516,7 @@
 </p:sld>
 </file>
 
-<file path=ppt/slides/slide7.xml><?xml version="1.0" encoding="utf-8"?>
+<file path=ppt/slides/slide5.xml><?xml version="1.0" encoding="utf-8"?>
 <p:sld xmlns:a="http://schemas.openxmlformats.org/drawingml/2006/main" xmlns:r="http://schemas.openxmlformats.org/officeDocument/2006/relationships" xmlns:p="http://schemas.openxmlformats.org/presentationml/2006/main">
   <p:cSld>
     <p:spTree>
@@ -14958,6 +13556,7 @@
               <a:rPr lang="zh-CN" altLang="en-US" dirty="0"/>
               <a:t>跟踪参数</a:t>
             </a:r>
+            <a:endParaRPr lang="zh-CN" altLang="en-US" dirty="0"/>
           </a:p>
         </p:txBody>
       </p:sp>
@@ -14988,6 +13587,7 @@
               <a:rPr lang="en-US" altLang="zh-CN" dirty="0" smtClean="0"/>
               <a:t>/gc.log</a:t>
             </a:r>
+            <a:endParaRPr lang="en-US" altLang="zh-CN" dirty="0" smtClean="0"/>
           </a:p>
           <a:p>
             <a:pPr lvl="1"/>
@@ -15028,7 +13628,7 @@
           <p:nvPr/>
         </p:nvPicPr>
         <p:blipFill>
-          <a:blip r:embed="rId3">
+          <a:blip r:embed="rId1">
             <a:extLst>
               <a:ext uri="{28A0092B-C50C-407E-A947-70E740481C1C}">
                 <a14:useLocalDpi xmlns:a14="http://schemas.microsoft.com/office/drawing/2010/main" val="0"/>
@@ -15084,11 +13684,618 @@
         </p:spPr>
       </p:pic>
     </p:spTree>
-    <p:extLst>
-      <p:ext uri="{BB962C8B-B14F-4D97-AF65-F5344CB8AC3E}">
-        <p14:creationId xmlns:p14="http://schemas.microsoft.com/office/powerpoint/2010/main" val="73779486"/>
-      </p:ext>
-    </p:extLst>
+  </p:cSld>
+  <p:clrMapOvr>
+    <a:masterClrMapping/>
+  </p:clrMapOvr>
+  <p:timing>
+    <p:tnLst>
+      <p:par>
+        <p:cTn id="1" dur="indefinite" restart="never" nodeType="tmRoot"/>
+      </p:par>
+    </p:tnLst>
+  </p:timing>
+</p:sld>
+</file>
+
+<file path=ppt/slides/slide6.xml><?xml version="1.0" encoding="utf-8"?>
+<p:sld xmlns:a="http://schemas.openxmlformats.org/drawingml/2006/main" xmlns:r="http://schemas.openxmlformats.org/officeDocument/2006/relationships" xmlns:p="http://schemas.openxmlformats.org/presentationml/2006/main">
+  <p:cSld>
+    <p:spTree>
+      <p:nvGrpSpPr>
+        <p:cNvPr id="1" name=""/>
+        <p:cNvGrpSpPr/>
+        <p:nvPr/>
+      </p:nvGrpSpPr>
+      <p:grpSpPr>
+        <a:xfrm>
+          <a:off x="0" y="0"/>
+          <a:ext cx="0" cy="0"/>
+          <a:chOff x="0" y="0"/>
+          <a:chExt cx="0" cy="0"/>
+        </a:xfrm>
+      </p:grpSpPr>
+      <p:sp>
+        <p:nvSpPr>
+          <p:cNvPr id="2" name="标题 1"/>
+          <p:cNvSpPr>
+            <a:spLocks noGrp="1"/>
+          </p:cNvSpPr>
+          <p:nvPr>
+            <p:ph type="title"/>
+          </p:nvPr>
+        </p:nvSpPr>
+        <p:spPr/>
+        <p:txBody>
+          <a:bodyPr/>
+          <a:lstStyle/>
+          <a:p>
+            <a:r>
+              <a:rPr lang="en-US" altLang="zh-CN" dirty="0"/>
+              <a:t>Trace</a:t>
+            </a:r>
+            <a:r>
+              <a:rPr lang="zh-CN" altLang="en-US" dirty="0"/>
+              <a:t>跟踪参数</a:t>
+            </a:r>
+            <a:endParaRPr lang="zh-CN" altLang="en-US" dirty="0"/>
+          </a:p>
+        </p:txBody>
+      </p:sp>
+      <p:sp>
+        <p:nvSpPr>
+          <p:cNvPr id="4" name="TextBox 3"/>
+          <p:cNvSpPr txBox="1"/>
+          <p:nvPr/>
+        </p:nvSpPr>
+        <p:spPr>
+          <a:xfrm>
+            <a:off x="413718" y="1125538"/>
+            <a:ext cx="11609204" cy="5262979"/>
+          </a:xfrm>
+          <a:prstGeom prst="rect">
+            <a:avLst/>
+          </a:prstGeom>
+          <a:noFill/>
+        </p:spPr>
+        <p:txBody>
+          <a:bodyPr wrap="none" rtlCol="0">
+            <a:spAutoFit/>
+          </a:bodyPr>
+          <a:lstStyle/>
+          <a:p>
+            <a:r>
+              <a:rPr lang="en-US" altLang="zh-CN" sz="1400" dirty="0"/>
+              <a:t>{Heap before GC invocations=0 (full 0):</a:t>
+            </a:r>
+            <a:endParaRPr lang="en-US" altLang="zh-CN" sz="1400" dirty="0"/>
+          </a:p>
+          <a:p>
+            <a:r>
+              <a:rPr lang="en-US" altLang="zh-CN" sz="1400" dirty="0"/>
+              <a:t> </a:t>
+            </a:r>
+            <a:r>
+              <a:rPr lang="en-US" altLang="zh-CN" sz="1400" dirty="0" err="1"/>
+              <a:t>def</a:t>
+            </a:r>
+            <a:r>
+              <a:rPr lang="en-US" altLang="zh-CN" sz="1400" dirty="0"/>
+              <a:t> new generation   total 3072K, used 2752K [0x33c80000, 0x33fd0000, 0x33fd0000)</a:t>
+            </a:r>
+            <a:endParaRPr lang="en-US" altLang="zh-CN" sz="1400" dirty="0"/>
+          </a:p>
+          <a:p>
+            <a:r>
+              <a:rPr lang="en-US" altLang="zh-CN" sz="1400" dirty="0"/>
+              <a:t>  </a:t>
+            </a:r>
+            <a:r>
+              <a:rPr lang="en-US" altLang="zh-CN" sz="1400" dirty="0" err="1"/>
+              <a:t>eden</a:t>
+            </a:r>
+            <a:r>
+              <a:rPr lang="en-US" altLang="zh-CN" sz="1400" dirty="0"/>
+              <a:t> space 2752K, 100% used [0x33c80000, 0x33f30000, 0x33f30000)</a:t>
+            </a:r>
+            <a:endParaRPr lang="en-US" altLang="zh-CN" sz="1400" dirty="0"/>
+          </a:p>
+          <a:p>
+            <a:r>
+              <a:rPr lang="en-US" altLang="zh-CN" sz="1400" dirty="0"/>
+              <a:t>  from space 320K,   0% used [0x33f30000, 0x33f30000, 0x33f80000)</a:t>
+            </a:r>
+            <a:endParaRPr lang="en-US" altLang="zh-CN" sz="1400" dirty="0"/>
+          </a:p>
+          <a:p>
+            <a:r>
+              <a:rPr lang="en-US" altLang="zh-CN" sz="1400" dirty="0"/>
+              <a:t>  to   space 320K,   0% used [0x33f80000, 0x33f80000, 0x33fd0000)</a:t>
+            </a:r>
+            <a:endParaRPr lang="en-US" altLang="zh-CN" sz="1400" dirty="0"/>
+          </a:p>
+          <a:p>
+            <a:r>
+              <a:rPr lang="en-US" altLang="zh-CN" sz="1400" dirty="0"/>
+              <a:t> tenured generation   total 6848K, used 0K [0x33fd0000, 0x34680000, 0x34680000)</a:t>
+            </a:r>
+            <a:endParaRPr lang="en-US" altLang="zh-CN" sz="1400" dirty="0"/>
+          </a:p>
+          <a:p>
+            <a:r>
+              <a:rPr lang="en-US" altLang="zh-CN" sz="1400" dirty="0"/>
+              <a:t>   the space 6848K,   0% used [0x33fd0000, 0x33fd0000, 0x33fd0200, 0x34680000)</a:t>
+            </a:r>
+            <a:endParaRPr lang="en-US" altLang="zh-CN" sz="1400" dirty="0"/>
+          </a:p>
+          <a:p>
+            <a:r>
+              <a:rPr lang="en-US" altLang="zh-CN" sz="1400" dirty="0"/>
+              <a:t> compacting perm gen  total 12288K, used 143K [0x34680000, 0x35280000, 0x38680000)</a:t>
+            </a:r>
+            <a:endParaRPr lang="en-US" altLang="zh-CN" sz="1400" dirty="0"/>
+          </a:p>
+          <a:p>
+            <a:r>
+              <a:rPr lang="en-US" altLang="zh-CN" sz="1400" dirty="0"/>
+              <a:t>   the space 12288K,   1% used [0x34680000, 0x346a3c58, 0x346a3e00, 0x35280000)</a:t>
+            </a:r>
+            <a:endParaRPr lang="en-US" altLang="zh-CN" sz="1400" dirty="0"/>
+          </a:p>
+          <a:p>
+            <a:r>
+              <a:rPr lang="en-US" altLang="zh-CN" sz="1400" dirty="0"/>
+              <a:t>    </a:t>
+            </a:r>
+            <a:r>
+              <a:rPr lang="en-US" altLang="zh-CN" sz="1400" dirty="0" err="1"/>
+              <a:t>ro</a:t>
+            </a:r>
+            <a:r>
+              <a:rPr lang="en-US" altLang="zh-CN" sz="1400" dirty="0"/>
+              <a:t> space 10240K,  44% used [0x38680000, 0x38af73f0, 0x38af7400, 0x39080000)</a:t>
+            </a:r>
+            <a:endParaRPr lang="en-US" altLang="zh-CN" sz="1400" dirty="0"/>
+          </a:p>
+          <a:p>
+            <a:r>
+              <a:rPr lang="en-US" altLang="zh-CN" sz="1400" dirty="0"/>
+              <a:t>    </a:t>
+            </a:r>
+            <a:r>
+              <a:rPr lang="en-US" altLang="zh-CN" sz="1400" dirty="0" err="1"/>
+              <a:t>rw</a:t>
+            </a:r>
+            <a:r>
+              <a:rPr lang="en-US" altLang="zh-CN" sz="1400" dirty="0"/>
+              <a:t> space 12288K,  52% used [0x39080000, 0x396cdd28, 0x396cde00, 0x39c80000)</a:t>
+            </a:r>
+            <a:endParaRPr lang="en-US" altLang="zh-CN" sz="1400" dirty="0"/>
+          </a:p>
+          <a:p>
+            <a:r>
+              <a:rPr lang="en-US" altLang="zh-CN" sz="1400" b="1" dirty="0"/>
+              <a:t>[GC[</a:t>
+            </a:r>
+            <a:r>
+              <a:rPr lang="en-US" altLang="zh-CN" sz="1400" b="1" dirty="0" err="1"/>
+              <a:t>DefNew</a:t>
+            </a:r>
+            <a:r>
+              <a:rPr lang="en-US" altLang="zh-CN" sz="1400" b="1" dirty="0"/>
+              <a:t>: 2752K-&gt;320K(3072K), 0.0014296 </a:t>
+            </a:r>
+            <a:r>
+              <a:rPr lang="en-US" altLang="zh-CN" sz="1400" b="1" dirty="0" err="1"/>
+              <a:t>secs</a:t>
+            </a:r>
+            <a:r>
+              <a:rPr lang="en-US" altLang="zh-CN" sz="1400" b="1" dirty="0"/>
+              <a:t>] 2752K-&gt;377K(9920K), 0.0014604 </a:t>
+            </a:r>
+            <a:r>
+              <a:rPr lang="en-US" altLang="zh-CN" sz="1400" b="1" dirty="0" err="1"/>
+              <a:t>secs</a:t>
+            </a:r>
+            <a:r>
+              <a:rPr lang="en-US" altLang="zh-CN" sz="1400" b="1" dirty="0"/>
+              <a:t>] [Times: user=0.00 sys=0.00, real=0.00 </a:t>
+            </a:r>
+            <a:r>
+              <a:rPr lang="en-US" altLang="zh-CN" sz="1400" b="1" dirty="0" err="1"/>
+              <a:t>secs</a:t>
+            </a:r>
+            <a:r>
+              <a:rPr lang="en-US" altLang="zh-CN" sz="1400" b="1" dirty="0"/>
+              <a:t>] </a:t>
+            </a:r>
+            <a:endParaRPr lang="en-US" altLang="zh-CN" sz="1400" b="1" dirty="0"/>
+          </a:p>
+          <a:p>
+            <a:r>
+              <a:rPr lang="en-US" altLang="zh-CN" sz="1400" dirty="0"/>
+              <a:t>Heap after GC invocations=1 (full 0):</a:t>
+            </a:r>
+            <a:endParaRPr lang="en-US" altLang="zh-CN" sz="1400" dirty="0"/>
+          </a:p>
+          <a:p>
+            <a:r>
+              <a:rPr lang="en-US" altLang="zh-CN" sz="1400" dirty="0"/>
+              <a:t> </a:t>
+            </a:r>
+            <a:r>
+              <a:rPr lang="en-US" altLang="zh-CN" sz="1400" dirty="0" err="1"/>
+              <a:t>def</a:t>
+            </a:r>
+            <a:r>
+              <a:rPr lang="en-US" altLang="zh-CN" sz="1400" dirty="0"/>
+              <a:t> new generation   total 3072K, used 320K [0x33c80000, 0x33fd0000, 0x33fd0000)</a:t>
+            </a:r>
+            <a:endParaRPr lang="en-US" altLang="zh-CN" sz="1400" dirty="0"/>
+          </a:p>
+          <a:p>
+            <a:r>
+              <a:rPr lang="en-US" altLang="zh-CN" sz="1400" dirty="0"/>
+              <a:t>  </a:t>
+            </a:r>
+            <a:r>
+              <a:rPr lang="en-US" altLang="zh-CN" sz="1400" dirty="0" err="1"/>
+              <a:t>eden</a:t>
+            </a:r>
+            <a:r>
+              <a:rPr lang="en-US" altLang="zh-CN" sz="1400" dirty="0"/>
+              <a:t> space 2752K,   0% used [0x33c80000, 0x33c80000, 0x33f30000)</a:t>
+            </a:r>
+            <a:endParaRPr lang="en-US" altLang="zh-CN" sz="1400" dirty="0"/>
+          </a:p>
+          <a:p>
+            <a:r>
+              <a:rPr lang="en-US" altLang="zh-CN" sz="1400" dirty="0"/>
+              <a:t>  from space 320K, 100% used [0x33f80000, 0x33fd0000, 0x33fd0000)</a:t>
+            </a:r>
+            <a:endParaRPr lang="en-US" altLang="zh-CN" sz="1400" dirty="0"/>
+          </a:p>
+          <a:p>
+            <a:r>
+              <a:rPr lang="en-US" altLang="zh-CN" sz="1400" dirty="0"/>
+              <a:t>  to   space 320K,   0% used [0x33f30000, 0x33f30000, 0x33f80000)</a:t>
+            </a:r>
+            <a:endParaRPr lang="en-US" altLang="zh-CN" sz="1400" dirty="0"/>
+          </a:p>
+          <a:p>
+            <a:r>
+              <a:rPr lang="en-US" altLang="zh-CN" sz="1400" dirty="0"/>
+              <a:t> tenured generation   total 6848K, used 57K [0x33fd0000, 0x34680000, 0x34680000)</a:t>
+            </a:r>
+            <a:endParaRPr lang="en-US" altLang="zh-CN" sz="1400" dirty="0"/>
+          </a:p>
+          <a:p>
+            <a:r>
+              <a:rPr lang="en-US" altLang="zh-CN" sz="1400" dirty="0"/>
+              <a:t>   the space 6848K,   0% used [0x33fd0000, 0x33fde458, 0x33fde600, 0x34680000)</a:t>
+            </a:r>
+            <a:endParaRPr lang="en-US" altLang="zh-CN" sz="1400" dirty="0"/>
+          </a:p>
+          <a:p>
+            <a:r>
+              <a:rPr lang="en-US" altLang="zh-CN" sz="1400" dirty="0"/>
+              <a:t> compacting perm gen  total 12288K, used 143K [0x34680000, 0x35280000, 0x38680000)</a:t>
+            </a:r>
+            <a:endParaRPr lang="en-US" altLang="zh-CN" sz="1400" dirty="0"/>
+          </a:p>
+          <a:p>
+            <a:r>
+              <a:rPr lang="en-US" altLang="zh-CN" sz="1400" dirty="0"/>
+              <a:t>   the space 12288K,   1% used [0x34680000, 0x346a3c58, 0x346a3e00, 0x35280000)</a:t>
+            </a:r>
+            <a:endParaRPr lang="en-US" altLang="zh-CN" sz="1400" dirty="0"/>
+          </a:p>
+          <a:p>
+            <a:r>
+              <a:rPr lang="en-US" altLang="zh-CN" sz="1400" dirty="0"/>
+              <a:t>    </a:t>
+            </a:r>
+            <a:r>
+              <a:rPr lang="en-US" altLang="zh-CN" sz="1400" dirty="0" err="1"/>
+              <a:t>ro</a:t>
+            </a:r>
+            <a:r>
+              <a:rPr lang="en-US" altLang="zh-CN" sz="1400" dirty="0"/>
+              <a:t> space 10240K,  44% used [0x38680000, 0x38af73f0, 0x38af7400, 0x39080000)</a:t>
+            </a:r>
+            <a:endParaRPr lang="en-US" altLang="zh-CN" sz="1400" dirty="0"/>
+          </a:p>
+          <a:p>
+            <a:r>
+              <a:rPr lang="en-US" altLang="zh-CN" sz="1400" dirty="0"/>
+              <a:t>    </a:t>
+            </a:r>
+            <a:r>
+              <a:rPr lang="en-US" altLang="zh-CN" sz="1400" dirty="0" err="1"/>
+              <a:t>rw</a:t>
+            </a:r>
+            <a:r>
+              <a:rPr lang="en-US" altLang="zh-CN" sz="1400" dirty="0"/>
+              <a:t> space 12288K,  52% used [0x39080000, 0x396cdd28, 0x396cde00, 0x39c80000)</a:t>
+            </a:r>
+            <a:endParaRPr lang="en-US" altLang="zh-CN" sz="1400" dirty="0"/>
+          </a:p>
+          <a:p>
+            <a:r>
+              <a:rPr lang="en-US" altLang="zh-CN" sz="1400" dirty="0"/>
+              <a:t>}</a:t>
+            </a:r>
+            <a:endParaRPr lang="zh-CN" altLang="en-US" sz="1400" dirty="0"/>
+          </a:p>
+        </p:txBody>
+      </p:sp>
+      <p:sp>
+        <p:nvSpPr>
+          <p:cNvPr id="3" name="内容占位符 2"/>
+          <p:cNvSpPr>
+            <a:spLocks noGrp="1"/>
+          </p:cNvSpPr>
+          <p:nvPr>
+            <p:ph idx="1"/>
+          </p:nvPr>
+        </p:nvSpPr>
+        <p:spPr>
+          <a:xfrm>
+            <a:off x="7326486" y="1269554"/>
+            <a:ext cx="4536504" cy="1008111"/>
+          </a:xfrm>
+        </p:spPr>
+        <p:txBody>
+          <a:bodyPr/>
+          <a:lstStyle/>
+          <a:p>
+            <a:r>
+              <a:rPr lang="en-US" altLang="zh-CN" dirty="0"/>
+              <a:t>-XX</a:t>
+            </a:r>
+            <a:r>
+              <a:rPr lang="en-US" altLang="zh-CN" dirty="0" smtClean="0"/>
+              <a:t>:+</a:t>
+            </a:r>
+            <a:r>
+              <a:rPr lang="en-US" altLang="zh-CN" dirty="0" err="1" smtClean="0"/>
+              <a:t>PrintHeapAtGC</a:t>
+            </a:r>
+            <a:endParaRPr lang="en-US" altLang="zh-CN" dirty="0" smtClean="0"/>
+          </a:p>
+          <a:p>
+            <a:pPr lvl="1"/>
+            <a:r>
+              <a:rPr lang="zh-CN" altLang="en-US" dirty="0"/>
+              <a:t>每次一</a:t>
+            </a:r>
+            <a:r>
+              <a:rPr lang="zh-CN" altLang="en-US" dirty="0" smtClean="0"/>
+              <a:t>次</a:t>
+            </a:r>
+            <a:r>
+              <a:rPr lang="en-US" altLang="zh-CN" dirty="0" smtClean="0"/>
+              <a:t>GC</a:t>
+            </a:r>
+            <a:r>
+              <a:rPr lang="zh-CN" altLang="en-US" dirty="0" smtClean="0"/>
+              <a:t>后，都打印堆信息</a:t>
+            </a:r>
+            <a:endParaRPr lang="en-US" altLang="zh-CN" dirty="0" smtClean="0"/>
+          </a:p>
+          <a:p>
+            <a:pPr lvl="1"/>
+            <a:endParaRPr lang="en-US" altLang="zh-CN" dirty="0" smtClean="0"/>
+          </a:p>
+        </p:txBody>
+      </p:sp>
+    </p:spTree>
+  </p:cSld>
+  <p:clrMapOvr>
+    <a:masterClrMapping/>
+  </p:clrMapOvr>
+  <p:timing>
+    <p:tnLst>
+      <p:par>
+        <p:cTn id="1" dur="indefinite" restart="never" nodeType="tmRoot"/>
+      </p:par>
+    </p:tnLst>
+  </p:timing>
+</p:sld>
+</file>
+
+<file path=ppt/slides/slide7.xml><?xml version="1.0" encoding="utf-8"?>
+<p:sld xmlns:a="http://schemas.openxmlformats.org/drawingml/2006/main" xmlns:r="http://schemas.openxmlformats.org/officeDocument/2006/relationships" xmlns:p="http://schemas.openxmlformats.org/presentationml/2006/main">
+  <p:cSld>
+    <p:spTree>
+      <p:nvGrpSpPr>
+        <p:cNvPr id="1" name=""/>
+        <p:cNvGrpSpPr/>
+        <p:nvPr/>
+      </p:nvGrpSpPr>
+      <p:grpSpPr>
+        <a:xfrm>
+          <a:off x="0" y="0"/>
+          <a:ext cx="0" cy="0"/>
+          <a:chOff x="0" y="0"/>
+          <a:chExt cx="0" cy="0"/>
+        </a:xfrm>
+      </p:grpSpPr>
+      <p:sp>
+        <p:nvSpPr>
+          <p:cNvPr id="2" name="标题 1"/>
+          <p:cNvSpPr>
+            <a:spLocks noGrp="1"/>
+          </p:cNvSpPr>
+          <p:nvPr>
+            <p:ph type="title"/>
+          </p:nvPr>
+        </p:nvSpPr>
+        <p:spPr/>
+        <p:txBody>
+          <a:bodyPr/>
+          <a:lstStyle/>
+          <a:p>
+            <a:r>
+              <a:rPr lang="en-US" altLang="zh-CN" dirty="0"/>
+              <a:t>Trace</a:t>
+            </a:r>
+            <a:r>
+              <a:rPr lang="zh-CN" altLang="en-US" dirty="0"/>
+              <a:t>跟踪参数</a:t>
+            </a:r>
+            <a:endParaRPr lang="zh-CN" altLang="en-US" dirty="0"/>
+          </a:p>
+        </p:txBody>
+      </p:sp>
+      <p:sp>
+        <p:nvSpPr>
+          <p:cNvPr id="3" name="内容占位符 2"/>
+          <p:cNvSpPr>
+            <a:spLocks noGrp="1"/>
+          </p:cNvSpPr>
+          <p:nvPr>
+            <p:ph idx="1"/>
+          </p:nvPr>
+        </p:nvSpPr>
+        <p:spPr/>
+        <p:txBody>
+          <a:bodyPr/>
+          <a:lstStyle/>
+          <a:p>
+            <a:r>
+              <a:rPr lang="en-US" altLang="zh-CN" dirty="0" smtClean="0"/>
+              <a:t>-XX:+</a:t>
+            </a:r>
+            <a:r>
+              <a:rPr lang="en-US" altLang="zh-CN" dirty="0" err="1" smtClean="0"/>
+              <a:t>TraceClassLoading</a:t>
+            </a:r>
+            <a:endParaRPr lang="en-US" altLang="zh-CN" dirty="0" smtClean="0"/>
+          </a:p>
+          <a:p>
+            <a:pPr lvl="1"/>
+            <a:r>
+              <a:rPr lang="zh-CN" altLang="en-US" dirty="0" smtClean="0"/>
+              <a:t>监控类的加载</a:t>
+            </a:r>
+            <a:endParaRPr lang="en-US" altLang="zh-CN" dirty="0" smtClean="0"/>
+          </a:p>
+          <a:p>
+            <a:pPr lvl="2"/>
+            <a:r>
+              <a:rPr lang="en-US" altLang="zh-CN" sz="1500" dirty="0"/>
+              <a:t>[Loaded </a:t>
+            </a:r>
+            <a:r>
+              <a:rPr lang="en-US" altLang="zh-CN" sz="1500" dirty="0" err="1"/>
+              <a:t>java.lang.Object</a:t>
+            </a:r>
+            <a:r>
+              <a:rPr lang="en-US" altLang="zh-CN" sz="1500" dirty="0"/>
+              <a:t> from shared objects file]</a:t>
+            </a:r>
+            <a:endParaRPr lang="en-US" altLang="zh-CN" sz="1500" dirty="0"/>
+          </a:p>
+          <a:p>
+            <a:pPr lvl="2"/>
+            <a:r>
+              <a:rPr lang="en-US" altLang="zh-CN" sz="1500" dirty="0"/>
+              <a:t>[Loaded </a:t>
+            </a:r>
+            <a:r>
+              <a:rPr lang="en-US" altLang="zh-CN" sz="1500" dirty="0" err="1"/>
+              <a:t>java.io.Serializable</a:t>
+            </a:r>
+            <a:r>
+              <a:rPr lang="en-US" altLang="zh-CN" sz="1500" dirty="0"/>
+              <a:t> from shared objects file]</a:t>
+            </a:r>
+            <a:endParaRPr lang="en-US" altLang="zh-CN" sz="1500" dirty="0"/>
+          </a:p>
+          <a:p>
+            <a:pPr lvl="2"/>
+            <a:r>
+              <a:rPr lang="en-US" altLang="zh-CN" sz="1500" dirty="0"/>
+              <a:t>[Loaded </a:t>
+            </a:r>
+            <a:r>
+              <a:rPr lang="en-US" altLang="zh-CN" sz="1500" dirty="0" err="1"/>
+              <a:t>java.lang.Comparable</a:t>
+            </a:r>
+            <a:r>
+              <a:rPr lang="en-US" altLang="zh-CN" sz="1500" dirty="0"/>
+              <a:t> from shared objects file]</a:t>
+            </a:r>
+            <a:endParaRPr lang="en-US" altLang="zh-CN" sz="1500" dirty="0"/>
+          </a:p>
+          <a:p>
+            <a:pPr lvl="2"/>
+            <a:r>
+              <a:rPr lang="en-US" altLang="zh-CN" sz="1500" dirty="0"/>
+              <a:t>[Loaded </a:t>
+            </a:r>
+            <a:r>
+              <a:rPr lang="en-US" altLang="zh-CN" sz="1500" dirty="0" err="1"/>
+              <a:t>java.lang.CharSequence</a:t>
+            </a:r>
+            <a:r>
+              <a:rPr lang="en-US" altLang="zh-CN" sz="1500" dirty="0"/>
+              <a:t> from shared objects file]</a:t>
+            </a:r>
+            <a:endParaRPr lang="en-US" altLang="zh-CN" sz="1500" dirty="0"/>
+          </a:p>
+          <a:p>
+            <a:pPr lvl="2"/>
+            <a:r>
+              <a:rPr lang="en-US" altLang="zh-CN" sz="1500" dirty="0"/>
+              <a:t>[Loaded </a:t>
+            </a:r>
+            <a:r>
+              <a:rPr lang="en-US" altLang="zh-CN" sz="1500" dirty="0" err="1"/>
+              <a:t>java.lang.String</a:t>
+            </a:r>
+            <a:r>
+              <a:rPr lang="en-US" altLang="zh-CN" sz="1500" dirty="0"/>
+              <a:t> from shared objects file]</a:t>
+            </a:r>
+            <a:endParaRPr lang="en-US" altLang="zh-CN" sz="1500" dirty="0"/>
+          </a:p>
+          <a:p>
+            <a:pPr lvl="2"/>
+            <a:r>
+              <a:rPr lang="en-US" altLang="zh-CN" sz="1500" dirty="0"/>
+              <a:t>[Loaded </a:t>
+            </a:r>
+            <a:r>
+              <a:rPr lang="en-US" altLang="zh-CN" sz="1500" dirty="0" err="1"/>
+              <a:t>java.lang.reflect.GenericDeclaration</a:t>
+            </a:r>
+            <a:r>
+              <a:rPr lang="en-US" altLang="zh-CN" sz="1500" dirty="0"/>
+              <a:t> from shared objects file]</a:t>
+            </a:r>
+            <a:endParaRPr lang="en-US" altLang="zh-CN" sz="1500" dirty="0"/>
+          </a:p>
+          <a:p>
+            <a:pPr lvl="2"/>
+            <a:r>
+              <a:rPr lang="en-US" altLang="zh-CN" sz="1500" dirty="0"/>
+              <a:t>[Loaded </a:t>
+            </a:r>
+            <a:r>
+              <a:rPr lang="en-US" altLang="zh-CN" sz="1500" dirty="0" err="1"/>
+              <a:t>java.lang.reflect.Type</a:t>
+            </a:r>
+            <a:r>
+              <a:rPr lang="en-US" altLang="zh-CN" sz="1500" dirty="0"/>
+              <a:t> from shared objects file]</a:t>
+            </a:r>
+            <a:endParaRPr lang="zh-CN" altLang="en-US" dirty="0"/>
+          </a:p>
+        </p:txBody>
+      </p:sp>
+    </p:spTree>
   </p:cSld>
   <p:clrMapOvr>
     <a:masterClrMapping/>
@@ -15143,270 +14350,7 @@
               <a:rPr lang="zh-CN" altLang="en-US" dirty="0"/>
               <a:t>跟踪参数</a:t>
             </a:r>
-          </a:p>
-        </p:txBody>
-      </p:sp>
-      <p:sp>
-        <p:nvSpPr>
-          <p:cNvPr id="4" name="TextBox 3"/>
-          <p:cNvSpPr txBox="1"/>
-          <p:nvPr/>
-        </p:nvSpPr>
-        <p:spPr>
-          <a:xfrm>
-            <a:off x="413718" y="1125538"/>
-            <a:ext cx="11609204" cy="5262979"/>
-          </a:xfrm>
-          <a:prstGeom prst="rect">
-            <a:avLst/>
-          </a:prstGeom>
-          <a:noFill/>
-        </p:spPr>
-        <p:txBody>
-          <a:bodyPr wrap="none" rtlCol="0">
-            <a:spAutoFit/>
-          </a:bodyPr>
-          <a:lstStyle/>
-          <a:p>
-            <a:r>
-              <a:rPr lang="en-US" altLang="zh-CN" sz="1400" dirty="0"/>
-              <a:t>{Heap before GC invocations=0 (full 0):</a:t>
-            </a:r>
-          </a:p>
-          <a:p>
-            <a:r>
-              <a:rPr lang="en-US" altLang="zh-CN" sz="1400" dirty="0"/>
-              <a:t> </a:t>
-            </a:r>
-            <a:r>
-              <a:rPr lang="en-US" altLang="zh-CN" sz="1400" dirty="0" err="1"/>
-              <a:t>def</a:t>
-            </a:r>
-            <a:r>
-              <a:rPr lang="en-US" altLang="zh-CN" sz="1400" dirty="0"/>
-              <a:t> new generation   total 3072K, used 2752K [0x33c80000, 0x33fd0000, 0x33fd0000)</a:t>
-            </a:r>
-          </a:p>
-          <a:p>
-            <a:r>
-              <a:rPr lang="en-US" altLang="zh-CN" sz="1400" dirty="0"/>
-              <a:t>  </a:t>
-            </a:r>
-            <a:r>
-              <a:rPr lang="en-US" altLang="zh-CN" sz="1400" dirty="0" err="1"/>
-              <a:t>eden</a:t>
-            </a:r>
-            <a:r>
-              <a:rPr lang="en-US" altLang="zh-CN" sz="1400" dirty="0"/>
-              <a:t> space 2752K, 100% used [0x33c80000, 0x33f30000, 0x33f30000)</a:t>
-            </a:r>
-          </a:p>
-          <a:p>
-            <a:r>
-              <a:rPr lang="en-US" altLang="zh-CN" sz="1400" dirty="0"/>
-              <a:t>  from space 320K,   0% used [0x33f30000, 0x33f30000, 0x33f80000)</a:t>
-            </a:r>
-          </a:p>
-          <a:p>
-            <a:r>
-              <a:rPr lang="en-US" altLang="zh-CN" sz="1400" dirty="0"/>
-              <a:t>  to   space 320K,   0% used [0x33f80000, 0x33f80000, 0x33fd0000)</a:t>
-            </a:r>
-          </a:p>
-          <a:p>
-            <a:r>
-              <a:rPr lang="en-US" altLang="zh-CN" sz="1400" dirty="0"/>
-              <a:t> tenured generation   total 6848K, used 0K [0x33fd0000, 0x34680000, 0x34680000)</a:t>
-            </a:r>
-          </a:p>
-          <a:p>
-            <a:r>
-              <a:rPr lang="en-US" altLang="zh-CN" sz="1400" dirty="0"/>
-              <a:t>   the space 6848K,   0% used [0x33fd0000, 0x33fd0000, 0x33fd0200, 0x34680000)</a:t>
-            </a:r>
-          </a:p>
-          <a:p>
-            <a:r>
-              <a:rPr lang="en-US" altLang="zh-CN" sz="1400" dirty="0"/>
-              <a:t> compacting perm gen  total 12288K, used 143K [0x34680000, 0x35280000, 0x38680000)</a:t>
-            </a:r>
-          </a:p>
-          <a:p>
-            <a:r>
-              <a:rPr lang="en-US" altLang="zh-CN" sz="1400" dirty="0"/>
-              <a:t>   the space 12288K,   1% used [0x34680000, 0x346a3c58, 0x346a3e00, 0x35280000)</a:t>
-            </a:r>
-          </a:p>
-          <a:p>
-            <a:r>
-              <a:rPr lang="en-US" altLang="zh-CN" sz="1400" dirty="0"/>
-              <a:t>    </a:t>
-            </a:r>
-            <a:r>
-              <a:rPr lang="en-US" altLang="zh-CN" sz="1400" dirty="0" err="1"/>
-              <a:t>ro</a:t>
-            </a:r>
-            <a:r>
-              <a:rPr lang="en-US" altLang="zh-CN" sz="1400" dirty="0"/>
-              <a:t> space 10240K,  44% used [0x38680000, 0x38af73f0, 0x38af7400, 0x39080000)</a:t>
-            </a:r>
-          </a:p>
-          <a:p>
-            <a:r>
-              <a:rPr lang="en-US" altLang="zh-CN" sz="1400" dirty="0"/>
-              <a:t>    </a:t>
-            </a:r>
-            <a:r>
-              <a:rPr lang="en-US" altLang="zh-CN" sz="1400" dirty="0" err="1"/>
-              <a:t>rw</a:t>
-            </a:r>
-            <a:r>
-              <a:rPr lang="en-US" altLang="zh-CN" sz="1400" dirty="0"/>
-              <a:t> space 12288K,  52% used [0x39080000, 0x396cdd28, 0x396cde00, 0x39c80000)</a:t>
-            </a:r>
-          </a:p>
-          <a:p>
-            <a:r>
-              <a:rPr lang="en-US" altLang="zh-CN" sz="1400" b="1" dirty="0"/>
-              <a:t>[GC[</a:t>
-            </a:r>
-            <a:r>
-              <a:rPr lang="en-US" altLang="zh-CN" sz="1400" b="1" dirty="0" err="1"/>
-              <a:t>DefNew</a:t>
-            </a:r>
-            <a:r>
-              <a:rPr lang="en-US" altLang="zh-CN" sz="1400" b="1" dirty="0"/>
-              <a:t>: 2752K-&gt;320K(3072K), 0.0014296 </a:t>
-            </a:r>
-            <a:r>
-              <a:rPr lang="en-US" altLang="zh-CN" sz="1400" b="1" dirty="0" err="1"/>
-              <a:t>secs</a:t>
-            </a:r>
-            <a:r>
-              <a:rPr lang="en-US" altLang="zh-CN" sz="1400" b="1" dirty="0"/>
-              <a:t>] 2752K-&gt;377K(9920K), 0.0014604 </a:t>
-            </a:r>
-            <a:r>
-              <a:rPr lang="en-US" altLang="zh-CN" sz="1400" b="1" dirty="0" err="1"/>
-              <a:t>secs</a:t>
-            </a:r>
-            <a:r>
-              <a:rPr lang="en-US" altLang="zh-CN" sz="1400" b="1" dirty="0"/>
-              <a:t>] [Times: user=0.00 sys=0.00, real=0.00 </a:t>
-            </a:r>
-            <a:r>
-              <a:rPr lang="en-US" altLang="zh-CN" sz="1400" b="1" dirty="0" err="1"/>
-              <a:t>secs</a:t>
-            </a:r>
-            <a:r>
-              <a:rPr lang="en-US" altLang="zh-CN" sz="1400" b="1" dirty="0"/>
-              <a:t>] </a:t>
-            </a:r>
-          </a:p>
-          <a:p>
-            <a:r>
-              <a:rPr lang="en-US" altLang="zh-CN" sz="1400" dirty="0"/>
-              <a:t>Heap after GC invocations=1 (full 0):</a:t>
-            </a:r>
-          </a:p>
-          <a:p>
-            <a:r>
-              <a:rPr lang="en-US" altLang="zh-CN" sz="1400" dirty="0"/>
-              <a:t> </a:t>
-            </a:r>
-            <a:r>
-              <a:rPr lang="en-US" altLang="zh-CN" sz="1400" dirty="0" err="1"/>
-              <a:t>def</a:t>
-            </a:r>
-            <a:r>
-              <a:rPr lang="en-US" altLang="zh-CN" sz="1400" dirty="0"/>
-              <a:t> new generation   total 3072K, used 320K [0x33c80000, 0x33fd0000, 0x33fd0000)</a:t>
-            </a:r>
-          </a:p>
-          <a:p>
-            <a:r>
-              <a:rPr lang="en-US" altLang="zh-CN" sz="1400" dirty="0"/>
-              <a:t>  </a:t>
-            </a:r>
-            <a:r>
-              <a:rPr lang="en-US" altLang="zh-CN" sz="1400" dirty="0" err="1"/>
-              <a:t>eden</a:t>
-            </a:r>
-            <a:r>
-              <a:rPr lang="en-US" altLang="zh-CN" sz="1400" dirty="0"/>
-              <a:t> space 2752K,   0% used [0x33c80000, 0x33c80000, 0x33f30000)</a:t>
-            </a:r>
-          </a:p>
-          <a:p>
-            <a:r>
-              <a:rPr lang="en-US" altLang="zh-CN" sz="1400" dirty="0"/>
-              <a:t>  from space 320K, 100% used [0x33f80000, 0x33fd0000, 0x33fd0000)</a:t>
-            </a:r>
-          </a:p>
-          <a:p>
-            <a:r>
-              <a:rPr lang="en-US" altLang="zh-CN" sz="1400" dirty="0"/>
-              <a:t>  to   space 320K,   0% used [0x33f30000, 0x33f30000, 0x33f80000)</a:t>
-            </a:r>
-          </a:p>
-          <a:p>
-            <a:r>
-              <a:rPr lang="en-US" altLang="zh-CN" sz="1400" dirty="0"/>
-              <a:t> tenured generation   total 6848K, used 57K [0x33fd0000, 0x34680000, 0x34680000)</a:t>
-            </a:r>
-          </a:p>
-          <a:p>
-            <a:r>
-              <a:rPr lang="en-US" altLang="zh-CN" sz="1400" dirty="0"/>
-              <a:t>   the space 6848K,   0% used [0x33fd0000, 0x33fde458, 0x33fde600, 0x34680000)</a:t>
-            </a:r>
-          </a:p>
-          <a:p>
-            <a:r>
-              <a:rPr lang="en-US" altLang="zh-CN" sz="1400" dirty="0"/>
-              <a:t> compacting perm gen  total 12288K, used 143K [0x34680000, 0x35280000, 0x38680000)</a:t>
-            </a:r>
-          </a:p>
-          <a:p>
-            <a:r>
-              <a:rPr lang="en-US" altLang="zh-CN" sz="1400" dirty="0"/>
-              <a:t>   the space 12288K,   1% used [0x34680000, 0x346a3c58, 0x346a3e00, 0x35280000)</a:t>
-            </a:r>
-          </a:p>
-          <a:p>
-            <a:r>
-              <a:rPr lang="en-US" altLang="zh-CN" sz="1400" dirty="0"/>
-              <a:t>    </a:t>
-            </a:r>
-            <a:r>
-              <a:rPr lang="en-US" altLang="zh-CN" sz="1400" dirty="0" err="1"/>
-              <a:t>ro</a:t>
-            </a:r>
-            <a:r>
-              <a:rPr lang="en-US" altLang="zh-CN" sz="1400" dirty="0"/>
-              <a:t> space 10240K,  44% used [0x38680000, 0x38af73f0, 0x38af7400, 0x39080000)</a:t>
-            </a:r>
-          </a:p>
-          <a:p>
-            <a:r>
-              <a:rPr lang="en-US" altLang="zh-CN" sz="1400" dirty="0"/>
-              <a:t>    </a:t>
-            </a:r>
-            <a:r>
-              <a:rPr lang="en-US" altLang="zh-CN" sz="1400" dirty="0" err="1"/>
-              <a:t>rw</a:t>
-            </a:r>
-            <a:r>
-              <a:rPr lang="en-US" altLang="zh-CN" sz="1400" dirty="0"/>
-              <a:t> space 12288K,  52% used [0x39080000, 0x396cdd28, 0x396cde00, 0x39c80000)</a:t>
-            </a:r>
-          </a:p>
-          <a:p>
-            <a:r>
-              <a:rPr lang="en-US" altLang="zh-CN" sz="1400" dirty="0"/>
-              <a:t>}</a:t>
-            </a:r>
-            <a:endParaRPr lang="zh-CN" altLang="en-US" sz="1400" dirty="0"/>
+            <a:endParaRPr lang="zh-CN" altLang="en-US" dirty="0"/>
           </a:p>
         </p:txBody>
       </p:sp>
@@ -15420,62 +14364,183 @@
             <p:ph idx="1"/>
           </p:nvPr>
         </p:nvSpPr>
+        <p:spPr/>
+        <p:txBody>
+          <a:bodyPr/>
+          <a:lstStyle/>
+          <a:p>
+            <a:r>
+              <a:rPr lang="en-US" altLang="zh-CN" dirty="0" smtClean="0"/>
+              <a:t>-XX:+</a:t>
+            </a:r>
+            <a:r>
+              <a:rPr lang="en-US" altLang="zh-CN" dirty="0" err="1" smtClean="0"/>
+              <a:t>PrintClassHistogram</a:t>
+            </a:r>
+            <a:endParaRPr lang="en-US" altLang="zh-CN" dirty="0" smtClean="0"/>
+          </a:p>
+          <a:p>
+            <a:pPr lvl="1"/>
+            <a:r>
+              <a:rPr lang="zh-CN" altLang="en-US" dirty="0" smtClean="0"/>
+              <a:t>按下</a:t>
+            </a:r>
+            <a:r>
+              <a:rPr lang="en-US" altLang="zh-CN" dirty="0" err="1" smtClean="0"/>
+              <a:t>Ctrl+Break</a:t>
+            </a:r>
+            <a:r>
+              <a:rPr lang="zh-CN" altLang="en-US" dirty="0" smtClean="0"/>
+              <a:t>后，打印类的信息：</a:t>
+            </a:r>
+            <a:endParaRPr lang="en-US" altLang="zh-CN" dirty="0" smtClean="0"/>
+          </a:p>
+          <a:p>
+            <a:pPr lvl="1"/>
+            <a:endParaRPr lang="en-US" altLang="zh-CN" dirty="0"/>
+          </a:p>
+          <a:p>
+            <a:pPr lvl="1"/>
+            <a:endParaRPr lang="en-US" altLang="zh-CN" dirty="0" smtClean="0"/>
+          </a:p>
+          <a:p>
+            <a:pPr lvl="1"/>
+            <a:endParaRPr lang="en-US" altLang="zh-CN" dirty="0"/>
+          </a:p>
+          <a:p>
+            <a:pPr lvl="1"/>
+            <a:endParaRPr lang="en-US" altLang="zh-CN" dirty="0" smtClean="0"/>
+          </a:p>
+          <a:p>
+            <a:pPr lvl="1"/>
+            <a:endParaRPr lang="en-US" altLang="zh-CN" dirty="0"/>
+          </a:p>
+          <a:p>
+            <a:pPr lvl="1"/>
+            <a:endParaRPr lang="en-US" altLang="zh-CN" dirty="0" smtClean="0"/>
+          </a:p>
+          <a:p>
+            <a:pPr lvl="1"/>
+            <a:r>
+              <a:rPr lang="zh-CN" altLang="en-US" dirty="0" smtClean="0"/>
+              <a:t>分别显示：序号、实例数量、总大小、类型</a:t>
+            </a:r>
+            <a:endParaRPr lang="en-US" altLang="zh-CN" dirty="0" smtClean="0"/>
+          </a:p>
+          <a:p>
+            <a:pPr lvl="1"/>
+            <a:endParaRPr lang="zh-CN" altLang="en-US" dirty="0"/>
+          </a:p>
+        </p:txBody>
+      </p:sp>
+      <p:sp>
+        <p:nvSpPr>
+          <p:cNvPr id="4" name="TextBox 3"/>
+          <p:cNvSpPr txBox="1"/>
+          <p:nvPr/>
+        </p:nvSpPr>
         <p:spPr>
           <a:xfrm>
-            <a:off x="7326486" y="1269554"/>
-            <a:ext cx="4536504" cy="1008111"/>
+            <a:off x="1637854" y="2205658"/>
+            <a:ext cx="5968301" cy="2308324"/>
           </a:xfrm>
+          <a:prstGeom prst="rect">
+            <a:avLst/>
+          </a:prstGeom>
+          <a:noFill/>
         </p:spPr>
         <p:txBody>
-          <a:bodyPr/>
-          <a:lstStyle/>
-          <a:p>
-            <a:r>
-              <a:rPr lang="en-US" altLang="zh-CN" dirty="0"/>
-              <a:t>-XX</a:t>
-            </a:r>
-            <a:r>
-              <a:rPr lang="en-US" altLang="zh-CN" dirty="0" smtClean="0"/>
-              <a:t>:+</a:t>
-            </a:r>
-            <a:r>
-              <a:rPr lang="en-US" altLang="zh-CN" dirty="0" err="1" smtClean="0"/>
-              <a:t>PrintHeapAtGC</a:t>
-            </a:r>
-            <a:endParaRPr lang="en-US" altLang="zh-CN" dirty="0" smtClean="0"/>
-          </a:p>
-          <a:p>
-            <a:pPr lvl="1"/>
-            <a:r>
-              <a:rPr lang="zh-CN" altLang="en-US" dirty="0"/>
-              <a:t>每次一</a:t>
-            </a:r>
-            <a:r>
-              <a:rPr lang="zh-CN" altLang="en-US" dirty="0" smtClean="0"/>
-              <a:t>次</a:t>
-            </a:r>
-            <a:r>
-              <a:rPr lang="en-US" altLang="zh-CN" dirty="0" smtClean="0"/>
-              <a:t>GC</a:t>
-            </a:r>
-            <a:r>
-              <a:rPr lang="zh-CN" altLang="en-US" dirty="0" smtClean="0"/>
-              <a:t>后，都打印堆信息</a:t>
-            </a:r>
-            <a:endParaRPr lang="en-US" altLang="zh-CN" dirty="0" smtClean="0"/>
-          </a:p>
-          <a:p>
-            <a:pPr lvl="1"/>
-            <a:endParaRPr lang="en-US" altLang="zh-CN" dirty="0" smtClean="0"/>
+          <a:bodyPr wrap="none" rtlCol="0">
+            <a:spAutoFit/>
+          </a:bodyPr>
+          <a:lstStyle/>
+          <a:p>
+            <a:r>
+              <a:rPr lang="en-US" altLang="zh-CN" dirty="0"/>
+              <a:t> </a:t>
+            </a:r>
+            <a:r>
+              <a:rPr lang="en-US" altLang="zh-CN" dirty="0" err="1"/>
+              <a:t>num</a:t>
+            </a:r>
+            <a:r>
+              <a:rPr lang="en-US" altLang="zh-CN" dirty="0"/>
+              <a:t>     #instances         #bytes  class name</a:t>
+            </a:r>
+            <a:endParaRPr lang="en-US" altLang="zh-CN" dirty="0"/>
+          </a:p>
+          <a:p>
+            <a:r>
+              <a:rPr lang="en-US" altLang="zh-CN" dirty="0"/>
+              <a:t>----------------------------------------------</a:t>
+            </a:r>
+            <a:endParaRPr lang="en-US" altLang="zh-CN" dirty="0"/>
+          </a:p>
+          <a:p>
+            <a:r>
+              <a:rPr lang="en-US" altLang="zh-CN" dirty="0"/>
+              <a:t>   1:        890617      470266000  [B</a:t>
+            </a:r>
+            <a:endParaRPr lang="en-US" altLang="zh-CN" dirty="0"/>
+          </a:p>
+          <a:p>
+            <a:r>
+              <a:rPr lang="en-US" altLang="zh-CN" dirty="0"/>
+              <a:t>   2:        890643       21375432  </a:t>
+            </a:r>
+            <a:r>
+              <a:rPr lang="en-US" altLang="zh-CN" dirty="0" err="1"/>
+              <a:t>java.util.HashMap$Node</a:t>
+            </a:r>
+            <a:endParaRPr lang="en-US" altLang="zh-CN" dirty="0"/>
+          </a:p>
+          <a:p>
+            <a:r>
+              <a:rPr lang="en-US" altLang="zh-CN" dirty="0"/>
+              <a:t>   3:        890608       14249728  </a:t>
+            </a:r>
+            <a:r>
+              <a:rPr lang="en-US" altLang="zh-CN" dirty="0" err="1"/>
+              <a:t>java.lang.Long</a:t>
+            </a:r>
+            <a:endParaRPr lang="en-US" altLang="zh-CN" dirty="0"/>
+          </a:p>
+          <a:p>
+            <a:r>
+              <a:rPr lang="en-US" altLang="zh-CN" dirty="0"/>
+              <a:t>   4:            13        8389712  [</a:t>
+            </a:r>
+            <a:r>
+              <a:rPr lang="en-US" altLang="zh-CN" dirty="0" err="1"/>
+              <a:t>Ljava.util.HashMap$Node</a:t>
+            </a:r>
+            <a:r>
+              <a:rPr lang="en-US" altLang="zh-CN" dirty="0"/>
+              <a:t>;</a:t>
+            </a:r>
+            <a:endParaRPr lang="en-US" altLang="zh-CN" dirty="0"/>
+          </a:p>
+          <a:p>
+            <a:r>
+              <a:rPr lang="en-US" altLang="zh-CN" dirty="0"/>
+              <a:t>   5:          2062         371680  [C</a:t>
+            </a:r>
+            <a:endParaRPr lang="en-US" altLang="zh-CN" dirty="0"/>
+          </a:p>
+          <a:p>
+            <a:r>
+              <a:rPr lang="en-US" altLang="zh-CN" dirty="0"/>
+              <a:t>   6:           463          41904  </a:t>
+            </a:r>
+            <a:r>
+              <a:rPr lang="en-US" altLang="zh-CN" dirty="0" err="1"/>
+              <a:t>java.lang.Class</a:t>
+            </a:r>
+            <a:endParaRPr lang="zh-CN" altLang="en-US" dirty="0"/>
           </a:p>
         </p:txBody>
       </p:sp>
     </p:spTree>
-    <p:extLst>
-      <p:ext uri="{BB962C8B-B14F-4D97-AF65-F5344CB8AC3E}">
-        <p14:creationId xmlns:p14="http://schemas.microsoft.com/office/powerpoint/2010/main" val="657708689"/>
-      </p:ext>
-    </p:extLst>
   </p:cSld>
   <p:clrMapOvr>
     <a:masterClrMapping/>
@@ -15523,13 +14588,10 @@
           <a:lstStyle/>
           <a:p>
             <a:r>
-              <a:rPr lang="en-US" altLang="zh-CN" dirty="0"/>
-              <a:t>Trace</a:t>
-            </a:r>
-            <a:r>
               <a:rPr lang="zh-CN" altLang="en-US" dirty="0"/>
-              <a:t>跟踪参数</a:t>
-            </a:r>
+              <a:t>堆的分配参数</a:t>
+            </a:r>
+            <a:endParaRPr lang="zh-CN" altLang="en-US" dirty="0"/>
           </a:p>
         </p:txBody>
       </p:sp>
@@ -15550,11 +14612,19 @@
           <a:p>
             <a:r>
               <a:rPr lang="en-US" altLang="zh-CN" dirty="0" smtClean="0"/>
-              <a:t>-XX:+</a:t>
+              <a:t>-</a:t>
             </a:r>
             <a:r>
               <a:rPr lang="en-US" altLang="zh-CN" dirty="0" err="1" smtClean="0"/>
-              <a:t>TraceClassLoading</a:t>
+              <a:t>Xmx</a:t>
+            </a:r>
+            <a:r>
+              <a:rPr lang="en-US" altLang="zh-CN" dirty="0" smtClean="0"/>
+              <a:t> –</a:t>
+            </a:r>
+            <a:r>
+              <a:rPr lang="en-US" altLang="zh-CN" dirty="0" err="1" smtClean="0"/>
+              <a:t>Xms</a:t>
             </a:r>
             <a:endParaRPr lang="en-US" altLang="zh-CN" dirty="0" smtClean="0"/>
           </a:p>
@@ -15562,124 +14632,258 @@
             <a:pPr lvl="1"/>
             <a:r>
               <a:rPr lang="zh-CN" altLang="en-US" dirty="0" smtClean="0"/>
-              <a:t>监控类的加载</a:t>
+              <a:t>指定最大堆和最小堆</a:t>
             </a:r>
             <a:endParaRPr lang="en-US" altLang="zh-CN" dirty="0" smtClean="0"/>
           </a:p>
           <a:p>
+            <a:pPr lvl="1"/>
+            <a:r>
+              <a:rPr lang="en-US" altLang="zh-CN" dirty="0"/>
+              <a:t>-Xmx20m -</a:t>
+            </a:r>
+            <a:r>
+              <a:rPr lang="en-US" altLang="zh-CN" dirty="0" smtClean="0"/>
+              <a:t>Xms5m  </a:t>
+            </a:r>
+            <a:r>
+              <a:rPr lang="zh-CN" altLang="en-US" dirty="0" smtClean="0"/>
+              <a:t>运行代码：</a:t>
+            </a:r>
+            <a:endParaRPr lang="en-US" altLang="zh-CN" dirty="0" smtClean="0"/>
+          </a:p>
+          <a:p>
             <a:pPr lvl="2"/>
             <a:r>
-              <a:rPr lang="en-US" altLang="zh-CN" sz="1500" dirty="0"/>
-              <a:t>[Loaded </a:t>
-            </a:r>
-            <a:r>
-              <a:rPr lang="en-US" altLang="zh-CN" sz="1500" dirty="0" err="1"/>
-              <a:t>java.lang.Object</a:t>
-            </a:r>
-            <a:r>
-              <a:rPr lang="en-US" altLang="zh-CN" sz="1500" dirty="0"/>
-              <a:t> from shared objects file]</a:t>
-            </a:r>
+              <a:rPr lang="en-US" altLang="zh-CN" dirty="0" err="1"/>
+              <a:t>System.out.print</a:t>
+            </a:r>
+            <a:r>
+              <a:rPr lang="en-US" altLang="zh-CN" dirty="0"/>
+              <a:t>("</a:t>
+            </a:r>
+            <a:r>
+              <a:rPr lang="en-US" altLang="zh-CN" dirty="0" err="1"/>
+              <a:t>Xmx</a:t>
+            </a:r>
+            <a:r>
+              <a:rPr lang="en-US" altLang="zh-CN" dirty="0"/>
+              <a:t>=");</a:t>
+            </a:r>
+            <a:endParaRPr lang="en-US" altLang="zh-CN" dirty="0"/>
           </a:p>
           <a:p>
             <a:pPr lvl="2"/>
             <a:r>
-              <a:rPr lang="en-US" altLang="zh-CN" sz="1500" dirty="0"/>
-              <a:t>[Loaded </a:t>
-            </a:r>
-            <a:r>
-              <a:rPr lang="en-US" altLang="zh-CN" sz="1500" dirty="0" err="1"/>
-              <a:t>java.io.Serializable</a:t>
-            </a:r>
-            <a:r>
-              <a:rPr lang="en-US" altLang="zh-CN" sz="1500" dirty="0"/>
-              <a:t> from shared objects file]</a:t>
-            </a:r>
+              <a:rPr lang="en-US" altLang="zh-CN" dirty="0" err="1"/>
+              <a:t>System.out.println</a:t>
+            </a:r>
+            <a:r>
+              <a:rPr lang="en-US" altLang="zh-CN" dirty="0"/>
+              <a:t>(</a:t>
+            </a:r>
+            <a:r>
+              <a:rPr lang="en-US" altLang="zh-CN" dirty="0" err="1"/>
+              <a:t>Runtime.getRuntime</a:t>
+            </a:r>
+            <a:r>
+              <a:rPr lang="en-US" altLang="zh-CN" dirty="0"/>
+              <a:t>().</a:t>
+            </a:r>
+            <a:r>
+              <a:rPr lang="en-US" altLang="zh-CN" dirty="0" err="1"/>
+              <a:t>maxMemory</a:t>
+            </a:r>
+            <a:r>
+              <a:rPr lang="en-US" altLang="zh-CN" dirty="0"/>
+              <a:t>()/1024.0/1024+"M");</a:t>
+            </a:r>
+            <a:endParaRPr lang="en-US" altLang="zh-CN" dirty="0"/>
           </a:p>
           <a:p>
             <a:pPr lvl="2"/>
-            <a:r>
-              <a:rPr lang="en-US" altLang="zh-CN" sz="1500" dirty="0"/>
-              <a:t>[Loaded </a:t>
-            </a:r>
-            <a:r>
-              <a:rPr lang="en-US" altLang="zh-CN" sz="1500" dirty="0" err="1"/>
-              <a:t>java.lang.Comparable</a:t>
-            </a:r>
-            <a:r>
-              <a:rPr lang="en-US" altLang="zh-CN" sz="1500" dirty="0"/>
-              <a:t> from shared objects file]</a:t>
-            </a:r>
+            <a:endParaRPr lang="en-US" altLang="zh-CN" dirty="0"/>
           </a:p>
           <a:p>
             <a:pPr lvl="2"/>
             <a:r>
-              <a:rPr lang="en-US" altLang="zh-CN" sz="1500" dirty="0"/>
-              <a:t>[Loaded </a:t>
-            </a:r>
-            <a:r>
-              <a:rPr lang="en-US" altLang="zh-CN" sz="1500" dirty="0" err="1"/>
-              <a:t>java.lang.CharSequence</a:t>
-            </a:r>
-            <a:r>
-              <a:rPr lang="en-US" altLang="zh-CN" sz="1500" dirty="0"/>
-              <a:t> from shared objects file]</a:t>
-            </a:r>
+              <a:rPr lang="en-US" altLang="zh-CN" dirty="0" err="1"/>
+              <a:t>System.out.print</a:t>
+            </a:r>
+            <a:r>
+              <a:rPr lang="en-US" altLang="zh-CN" dirty="0"/>
+              <a:t>("free </a:t>
+            </a:r>
+            <a:r>
+              <a:rPr lang="en-US" altLang="zh-CN" dirty="0" err="1"/>
+              <a:t>mem</a:t>
+            </a:r>
+            <a:r>
+              <a:rPr lang="en-US" altLang="zh-CN" dirty="0"/>
+              <a:t>=");</a:t>
+            </a:r>
+            <a:endParaRPr lang="en-US" altLang="zh-CN" dirty="0"/>
           </a:p>
           <a:p>
             <a:pPr lvl="2"/>
             <a:r>
-              <a:rPr lang="en-US" altLang="zh-CN" sz="1500" dirty="0"/>
-              <a:t>[Loaded </a:t>
-            </a:r>
-            <a:r>
-              <a:rPr lang="en-US" altLang="zh-CN" sz="1500" dirty="0" err="1"/>
-              <a:t>java.lang.String</a:t>
-            </a:r>
-            <a:r>
-              <a:rPr lang="en-US" altLang="zh-CN" sz="1500" dirty="0"/>
-              <a:t> from shared objects file]</a:t>
-            </a:r>
+              <a:rPr lang="en-US" altLang="zh-CN" dirty="0" err="1"/>
+              <a:t>System.out.println</a:t>
+            </a:r>
+            <a:r>
+              <a:rPr lang="en-US" altLang="zh-CN" dirty="0"/>
+              <a:t>(</a:t>
+            </a:r>
+            <a:r>
+              <a:rPr lang="en-US" altLang="zh-CN" dirty="0" err="1"/>
+              <a:t>Runtime.getRuntime</a:t>
+            </a:r>
+            <a:r>
+              <a:rPr lang="en-US" altLang="zh-CN" dirty="0"/>
+              <a:t>().</a:t>
+            </a:r>
+            <a:r>
+              <a:rPr lang="en-US" altLang="zh-CN" dirty="0" err="1"/>
+              <a:t>freeMemory</a:t>
+            </a:r>
+            <a:r>
+              <a:rPr lang="en-US" altLang="zh-CN" dirty="0"/>
+              <a:t>()/1024.0/1024+"M");</a:t>
+            </a:r>
+            <a:endParaRPr lang="en-US" altLang="zh-CN" dirty="0"/>
           </a:p>
           <a:p>
             <a:pPr lvl="2"/>
-            <a:r>
-              <a:rPr lang="en-US" altLang="zh-CN" sz="1500" dirty="0"/>
-              <a:t>[Loaded </a:t>
-            </a:r>
-            <a:r>
-              <a:rPr lang="en-US" altLang="zh-CN" sz="1500" dirty="0" err="1"/>
-              <a:t>java.lang.reflect.GenericDeclaration</a:t>
-            </a:r>
-            <a:r>
-              <a:rPr lang="en-US" altLang="zh-CN" sz="1500" dirty="0"/>
-              <a:t> from shared objects file]</a:t>
-            </a:r>
+            <a:endParaRPr lang="en-US" altLang="zh-CN" dirty="0"/>
           </a:p>
           <a:p>
             <a:pPr lvl="2"/>
             <a:r>
-              <a:rPr lang="en-US" altLang="zh-CN" sz="1500" dirty="0"/>
-              <a:t>[Loaded </a:t>
-            </a:r>
-            <a:r>
-              <a:rPr lang="en-US" altLang="zh-CN" sz="1500" dirty="0" err="1"/>
-              <a:t>java.lang.reflect.Type</a:t>
-            </a:r>
-            <a:r>
-              <a:rPr lang="en-US" altLang="zh-CN" sz="1500" dirty="0"/>
-              <a:t> from shared objects file]</a:t>
+              <a:rPr lang="en-US" altLang="zh-CN" dirty="0" err="1"/>
+              <a:t>System.out.print</a:t>
+            </a:r>
+            <a:r>
+              <a:rPr lang="en-US" altLang="zh-CN" dirty="0"/>
+              <a:t>("total </a:t>
+            </a:r>
+            <a:r>
+              <a:rPr lang="en-US" altLang="zh-CN" dirty="0" err="1"/>
+              <a:t>mem</a:t>
+            </a:r>
+            <a:r>
+              <a:rPr lang="en-US" altLang="zh-CN" dirty="0"/>
+              <a:t>=");</a:t>
+            </a:r>
+            <a:endParaRPr lang="en-US" altLang="zh-CN" dirty="0"/>
+          </a:p>
+          <a:p>
+            <a:pPr lvl="2"/>
+            <a:r>
+              <a:rPr lang="en-US" altLang="zh-CN" dirty="0" err="1"/>
+              <a:t>System.out.println</a:t>
+            </a:r>
+            <a:r>
+              <a:rPr lang="en-US" altLang="zh-CN" dirty="0"/>
+              <a:t>(</a:t>
+            </a:r>
+            <a:r>
+              <a:rPr lang="en-US" altLang="zh-CN" dirty="0" err="1"/>
+              <a:t>Runtime.getRuntime</a:t>
+            </a:r>
+            <a:r>
+              <a:rPr lang="en-US" altLang="zh-CN" dirty="0"/>
+              <a:t>().</a:t>
+            </a:r>
+            <a:r>
+              <a:rPr lang="en-US" altLang="zh-CN" dirty="0" err="1"/>
+              <a:t>totalMemory</a:t>
+            </a:r>
+            <a:r>
+              <a:rPr lang="en-US" altLang="zh-CN" dirty="0"/>
+              <a:t>()/1024.0/1024+"M");</a:t>
             </a:r>
             <a:endParaRPr lang="zh-CN" altLang="en-US" dirty="0"/>
           </a:p>
         </p:txBody>
       </p:sp>
+      <p:sp>
+        <p:nvSpPr>
+          <p:cNvPr id="5" name="TextBox 4"/>
+          <p:cNvSpPr txBox="1"/>
+          <p:nvPr/>
+        </p:nvSpPr>
+        <p:spPr>
+          <a:xfrm>
+            <a:off x="6894438" y="1731219"/>
+            <a:ext cx="4464496" cy="923330"/>
+          </a:xfrm>
+          <a:prstGeom prst="rect">
+            <a:avLst/>
+          </a:prstGeom>
+        </p:spPr>
+        <p:style>
+          <a:lnRef idx="2">
+            <a:schemeClr val="accent1"/>
+          </a:lnRef>
+          <a:fillRef idx="1">
+            <a:schemeClr val="lt1"/>
+          </a:fillRef>
+          <a:effectRef idx="0">
+            <a:schemeClr val="accent1"/>
+          </a:effectRef>
+          <a:fontRef idx="minor">
+            <a:schemeClr val="dk1"/>
+          </a:fontRef>
+        </p:style>
+        <p:txBody>
+          <a:bodyPr wrap="square" rtlCol="0">
+            <a:spAutoFit/>
+          </a:bodyPr>
+          <a:lstStyle/>
+          <a:p>
+            <a:r>
+              <a:rPr lang="en-US" altLang="zh-CN" dirty="0" err="1"/>
+              <a:t>Xmx</a:t>
+            </a:r>
+            <a:r>
+              <a:rPr lang="en-US" altLang="zh-CN" dirty="0"/>
+              <a:t>=19.375M</a:t>
+            </a:r>
+            <a:endParaRPr lang="en-US" altLang="zh-CN" dirty="0"/>
+          </a:p>
+          <a:p>
+            <a:r>
+              <a:rPr lang="en-US" altLang="zh-CN" dirty="0"/>
+              <a:t>free </a:t>
+            </a:r>
+            <a:r>
+              <a:rPr lang="en-US" altLang="zh-CN" dirty="0" err="1"/>
+              <a:t>mem</a:t>
+            </a:r>
+            <a:r>
+              <a:rPr lang="en-US" altLang="zh-CN" dirty="0"/>
+              <a:t>=4.342750549316406M</a:t>
+            </a:r>
+            <a:endParaRPr lang="en-US" altLang="zh-CN" dirty="0"/>
+          </a:p>
+          <a:p>
+            <a:r>
+              <a:rPr lang="en-US" altLang="zh-CN" dirty="0"/>
+              <a:t>total </a:t>
+            </a:r>
+            <a:r>
+              <a:rPr lang="en-US" altLang="zh-CN" dirty="0" err="1"/>
+              <a:t>mem</a:t>
+            </a:r>
+            <a:r>
+              <a:rPr lang="en-US" altLang="zh-CN" dirty="0"/>
+              <a:t>=4.875M</a:t>
+            </a:r>
+            <a:endParaRPr lang="zh-CN" altLang="en-US" dirty="0"/>
+          </a:p>
+        </p:txBody>
+      </p:sp>
     </p:spTree>
-    <p:extLst>
-      <p:ext uri="{BB962C8B-B14F-4D97-AF65-F5344CB8AC3E}">
-        <p14:creationId xmlns:p14="http://schemas.microsoft.com/office/powerpoint/2010/main" val="268833303"/>
-      </p:ext>
-    </p:extLst>
   </p:cSld>
   <p:clrMapOvr>
     <a:masterClrMapping/>
@@ -15687,9 +14891,88 @@
   <p:timing>
     <p:tnLst>
       <p:par>
-        <p:cTn id="1" dur="indefinite" restart="never" nodeType="tmRoot"/>
+        <p:cTn id="1" dur="indefinite" restart="never" nodeType="tmRoot">
+          <p:childTnLst>
+            <p:seq concurrent="1" nextAc="seek">
+              <p:cTn id="2" dur="indefinite" nodeType="mainSeq">
+                <p:childTnLst>
+                  <p:par>
+                    <p:cTn id="3" fill="hold">
+                      <p:stCondLst>
+                        <p:cond delay="indefinite"/>
+                      </p:stCondLst>
+                      <p:childTnLst>
+                        <p:par>
+                          <p:cTn id="4" fill="hold">
+                            <p:stCondLst>
+                              <p:cond delay="0"/>
+                            </p:stCondLst>
+                            <p:childTnLst>
+                              <p:par>
+                                <p:cTn id="5" presetID="10" presetClass="entr" presetSubtype="0" fill="hold" grpId="0" nodeType="clickEffect">
+                                  <p:stCondLst>
+                                    <p:cond delay="0"/>
+                                  </p:stCondLst>
+                                  <p:childTnLst>
+                                    <p:set>
+                                      <p:cBhvr>
+                                        <p:cTn id="6" dur="1" fill="hold">
+                                          <p:stCondLst>
+                                            <p:cond delay="0"/>
+                                          </p:stCondLst>
+                                        </p:cTn>
+                                        <p:tgtEl>
+                                          <p:spTgt spid="5"/>
+                                        </p:tgtEl>
+                                        <p:attrNameLst>
+                                          <p:attrName>style.visibility</p:attrName>
+                                        </p:attrNameLst>
+                                      </p:cBhvr>
+                                      <p:to>
+                                        <p:strVal val="visible"/>
+                                      </p:to>
+                                    </p:set>
+                                    <p:animEffect transition="in" filter="fade">
+                                      <p:cBhvr>
+                                        <p:cTn id="7" dur="500"/>
+                                        <p:tgtEl>
+                                          <p:spTgt spid="5"/>
+                                        </p:tgtEl>
+                                      </p:cBhvr>
+                                    </p:animEffect>
+                                  </p:childTnLst>
+                                </p:cTn>
+                              </p:par>
+                            </p:childTnLst>
+                          </p:cTn>
+                        </p:par>
+                      </p:childTnLst>
+                    </p:cTn>
+                  </p:par>
+                </p:childTnLst>
+              </p:cTn>
+              <p:prevCondLst>
+                <p:cond evt="onPrev" delay="0">
+                  <p:tgtEl>
+                    <p:sldTgt/>
+                  </p:tgtEl>
+                </p:cond>
+              </p:prevCondLst>
+              <p:nextCondLst>
+                <p:cond evt="onNext" delay="0">
+                  <p:tgtEl>
+                    <p:sldTgt/>
+                  </p:tgtEl>
+                </p:cond>
+              </p:nextCondLst>
+            </p:seq>
+          </p:childTnLst>
+        </p:cTn>
       </p:par>
     </p:tnLst>
+    <p:bldLst>
+      <p:bldP spid="5" grpId="0" animBg="1"/>
+    </p:bldLst>
   </p:timing>
 </p:sld>
 </file>
@@ -15933,8 +15216,11 @@
       </a:bgFillStyleLst>
     </a:fmtScheme>
   </a:themeElements>
-  <a:objectDefaults/>
-  <a:extraClrSchemeLst/>
+  <a:extLst>
+    <a:ext uri="{05A4C25C-085E-4340-85A3-A5531E510DB2}">
+      <thm15:themeFamily xmlns:thm15="http://schemas.microsoft.com/office/thememl/2012/main" name="Office Theme" id="{62F939B6-93AF-4DB8-9C6B-D6C7DFDC589F}" vid="{4A3C46E8-61CC-4603-A589-7422A47A8E4A}"/>
+    </a:ext>
+  </a:extLst>
 </a:theme>
 </file>
 
@@ -16216,8 +15502,11 @@
       </a:bgFillStyleLst>
     </a:fmtScheme>
   </a:themeElements>
-  <a:objectDefaults/>
-  <a:extraClrSchemeLst/>
+  <a:extLst>
+    <a:ext uri="{05A4C25C-085E-4340-85A3-A5531E510DB2}">
+      <thm15:themeFamily xmlns:thm15="http://schemas.microsoft.com/office/thememl/2012/main" name="Office Theme" id="{62F939B6-93AF-4DB8-9C6B-D6C7DFDC589F}" vid="{4A3C46E8-61CC-4603-A589-7422A47A8E4A}"/>
+    </a:ext>
+  </a:extLst>
 </a:theme>
 </file>
 
@@ -16499,7 +15788,10 @@
       </a:bgFillStyleLst>
     </a:fmtScheme>
   </a:themeElements>
-  <a:objectDefaults/>
-  <a:extraClrSchemeLst/>
+  <a:extLst>
+    <a:ext uri="{05A4C25C-085E-4340-85A3-A5531E510DB2}">
+      <thm15:themeFamily xmlns:thm15="http://schemas.microsoft.com/office/thememl/2012/main" name="Office Theme" id="{62F939B6-93AF-4DB8-9C6B-D6C7DFDC589F}" vid="{4A3C46E8-61CC-4603-A589-7422A47A8E4A}"/>
+    </a:ext>
+  </a:extLst>
 </a:theme>
 </file>
--- a/javabase1Jvm/src/main/java/com/javabase/jvm1runtime/runtimeDetail/3.常用JVM配置参数.pptx
+++ b/javabase1Jvm/src/main/java/com/javabase/jvm1runtime/runtimeDetail/3.常用JVM配置参数.pptx
@@ -7897,7 +7897,7 @@
             <a:pPr lvl="1"/>
             <a:r>
               <a:rPr lang="zh-CN" altLang="en-US" dirty="0" smtClean="0"/>
-              <a:t>设置新生代大小</a:t>
+              <a:t>设置新生代大小  直接设置</a:t>
             </a:r>
             <a:endParaRPr lang="en-US" altLang="zh-CN" dirty="0" smtClean="0"/>
           </a:p>
@@ -7924,7 +7924,7 @@
             </a:r>
             <a:r>
               <a:rPr lang="zh-CN" altLang="en-US" dirty="0" smtClean="0"/>
-              <a:t>）和老年代（不包含永久区）的比值</a:t>
+              <a:t>）和老年代（不包含永久区）的比值  设置比例</a:t>
             </a:r>
             <a:endParaRPr lang="en-US" altLang="zh-CN" dirty="0" smtClean="0"/>
           </a:p>
@@ -7980,6 +7980,26 @@
             <a:r>
               <a:rPr lang="en-US" altLang="zh-CN" dirty="0" smtClean="0"/>
               <a:t>Survivor</a:t>
+            </a:r>
+            <a:r>
+              <a:rPr lang="zh-CN" altLang="en-US" dirty="0" smtClean="0"/>
+              <a:t>（也叫</a:t>
+            </a:r>
+            <a:r>
+              <a:rPr lang="en-US" altLang="zh-CN" dirty="0" smtClean="0"/>
+              <a:t>from to </a:t>
+            </a:r>
+            <a:r>
+              <a:rPr lang="zh-CN" altLang="en-US" dirty="0" smtClean="0"/>
+              <a:t>或者</a:t>
+            </a:r>
+            <a:r>
+              <a:rPr lang="en-US" altLang="zh-CN" dirty="0" smtClean="0"/>
+              <a:t>s0 s1</a:t>
+            </a:r>
+            <a:r>
+              <a:rPr lang="zh-CN" altLang="en-US" dirty="0" smtClean="0"/>
+              <a:t>）</a:t>
             </a:r>
             <a:r>
               <a:rPr lang="zh-CN" altLang="en-US" dirty="0" smtClean="0"/>
@@ -9749,7 +9769,11 @@
             </a:r>
             <a:r>
               <a:rPr lang="en-US" altLang="zh-CN" dirty="0" err="1" smtClean="0"/>
-              <a:t>verbose:gc</a:t>
+              <a:t>verbose:gc    </a:t>
+            </a:r>
+            <a:r>
+              <a:rPr lang="zh-CN" altLang="en-US" dirty="0" err="1" smtClean="0"/>
+              <a:t>两个方式都可以</a:t>
             </a:r>
             <a:endParaRPr lang="en-US" altLang="zh-CN" dirty="0" smtClean="0"/>
           </a:p>

--- a/javabase1Jvm/src/main/java/com/javabase/jvm1runtime/runtimeDetail/3.常用JVM配置参数.pptx
+++ b/javabase1Jvm/src/main/java/com/javabase/jvm1runtime/runtimeDetail/3.常用JVM配置参数.pptx
@@ -1,19 +1,17 @@
 
 <file path=ppt/presentation.xml><?xml version="1.0" encoding="utf-8"?>
-<p:presentation xmlns:a="http://schemas.openxmlformats.org/drawingml/2006/main" xmlns:r="http://schemas.openxmlformats.org/officeDocument/2006/relationships" xmlns:p="http://schemas.openxmlformats.org/presentationml/2006/main" showSpecialPlsOnTitleSld="0" saveSubsetFonts="1">
+<p:presentation xmlns:a="http://schemas.openxmlformats.org/drawingml/2006/main" xmlns:r="http://schemas.openxmlformats.org/officeDocument/2006/relationships" xmlns:p="http://schemas.openxmlformats.org/presentationml/2006/main" showSpecialPlsOnTitleSld="0">
   <p:sldMasterIdLst>
     <p:sldMasterId id="2147483648" r:id="rId1"/>
   </p:sldMasterIdLst>
   <p:notesMasterIdLst>
-    <p:notesMasterId r:id="rId34"/>
+    <p:notesMasterId r:id="rId4"/>
   </p:notesMasterIdLst>
   <p:handoutMasterIdLst>
-    <p:handoutMasterId r:id="rId35"/>
+    <p:handoutMasterId r:id="rId34"/>
   </p:handoutMasterIdLst>
   <p:sldIdLst>
-    <p:sldId id="256" r:id="rId2"/>
-    <p:sldId id="298" r:id="rId3"/>
-    <p:sldId id="315" r:id="rId4"/>
+    <p:sldId id="315" r:id="rId3"/>
     <p:sldId id="316" r:id="rId5"/>
     <p:sldId id="317" r:id="rId6"/>
     <p:sldId id="318" r:id="rId7"/>
@@ -44,7 +42,7 @@
     <p:sldId id="342" r:id="rId32"/>
     <p:sldId id="265" r:id="rId33"/>
   </p:sldIdLst>
-  <p:sldSz cx="12204700" cy="6859588"/>
+  <p:sldSz cx="12204700" cy="6859270"/>
   <p:notesSz cx="9144000" cy="6858000"/>
   <p:defaultTextStyle>
     <a:defPPr>
@@ -61,12 +59,12 @@
         <a:solidFill>
           <a:schemeClr val="tx1"/>
         </a:solidFill>
-        <a:latin typeface="Arial" charset="0"/>
-        <a:ea typeface="宋体" pitchFamily="2" charset="-122"/>
+        <a:latin typeface="Arial" panose="020B0604020202020204" pitchFamily="34" charset="0"/>
+        <a:ea typeface="宋体" panose="02010600030101010101" pitchFamily="2" charset="-122"/>
         <a:cs typeface="+mn-cs"/>
       </a:defRPr>
     </a:lvl1pPr>
-    <a:lvl2pPr marL="544662" algn="l" rtl="0" fontAlgn="base">
+    <a:lvl2pPr marL="544830" algn="l" rtl="0" fontAlgn="base">
       <a:spcBef>
         <a:spcPct val="0"/>
       </a:spcBef>
@@ -77,12 +75,12 @@
         <a:solidFill>
           <a:schemeClr val="tx1"/>
         </a:solidFill>
-        <a:latin typeface="Arial" charset="0"/>
-        <a:ea typeface="宋体" pitchFamily="2" charset="-122"/>
+        <a:latin typeface="Arial" panose="020B0604020202020204" pitchFamily="34" charset="0"/>
+        <a:ea typeface="宋体" panose="02010600030101010101" pitchFamily="2" charset="-122"/>
         <a:cs typeface="+mn-cs"/>
       </a:defRPr>
     </a:lvl2pPr>
-    <a:lvl3pPr marL="1089325" algn="l" rtl="0" fontAlgn="base">
+    <a:lvl3pPr marL="1089025" algn="l" rtl="0" fontAlgn="base">
       <a:spcBef>
         <a:spcPct val="0"/>
       </a:spcBef>
@@ -93,12 +91,12 @@
         <a:solidFill>
           <a:schemeClr val="tx1"/>
         </a:solidFill>
-        <a:latin typeface="Arial" charset="0"/>
-        <a:ea typeface="宋体" pitchFamily="2" charset="-122"/>
+        <a:latin typeface="Arial" panose="020B0604020202020204" pitchFamily="34" charset="0"/>
+        <a:ea typeface="宋体" panose="02010600030101010101" pitchFamily="2" charset="-122"/>
         <a:cs typeface="+mn-cs"/>
       </a:defRPr>
     </a:lvl3pPr>
-    <a:lvl4pPr marL="1633987" algn="l" rtl="0" fontAlgn="base">
+    <a:lvl4pPr marL="1633855" algn="l" rtl="0" fontAlgn="base">
       <a:spcBef>
         <a:spcPct val="0"/>
       </a:spcBef>
@@ -109,12 +107,12 @@
         <a:solidFill>
           <a:schemeClr val="tx1"/>
         </a:solidFill>
-        <a:latin typeface="Arial" charset="0"/>
-        <a:ea typeface="宋体" pitchFamily="2" charset="-122"/>
+        <a:latin typeface="Arial" panose="020B0604020202020204" pitchFamily="34" charset="0"/>
+        <a:ea typeface="宋体" panose="02010600030101010101" pitchFamily="2" charset="-122"/>
         <a:cs typeface="+mn-cs"/>
       </a:defRPr>
     </a:lvl4pPr>
-    <a:lvl5pPr marL="2178649" algn="l" rtl="0" fontAlgn="base">
+    <a:lvl5pPr marL="2178685" algn="l" rtl="0" fontAlgn="base">
       <a:spcBef>
         <a:spcPct val="0"/>
       </a:spcBef>
@@ -125,48 +123,48 @@
         <a:solidFill>
           <a:schemeClr val="tx1"/>
         </a:solidFill>
-        <a:latin typeface="Arial" charset="0"/>
-        <a:ea typeface="宋体" pitchFamily="2" charset="-122"/>
+        <a:latin typeface="Arial" panose="020B0604020202020204" pitchFamily="34" charset="0"/>
+        <a:ea typeface="宋体" panose="02010600030101010101" pitchFamily="2" charset="-122"/>
         <a:cs typeface="+mn-cs"/>
       </a:defRPr>
     </a:lvl5pPr>
-    <a:lvl6pPr marL="2723312" algn="l" defTabSz="1089325" rtl="0" eaLnBrk="1" latinLnBrk="0" hangingPunct="1">
+    <a:lvl6pPr marL="2723515" algn="l" defTabSz="1089025" rtl="0" eaLnBrk="1" latinLnBrk="0" hangingPunct="1">
       <a:defRPr kern="1200">
         <a:solidFill>
           <a:schemeClr val="tx1"/>
         </a:solidFill>
-        <a:latin typeface="Arial" charset="0"/>
-        <a:ea typeface="宋体" pitchFamily="2" charset="-122"/>
+        <a:latin typeface="Arial" panose="020B0604020202020204" pitchFamily="34" charset="0"/>
+        <a:ea typeface="宋体" panose="02010600030101010101" pitchFamily="2" charset="-122"/>
         <a:cs typeface="+mn-cs"/>
       </a:defRPr>
     </a:lvl6pPr>
-    <a:lvl7pPr marL="3267974" algn="l" defTabSz="1089325" rtl="0" eaLnBrk="1" latinLnBrk="0" hangingPunct="1">
+    <a:lvl7pPr marL="3267710" algn="l" defTabSz="1089025" rtl="0" eaLnBrk="1" latinLnBrk="0" hangingPunct="1">
       <a:defRPr kern="1200">
         <a:solidFill>
           <a:schemeClr val="tx1"/>
         </a:solidFill>
-        <a:latin typeface="Arial" charset="0"/>
-        <a:ea typeface="宋体" pitchFamily="2" charset="-122"/>
+        <a:latin typeface="Arial" panose="020B0604020202020204" pitchFamily="34" charset="0"/>
+        <a:ea typeface="宋体" panose="02010600030101010101" pitchFamily="2" charset="-122"/>
         <a:cs typeface="+mn-cs"/>
       </a:defRPr>
     </a:lvl7pPr>
-    <a:lvl8pPr marL="3812637" algn="l" defTabSz="1089325" rtl="0" eaLnBrk="1" latinLnBrk="0" hangingPunct="1">
+    <a:lvl8pPr marL="3812540" algn="l" defTabSz="1089025" rtl="0" eaLnBrk="1" latinLnBrk="0" hangingPunct="1">
       <a:defRPr kern="1200">
         <a:solidFill>
           <a:schemeClr val="tx1"/>
         </a:solidFill>
-        <a:latin typeface="Arial" charset="0"/>
-        <a:ea typeface="宋体" pitchFamily="2" charset="-122"/>
+        <a:latin typeface="Arial" panose="020B0604020202020204" pitchFamily="34" charset="0"/>
+        <a:ea typeface="宋体" panose="02010600030101010101" pitchFamily="2" charset="-122"/>
         <a:cs typeface="+mn-cs"/>
       </a:defRPr>
     </a:lvl8pPr>
-    <a:lvl9pPr marL="4357299" algn="l" defTabSz="1089325" rtl="0" eaLnBrk="1" latinLnBrk="0" hangingPunct="1">
+    <a:lvl9pPr marL="4357370" algn="l" defTabSz="1089025" rtl="0" eaLnBrk="1" latinLnBrk="0" hangingPunct="1">
       <a:defRPr kern="1200">
         <a:solidFill>
           <a:schemeClr val="tx1"/>
         </a:solidFill>
-        <a:latin typeface="Arial" charset="0"/>
-        <a:ea typeface="宋体" pitchFamily="2" charset="-122"/>
+        <a:latin typeface="Arial" panose="020B0604020202020204" pitchFamily="34" charset="0"/>
+        <a:ea typeface="宋体" panose="02010600030101010101" pitchFamily="2" charset="-122"/>
         <a:cs typeface="+mn-cs"/>
       </a:defRPr>
     </a:lvl9pPr>
@@ -280,10 +278,6 @@
             </a:pPr>
             <a:fld id="{E60E44AF-0D8D-4B66-BECC-4D5B9292E151}" type="datetimeFigureOut">
               <a:rPr lang="zh-CN" altLang="en-US"/>
-              <a:pPr>
-                <a:defRPr/>
-              </a:pPr>
-              <a:t>2014/7/7</a:t>
             </a:fld>
             <a:endParaRPr lang="zh-CN" altLang="en-US"/>
           </a:p>
@@ -373,21 +367,12 @@
             </a:pPr>
             <a:fld id="{C3C35A87-E971-49BF-8F02-A5CE2B85C743}" type="slidenum">
               <a:rPr lang="zh-CN" altLang="en-US"/>
-              <a:pPr>
-                <a:defRPr/>
-              </a:pPr>
-              <a:t>‹#›</a:t>
             </a:fld>
             <a:endParaRPr lang="zh-CN" altLang="en-US"/>
           </a:p>
         </p:txBody>
       </p:sp>
     </p:spTree>
-    <p:extLst>
-      <p:ext uri="{BB962C8B-B14F-4D97-AF65-F5344CB8AC3E}">
-        <p14:creationId xmlns:p14="http://schemas.microsoft.com/office/powerpoint/2010/main" val="179028799"/>
-      </p:ext>
-    </p:extLst>
   </p:cSld>
   <p:clrMap bg1="lt1" tx1="dk1" bg2="lt2" tx2="dk2" accent1="accent1" accent2="accent2" accent3="accent3" accent4="accent4" accent5="accent5" accent6="accent6" hlink="hlink" folHlink="folHlink"/>
 </p:handoutMaster>
@@ -499,10 +484,6 @@
             </a:pPr>
             <a:fld id="{57119A08-1D2F-470C-8FD3-E69459F4B57D}" type="datetimeFigureOut">
               <a:rPr lang="zh-CN" altLang="en-US"/>
-              <a:pPr>
-                <a:defRPr/>
-              </a:pPr>
-              <a:t>2014/7/7</a:t>
             </a:fld>
             <a:endParaRPr lang="zh-CN" altLang="en-US"/>
           </a:p>
@@ -572,6 +553,7 @@
               <a:rPr lang="zh-CN" altLang="en-US" noProof="0" smtClean="0"/>
               <a:t>单击此处编辑母版文本样式</a:t>
             </a:r>
+            <a:endParaRPr lang="zh-CN" altLang="en-US" noProof="0" smtClean="0"/>
           </a:p>
           <a:p>
             <a:pPr lvl="1"/>
@@ -579,6 +561,7 @@
               <a:rPr lang="zh-CN" altLang="en-US" noProof="0" smtClean="0"/>
               <a:t>第二级</a:t>
             </a:r>
+            <a:endParaRPr lang="zh-CN" altLang="en-US" noProof="0" smtClean="0"/>
           </a:p>
           <a:p>
             <a:pPr lvl="2"/>
@@ -586,6 +569,7 @@
               <a:rPr lang="zh-CN" altLang="en-US" noProof="0" smtClean="0"/>
               <a:t>第三级</a:t>
             </a:r>
+            <a:endParaRPr lang="zh-CN" altLang="en-US" noProof="0" smtClean="0"/>
           </a:p>
           <a:p>
             <a:pPr lvl="3"/>
@@ -593,6 +577,7 @@
               <a:rPr lang="zh-CN" altLang="en-US" noProof="0" smtClean="0"/>
               <a:t>第四级</a:t>
             </a:r>
+            <a:endParaRPr lang="zh-CN" altLang="en-US" noProof="0" smtClean="0"/>
           </a:p>
           <a:p>
             <a:pPr lvl="4"/>
@@ -688,21 +673,12 @@
             </a:pPr>
             <a:fld id="{A06004EB-C740-4F3D-A864-243FCB14D11E}" type="slidenum">
               <a:rPr lang="zh-CN" altLang="en-US"/>
-              <a:pPr>
-                <a:defRPr/>
-              </a:pPr>
-              <a:t>‹#›</a:t>
             </a:fld>
             <a:endParaRPr lang="zh-CN" altLang="en-US"/>
           </a:p>
         </p:txBody>
       </p:sp>
     </p:spTree>
-    <p:extLst>
-      <p:ext uri="{BB962C8B-B14F-4D97-AF65-F5344CB8AC3E}">
-        <p14:creationId xmlns:p14="http://schemas.microsoft.com/office/powerpoint/2010/main" val="1757593058"/>
-      </p:ext>
-    </p:extLst>
   </p:cSld>
   <p:clrMap bg1="lt1" tx1="dk1" bg2="lt2" tx2="dk2" accent1="accent1" accent2="accent2" accent3="accent3" accent4="accent4" accent5="accent5" accent6="accent6" hlink="hlink" folHlink="folHlink"/>
   <p:notesStyle>
@@ -722,7 +698,7 @@
         <a:cs typeface="+mn-cs"/>
       </a:defRPr>
     </a:lvl1pPr>
-    <a:lvl2pPr marL="544662" algn="l" rtl="0" eaLnBrk="0" fontAlgn="base" hangingPunct="0">
+    <a:lvl2pPr marL="544830" algn="l" rtl="0" eaLnBrk="0" fontAlgn="base" hangingPunct="0">
       <a:spcBef>
         <a:spcPct val="30000"/>
       </a:spcBef>
@@ -738,7 +714,7 @@
         <a:cs typeface="+mn-cs"/>
       </a:defRPr>
     </a:lvl2pPr>
-    <a:lvl3pPr marL="1089325" algn="l" rtl="0" eaLnBrk="0" fontAlgn="base" hangingPunct="0">
+    <a:lvl3pPr marL="1089025" algn="l" rtl="0" eaLnBrk="0" fontAlgn="base" hangingPunct="0">
       <a:spcBef>
         <a:spcPct val="30000"/>
       </a:spcBef>
@@ -754,7 +730,7 @@
         <a:cs typeface="+mn-cs"/>
       </a:defRPr>
     </a:lvl3pPr>
-    <a:lvl4pPr marL="1633987" algn="l" rtl="0" eaLnBrk="0" fontAlgn="base" hangingPunct="0">
+    <a:lvl4pPr marL="1633855" algn="l" rtl="0" eaLnBrk="0" fontAlgn="base" hangingPunct="0">
       <a:spcBef>
         <a:spcPct val="30000"/>
       </a:spcBef>
@@ -770,7 +746,7 @@
         <a:cs typeface="+mn-cs"/>
       </a:defRPr>
     </a:lvl4pPr>
-    <a:lvl5pPr marL="2178649" algn="l" rtl="0" eaLnBrk="0" fontAlgn="base" hangingPunct="0">
+    <a:lvl5pPr marL="2178685" algn="l" rtl="0" eaLnBrk="0" fontAlgn="base" hangingPunct="0">
       <a:spcBef>
         <a:spcPct val="30000"/>
       </a:spcBef>
@@ -786,7 +762,7 @@
         <a:cs typeface="+mn-cs"/>
       </a:defRPr>
     </a:lvl5pPr>
-    <a:lvl6pPr marL="2723312" algn="l" defTabSz="1089325" rtl="0" eaLnBrk="1" latinLnBrk="0" hangingPunct="1">
+    <a:lvl6pPr marL="2723515" algn="l" defTabSz="1089025" rtl="0" eaLnBrk="1" latinLnBrk="0" hangingPunct="1">
       <a:defRPr sz="1400" kern="1200">
         <a:solidFill>
           <a:schemeClr val="tx1"/>
@@ -796,7 +772,7 @@
         <a:cs typeface="+mn-cs"/>
       </a:defRPr>
     </a:lvl6pPr>
-    <a:lvl7pPr marL="3267974" algn="l" defTabSz="1089325" rtl="0" eaLnBrk="1" latinLnBrk="0" hangingPunct="1">
+    <a:lvl7pPr marL="3267710" algn="l" defTabSz="1089025" rtl="0" eaLnBrk="1" latinLnBrk="0" hangingPunct="1">
       <a:defRPr sz="1400" kern="1200">
         <a:solidFill>
           <a:schemeClr val="tx1"/>
@@ -806,7 +782,7 @@
         <a:cs typeface="+mn-cs"/>
       </a:defRPr>
     </a:lvl7pPr>
-    <a:lvl8pPr marL="3812637" algn="l" defTabSz="1089325" rtl="0" eaLnBrk="1" latinLnBrk="0" hangingPunct="1">
+    <a:lvl8pPr marL="3812540" algn="l" defTabSz="1089025" rtl="0" eaLnBrk="1" latinLnBrk="0" hangingPunct="1">
       <a:defRPr sz="1400" kern="1200">
         <a:solidFill>
           <a:schemeClr val="tx1"/>
@@ -816,7 +792,7 @@
         <a:cs typeface="+mn-cs"/>
       </a:defRPr>
     </a:lvl8pPr>
-    <a:lvl9pPr marL="4357299" algn="l" defTabSz="1089325" rtl="0" eaLnBrk="1" latinLnBrk="0" hangingPunct="1">
+    <a:lvl9pPr marL="4357370" algn="l" defTabSz="1089025" rtl="0" eaLnBrk="1" latinLnBrk="0" hangingPunct="1">
       <a:defRPr sz="1400" kern="1200">
         <a:solidFill>
           <a:schemeClr val="tx1"/>
@@ -898,21 +874,12 @@
             </a:pPr>
             <a:fld id="{A06004EB-C740-4F3D-A864-243FCB14D11E}" type="slidenum">
               <a:rPr lang="zh-CN" altLang="en-US" smtClean="0"/>
-              <a:pPr>
-                <a:defRPr/>
-              </a:pPr>
-              <a:t>1</a:t>
             </a:fld>
             <a:endParaRPr lang="zh-CN" altLang="en-US"/>
           </a:p>
         </p:txBody>
       </p:sp>
     </p:spTree>
-    <p:extLst>
-      <p:ext uri="{BB962C8B-B14F-4D97-AF65-F5344CB8AC3E}">
-        <p14:creationId xmlns:p14="http://schemas.microsoft.com/office/powerpoint/2010/main" val="3595446171"/>
-      </p:ext>
-    </p:extLst>
   </p:cSld>
   <p:clrMapOvr>
     <a:masterClrMapping/>
@@ -988,21 +955,12 @@
             </a:pPr>
             <a:fld id="{A06004EB-C740-4F3D-A864-243FCB14D11E}" type="slidenum">
               <a:rPr lang="zh-CN" altLang="en-US" smtClean="0"/>
-              <a:pPr>
-                <a:defRPr/>
-              </a:pPr>
-              <a:t>10</a:t>
             </a:fld>
             <a:endParaRPr lang="zh-CN" altLang="en-US"/>
           </a:p>
         </p:txBody>
       </p:sp>
     </p:spTree>
-    <p:extLst>
-      <p:ext uri="{BB962C8B-B14F-4D97-AF65-F5344CB8AC3E}">
-        <p14:creationId xmlns:p14="http://schemas.microsoft.com/office/powerpoint/2010/main" val="2344363911"/>
-      </p:ext>
-    </p:extLst>
   </p:cSld>
   <p:clrMapOvr>
     <a:masterClrMapping/>
@@ -1078,21 +1036,12 @@
             </a:pPr>
             <a:fld id="{A06004EB-C740-4F3D-A864-243FCB14D11E}" type="slidenum">
               <a:rPr lang="zh-CN" altLang="en-US" smtClean="0"/>
-              <a:pPr>
-                <a:defRPr/>
-              </a:pPr>
-              <a:t>11</a:t>
             </a:fld>
             <a:endParaRPr lang="zh-CN" altLang="en-US"/>
           </a:p>
         </p:txBody>
       </p:sp>
     </p:spTree>
-    <p:extLst>
-      <p:ext uri="{BB962C8B-B14F-4D97-AF65-F5344CB8AC3E}">
-        <p14:creationId xmlns:p14="http://schemas.microsoft.com/office/powerpoint/2010/main" val="588242581"/>
-      </p:ext>
-    </p:extLst>
   </p:cSld>
   <p:clrMapOvr>
     <a:masterClrMapping/>
@@ -1168,21 +1117,12 @@
             </a:pPr>
             <a:fld id="{A06004EB-C740-4F3D-A864-243FCB14D11E}" type="slidenum">
               <a:rPr lang="zh-CN" altLang="en-US" smtClean="0"/>
-              <a:pPr>
-                <a:defRPr/>
-              </a:pPr>
-              <a:t>12</a:t>
             </a:fld>
             <a:endParaRPr lang="zh-CN" altLang="en-US"/>
           </a:p>
         </p:txBody>
       </p:sp>
     </p:spTree>
-    <p:extLst>
-      <p:ext uri="{BB962C8B-B14F-4D97-AF65-F5344CB8AC3E}">
-        <p14:creationId xmlns:p14="http://schemas.microsoft.com/office/powerpoint/2010/main" val="3980472115"/>
-      </p:ext>
-    </p:extLst>
   </p:cSld>
   <p:clrMapOvr>
     <a:masterClrMapping/>
@@ -1258,21 +1198,12 @@
             </a:pPr>
             <a:fld id="{A06004EB-C740-4F3D-A864-243FCB14D11E}" type="slidenum">
               <a:rPr lang="zh-CN" altLang="en-US" smtClean="0"/>
-              <a:pPr>
-                <a:defRPr/>
-              </a:pPr>
-              <a:t>13</a:t>
             </a:fld>
             <a:endParaRPr lang="zh-CN" altLang="en-US"/>
           </a:p>
         </p:txBody>
       </p:sp>
     </p:spTree>
-    <p:extLst>
-      <p:ext uri="{BB962C8B-B14F-4D97-AF65-F5344CB8AC3E}">
-        <p14:creationId xmlns:p14="http://schemas.microsoft.com/office/powerpoint/2010/main" val="1513119830"/>
-      </p:ext>
-    </p:extLst>
   </p:cSld>
   <p:clrMapOvr>
     <a:masterClrMapping/>
@@ -1348,21 +1279,12 @@
             </a:pPr>
             <a:fld id="{A06004EB-C740-4F3D-A864-243FCB14D11E}" type="slidenum">
               <a:rPr lang="zh-CN" altLang="en-US" smtClean="0"/>
-              <a:pPr>
-                <a:defRPr/>
-              </a:pPr>
-              <a:t>14</a:t>
             </a:fld>
             <a:endParaRPr lang="zh-CN" altLang="en-US"/>
           </a:p>
         </p:txBody>
       </p:sp>
     </p:spTree>
-    <p:extLst>
-      <p:ext uri="{BB962C8B-B14F-4D97-AF65-F5344CB8AC3E}">
-        <p14:creationId xmlns:p14="http://schemas.microsoft.com/office/powerpoint/2010/main" val="1178905162"/>
-      </p:ext>
-    </p:extLst>
   </p:cSld>
   <p:clrMapOvr>
     <a:masterClrMapping/>
@@ -1438,21 +1360,12 @@
             </a:pPr>
             <a:fld id="{A06004EB-C740-4F3D-A864-243FCB14D11E}" type="slidenum">
               <a:rPr lang="zh-CN" altLang="en-US" smtClean="0"/>
-              <a:pPr>
-                <a:defRPr/>
-              </a:pPr>
-              <a:t>15</a:t>
             </a:fld>
             <a:endParaRPr lang="zh-CN" altLang="en-US"/>
           </a:p>
         </p:txBody>
       </p:sp>
     </p:spTree>
-    <p:extLst>
-      <p:ext uri="{BB962C8B-B14F-4D97-AF65-F5344CB8AC3E}">
-        <p14:creationId xmlns:p14="http://schemas.microsoft.com/office/powerpoint/2010/main" val="2524907380"/>
-      </p:ext>
-    </p:extLst>
   </p:cSld>
   <p:clrMapOvr>
     <a:masterClrMapping/>
@@ -1479,7 +1392,7 @@
       </p:grpSpPr>
       <p:sp>
         <p:nvSpPr>
-          <p:cNvPr id="2" name="幻灯片图像占位符 1"/>
+          <p:cNvPr id="2" name="Slide Image Placeholder 1"/>
           <p:cNvSpPr>
             <a:spLocks noGrp="1" noRot="1" noChangeAspect="1"/>
           </p:cNvSpPr>
@@ -1491,7 +1404,7 @@
       </p:sp>
       <p:sp>
         <p:nvSpPr>
-          <p:cNvPr id="3" name="备注占位符 2"/>
+          <p:cNvPr id="3" name="Notes Placeholder 2"/>
           <p:cNvSpPr>
             <a:spLocks noGrp="1"/>
           </p:cNvSpPr>
@@ -1504,13 +1417,41 @@
           <a:bodyPr/>
           <a:lstStyle/>
           <a:p>
-            <a:endParaRPr lang="zh-CN" altLang="en-US"/>
-          </a:p>
-        </p:txBody>
-      </p:sp>
-      <p:sp>
-        <p:nvSpPr>
-          <p:cNvPr id="4" name="灯片编号占位符 3"/>
+            <a:r>
+              <a:rPr lang="zh-CN" altLang="en-US" dirty="0" smtClean="0"/>
+              <a:t>实际占用空间大约</a:t>
+            </a:r>
+            <a:r>
+              <a:rPr lang="en-US" altLang="zh-CN" dirty="0" smtClean="0"/>
+              <a:t>10M</a:t>
+            </a:r>
+            <a:r>
+              <a:rPr lang="en-US" altLang="zh-CN" baseline="0" dirty="0" smtClean="0"/>
+              <a:t> </a:t>
+            </a:r>
+            <a:r>
+              <a:rPr lang="zh-CN" altLang="en-US" baseline="0" dirty="0" smtClean="0"/>
+              <a:t>因为有系统级别的对象 如</a:t>
+            </a:r>
+            <a:r>
+              <a:rPr lang="en-US" altLang="zh-CN" baseline="0" dirty="0" err="1" smtClean="0"/>
+              <a:t>ClassLoader</a:t>
+            </a:r>
+            <a:r>
+              <a:rPr lang="en-US" altLang="zh-CN" baseline="0" dirty="0" smtClean="0"/>
+              <a:t> Thread</a:t>
+            </a:r>
+            <a:r>
+              <a:rPr lang="zh-CN" altLang="en-US" baseline="0" dirty="0" smtClean="0"/>
+              <a:t>等</a:t>
+            </a:r>
+            <a:endParaRPr lang="zh-CN" altLang="en-US" dirty="0"/>
+          </a:p>
+        </p:txBody>
+      </p:sp>
+      <p:sp>
+        <p:nvSpPr>
+          <p:cNvPr id="4" name="Slide Number Placeholder 3"/>
           <p:cNvSpPr>
             <a:spLocks noGrp="1"/>
           </p:cNvSpPr>
@@ -1528,21 +1469,12 @@
             </a:pPr>
             <a:fld id="{A06004EB-C740-4F3D-A864-243FCB14D11E}" type="slidenum">
               <a:rPr lang="zh-CN" altLang="en-US" smtClean="0"/>
-              <a:pPr>
-                <a:defRPr/>
-              </a:pPr>
-              <a:t>16</a:t>
             </a:fld>
             <a:endParaRPr lang="zh-CN" altLang="en-US"/>
           </a:p>
         </p:txBody>
       </p:sp>
     </p:spTree>
-    <p:extLst>
-      <p:ext uri="{BB962C8B-B14F-4D97-AF65-F5344CB8AC3E}">
-        <p14:creationId xmlns:p14="http://schemas.microsoft.com/office/powerpoint/2010/main" val="1877189752"/>
-      </p:ext>
-    </p:extLst>
   </p:cSld>
   <p:clrMapOvr>
     <a:masterClrMapping/>
@@ -1569,7 +1501,7 @@
       </p:grpSpPr>
       <p:sp>
         <p:nvSpPr>
-          <p:cNvPr id="2" name="幻灯片图像占位符 1"/>
+          <p:cNvPr id="2" name="Slide Image Placeholder 1"/>
           <p:cNvSpPr>
             <a:spLocks noGrp="1" noRot="1" noChangeAspect="1"/>
           </p:cNvSpPr>
@@ -1581,7 +1513,7 @@
       </p:sp>
       <p:sp>
         <p:nvSpPr>
-          <p:cNvPr id="3" name="备注占位符 2"/>
+          <p:cNvPr id="3" name="Notes Placeholder 2"/>
           <p:cNvSpPr>
             <a:spLocks noGrp="1"/>
           </p:cNvSpPr>
@@ -1594,13 +1526,44 @@
           <a:bodyPr/>
           <a:lstStyle/>
           <a:p>
-            <a:endParaRPr lang="zh-CN" altLang="en-US"/>
-          </a:p>
-        </p:txBody>
-      </p:sp>
-      <p:sp>
-        <p:nvSpPr>
-          <p:cNvPr id="4" name="灯片编号占位符 3"/>
+            <a:r>
+              <a:rPr lang="zh-CN" altLang="en-US" dirty="0" smtClean="0"/>
+              <a:t>一共回收</a:t>
+            </a:r>
+            <a:r>
+              <a:rPr lang="en-US" altLang="zh-CN" dirty="0" smtClean="0"/>
+              <a:t>7M</a:t>
+            </a:r>
+            <a:r>
+              <a:rPr lang="en-US" altLang="zh-CN" baseline="0" dirty="0" smtClean="0"/>
+              <a:t> </a:t>
+            </a:r>
+            <a:r>
+              <a:rPr lang="zh-CN" altLang="en-US" baseline="0" dirty="0" smtClean="0"/>
+              <a:t>剩余</a:t>
+            </a:r>
+            <a:r>
+              <a:rPr lang="en-US" altLang="zh-CN" baseline="0" dirty="0" smtClean="0"/>
+              <a:t>3M</a:t>
+            </a:r>
+            <a:endParaRPr lang="en-US" altLang="zh-CN" baseline="0" dirty="0" smtClean="0"/>
+          </a:p>
+          <a:p>
+            <a:r>
+              <a:rPr lang="en-US" altLang="zh-CN" baseline="0" dirty="0" smtClean="0"/>
+              <a:t>S0 s1 </a:t>
+            </a:r>
+            <a:r>
+              <a:rPr lang="zh-CN" altLang="en-US" baseline="0" dirty="0" smtClean="0"/>
+              <a:t>太小无法周转</a:t>
+            </a:r>
+            <a:endParaRPr lang="zh-CN" altLang="en-US" dirty="0"/>
+          </a:p>
+        </p:txBody>
+      </p:sp>
+      <p:sp>
+        <p:nvSpPr>
+          <p:cNvPr id="4" name="Slide Number Placeholder 3"/>
           <p:cNvSpPr>
             <a:spLocks noGrp="1"/>
           </p:cNvSpPr>
@@ -1618,21 +1581,12 @@
             </a:pPr>
             <a:fld id="{A06004EB-C740-4F3D-A864-243FCB14D11E}" type="slidenum">
               <a:rPr lang="zh-CN" altLang="en-US" smtClean="0"/>
-              <a:pPr>
-                <a:defRPr/>
-              </a:pPr>
-              <a:t>17</a:t>
             </a:fld>
             <a:endParaRPr lang="zh-CN" altLang="en-US"/>
           </a:p>
         </p:txBody>
       </p:sp>
     </p:spTree>
-    <p:extLst>
-      <p:ext uri="{BB962C8B-B14F-4D97-AF65-F5344CB8AC3E}">
-        <p14:creationId xmlns:p14="http://schemas.microsoft.com/office/powerpoint/2010/main" val="1865926008"/>
-      </p:ext>
-    </p:extLst>
   </p:cSld>
   <p:clrMapOvr>
     <a:masterClrMapping/>
@@ -1686,31 +1640,19 @@
           <a:p>
             <a:r>
               <a:rPr lang="zh-CN" altLang="en-US" dirty="0" smtClean="0"/>
-              <a:t>实际占用空间大约</a:t>
+              <a:t>回收</a:t>
             </a:r>
             <a:r>
               <a:rPr lang="en-US" altLang="zh-CN" dirty="0" smtClean="0"/>
-              <a:t>10M</a:t>
-            </a:r>
-            <a:r>
-              <a:rPr lang="en-US" altLang="zh-CN" baseline="0" dirty="0" smtClean="0"/>
-              <a:t> </a:t>
-            </a:r>
-            <a:r>
-              <a:rPr lang="zh-CN" altLang="en-US" baseline="0" dirty="0" smtClean="0"/>
-              <a:t>因为有系统级别的对象 如</a:t>
-            </a:r>
-            <a:r>
-              <a:rPr lang="en-US" altLang="zh-CN" baseline="0" dirty="0" err="1" smtClean="0"/>
-              <a:t>ClassLoader</a:t>
-            </a:r>
-            <a:r>
-              <a:rPr lang="en-US" altLang="zh-CN" baseline="0" dirty="0" smtClean="0"/>
-              <a:t> Thread</a:t>
-            </a:r>
-            <a:r>
-              <a:rPr lang="zh-CN" altLang="en-US" baseline="0" dirty="0" smtClean="0"/>
-              <a:t>等</a:t>
+              <a:t>7M </a:t>
+            </a:r>
+            <a:r>
+              <a:rPr lang="zh-CN" altLang="en-US" dirty="0" smtClean="0"/>
+              <a:t>剩余</a:t>
+            </a:r>
+            <a:r>
+              <a:rPr lang="en-US" altLang="zh-CN" dirty="0" smtClean="0"/>
+              <a:t>3M</a:t>
             </a:r>
             <a:endParaRPr lang="zh-CN" altLang="en-US" dirty="0"/>
           </a:p>
@@ -1736,21 +1678,12 @@
             </a:pPr>
             <a:fld id="{A06004EB-C740-4F3D-A864-243FCB14D11E}" type="slidenum">
               <a:rPr lang="zh-CN" altLang="en-US" smtClean="0"/>
-              <a:pPr>
-                <a:defRPr/>
-              </a:pPr>
-              <a:t>18</a:t>
             </a:fld>
             <a:endParaRPr lang="zh-CN" altLang="en-US"/>
           </a:p>
         </p:txBody>
       </p:sp>
     </p:spTree>
-    <p:extLst>
-      <p:ext uri="{BB962C8B-B14F-4D97-AF65-F5344CB8AC3E}">
-        <p14:creationId xmlns:p14="http://schemas.microsoft.com/office/powerpoint/2010/main" val="1290984627"/>
-      </p:ext>
-    </p:extLst>
   </p:cSld>
   <p:clrMapOvr>
     <a:masterClrMapping/>
@@ -1804,33 +1737,18 @@
           <a:p>
             <a:r>
               <a:rPr lang="zh-CN" altLang="en-US" dirty="0" smtClean="0"/>
-              <a:t>一共回收</a:t>
-            </a:r>
-            <a:r>
-              <a:rPr lang="en-US" altLang="zh-CN" dirty="0" smtClean="0"/>
-              <a:t>7M</a:t>
-            </a:r>
-            <a:r>
-              <a:rPr lang="en-US" altLang="zh-CN" baseline="0" dirty="0" smtClean="0"/>
-              <a:t> </a:t>
+              <a:t>比例分配，新生代</a:t>
             </a:r>
             <a:r>
               <a:rPr lang="zh-CN" altLang="en-US" baseline="0" dirty="0" smtClean="0"/>
-              <a:t>剩余</a:t>
-            </a:r>
-            <a:r>
-              <a:rPr lang="en-US" altLang="zh-CN" baseline="0" dirty="0" smtClean="0"/>
-              <a:t>3M</a:t>
-            </a:r>
-          </a:p>
-          <a:p>
-            <a:r>
-              <a:rPr lang="en-US" altLang="zh-CN" baseline="0" dirty="0" smtClean="0"/>
-              <a:t>S0 s1 </a:t>
-            </a:r>
+              <a:t> 老年代对半开</a:t>
+            </a:r>
+            <a:endParaRPr lang="en-US" altLang="zh-CN" baseline="0" dirty="0" smtClean="0"/>
+          </a:p>
+          <a:p>
             <a:r>
               <a:rPr lang="zh-CN" altLang="en-US" baseline="0" dirty="0" smtClean="0"/>
-              <a:t>太小无法周转</a:t>
+              <a:t>对象全部留在新生代</a:t>
             </a:r>
             <a:endParaRPr lang="zh-CN" altLang="en-US" dirty="0"/>
           </a:p>
@@ -1856,21 +1774,12 @@
             </a:pPr>
             <a:fld id="{A06004EB-C740-4F3D-A864-243FCB14D11E}" type="slidenum">
               <a:rPr lang="zh-CN" altLang="en-US" smtClean="0"/>
-              <a:pPr>
-                <a:defRPr/>
-              </a:pPr>
-              <a:t>19</a:t>
             </a:fld>
             <a:endParaRPr lang="zh-CN" altLang="en-US"/>
           </a:p>
         </p:txBody>
       </p:sp>
     </p:spTree>
-    <p:extLst>
-      <p:ext uri="{BB962C8B-B14F-4D97-AF65-F5344CB8AC3E}">
-        <p14:creationId xmlns:p14="http://schemas.microsoft.com/office/powerpoint/2010/main" val="683544670"/>
-      </p:ext>
-    </p:extLst>
   </p:cSld>
   <p:clrMapOvr>
     <a:masterClrMapping/>
@@ -1946,21 +1855,12 @@
             </a:pPr>
             <a:fld id="{A06004EB-C740-4F3D-A864-243FCB14D11E}" type="slidenum">
               <a:rPr lang="zh-CN" altLang="en-US" smtClean="0"/>
-              <a:pPr>
-                <a:defRPr/>
-              </a:pPr>
-              <a:t>2</a:t>
             </a:fld>
             <a:endParaRPr lang="zh-CN" altLang="en-US"/>
           </a:p>
         </p:txBody>
       </p:sp>
     </p:spTree>
-    <p:extLst>
-      <p:ext uri="{BB962C8B-B14F-4D97-AF65-F5344CB8AC3E}">
-        <p14:creationId xmlns:p14="http://schemas.microsoft.com/office/powerpoint/2010/main" val="3638718241"/>
-      </p:ext>
-    </p:extLst>
   </p:cSld>
   <p:clrMapOvr>
     <a:masterClrMapping/>
@@ -2014,21 +1914,17 @@
           <a:p>
             <a:r>
               <a:rPr lang="zh-CN" altLang="en-US" dirty="0" smtClean="0"/>
-              <a:t>回收</a:t>
+              <a:t>减少了</a:t>
             </a:r>
             <a:r>
               <a:rPr lang="en-US" altLang="zh-CN" dirty="0" smtClean="0"/>
-              <a:t>7M </a:t>
+              <a:t>s0 s1 GC</a:t>
             </a:r>
             <a:r>
               <a:rPr lang="zh-CN" altLang="en-US" dirty="0" smtClean="0"/>
-              <a:t>剩余</a:t>
-            </a:r>
-            <a:r>
-              <a:rPr lang="en-US" altLang="zh-CN" dirty="0" smtClean="0"/>
-              <a:t>3M</a:t>
-            </a:r>
-            <a:endParaRPr lang="zh-CN" altLang="en-US" dirty="0"/>
+              <a:t>数量变少，老年代未使用 空间使用率更高</a:t>
+            </a:r>
+            <a:endParaRPr lang="en-US" altLang="zh-CN" dirty="0" smtClean="0"/>
           </a:p>
         </p:txBody>
       </p:sp>
@@ -2052,21 +1948,12 @@
             </a:pPr>
             <a:fld id="{A06004EB-C740-4F3D-A864-243FCB14D11E}" type="slidenum">
               <a:rPr lang="zh-CN" altLang="en-US" smtClean="0"/>
-              <a:pPr>
-                <a:defRPr/>
-              </a:pPr>
-              <a:t>20</a:t>
             </a:fld>
             <a:endParaRPr lang="zh-CN" altLang="en-US"/>
           </a:p>
         </p:txBody>
       </p:sp>
     </p:spTree>
-    <p:extLst>
-      <p:ext uri="{BB962C8B-B14F-4D97-AF65-F5344CB8AC3E}">
-        <p14:creationId xmlns:p14="http://schemas.microsoft.com/office/powerpoint/2010/main" val="4014503202"/>
-      </p:ext>
-    </p:extLst>
   </p:cSld>
   <p:clrMapOvr>
     <a:masterClrMapping/>
@@ -2093,7 +1980,7 @@
       </p:grpSpPr>
       <p:sp>
         <p:nvSpPr>
-          <p:cNvPr id="2" name="Slide Image Placeholder 1"/>
+          <p:cNvPr id="2" name="幻灯片图像占位符 1"/>
           <p:cNvSpPr>
             <a:spLocks noGrp="1" noRot="1" noChangeAspect="1"/>
           </p:cNvSpPr>
@@ -2105,7 +1992,7 @@
       </p:sp>
       <p:sp>
         <p:nvSpPr>
-          <p:cNvPr id="3" name="Notes Placeholder 2"/>
+          <p:cNvPr id="3" name="备注占位符 2"/>
           <p:cNvSpPr>
             <a:spLocks noGrp="1"/>
           </p:cNvSpPr>
@@ -2118,28 +2005,13 @@
           <a:bodyPr/>
           <a:lstStyle/>
           <a:p>
-            <a:r>
-              <a:rPr lang="zh-CN" altLang="en-US" dirty="0" smtClean="0"/>
-              <a:t>比例分配，新生代</a:t>
-            </a:r>
-            <a:r>
-              <a:rPr lang="zh-CN" altLang="en-US" baseline="0" dirty="0" smtClean="0"/>
-              <a:t> 老年代对半开</a:t>
-            </a:r>
-            <a:endParaRPr lang="en-US" altLang="zh-CN" baseline="0" dirty="0" smtClean="0"/>
-          </a:p>
-          <a:p>
-            <a:r>
-              <a:rPr lang="zh-CN" altLang="en-US" baseline="0" dirty="0" smtClean="0"/>
-              <a:t>对象全部留在新生代</a:t>
-            </a:r>
-            <a:endParaRPr lang="zh-CN" altLang="en-US" dirty="0"/>
-          </a:p>
-        </p:txBody>
-      </p:sp>
-      <p:sp>
-        <p:nvSpPr>
-          <p:cNvPr id="4" name="Slide Number Placeholder 3"/>
+            <a:endParaRPr lang="zh-CN" altLang="en-US"/>
+          </a:p>
+        </p:txBody>
+      </p:sp>
+      <p:sp>
+        <p:nvSpPr>
+          <p:cNvPr id="4" name="灯片编号占位符 3"/>
           <p:cNvSpPr>
             <a:spLocks noGrp="1"/>
           </p:cNvSpPr>
@@ -2157,21 +2029,12 @@
             </a:pPr>
             <a:fld id="{A06004EB-C740-4F3D-A864-243FCB14D11E}" type="slidenum">
               <a:rPr lang="zh-CN" altLang="en-US" smtClean="0"/>
-              <a:pPr>
-                <a:defRPr/>
-              </a:pPr>
-              <a:t>21</a:t>
             </a:fld>
             <a:endParaRPr lang="zh-CN" altLang="en-US"/>
           </a:p>
         </p:txBody>
       </p:sp>
     </p:spTree>
-    <p:extLst>
-      <p:ext uri="{BB962C8B-B14F-4D97-AF65-F5344CB8AC3E}">
-        <p14:creationId xmlns:p14="http://schemas.microsoft.com/office/powerpoint/2010/main" val="386929878"/>
-      </p:ext>
-    </p:extLst>
   </p:cSld>
   <p:clrMapOvr>
     <a:masterClrMapping/>
@@ -2198,7 +2061,7 @@
       </p:grpSpPr>
       <p:sp>
         <p:nvSpPr>
-          <p:cNvPr id="2" name="Slide Image Placeholder 1"/>
+          <p:cNvPr id="2" name="幻灯片图像占位符 1"/>
           <p:cNvSpPr>
             <a:spLocks noGrp="1" noRot="1" noChangeAspect="1"/>
           </p:cNvSpPr>
@@ -2210,7 +2073,7 @@
       </p:sp>
       <p:sp>
         <p:nvSpPr>
-          <p:cNvPr id="3" name="Notes Placeholder 2"/>
+          <p:cNvPr id="3" name="备注占位符 2"/>
           <p:cNvSpPr>
             <a:spLocks noGrp="1"/>
           </p:cNvSpPr>
@@ -2223,25 +2086,13 @@
           <a:bodyPr/>
           <a:lstStyle/>
           <a:p>
-            <a:r>
-              <a:rPr lang="zh-CN" altLang="en-US" dirty="0" smtClean="0"/>
-              <a:t>减少了</a:t>
-            </a:r>
-            <a:r>
-              <a:rPr lang="en-US" altLang="zh-CN" dirty="0" smtClean="0"/>
-              <a:t>s0 s1 GC</a:t>
-            </a:r>
-            <a:r>
-              <a:rPr lang="zh-CN" altLang="en-US" dirty="0" smtClean="0"/>
-              <a:t>数量变少，老年代未使用 空间使用率更高</a:t>
-            </a:r>
-            <a:endParaRPr lang="en-US" altLang="zh-CN" dirty="0" smtClean="0"/>
-          </a:p>
-        </p:txBody>
-      </p:sp>
-      <p:sp>
-        <p:nvSpPr>
-          <p:cNvPr id="4" name="Slide Number Placeholder 3"/>
+            <a:endParaRPr lang="zh-CN" altLang="en-US"/>
+          </a:p>
+        </p:txBody>
+      </p:sp>
+      <p:sp>
+        <p:nvSpPr>
+          <p:cNvPr id="4" name="灯片编号占位符 3"/>
           <p:cNvSpPr>
             <a:spLocks noGrp="1"/>
           </p:cNvSpPr>
@@ -2259,21 +2110,12 @@
             </a:pPr>
             <a:fld id="{A06004EB-C740-4F3D-A864-243FCB14D11E}" type="slidenum">
               <a:rPr lang="zh-CN" altLang="en-US" smtClean="0"/>
-              <a:pPr>
-                <a:defRPr/>
-              </a:pPr>
-              <a:t>22</a:t>
             </a:fld>
             <a:endParaRPr lang="zh-CN" altLang="en-US"/>
           </a:p>
         </p:txBody>
       </p:sp>
     </p:spTree>
-    <p:extLst>
-      <p:ext uri="{BB962C8B-B14F-4D97-AF65-F5344CB8AC3E}">
-        <p14:creationId xmlns:p14="http://schemas.microsoft.com/office/powerpoint/2010/main" val="3435864584"/>
-      </p:ext>
-    </p:extLst>
   </p:cSld>
   <p:clrMapOvr>
     <a:masterClrMapping/>
@@ -2349,21 +2191,12 @@
             </a:pPr>
             <a:fld id="{A06004EB-C740-4F3D-A864-243FCB14D11E}" type="slidenum">
               <a:rPr lang="zh-CN" altLang="en-US" smtClean="0"/>
-              <a:pPr>
-                <a:defRPr/>
-              </a:pPr>
-              <a:t>23</a:t>
             </a:fld>
             <a:endParaRPr lang="zh-CN" altLang="en-US"/>
           </a:p>
         </p:txBody>
       </p:sp>
     </p:spTree>
-    <p:extLst>
-      <p:ext uri="{BB962C8B-B14F-4D97-AF65-F5344CB8AC3E}">
-        <p14:creationId xmlns:p14="http://schemas.microsoft.com/office/powerpoint/2010/main" val="1943213648"/>
-      </p:ext>
-    </p:extLst>
   </p:cSld>
   <p:clrMapOvr>
     <a:masterClrMapping/>
@@ -2439,21 +2272,12 @@
             </a:pPr>
             <a:fld id="{A06004EB-C740-4F3D-A864-243FCB14D11E}" type="slidenum">
               <a:rPr lang="zh-CN" altLang="en-US" smtClean="0"/>
-              <a:pPr>
-                <a:defRPr/>
-              </a:pPr>
-              <a:t>24</a:t>
             </a:fld>
             <a:endParaRPr lang="zh-CN" altLang="en-US"/>
           </a:p>
         </p:txBody>
       </p:sp>
     </p:spTree>
-    <p:extLst>
-      <p:ext uri="{BB962C8B-B14F-4D97-AF65-F5344CB8AC3E}">
-        <p14:creationId xmlns:p14="http://schemas.microsoft.com/office/powerpoint/2010/main" val="2436041667"/>
-      </p:ext>
-    </p:extLst>
   </p:cSld>
   <p:clrMapOvr>
     <a:masterClrMapping/>
@@ -2529,21 +2353,12 @@
             </a:pPr>
             <a:fld id="{A06004EB-C740-4F3D-A864-243FCB14D11E}" type="slidenum">
               <a:rPr lang="zh-CN" altLang="en-US" smtClean="0"/>
-              <a:pPr>
-                <a:defRPr/>
-              </a:pPr>
-              <a:t>25</a:t>
             </a:fld>
             <a:endParaRPr lang="zh-CN" altLang="en-US"/>
           </a:p>
         </p:txBody>
       </p:sp>
     </p:spTree>
-    <p:extLst>
-      <p:ext uri="{BB962C8B-B14F-4D97-AF65-F5344CB8AC3E}">
-        <p14:creationId xmlns:p14="http://schemas.microsoft.com/office/powerpoint/2010/main" val="3791774519"/>
-      </p:ext>
-    </p:extLst>
   </p:cSld>
   <p:clrMapOvr>
     <a:masterClrMapping/>
@@ -2619,21 +2434,12 @@
             </a:pPr>
             <a:fld id="{A06004EB-C740-4F3D-A864-243FCB14D11E}" type="slidenum">
               <a:rPr lang="zh-CN" altLang="en-US" smtClean="0"/>
-              <a:pPr>
-                <a:defRPr/>
-              </a:pPr>
-              <a:t>26</a:t>
             </a:fld>
             <a:endParaRPr lang="zh-CN" altLang="en-US"/>
           </a:p>
         </p:txBody>
       </p:sp>
     </p:spTree>
-    <p:extLst>
-      <p:ext uri="{BB962C8B-B14F-4D97-AF65-F5344CB8AC3E}">
-        <p14:creationId xmlns:p14="http://schemas.microsoft.com/office/powerpoint/2010/main" val="731419553"/>
-      </p:ext>
-    </p:extLst>
   </p:cSld>
   <p:clrMapOvr>
     <a:masterClrMapping/>
@@ -2709,21 +2515,12 @@
             </a:pPr>
             <a:fld id="{A06004EB-C740-4F3D-A864-243FCB14D11E}" type="slidenum">
               <a:rPr lang="zh-CN" altLang="en-US" smtClean="0"/>
-              <a:pPr>
-                <a:defRPr/>
-              </a:pPr>
-              <a:t>27</a:t>
             </a:fld>
             <a:endParaRPr lang="zh-CN" altLang="en-US"/>
           </a:p>
         </p:txBody>
       </p:sp>
     </p:spTree>
-    <p:extLst>
-      <p:ext uri="{BB962C8B-B14F-4D97-AF65-F5344CB8AC3E}">
-        <p14:creationId xmlns:p14="http://schemas.microsoft.com/office/powerpoint/2010/main" val="599347752"/>
-      </p:ext>
-    </p:extLst>
   </p:cSld>
   <p:clrMapOvr>
     <a:masterClrMapping/>
@@ -2750,7 +2547,7 @@
       </p:grpSpPr>
       <p:sp>
         <p:nvSpPr>
-          <p:cNvPr id="2" name="幻灯片图像占位符 1"/>
+          <p:cNvPr id="2" name="Slide Image Placeholder 1"/>
           <p:cNvSpPr>
             <a:spLocks noGrp="1" noRot="1" noChangeAspect="1"/>
           </p:cNvSpPr>
@@ -2762,7 +2559,7 @@
       </p:sp>
       <p:sp>
         <p:nvSpPr>
-          <p:cNvPr id="3" name="备注占位符 2"/>
+          <p:cNvPr id="3" name="Notes Placeholder 2"/>
           <p:cNvSpPr>
             <a:spLocks noGrp="1"/>
           </p:cNvSpPr>
@@ -2775,13 +2572,21 @@
           <a:bodyPr/>
           <a:lstStyle/>
           <a:p>
-            <a:endParaRPr lang="zh-CN" altLang="en-US"/>
-          </a:p>
-        </p:txBody>
-      </p:sp>
-      <p:sp>
-        <p:nvSpPr>
-          <p:cNvPr id="4" name="灯片编号占位符 3"/>
+            <a:r>
+              <a:rPr lang="zh-CN" altLang="en-US" dirty="0" smtClean="0"/>
+              <a:t>去掉局部变量</a:t>
+            </a:r>
+            <a:r>
+              <a:rPr lang="zh-CN" altLang="en-US" baseline="0" dirty="0" smtClean="0"/>
+              <a:t> 调用层次可以更深</a:t>
+            </a:r>
+            <a:endParaRPr lang="zh-CN" altLang="en-US" dirty="0"/>
+          </a:p>
+        </p:txBody>
+      </p:sp>
+      <p:sp>
+        <p:nvSpPr>
+          <p:cNvPr id="4" name="Slide Number Placeholder 3"/>
           <p:cNvSpPr>
             <a:spLocks noGrp="1"/>
           </p:cNvSpPr>
@@ -2799,21 +2604,12 @@
             </a:pPr>
             <a:fld id="{A06004EB-C740-4F3D-A864-243FCB14D11E}" type="slidenum">
               <a:rPr lang="zh-CN" altLang="en-US" smtClean="0"/>
-              <a:pPr>
-                <a:defRPr/>
-              </a:pPr>
-              <a:t>28</a:t>
             </a:fld>
             <a:endParaRPr lang="zh-CN" altLang="en-US"/>
           </a:p>
         </p:txBody>
       </p:sp>
     </p:spTree>
-    <p:extLst>
-      <p:ext uri="{BB962C8B-B14F-4D97-AF65-F5344CB8AC3E}">
-        <p14:creationId xmlns:p14="http://schemas.microsoft.com/office/powerpoint/2010/main" val="3464790833"/>
-      </p:ext>
-    </p:extLst>
   </p:cSld>
   <p:clrMapOvr>
     <a:masterClrMapping/>
@@ -2889,21 +2685,12 @@
             </a:pPr>
             <a:fld id="{A06004EB-C740-4F3D-A864-243FCB14D11E}" type="slidenum">
               <a:rPr lang="zh-CN" altLang="en-US" smtClean="0"/>
-              <a:pPr>
-                <a:defRPr/>
-              </a:pPr>
-              <a:t>29</a:t>
             </a:fld>
             <a:endParaRPr lang="zh-CN" altLang="en-US"/>
           </a:p>
         </p:txBody>
       </p:sp>
     </p:spTree>
-    <p:extLst>
-      <p:ext uri="{BB962C8B-B14F-4D97-AF65-F5344CB8AC3E}">
-        <p14:creationId xmlns:p14="http://schemas.microsoft.com/office/powerpoint/2010/main" val="3011941643"/>
-      </p:ext>
-    </p:extLst>
   </p:cSld>
   <p:clrMapOvr>
     <a:masterClrMapping/>
@@ -2979,209 +2766,12 @@
             </a:pPr>
             <a:fld id="{A06004EB-C740-4F3D-A864-243FCB14D11E}" type="slidenum">
               <a:rPr lang="zh-CN" altLang="en-US" smtClean="0"/>
-              <a:pPr>
-                <a:defRPr/>
-              </a:pPr>
-              <a:t>3</a:t>
             </a:fld>
             <a:endParaRPr lang="zh-CN" altLang="en-US"/>
           </a:p>
         </p:txBody>
       </p:sp>
     </p:spTree>
-    <p:extLst>
-      <p:ext uri="{BB962C8B-B14F-4D97-AF65-F5344CB8AC3E}">
-        <p14:creationId xmlns:p14="http://schemas.microsoft.com/office/powerpoint/2010/main" val="1251054728"/>
-      </p:ext>
-    </p:extLst>
-  </p:cSld>
-  <p:clrMapOvr>
-    <a:masterClrMapping/>
-  </p:clrMapOvr>
-</p:notes>
-</file>
-
-<file path=ppt/notesSlides/notesSlide30.xml><?xml version="1.0" encoding="utf-8"?>
-<p:notes xmlns:a="http://schemas.openxmlformats.org/drawingml/2006/main" xmlns:r="http://schemas.openxmlformats.org/officeDocument/2006/relationships" xmlns:p="http://schemas.openxmlformats.org/presentationml/2006/main">
-  <p:cSld>
-    <p:spTree>
-      <p:nvGrpSpPr>
-        <p:cNvPr id="1" name=""/>
-        <p:cNvGrpSpPr/>
-        <p:nvPr/>
-      </p:nvGrpSpPr>
-      <p:grpSpPr>
-        <a:xfrm>
-          <a:off x="0" y="0"/>
-          <a:ext cx="0" cy="0"/>
-          <a:chOff x="0" y="0"/>
-          <a:chExt cx="0" cy="0"/>
-        </a:xfrm>
-      </p:grpSpPr>
-      <p:sp>
-        <p:nvSpPr>
-          <p:cNvPr id="2" name="Slide Image Placeholder 1"/>
-          <p:cNvSpPr>
-            <a:spLocks noGrp="1" noRot="1" noChangeAspect="1"/>
-          </p:cNvSpPr>
-          <p:nvPr>
-            <p:ph type="sldImg"/>
-          </p:nvPr>
-        </p:nvSpPr>
-        <p:spPr/>
-      </p:sp>
-      <p:sp>
-        <p:nvSpPr>
-          <p:cNvPr id="3" name="Notes Placeholder 2"/>
-          <p:cNvSpPr>
-            <a:spLocks noGrp="1"/>
-          </p:cNvSpPr>
-          <p:nvPr>
-            <p:ph type="body" idx="1"/>
-          </p:nvPr>
-        </p:nvSpPr>
-        <p:spPr/>
-        <p:txBody>
-          <a:bodyPr/>
-          <a:lstStyle/>
-          <a:p>
-            <a:r>
-              <a:rPr lang="zh-CN" altLang="en-US" dirty="0" smtClean="0"/>
-              <a:t>去掉局部变量</a:t>
-            </a:r>
-            <a:r>
-              <a:rPr lang="zh-CN" altLang="en-US" baseline="0" dirty="0" smtClean="0"/>
-              <a:t> 调用层次可以更深</a:t>
-            </a:r>
-            <a:endParaRPr lang="zh-CN" altLang="en-US" dirty="0"/>
-          </a:p>
-        </p:txBody>
-      </p:sp>
-      <p:sp>
-        <p:nvSpPr>
-          <p:cNvPr id="4" name="Slide Number Placeholder 3"/>
-          <p:cNvSpPr>
-            <a:spLocks noGrp="1"/>
-          </p:cNvSpPr>
-          <p:nvPr>
-            <p:ph type="sldNum" sz="quarter" idx="10"/>
-          </p:nvPr>
-        </p:nvSpPr>
-        <p:spPr/>
-        <p:txBody>
-          <a:bodyPr/>
-          <a:lstStyle/>
-          <a:p>
-            <a:pPr>
-              <a:defRPr/>
-            </a:pPr>
-            <a:fld id="{A06004EB-C740-4F3D-A864-243FCB14D11E}" type="slidenum">
-              <a:rPr lang="zh-CN" altLang="en-US" smtClean="0"/>
-              <a:pPr>
-                <a:defRPr/>
-              </a:pPr>
-              <a:t>30</a:t>
-            </a:fld>
-            <a:endParaRPr lang="zh-CN" altLang="en-US"/>
-          </a:p>
-        </p:txBody>
-      </p:sp>
-    </p:spTree>
-    <p:extLst>
-      <p:ext uri="{BB962C8B-B14F-4D97-AF65-F5344CB8AC3E}">
-        <p14:creationId xmlns:p14="http://schemas.microsoft.com/office/powerpoint/2010/main" val="3382072252"/>
-      </p:ext>
-    </p:extLst>
-  </p:cSld>
-  <p:clrMapOvr>
-    <a:masterClrMapping/>
-  </p:clrMapOvr>
-</p:notes>
-</file>
-
-<file path=ppt/notesSlides/notesSlide31.xml><?xml version="1.0" encoding="utf-8"?>
-<p:notes xmlns:a="http://schemas.openxmlformats.org/drawingml/2006/main" xmlns:r="http://schemas.openxmlformats.org/officeDocument/2006/relationships" xmlns:p="http://schemas.openxmlformats.org/presentationml/2006/main">
-  <p:cSld>
-    <p:spTree>
-      <p:nvGrpSpPr>
-        <p:cNvPr id="1" name=""/>
-        <p:cNvGrpSpPr/>
-        <p:nvPr/>
-      </p:nvGrpSpPr>
-      <p:grpSpPr>
-        <a:xfrm>
-          <a:off x="0" y="0"/>
-          <a:ext cx="0" cy="0"/>
-          <a:chOff x="0" y="0"/>
-          <a:chExt cx="0" cy="0"/>
-        </a:xfrm>
-      </p:grpSpPr>
-      <p:sp>
-        <p:nvSpPr>
-          <p:cNvPr id="2" name="幻灯片图像占位符 1"/>
-          <p:cNvSpPr>
-            <a:spLocks noGrp="1" noRot="1" noChangeAspect="1"/>
-          </p:cNvSpPr>
-          <p:nvPr>
-            <p:ph type="sldImg"/>
-          </p:nvPr>
-        </p:nvSpPr>
-        <p:spPr/>
-      </p:sp>
-      <p:sp>
-        <p:nvSpPr>
-          <p:cNvPr id="3" name="备注占位符 2"/>
-          <p:cNvSpPr>
-            <a:spLocks noGrp="1"/>
-          </p:cNvSpPr>
-          <p:nvPr>
-            <p:ph type="body" idx="1"/>
-          </p:nvPr>
-        </p:nvSpPr>
-        <p:spPr/>
-        <p:txBody>
-          <a:bodyPr/>
-          <a:lstStyle/>
-          <a:p>
-            <a:endParaRPr lang="zh-CN" altLang="en-US"/>
-          </a:p>
-        </p:txBody>
-      </p:sp>
-      <p:sp>
-        <p:nvSpPr>
-          <p:cNvPr id="4" name="灯片编号占位符 3"/>
-          <p:cNvSpPr>
-            <a:spLocks noGrp="1"/>
-          </p:cNvSpPr>
-          <p:nvPr>
-            <p:ph type="sldNum" sz="quarter" idx="10"/>
-          </p:nvPr>
-        </p:nvSpPr>
-        <p:spPr/>
-        <p:txBody>
-          <a:bodyPr/>
-          <a:lstStyle/>
-          <a:p>
-            <a:pPr>
-              <a:defRPr/>
-            </a:pPr>
-            <a:fld id="{A06004EB-C740-4F3D-A864-243FCB14D11E}" type="slidenum">
-              <a:rPr lang="zh-CN" altLang="en-US" smtClean="0"/>
-              <a:pPr>
-                <a:defRPr/>
-              </a:pPr>
-              <a:t>31</a:t>
-            </a:fld>
-            <a:endParaRPr lang="zh-CN" altLang="en-US"/>
-          </a:p>
-        </p:txBody>
-      </p:sp>
-    </p:spTree>
-    <p:extLst>
-      <p:ext uri="{BB962C8B-B14F-4D97-AF65-F5344CB8AC3E}">
-        <p14:creationId xmlns:p14="http://schemas.microsoft.com/office/powerpoint/2010/main" val="133393159"/>
-      </p:ext>
-    </p:extLst>
   </p:cSld>
   <p:clrMapOvr>
     <a:masterClrMapping/>
@@ -3257,21 +2847,12 @@
             </a:pPr>
             <a:fld id="{A06004EB-C740-4F3D-A864-243FCB14D11E}" type="slidenum">
               <a:rPr lang="zh-CN" altLang="en-US" smtClean="0"/>
-              <a:pPr>
-                <a:defRPr/>
-              </a:pPr>
-              <a:t>4</a:t>
             </a:fld>
             <a:endParaRPr lang="zh-CN" altLang="en-US"/>
           </a:p>
         </p:txBody>
       </p:sp>
     </p:spTree>
-    <p:extLst>
-      <p:ext uri="{BB962C8B-B14F-4D97-AF65-F5344CB8AC3E}">
-        <p14:creationId xmlns:p14="http://schemas.microsoft.com/office/powerpoint/2010/main" val="1650993753"/>
-      </p:ext>
-    </p:extLst>
   </p:cSld>
   <p:clrMapOvr>
     <a:masterClrMapping/>
@@ -3347,21 +2928,12 @@
             </a:pPr>
             <a:fld id="{A06004EB-C740-4F3D-A864-243FCB14D11E}" type="slidenum">
               <a:rPr lang="zh-CN" altLang="en-US" smtClean="0"/>
-              <a:pPr>
-                <a:defRPr/>
-              </a:pPr>
-              <a:t>5</a:t>
             </a:fld>
             <a:endParaRPr lang="zh-CN" altLang="en-US"/>
           </a:p>
         </p:txBody>
       </p:sp>
     </p:spTree>
-    <p:extLst>
-      <p:ext uri="{BB962C8B-B14F-4D97-AF65-F5344CB8AC3E}">
-        <p14:creationId xmlns:p14="http://schemas.microsoft.com/office/powerpoint/2010/main" val="2229508603"/>
-      </p:ext>
-    </p:extLst>
   </p:cSld>
   <p:clrMapOvr>
     <a:masterClrMapping/>
@@ -3437,21 +3009,12 @@
             </a:pPr>
             <a:fld id="{A06004EB-C740-4F3D-A864-243FCB14D11E}" type="slidenum">
               <a:rPr lang="zh-CN" altLang="en-US" smtClean="0"/>
-              <a:pPr>
-                <a:defRPr/>
-              </a:pPr>
-              <a:t>6</a:t>
             </a:fld>
             <a:endParaRPr lang="zh-CN" altLang="en-US"/>
           </a:p>
         </p:txBody>
       </p:sp>
     </p:spTree>
-    <p:extLst>
-      <p:ext uri="{BB962C8B-B14F-4D97-AF65-F5344CB8AC3E}">
-        <p14:creationId xmlns:p14="http://schemas.microsoft.com/office/powerpoint/2010/main" val="2357488841"/>
-      </p:ext>
-    </p:extLst>
   </p:cSld>
   <p:clrMapOvr>
     <a:masterClrMapping/>
@@ -3527,21 +3090,12 @@
             </a:pPr>
             <a:fld id="{A06004EB-C740-4F3D-A864-243FCB14D11E}" type="slidenum">
               <a:rPr lang="zh-CN" altLang="en-US" smtClean="0"/>
-              <a:pPr>
-                <a:defRPr/>
-              </a:pPr>
-              <a:t>7</a:t>
             </a:fld>
             <a:endParaRPr lang="zh-CN" altLang="en-US"/>
           </a:p>
         </p:txBody>
       </p:sp>
     </p:spTree>
-    <p:extLst>
-      <p:ext uri="{BB962C8B-B14F-4D97-AF65-F5344CB8AC3E}">
-        <p14:creationId xmlns:p14="http://schemas.microsoft.com/office/powerpoint/2010/main" val="2614531311"/>
-      </p:ext>
-    </p:extLst>
   </p:cSld>
   <p:clrMapOvr>
     <a:masterClrMapping/>
@@ -3617,21 +3171,12 @@
             </a:pPr>
             <a:fld id="{A06004EB-C740-4F3D-A864-243FCB14D11E}" type="slidenum">
               <a:rPr lang="zh-CN" altLang="en-US" smtClean="0"/>
-              <a:pPr>
-                <a:defRPr/>
-              </a:pPr>
-              <a:t>8</a:t>
             </a:fld>
             <a:endParaRPr lang="zh-CN" altLang="en-US"/>
           </a:p>
         </p:txBody>
       </p:sp>
     </p:spTree>
-    <p:extLst>
-      <p:ext uri="{BB962C8B-B14F-4D97-AF65-F5344CB8AC3E}">
-        <p14:creationId xmlns:p14="http://schemas.microsoft.com/office/powerpoint/2010/main" val="2401274693"/>
-      </p:ext>
-    </p:extLst>
   </p:cSld>
   <p:clrMapOvr>
     <a:masterClrMapping/>
@@ -3707,21 +3252,12 @@
             </a:pPr>
             <a:fld id="{A06004EB-C740-4F3D-A864-243FCB14D11E}" type="slidenum">
               <a:rPr lang="zh-CN" altLang="en-US" smtClean="0"/>
-              <a:pPr>
-                <a:defRPr/>
-              </a:pPr>
-              <a:t>9</a:t>
             </a:fld>
             <a:endParaRPr lang="zh-CN" altLang="en-US"/>
           </a:p>
         </p:txBody>
       </p:sp>
     </p:spTree>
-    <p:extLst>
-      <p:ext uri="{BB962C8B-B14F-4D97-AF65-F5344CB8AC3E}">
-        <p14:creationId xmlns:p14="http://schemas.microsoft.com/office/powerpoint/2010/main" val="3768302416"/>
-      </p:ext>
-    </p:extLst>
   </p:cSld>
   <p:clrMapOvr>
     <a:masterClrMapping/>
@@ -3730,7 +3266,7 @@
 </file>
 
 <file path=ppt/slideLayouts/slideLayout1.xml><?xml version="1.0" encoding="utf-8"?>
-<p:sldLayout xmlns:a="http://schemas.openxmlformats.org/drawingml/2006/main" xmlns:r="http://schemas.openxmlformats.org/officeDocument/2006/relationships" xmlns:p="http://schemas.openxmlformats.org/presentationml/2006/main" showMasterSp="0" preserve="1" userDrawn="1">
+<p:sldLayout xmlns:a="http://schemas.openxmlformats.org/drawingml/2006/main" xmlns:r="http://schemas.openxmlformats.org/officeDocument/2006/relationships" xmlns:p="http://schemas.openxmlformats.org/presentationml/2006/main" preserve="1" showMasterSp="0" userDrawn="1">
   <p:cSld name="标题幻灯片">
     <p:spTree>
       <p:nvGrpSpPr>
@@ -3749,9 +3285,7 @@
       <p:sp>
         <p:nvSpPr>
           <p:cNvPr id="4" name="页脚占位符 4"/>
-          <p:cNvSpPr txBox="1">
-            <a:spLocks/>
-          </p:cNvSpPr>
+          <p:cNvSpPr txBox="1"/>
           <p:nvPr userDrawn="1"/>
         </p:nvSpPr>
         <p:spPr>
@@ -3794,8 +3328,8 @@
                   </a:schemeClr>
                 </a:solidFill>
                 <a:effectLst/>
-                <a:latin typeface="Arial" charset="0"/>
-                <a:ea typeface="微软雅黑" pitchFamily="34" charset="-122"/>
+                <a:latin typeface="Arial" panose="020B0604020202020204" pitchFamily="34" charset="0"/>
+                <a:ea typeface="微软雅黑" panose="020B0503020204020204" pitchFamily="34" charset="-122"/>
                 <a:cs typeface="+mn-cs"/>
               </a:rPr>
               <a:t>深入</a:t>
@@ -3808,8 +3342,8 @@
                   </a:schemeClr>
                 </a:solidFill>
                 <a:effectLst/>
-                <a:latin typeface="Arial" charset="0"/>
-                <a:ea typeface="微软雅黑" pitchFamily="34" charset="-122"/>
+                <a:latin typeface="Arial" panose="020B0604020202020204" pitchFamily="34" charset="0"/>
+                <a:ea typeface="微软雅黑" panose="020B0503020204020204" pitchFamily="34" charset="-122"/>
                 <a:cs typeface="+mn-cs"/>
               </a:rPr>
               <a:t>JVM</a:t>
@@ -3822,8 +3356,8 @@
                   </a:schemeClr>
                 </a:solidFill>
                 <a:effectLst/>
-                <a:latin typeface="Arial" charset="0"/>
-                <a:ea typeface="微软雅黑" pitchFamily="34" charset="-122"/>
+                <a:latin typeface="Arial" panose="020B0604020202020204" pitchFamily="34" charset="0"/>
+                <a:ea typeface="微软雅黑" panose="020B0503020204020204" pitchFamily="34" charset="-122"/>
                 <a:cs typeface="+mn-cs"/>
               </a:rPr>
               <a:t>内核</a:t>
@@ -3836,8 +3370,8 @@
                   </a:schemeClr>
                 </a:solidFill>
                 <a:effectLst/>
-                <a:latin typeface="Arial" charset="0"/>
-                <a:ea typeface="微软雅黑" pitchFamily="34" charset="-122"/>
+                <a:latin typeface="Arial" panose="020B0604020202020204" pitchFamily="34" charset="0"/>
+                <a:ea typeface="微软雅黑" panose="020B0503020204020204" pitchFamily="34" charset="-122"/>
                 <a:cs typeface="+mn-cs"/>
               </a:rPr>
               <a:t>——</a:t>
@@ -3850,24 +3384,24 @@
                   </a:schemeClr>
                 </a:solidFill>
                 <a:effectLst/>
-                <a:latin typeface="Arial" charset="0"/>
-                <a:ea typeface="微软雅黑" pitchFamily="34" charset="-122"/>
+                <a:latin typeface="Arial" panose="020B0604020202020204" pitchFamily="34" charset="0"/>
+                <a:ea typeface="微软雅黑" panose="020B0503020204020204" pitchFamily="34" charset="-122"/>
                 <a:cs typeface="+mn-cs"/>
               </a:rPr>
               <a:t>原理、诊断与优化    讲师 </a:t>
             </a:r>
             <a:r>
               <a:rPr lang="zh-CN" altLang="en-US" sz="1200" baseline="0" dirty="0" smtClean="0">
-                <a:latin typeface="微软雅黑" pitchFamily="34" charset="-122"/>
-                <a:ea typeface="微软雅黑" pitchFamily="34" charset="-122"/>
-                <a:cs typeface="Arial Unicode MS" pitchFamily="34" charset="-122"/>
+                <a:latin typeface="微软雅黑" panose="020B0503020204020204" pitchFamily="34" charset="-122"/>
+                <a:ea typeface="微软雅黑" panose="020B0503020204020204" pitchFamily="34" charset="-122"/>
+                <a:cs typeface="Arial Unicode MS" panose="020B0604020202020204" pitchFamily="34" charset="-122"/>
               </a:rPr>
               <a:t>葛一鸣</a:t>
             </a:r>
             <a:endParaRPr lang="en-US" altLang="zh-CN" sz="1200" baseline="0" dirty="0" smtClean="0">
-              <a:latin typeface="微软雅黑" pitchFamily="34" charset="-122"/>
-              <a:ea typeface="微软雅黑" pitchFamily="34" charset="-122"/>
-              <a:cs typeface="Arial Unicode MS" pitchFamily="34" charset="-122"/>
+              <a:latin typeface="微软雅黑" panose="020B0503020204020204" pitchFamily="34" charset="-122"/>
+              <a:ea typeface="微软雅黑" panose="020B0503020204020204" pitchFamily="34" charset="-122"/>
+              <a:cs typeface="Arial Unicode MS" panose="020B0604020202020204" pitchFamily="34" charset="-122"/>
             </a:endParaRPr>
           </a:p>
           <a:p>
@@ -3882,24 +3416,24 @@
             </a:pPr>
             <a:r>
               <a:rPr lang="zh-CN" altLang="en-US" sz="1200" baseline="0" dirty="0" smtClean="0">
-                <a:latin typeface="微软雅黑" pitchFamily="34" charset="-122"/>
-                <a:ea typeface="微软雅黑" pitchFamily="34" charset="-122"/>
-                <a:cs typeface="Arial Unicode MS" pitchFamily="34" charset="-122"/>
+                <a:latin typeface="微软雅黑" panose="020B0503020204020204" pitchFamily="34" charset="-122"/>
+                <a:ea typeface="微软雅黑" panose="020B0503020204020204" pitchFamily="34" charset="-122"/>
+                <a:cs typeface="Arial Unicode MS" panose="020B0604020202020204" pitchFamily="34" charset="-122"/>
               </a:rPr>
               <a:t>主页 </a:t>
             </a:r>
             <a:r>
               <a:rPr lang="en-US" altLang="zh-CN" sz="1200" baseline="0" dirty="0" smtClean="0">
-                <a:latin typeface="微软雅黑" pitchFamily="34" charset="-122"/>
-                <a:ea typeface="微软雅黑" pitchFamily="34" charset="-122"/>
-                <a:cs typeface="Arial Unicode MS" pitchFamily="34" charset="-122"/>
+                <a:latin typeface="微软雅黑" panose="020B0503020204020204" pitchFamily="34" charset="-122"/>
+                <a:ea typeface="微软雅黑" panose="020B0503020204020204" pitchFamily="34" charset="-122"/>
+                <a:cs typeface="Arial Unicode MS" panose="020B0604020202020204" pitchFamily="34" charset="-122"/>
               </a:rPr>
               <a:t>http://www.uucode.net</a:t>
             </a:r>
             <a:endParaRPr lang="zh-CN" altLang="en-US" sz="1200" dirty="0">
-              <a:latin typeface="微软雅黑" pitchFamily="34" charset="-122"/>
-              <a:ea typeface="微软雅黑" pitchFamily="34" charset="-122"/>
-              <a:cs typeface="Arial Unicode MS" pitchFamily="34" charset="-122"/>
+              <a:latin typeface="微软雅黑" panose="020B0503020204020204" pitchFamily="34" charset="-122"/>
+              <a:ea typeface="微软雅黑" panose="020B0503020204020204" pitchFamily="34" charset="-122"/>
+              <a:cs typeface="Arial Unicode MS" panose="020B0604020202020204" pitchFamily="34" charset="-122"/>
             </a:endParaRPr>
           </a:p>
         </p:txBody>
@@ -3907,9 +3441,7 @@
       <p:grpSp>
         <p:nvGrpSpPr>
           <p:cNvPr id="5" name="组合 19"/>
-          <p:cNvGrpSpPr>
-            <a:grpSpLocks/>
-          </p:cNvGrpSpPr>
+          <p:cNvGrpSpPr/>
           <p:nvPr userDrawn="1"/>
         </p:nvGrpSpPr>
         <p:grpSpPr bwMode="auto">
@@ -4142,10 +3674,10 @@
                 </a:solidFill>
                 <a:latin typeface="+mn-ea"/>
                 <a:ea typeface="+mn-ea"/>
-                <a:sym typeface="Wingdings" pitchFamily="2" charset="2"/>
+                <a:sym typeface="Wingdings" panose="05000000000000000000" pitchFamily="2" charset="2"/>
               </a:defRPr>
             </a:lvl1pPr>
-            <a:lvl2pPr marL="544662" indent="0" algn="ctr">
+            <a:lvl2pPr marL="544830" indent="0" algn="ctr">
               <a:buNone/>
               <a:defRPr>
                 <a:solidFill>
@@ -4155,7 +3687,7 @@
                 </a:solidFill>
               </a:defRPr>
             </a:lvl2pPr>
-            <a:lvl3pPr marL="1089325" indent="0" algn="ctr">
+            <a:lvl3pPr marL="1089025" indent="0" algn="ctr">
               <a:buNone/>
               <a:defRPr>
                 <a:solidFill>
@@ -4165,7 +3697,7 @@
                 </a:solidFill>
               </a:defRPr>
             </a:lvl3pPr>
-            <a:lvl4pPr marL="1633987" indent="0" algn="ctr">
+            <a:lvl4pPr marL="1633855" indent="0" algn="ctr">
               <a:buNone/>
               <a:defRPr>
                 <a:solidFill>
@@ -4175,7 +3707,7 @@
                 </a:solidFill>
               </a:defRPr>
             </a:lvl4pPr>
-            <a:lvl5pPr marL="2178649" indent="0" algn="ctr">
+            <a:lvl5pPr marL="2178685" indent="0" algn="ctr">
               <a:buNone/>
               <a:defRPr>
                 <a:solidFill>
@@ -4185,7 +3717,7 @@
                 </a:solidFill>
               </a:defRPr>
             </a:lvl5pPr>
-            <a:lvl6pPr marL="2723312" indent="0" algn="ctr">
+            <a:lvl6pPr marL="2723515" indent="0" algn="ctr">
               <a:buNone/>
               <a:defRPr>
                 <a:solidFill>
@@ -4195,7 +3727,7 @@
                 </a:solidFill>
               </a:defRPr>
             </a:lvl6pPr>
-            <a:lvl7pPr marL="3267974" indent="0" algn="ctr">
+            <a:lvl7pPr marL="3267710" indent="0" algn="ctr">
               <a:buNone/>
               <a:defRPr>
                 <a:solidFill>
@@ -4205,7 +3737,7 @@
                 </a:solidFill>
               </a:defRPr>
             </a:lvl7pPr>
-            <a:lvl8pPr marL="3812637" indent="0" algn="ctr">
+            <a:lvl8pPr marL="3812540" indent="0" algn="ctr">
               <a:buNone/>
               <a:defRPr>
                 <a:solidFill>
@@ -4215,7 +3747,7 @@
                 </a:solidFill>
               </a:defRPr>
             </a:lvl8pPr>
-            <a:lvl9pPr marL="4357299" indent="0" algn="ctr">
+            <a:lvl9pPr marL="4357370" indent="0" algn="ctr">
               <a:buNone/>
               <a:defRPr>
                 <a:solidFill>
@@ -4336,7 +3868,7 @@
           <a:bodyPr/>
           <a:lstStyle>
             <a:lvl1pPr>
-              <a:buFont typeface="Wingdings" pitchFamily="2" charset="2"/>
+              <a:buFont typeface="Wingdings" panose="05000000000000000000" pitchFamily="2" charset="2"/>
               <a:buChar char="n"/>
               <a:defRPr/>
             </a:lvl1pPr>
@@ -4347,6 +3879,7 @@
               <a:rPr lang="zh-CN" altLang="en-US" dirty="0" smtClean="0"/>
               <a:t>单击此处编辑母版文本样式</a:t>
             </a:r>
+            <a:endParaRPr lang="zh-CN" altLang="en-US" dirty="0" smtClean="0"/>
           </a:p>
           <a:p>
             <a:pPr lvl="1"/>
@@ -4354,6 +3887,7 @@
               <a:rPr lang="zh-CN" altLang="en-US" dirty="0" smtClean="0"/>
               <a:t>第二级</a:t>
             </a:r>
+            <a:endParaRPr lang="zh-CN" altLang="en-US" dirty="0" smtClean="0"/>
           </a:p>
           <a:p>
             <a:pPr lvl="2"/>
@@ -4361,6 +3895,7 @@
               <a:rPr lang="zh-CN" altLang="en-US" dirty="0" smtClean="0"/>
               <a:t>第三级</a:t>
             </a:r>
+            <a:endParaRPr lang="zh-CN" altLang="en-US" dirty="0" smtClean="0"/>
           </a:p>
           <a:p>
             <a:pPr lvl="3"/>
@@ -4368,6 +3903,7 @@
               <a:rPr lang="zh-CN" altLang="en-US" dirty="0" smtClean="0"/>
               <a:t>第四级</a:t>
             </a:r>
+            <a:endParaRPr lang="zh-CN" altLang="en-US" dirty="0" smtClean="0"/>
           </a:p>
           <a:p>
             <a:pPr lvl="4"/>
@@ -4455,7 +3991,7 @@
           <a:bodyPr/>
           <a:lstStyle>
             <a:lvl1pPr>
-              <a:buFont typeface="Wingdings" pitchFamily="2" charset="2"/>
+              <a:buFont typeface="Wingdings" panose="05000000000000000000" pitchFamily="2" charset="2"/>
               <a:buChar char="n"/>
               <a:defRPr/>
             </a:lvl1pPr>
@@ -4466,6 +4002,7 @@
               <a:rPr lang="zh-CN" altLang="en-US" smtClean="0"/>
               <a:t>单击此处编辑母版文本样式</a:t>
             </a:r>
+            <a:endParaRPr lang="zh-CN" altLang="en-US" smtClean="0"/>
           </a:p>
         </p:txBody>
       </p:sp>
@@ -4501,10 +4038,6 @@
             </a:pPr>
             <a:fld id="{C9F260F8-0F8D-4271-AB2B-8487BB54F279}" type="datetime1">
               <a:rPr lang="zh-CN" altLang="en-US"/>
-              <a:pPr>
-                <a:defRPr/>
-              </a:pPr>
-              <a:t>2014/7/7</a:t>
             </a:fld>
             <a:endParaRPr lang="zh-CN" altLang="en-US"/>
           </a:p>
@@ -4622,10 +4155,6 @@
             </a:pPr>
             <a:fld id="{FFADEFA4-4608-418A-84AC-D4C3F38BFDE0}" type="datetime1">
               <a:rPr lang="zh-CN" altLang="en-US"/>
-              <a:pPr>
-                <a:defRPr/>
-              </a:pPr>
-              <a:t>2014/7/7</a:t>
             </a:fld>
             <a:endParaRPr lang="zh-CN" altLang="en-US"/>
           </a:p>
@@ -4640,7 +4169,7 @@
 </file>
 
 <file path=ppt/slideLayouts/slideLayout6.xml><?xml version="1.0" encoding="utf-8"?>
-<p:sldLayout xmlns:a="http://schemas.openxmlformats.org/drawingml/2006/main" xmlns:r="http://schemas.openxmlformats.org/officeDocument/2006/relationships" xmlns:p="http://schemas.openxmlformats.org/presentationml/2006/main" showMasterSp="0" preserve="1" userDrawn="1">
+<p:sldLayout xmlns:a="http://schemas.openxmlformats.org/drawingml/2006/main" xmlns:r="http://schemas.openxmlformats.org/officeDocument/2006/relationships" xmlns:p="http://schemas.openxmlformats.org/presentationml/2006/main" preserve="1" showMasterSp="0" userDrawn="1">
   <p:cSld name="1_标题幻灯片">
     <p:spTree>
       <p:nvGrpSpPr>
@@ -4772,9 +4301,7 @@
       <p:sp>
         <p:nvSpPr>
           <p:cNvPr id="4" name="页脚占位符 4"/>
-          <p:cNvSpPr txBox="1">
-            <a:spLocks/>
-          </p:cNvSpPr>
+          <p:cNvSpPr txBox="1"/>
           <p:nvPr userDrawn="1"/>
         </p:nvSpPr>
         <p:spPr>
@@ -4811,24 +4338,24 @@
             </a:pPr>
             <a:r>
               <a:rPr lang="en-US" altLang="zh-CN" sz="1300" dirty="0" smtClean="0">
-                <a:latin typeface="Arial Unicode MS" pitchFamily="34" charset="-122"/>
-                <a:ea typeface="Arial Unicode MS" pitchFamily="34" charset="-122"/>
-                <a:cs typeface="Arial Unicode MS" pitchFamily="34" charset="-122"/>
+                <a:latin typeface="Arial Unicode MS" panose="020B0604020202020204" pitchFamily="34" charset="-122"/>
+                <a:ea typeface="Arial Unicode MS" panose="020B0604020202020204" pitchFamily="34" charset="-122"/>
+                <a:cs typeface="Arial Unicode MS" panose="020B0604020202020204" pitchFamily="34" charset="-122"/>
               </a:rPr>
               <a:t>DATAGURU</a:t>
             </a:r>
             <a:r>
               <a:rPr lang="zh-CN" altLang="en-US" sz="1300" dirty="0" smtClean="0">
-                <a:latin typeface="Arial Unicode MS" pitchFamily="34" charset="-122"/>
-                <a:ea typeface="Arial Unicode MS" pitchFamily="34" charset="-122"/>
-                <a:cs typeface="Arial Unicode MS" pitchFamily="34" charset="-122"/>
+                <a:latin typeface="Arial Unicode MS" panose="020B0604020202020204" pitchFamily="34" charset="-122"/>
+                <a:ea typeface="Arial Unicode MS" panose="020B0604020202020204" pitchFamily="34" charset="-122"/>
+                <a:cs typeface="Arial Unicode MS" panose="020B0604020202020204" pitchFamily="34" charset="-122"/>
               </a:rPr>
               <a:t>专业数据分析网站</a:t>
             </a:r>
             <a:endParaRPr lang="zh-CN" altLang="en-US" sz="1300" dirty="0">
-              <a:latin typeface="Arial Unicode MS" pitchFamily="34" charset="-122"/>
-              <a:ea typeface="Arial Unicode MS" pitchFamily="34" charset="-122"/>
-              <a:cs typeface="Arial Unicode MS" pitchFamily="34" charset="-122"/>
+              <a:latin typeface="Arial Unicode MS" panose="020B0604020202020204" pitchFamily="34" charset="-122"/>
+              <a:ea typeface="Arial Unicode MS" panose="020B0604020202020204" pitchFamily="34" charset="-122"/>
+              <a:cs typeface="Arial Unicode MS" panose="020B0604020202020204" pitchFamily="34" charset="-122"/>
             </a:endParaRPr>
           </a:p>
         </p:txBody>
@@ -5013,7 +4540,7 @@
                 <a:solidFill>
                   <a:schemeClr val="bg1"/>
                 </a:solidFill>
-                <a:latin typeface="Arial Black" pitchFamily="34" charset="0"/>
+                <a:latin typeface="Arial Black" panose="020B0A04020102020204" pitchFamily="34" charset="0"/>
                 <a:ea typeface="+mn-ea"/>
               </a:rPr>
               <a:t>FAQ</a:t>
@@ -5023,7 +4550,7 @@
                 <a:solidFill>
                   <a:schemeClr val="bg1"/>
                 </a:solidFill>
-                <a:latin typeface="Arial Black" pitchFamily="34" charset="0"/>
+                <a:latin typeface="Arial Black" panose="020B0A04020102020204" pitchFamily="34" charset="0"/>
                 <a:ea typeface="+mn-ea"/>
               </a:rPr>
               <a:t>时间</a:t>
@@ -5032,7 +4559,7 @@
               <a:solidFill>
                 <a:schemeClr val="bg1"/>
               </a:solidFill>
-              <a:latin typeface="Arial Black" pitchFamily="34" charset="0"/>
+              <a:latin typeface="Arial Black" panose="020B0A04020102020204" pitchFamily="34" charset="0"/>
               <a:ea typeface="+mn-ea"/>
             </a:endParaRPr>
           </a:p>
@@ -5116,16 +4643,10 @@
           <a:ln w="9525">
             <a:noFill/>
             <a:miter lim="800000"/>
-            <a:headEnd/>
-            <a:tailEnd/>
           </a:ln>
         </p:spPr>
         <p:txBody>
-          <a:bodyPr vert="horz" wrap="square" lIns="108932" tIns="54466" rIns="108932" bIns="54466" numCol="1" anchor="ctr" anchorCtr="0" compatLnSpc="1">
-            <a:prstTxWarp prst="textNoShape">
-              <a:avLst/>
-            </a:prstTxWarp>
-          </a:bodyPr>
+          <a:bodyPr vert="horz" wrap="square" lIns="108932" tIns="54466" rIns="108932" bIns="54466" numCol="1" anchor="ctr" anchorCtr="0" compatLnSpc="1"/>
           <a:lstStyle/>
           <a:p>
             <a:pPr lvl="0"/>
@@ -5133,6 +4654,7 @@
               <a:rPr lang="zh-CN" altLang="en-US" dirty="0" smtClean="0"/>
               <a:t>单击此处编辑母版标题样式</a:t>
             </a:r>
+            <a:endParaRPr lang="zh-CN" altLang="en-US" dirty="0" smtClean="0"/>
           </a:p>
         </p:txBody>
       </p:sp>
@@ -5158,16 +4680,10 @@
           <a:ln w="9525">
             <a:noFill/>
             <a:miter lim="800000"/>
-            <a:headEnd/>
-            <a:tailEnd/>
           </a:ln>
         </p:spPr>
         <p:txBody>
-          <a:bodyPr vert="horz" wrap="square" lIns="108932" tIns="54466" rIns="108932" bIns="54466" numCol="1" anchor="t" anchorCtr="0" compatLnSpc="1">
-            <a:prstTxWarp prst="textNoShape">
-              <a:avLst/>
-            </a:prstTxWarp>
-          </a:bodyPr>
+          <a:bodyPr vert="horz" wrap="square" lIns="108932" tIns="54466" rIns="108932" bIns="54466" numCol="1" anchor="t" anchorCtr="0" compatLnSpc="1"/>
           <a:lstStyle/>
           <a:p>
             <a:pPr lvl="0"/>
@@ -5175,6 +4691,7 @@
               <a:rPr lang="zh-CN" altLang="en-US" dirty="0" smtClean="0"/>
               <a:t>单击此处编辑母版文本样式</a:t>
             </a:r>
+            <a:endParaRPr lang="zh-CN" altLang="en-US" dirty="0" smtClean="0"/>
           </a:p>
           <a:p>
             <a:pPr lvl="1"/>
@@ -5182,6 +4699,7 @@
               <a:rPr lang="zh-CN" altLang="en-US" dirty="0" smtClean="0"/>
               <a:t>第二级</a:t>
             </a:r>
+            <a:endParaRPr lang="zh-CN" altLang="en-US" dirty="0" smtClean="0"/>
           </a:p>
           <a:p>
             <a:pPr lvl="2"/>
@@ -5189,6 +4707,7 @@
               <a:rPr lang="zh-CN" altLang="en-US" dirty="0" smtClean="0"/>
               <a:t>第三级</a:t>
             </a:r>
+            <a:endParaRPr lang="zh-CN" altLang="en-US" dirty="0" smtClean="0"/>
           </a:p>
           <a:p>
             <a:pPr lvl="3"/>
@@ -5196,6 +4715,7 @@
               <a:rPr lang="zh-CN" altLang="en-US" dirty="0" smtClean="0"/>
               <a:t>第四级</a:t>
             </a:r>
+            <a:endParaRPr lang="zh-CN" altLang="en-US" dirty="0" smtClean="0"/>
           </a:p>
           <a:p>
             <a:pPr lvl="4"/>
@@ -5203,6 +4723,7 @@
               <a:rPr lang="zh-CN" altLang="en-US" dirty="0" smtClean="0"/>
               <a:t>第五级</a:t>
             </a:r>
+            <a:endParaRPr lang="zh-CN" altLang="en-US" dirty="0" smtClean="0"/>
           </a:p>
         </p:txBody>
       </p:sp>
@@ -5246,9 +4767,7 @@
       <p:sp>
         <p:nvSpPr>
           <p:cNvPr id="17" name="页脚占位符 4"/>
-          <p:cNvSpPr txBox="1">
-            <a:spLocks/>
-          </p:cNvSpPr>
+          <p:cNvSpPr txBox="1"/>
           <p:nvPr userDrawn="1"/>
         </p:nvSpPr>
         <p:spPr>
@@ -5291,8 +4810,8 @@
                   </a:schemeClr>
                 </a:solidFill>
                 <a:effectLst/>
-                <a:latin typeface="Arial" charset="0"/>
-                <a:ea typeface="宋体" pitchFamily="2" charset="-122"/>
+                <a:latin typeface="Arial" panose="020B0604020202020204" pitchFamily="34" charset="0"/>
+                <a:ea typeface="宋体" panose="02010600030101010101" pitchFamily="2" charset="-122"/>
                 <a:cs typeface="+mn-cs"/>
               </a:rPr>
               <a:t>深入</a:t>
@@ -5305,8 +4824,8 @@
                   </a:schemeClr>
                 </a:solidFill>
                 <a:effectLst/>
-                <a:latin typeface="Arial" charset="0"/>
-                <a:ea typeface="宋体" pitchFamily="2" charset="-122"/>
+                <a:latin typeface="Arial" panose="020B0604020202020204" pitchFamily="34" charset="0"/>
+                <a:ea typeface="宋体" panose="02010600030101010101" pitchFamily="2" charset="-122"/>
                 <a:cs typeface="+mn-cs"/>
               </a:rPr>
               <a:t>JVM</a:t>
@@ -5319,8 +4838,8 @@
                   </a:schemeClr>
                 </a:solidFill>
                 <a:effectLst/>
-                <a:latin typeface="Arial" charset="0"/>
-                <a:ea typeface="宋体" pitchFamily="2" charset="-122"/>
+                <a:latin typeface="Arial" panose="020B0604020202020204" pitchFamily="34" charset="0"/>
+                <a:ea typeface="宋体" panose="02010600030101010101" pitchFamily="2" charset="-122"/>
                 <a:cs typeface="+mn-cs"/>
               </a:rPr>
               <a:t>内核</a:t>
@@ -5333,8 +4852,8 @@
                   </a:schemeClr>
                 </a:solidFill>
                 <a:effectLst/>
-                <a:latin typeface="Arial" charset="0"/>
-                <a:ea typeface="宋体" pitchFamily="2" charset="-122"/>
+                <a:latin typeface="Arial" panose="020B0604020202020204" pitchFamily="34" charset="0"/>
+                <a:ea typeface="宋体" panose="02010600030101010101" pitchFamily="2" charset="-122"/>
                 <a:cs typeface="+mn-cs"/>
               </a:rPr>
               <a:t>——</a:t>
@@ -5347,24 +4866,24 @@
                   </a:schemeClr>
                 </a:solidFill>
                 <a:effectLst/>
-                <a:latin typeface="Arial" charset="0"/>
-                <a:ea typeface="宋体" pitchFamily="2" charset="-122"/>
+                <a:latin typeface="Arial" panose="020B0604020202020204" pitchFamily="34" charset="0"/>
+                <a:ea typeface="宋体" panose="02010600030101010101" pitchFamily="2" charset="-122"/>
                 <a:cs typeface="+mn-cs"/>
               </a:rPr>
               <a:t>原理、诊断与优化    讲师 </a:t>
             </a:r>
             <a:r>
               <a:rPr lang="zh-CN" altLang="en-US" sz="1200" baseline="0" dirty="0" smtClean="0">
-                <a:latin typeface="Arial Unicode MS" pitchFamily="34" charset="-122"/>
-                <a:ea typeface="Arial Unicode MS" pitchFamily="34" charset="-122"/>
-                <a:cs typeface="Arial Unicode MS" pitchFamily="34" charset="-122"/>
+                <a:latin typeface="Arial Unicode MS" panose="020B0604020202020204" pitchFamily="34" charset="-122"/>
+                <a:ea typeface="Arial Unicode MS" panose="020B0604020202020204" pitchFamily="34" charset="-122"/>
+                <a:cs typeface="Arial Unicode MS" panose="020B0604020202020204" pitchFamily="34" charset="-122"/>
               </a:rPr>
               <a:t>葛一鸣</a:t>
             </a:r>
             <a:endParaRPr lang="en-US" altLang="zh-CN" sz="1200" baseline="0" dirty="0" smtClean="0">
-              <a:latin typeface="Arial Unicode MS" pitchFamily="34" charset="-122"/>
-              <a:ea typeface="Arial Unicode MS" pitchFamily="34" charset="-122"/>
-              <a:cs typeface="Arial Unicode MS" pitchFamily="34" charset="-122"/>
+              <a:latin typeface="Arial Unicode MS" panose="020B0604020202020204" pitchFamily="34" charset="-122"/>
+              <a:ea typeface="Arial Unicode MS" panose="020B0604020202020204" pitchFamily="34" charset="-122"/>
+              <a:cs typeface="Arial Unicode MS" panose="020B0604020202020204" pitchFamily="34" charset="-122"/>
             </a:endParaRPr>
           </a:p>
           <a:p>
@@ -5379,24 +4898,24 @@
             </a:pPr>
             <a:r>
               <a:rPr lang="zh-CN" altLang="en-US" sz="1200" baseline="0" dirty="0" smtClean="0">
-                <a:latin typeface="Arial Unicode MS" pitchFamily="34" charset="-122"/>
-                <a:ea typeface="Arial Unicode MS" pitchFamily="34" charset="-122"/>
-                <a:cs typeface="Arial Unicode MS" pitchFamily="34" charset="-122"/>
+                <a:latin typeface="Arial Unicode MS" panose="020B0604020202020204" pitchFamily="34" charset="-122"/>
+                <a:ea typeface="Arial Unicode MS" panose="020B0604020202020204" pitchFamily="34" charset="-122"/>
+                <a:cs typeface="Arial Unicode MS" panose="020B0604020202020204" pitchFamily="34" charset="-122"/>
               </a:rPr>
               <a:t>主页 </a:t>
             </a:r>
             <a:r>
               <a:rPr lang="en-US" altLang="zh-CN" sz="1200" baseline="0" smtClean="0">
-                <a:latin typeface="Arial Unicode MS" pitchFamily="34" charset="-122"/>
-                <a:ea typeface="Arial Unicode MS" pitchFamily="34" charset="-122"/>
-                <a:cs typeface="Arial Unicode MS" pitchFamily="34" charset="-122"/>
+                <a:latin typeface="Arial Unicode MS" panose="020B0604020202020204" pitchFamily="34" charset="-122"/>
+                <a:ea typeface="Arial Unicode MS" panose="020B0604020202020204" pitchFamily="34" charset="-122"/>
+                <a:cs typeface="Arial Unicode MS" panose="020B0604020202020204" pitchFamily="34" charset="-122"/>
               </a:rPr>
               <a:t>http://www.uucode.net</a:t>
             </a:r>
             <a:endParaRPr lang="zh-CN" altLang="en-US" sz="1200" dirty="0">
-              <a:latin typeface="Arial Unicode MS" pitchFamily="34" charset="-122"/>
-              <a:ea typeface="Arial Unicode MS" pitchFamily="34" charset="-122"/>
-              <a:cs typeface="Arial Unicode MS" pitchFamily="34" charset="-122"/>
+              <a:latin typeface="Arial Unicode MS" panose="020B0604020202020204" pitchFamily="34" charset="-122"/>
+              <a:ea typeface="Arial Unicode MS" panose="020B0604020202020204" pitchFamily="34" charset="-122"/>
+              <a:cs typeface="Arial Unicode MS" panose="020B0604020202020204" pitchFamily="34" charset="-122"/>
             </a:endParaRPr>
           </a:p>
         </p:txBody>
@@ -5465,9 +4984,7 @@
       <p:grpSp>
         <p:nvGrpSpPr>
           <p:cNvPr id="2059" name="组合 18"/>
-          <p:cNvGrpSpPr>
-            <a:grpSpLocks/>
-          </p:cNvGrpSpPr>
+          <p:cNvGrpSpPr/>
           <p:nvPr userDrawn="1"/>
         </p:nvGrpSpPr>
         <p:grpSpPr bwMode="auto">
@@ -5644,7 +5161,7 @@
           <p:nvPr userDrawn="1"/>
         </p:nvPicPr>
         <p:blipFill>
-          <a:blip r:embed="rId8" cstate="print"/>
+          <a:blip r:embed="rId7" cstate="print"/>
           <a:srcRect/>
           <a:stretch>
             <a:fillRect/>
@@ -5665,12 +5182,12 @@
   </p:cSld>
   <p:clrMap bg1="lt1" tx1="dk1" bg2="lt2" tx2="dk2" accent1="accent1" accent2="accent2" accent3="accent3" accent4="accent4" accent5="accent5" accent6="accent6" hlink="hlink" folHlink="folHlink"/>
   <p:sldLayoutIdLst>
-    <p:sldLayoutId id="2147483726" r:id="rId1"/>
-    <p:sldLayoutId id="2147483722" r:id="rId2"/>
-    <p:sldLayoutId id="2147483723" r:id="rId3"/>
-    <p:sldLayoutId id="2147483724" r:id="rId4"/>
-    <p:sldLayoutId id="2147483725" r:id="rId5"/>
-    <p:sldLayoutId id="2147483727" r:id="rId6"/>
+    <p:sldLayoutId id="2147483649" r:id="rId1"/>
+    <p:sldLayoutId id="2147483650" r:id="rId2"/>
+    <p:sldLayoutId id="2147483651" r:id="rId3"/>
+    <p:sldLayoutId id="2147483652" r:id="rId4"/>
+    <p:sldLayoutId id="2147483653" r:id="rId5"/>
+    <p:sldLayoutId id="2147483654" r:id="rId6"/>
   </p:sldLayoutIdLst>
   <p:timing>
     <p:tnLst>
@@ -5709,8 +5226,8 @@
           <a:solidFill>
             <a:schemeClr val="tx1"/>
           </a:solidFill>
-          <a:latin typeface="微软雅黑" pitchFamily="34" charset="-122"/>
-          <a:ea typeface="微软雅黑" pitchFamily="34" charset="-122"/>
+          <a:latin typeface="微软雅黑" panose="020B0503020204020204" pitchFamily="34" charset="-122"/>
+          <a:ea typeface="微软雅黑" panose="020B0503020204020204" pitchFamily="34" charset="-122"/>
         </a:defRPr>
       </a:lvl2pPr>
       <a:lvl3pPr algn="l" rtl="0" eaLnBrk="0" fontAlgn="base" hangingPunct="0">
@@ -5724,8 +5241,8 @@
           <a:solidFill>
             <a:schemeClr val="tx1"/>
           </a:solidFill>
-          <a:latin typeface="微软雅黑" pitchFamily="34" charset="-122"/>
-          <a:ea typeface="微软雅黑" pitchFamily="34" charset="-122"/>
+          <a:latin typeface="微软雅黑" panose="020B0503020204020204" pitchFamily="34" charset="-122"/>
+          <a:ea typeface="微软雅黑" panose="020B0503020204020204" pitchFamily="34" charset="-122"/>
         </a:defRPr>
       </a:lvl3pPr>
       <a:lvl4pPr algn="l" rtl="0" eaLnBrk="0" fontAlgn="base" hangingPunct="0">
@@ -5739,8 +5256,8 @@
           <a:solidFill>
             <a:schemeClr val="tx1"/>
           </a:solidFill>
-          <a:latin typeface="微软雅黑" pitchFamily="34" charset="-122"/>
-          <a:ea typeface="微软雅黑" pitchFamily="34" charset="-122"/>
+          <a:latin typeface="微软雅黑" panose="020B0503020204020204" pitchFamily="34" charset="-122"/>
+          <a:ea typeface="微软雅黑" panose="020B0503020204020204" pitchFamily="34" charset="-122"/>
         </a:defRPr>
       </a:lvl4pPr>
       <a:lvl5pPr algn="l" rtl="0" eaLnBrk="0" fontAlgn="base" hangingPunct="0">
@@ -5754,11 +5271,11 @@
           <a:solidFill>
             <a:schemeClr val="tx1"/>
           </a:solidFill>
-          <a:latin typeface="微软雅黑" pitchFamily="34" charset="-122"/>
-          <a:ea typeface="微软雅黑" pitchFamily="34" charset="-122"/>
+          <a:latin typeface="微软雅黑" panose="020B0503020204020204" pitchFamily="34" charset="-122"/>
+          <a:ea typeface="微软雅黑" panose="020B0503020204020204" pitchFamily="34" charset="-122"/>
         </a:defRPr>
       </a:lvl5pPr>
-      <a:lvl6pPr marL="544662" algn="l" rtl="0" fontAlgn="base">
+      <a:lvl6pPr marL="544830" algn="l" rtl="0" fontAlgn="base">
         <a:spcBef>
           <a:spcPct val="0"/>
         </a:spcBef>
@@ -5769,11 +5286,11 @@
           <a:solidFill>
             <a:schemeClr val="tx1"/>
           </a:solidFill>
-          <a:latin typeface="微软雅黑" pitchFamily="34" charset="-122"/>
-          <a:ea typeface="微软雅黑" pitchFamily="34" charset="-122"/>
+          <a:latin typeface="微软雅黑" panose="020B0503020204020204" pitchFamily="34" charset="-122"/>
+          <a:ea typeface="微软雅黑" panose="020B0503020204020204" pitchFamily="34" charset="-122"/>
         </a:defRPr>
       </a:lvl6pPr>
-      <a:lvl7pPr marL="1089325" algn="l" rtl="0" fontAlgn="base">
+      <a:lvl7pPr marL="1089025" algn="l" rtl="0" fontAlgn="base">
         <a:spcBef>
           <a:spcPct val="0"/>
         </a:spcBef>
@@ -5784,11 +5301,11 @@
           <a:solidFill>
             <a:schemeClr val="tx1"/>
           </a:solidFill>
-          <a:latin typeface="微软雅黑" pitchFamily="34" charset="-122"/>
-          <a:ea typeface="微软雅黑" pitchFamily="34" charset="-122"/>
+          <a:latin typeface="微软雅黑" panose="020B0503020204020204" pitchFamily="34" charset="-122"/>
+          <a:ea typeface="微软雅黑" panose="020B0503020204020204" pitchFamily="34" charset="-122"/>
         </a:defRPr>
       </a:lvl7pPr>
-      <a:lvl8pPr marL="1633987" algn="l" rtl="0" fontAlgn="base">
+      <a:lvl8pPr marL="1633855" algn="l" rtl="0" fontAlgn="base">
         <a:spcBef>
           <a:spcPct val="0"/>
         </a:spcBef>
@@ -5799,11 +5316,11 @@
           <a:solidFill>
             <a:schemeClr val="tx1"/>
           </a:solidFill>
-          <a:latin typeface="微软雅黑" pitchFamily="34" charset="-122"/>
-          <a:ea typeface="微软雅黑" pitchFamily="34" charset="-122"/>
+          <a:latin typeface="微软雅黑" panose="020B0503020204020204" pitchFamily="34" charset="-122"/>
+          <a:ea typeface="微软雅黑" panose="020B0503020204020204" pitchFamily="34" charset="-122"/>
         </a:defRPr>
       </a:lvl8pPr>
-      <a:lvl9pPr marL="2178649" algn="l" rtl="0" fontAlgn="base">
+      <a:lvl9pPr marL="2178685" algn="l" rtl="0" fontAlgn="base">
         <a:spcBef>
           <a:spcPct val="0"/>
         </a:spcBef>
@@ -5814,13 +5331,13 @@
           <a:solidFill>
             <a:schemeClr val="tx1"/>
           </a:solidFill>
-          <a:latin typeface="微软雅黑" pitchFamily="34" charset="-122"/>
-          <a:ea typeface="微软雅黑" pitchFamily="34" charset="-122"/>
+          <a:latin typeface="微软雅黑" panose="020B0503020204020204" pitchFamily="34" charset="-122"/>
+          <a:ea typeface="微软雅黑" panose="020B0503020204020204" pitchFamily="34" charset="-122"/>
         </a:defRPr>
       </a:lvl9pPr>
     </p:titleStyle>
     <p:bodyStyle>
-      <a:lvl1pPr marL="408497" indent="-408497" algn="l" rtl="0" eaLnBrk="0" fontAlgn="base" hangingPunct="0">
+      <a:lvl1pPr marL="408305" indent="-408305" algn="l" rtl="0" eaLnBrk="0" fontAlgn="base" hangingPunct="0">
         <a:lnSpc>
           <a:spcPct val="150000"/>
         </a:lnSpc>
@@ -5835,7 +5352,7 @@
             <a:lumMod val="50000"/>
           </a:schemeClr>
         </a:buClr>
-        <a:buFont typeface="Wingdings" pitchFamily="2" charset="2"/>
+        <a:buFont typeface="Wingdings" panose="05000000000000000000" pitchFamily="2" charset="2"/>
         <a:buChar char="u"/>
         <a:defRPr sz="1900" kern="1200">
           <a:solidFill>
@@ -5846,7 +5363,7 @@
           <a:cs typeface="+mn-cs"/>
         </a:defRPr>
       </a:lvl1pPr>
-      <a:lvl2pPr marL="885076" indent="-340414" algn="l" rtl="0" eaLnBrk="0" fontAlgn="base" hangingPunct="0">
+      <a:lvl2pPr marL="885190" indent="-340360" algn="l" rtl="0" eaLnBrk="0" fontAlgn="base" hangingPunct="0">
         <a:lnSpc>
           <a:spcPct val="150000"/>
         </a:lnSpc>
@@ -5859,7 +5376,7 @@
         <a:buClr>
           <a:srgbClr val="2F6231"/>
         </a:buClr>
-        <a:buFont typeface="Arial" charset="0"/>
+        <a:buFont typeface="Arial" panose="020B0604020202020204" pitchFamily="34" charset="0"/>
         <a:buChar char="–"/>
         <a:defRPr sz="1700" kern="1200">
           <a:solidFill>
@@ -5870,7 +5387,7 @@
           <a:cs typeface="+mn-cs"/>
         </a:defRPr>
       </a:lvl2pPr>
-      <a:lvl3pPr marL="1361656" indent="-272331" algn="l" rtl="0" eaLnBrk="0" fontAlgn="base" hangingPunct="0">
+      <a:lvl3pPr marL="1361440" indent="-272415" algn="l" rtl="0" eaLnBrk="0" fontAlgn="base" hangingPunct="0">
         <a:lnSpc>
           <a:spcPct val="150000"/>
         </a:lnSpc>
@@ -5883,7 +5400,7 @@
         <a:buClr>
           <a:srgbClr val="2F6231"/>
         </a:buClr>
-        <a:buFont typeface="Arial" charset="0"/>
+        <a:buFont typeface="Arial" panose="020B0604020202020204" pitchFamily="34" charset="0"/>
         <a:buChar char="•"/>
         <a:defRPr sz="1400" kern="1200">
           <a:solidFill>
@@ -5894,7 +5411,7 @@
           <a:cs typeface="+mn-cs"/>
         </a:defRPr>
       </a:lvl3pPr>
-      <a:lvl4pPr marL="1906318" indent="-272331" algn="l" rtl="0" eaLnBrk="0" fontAlgn="base" hangingPunct="0">
+      <a:lvl4pPr marL="1906270" indent="-272415" algn="l" rtl="0" eaLnBrk="0" fontAlgn="base" hangingPunct="0">
         <a:lnSpc>
           <a:spcPct val="150000"/>
         </a:lnSpc>
@@ -5907,7 +5424,7 @@
         <a:buClr>
           <a:srgbClr val="2F6231"/>
         </a:buClr>
-        <a:buFont typeface="Arial" charset="0"/>
+        <a:buFont typeface="Arial" panose="020B0604020202020204" pitchFamily="34" charset="0"/>
         <a:buChar char="–"/>
         <a:defRPr sz="1300" kern="1200">
           <a:solidFill>
@@ -5918,7 +5435,7 @@
           <a:cs typeface="+mn-cs"/>
         </a:defRPr>
       </a:lvl4pPr>
-      <a:lvl5pPr marL="2450981" indent="-272331" algn="l" rtl="0" eaLnBrk="0" fontAlgn="base" hangingPunct="0">
+      <a:lvl5pPr marL="2451100" indent="-272415" algn="l" rtl="0" eaLnBrk="0" fontAlgn="base" hangingPunct="0">
         <a:lnSpc>
           <a:spcPct val="150000"/>
         </a:lnSpc>
@@ -5931,7 +5448,7 @@
         <a:buClr>
           <a:srgbClr val="2F6231"/>
         </a:buClr>
-        <a:buFont typeface="Arial" charset="0"/>
+        <a:buFont typeface="Arial" panose="020B0604020202020204" pitchFamily="34" charset="0"/>
         <a:buChar char="»"/>
         <a:defRPr sz="1300" kern="1200">
           <a:solidFill>
@@ -5942,11 +5459,11 @@
           <a:cs typeface="+mn-cs"/>
         </a:defRPr>
       </a:lvl5pPr>
-      <a:lvl6pPr marL="2995643" indent="-272331" algn="l" defTabSz="1089325" rtl="0" eaLnBrk="1" latinLnBrk="0" hangingPunct="1">
+      <a:lvl6pPr marL="2995930" indent="-272415" algn="l" defTabSz="1089025" rtl="0" eaLnBrk="1" latinLnBrk="0" hangingPunct="1">
         <a:spcBef>
           <a:spcPct val="20000"/>
         </a:spcBef>
-        <a:buFont typeface="Arial" pitchFamily="34" charset="0"/>
+        <a:buFont typeface="Arial" panose="020B0604020202020204" pitchFamily="34" charset="0"/>
         <a:buChar char="•"/>
         <a:defRPr sz="2400" kern="1200">
           <a:solidFill>
@@ -5957,11 +5474,11 @@
           <a:cs typeface="+mn-cs"/>
         </a:defRPr>
       </a:lvl6pPr>
-      <a:lvl7pPr marL="3540305" indent="-272331" algn="l" defTabSz="1089325" rtl="0" eaLnBrk="1" latinLnBrk="0" hangingPunct="1">
+      <a:lvl7pPr marL="3540125" indent="-272415" algn="l" defTabSz="1089025" rtl="0" eaLnBrk="1" latinLnBrk="0" hangingPunct="1">
         <a:spcBef>
           <a:spcPct val="20000"/>
         </a:spcBef>
-        <a:buFont typeface="Arial" pitchFamily="34" charset="0"/>
+        <a:buFont typeface="Arial" panose="020B0604020202020204" pitchFamily="34" charset="0"/>
         <a:buChar char="•"/>
         <a:defRPr sz="2400" kern="1200">
           <a:solidFill>
@@ -5972,11 +5489,11 @@
           <a:cs typeface="+mn-cs"/>
         </a:defRPr>
       </a:lvl7pPr>
-      <a:lvl8pPr marL="4084968" indent="-272331" algn="l" defTabSz="1089325" rtl="0" eaLnBrk="1" latinLnBrk="0" hangingPunct="1">
+      <a:lvl8pPr marL="4084955" indent="-272415" algn="l" defTabSz="1089025" rtl="0" eaLnBrk="1" latinLnBrk="0" hangingPunct="1">
         <a:spcBef>
           <a:spcPct val="20000"/>
         </a:spcBef>
-        <a:buFont typeface="Arial" pitchFamily="34" charset="0"/>
+        <a:buFont typeface="Arial" panose="020B0604020202020204" pitchFamily="34" charset="0"/>
         <a:buChar char="•"/>
         <a:defRPr sz="2400" kern="1200">
           <a:solidFill>
@@ -5987,11 +5504,11 @@
           <a:cs typeface="+mn-cs"/>
         </a:defRPr>
       </a:lvl8pPr>
-      <a:lvl9pPr marL="4629630" indent="-272331" algn="l" defTabSz="1089325" rtl="0" eaLnBrk="1" latinLnBrk="0" hangingPunct="1">
+      <a:lvl9pPr marL="4629785" indent="-272415" algn="l" defTabSz="1089025" rtl="0" eaLnBrk="1" latinLnBrk="0" hangingPunct="1">
         <a:spcBef>
           <a:spcPct val="20000"/>
         </a:spcBef>
-        <a:buFont typeface="Arial" pitchFamily="34" charset="0"/>
+        <a:buFont typeface="Arial" panose="020B0604020202020204" pitchFamily="34" charset="0"/>
         <a:buChar char="•"/>
         <a:defRPr sz="2400" kern="1200">
           <a:solidFill>
@@ -6007,7 +5524,7 @@
       <a:defPPr>
         <a:defRPr lang="zh-CN"/>
       </a:defPPr>
-      <a:lvl1pPr marL="0" algn="l" defTabSz="1089325" rtl="0" eaLnBrk="1" latinLnBrk="0" hangingPunct="1">
+      <a:lvl1pPr marL="0" algn="l" defTabSz="1089025" rtl="0" eaLnBrk="1" latinLnBrk="0" hangingPunct="1">
         <a:defRPr sz="2100" kern="1200">
           <a:solidFill>
             <a:schemeClr val="tx1"/>
@@ -6017,7 +5534,7 @@
           <a:cs typeface="+mn-cs"/>
         </a:defRPr>
       </a:lvl1pPr>
-      <a:lvl2pPr marL="544662" algn="l" defTabSz="1089325" rtl="0" eaLnBrk="1" latinLnBrk="0" hangingPunct="1">
+      <a:lvl2pPr marL="544830" algn="l" defTabSz="1089025" rtl="0" eaLnBrk="1" latinLnBrk="0" hangingPunct="1">
         <a:defRPr sz="2100" kern="1200">
           <a:solidFill>
             <a:schemeClr val="tx1"/>
@@ -6027,7 +5544,7 @@
           <a:cs typeface="+mn-cs"/>
         </a:defRPr>
       </a:lvl2pPr>
-      <a:lvl3pPr marL="1089325" algn="l" defTabSz="1089325" rtl="0" eaLnBrk="1" latinLnBrk="0" hangingPunct="1">
+      <a:lvl3pPr marL="1089025" algn="l" defTabSz="1089025" rtl="0" eaLnBrk="1" latinLnBrk="0" hangingPunct="1">
         <a:defRPr sz="2100" kern="1200">
           <a:solidFill>
             <a:schemeClr val="tx1"/>
@@ -6037,7 +5554,7 @@
           <a:cs typeface="+mn-cs"/>
         </a:defRPr>
       </a:lvl3pPr>
-      <a:lvl4pPr marL="1633987" algn="l" defTabSz="1089325" rtl="0" eaLnBrk="1" latinLnBrk="0" hangingPunct="1">
+      <a:lvl4pPr marL="1633855" algn="l" defTabSz="1089025" rtl="0" eaLnBrk="1" latinLnBrk="0" hangingPunct="1">
         <a:defRPr sz="2100" kern="1200">
           <a:solidFill>
             <a:schemeClr val="tx1"/>
@@ -6047,7 +5564,7 @@
           <a:cs typeface="+mn-cs"/>
         </a:defRPr>
       </a:lvl4pPr>
-      <a:lvl5pPr marL="2178649" algn="l" defTabSz="1089325" rtl="0" eaLnBrk="1" latinLnBrk="0" hangingPunct="1">
+      <a:lvl5pPr marL="2178685" algn="l" defTabSz="1089025" rtl="0" eaLnBrk="1" latinLnBrk="0" hangingPunct="1">
         <a:defRPr sz="2100" kern="1200">
           <a:solidFill>
             <a:schemeClr val="tx1"/>
@@ -6057,7 +5574,7 @@
           <a:cs typeface="+mn-cs"/>
         </a:defRPr>
       </a:lvl5pPr>
-      <a:lvl6pPr marL="2723312" algn="l" defTabSz="1089325" rtl="0" eaLnBrk="1" latinLnBrk="0" hangingPunct="1">
+      <a:lvl6pPr marL="2723515" algn="l" defTabSz="1089025" rtl="0" eaLnBrk="1" latinLnBrk="0" hangingPunct="1">
         <a:defRPr sz="2100" kern="1200">
           <a:solidFill>
             <a:schemeClr val="tx1"/>
@@ -6067,7 +5584,7 @@
           <a:cs typeface="+mn-cs"/>
         </a:defRPr>
       </a:lvl6pPr>
-      <a:lvl7pPr marL="3267974" algn="l" defTabSz="1089325" rtl="0" eaLnBrk="1" latinLnBrk="0" hangingPunct="1">
+      <a:lvl7pPr marL="3267710" algn="l" defTabSz="1089025" rtl="0" eaLnBrk="1" latinLnBrk="0" hangingPunct="1">
         <a:defRPr sz="2100" kern="1200">
           <a:solidFill>
             <a:schemeClr val="tx1"/>
@@ -6077,7 +5594,7 @@
           <a:cs typeface="+mn-cs"/>
         </a:defRPr>
       </a:lvl7pPr>
-      <a:lvl8pPr marL="3812637" algn="l" defTabSz="1089325" rtl="0" eaLnBrk="1" latinLnBrk="0" hangingPunct="1">
+      <a:lvl8pPr marL="3812540" algn="l" defTabSz="1089025" rtl="0" eaLnBrk="1" latinLnBrk="0" hangingPunct="1">
         <a:defRPr sz="2100" kern="1200">
           <a:solidFill>
             <a:schemeClr val="tx1"/>
@@ -6087,7 +5604,7 @@
           <a:cs typeface="+mn-cs"/>
         </a:defRPr>
       </a:lvl8pPr>
-      <a:lvl9pPr marL="4357299" algn="l" defTabSz="1089325" rtl="0" eaLnBrk="1" latinLnBrk="0" hangingPunct="1">
+      <a:lvl9pPr marL="4357370" algn="l" defTabSz="1089025" rtl="0" eaLnBrk="1" latinLnBrk="0" hangingPunct="1">
         <a:defRPr sz="2100" kern="1200">
           <a:solidFill>
             <a:schemeClr val="tx1"/>
@@ -6121,98 +5638,76 @@
       </p:grpSpPr>
       <p:sp>
         <p:nvSpPr>
-          <p:cNvPr id="5122" name="标题 1"/>
+          <p:cNvPr id="2" name="Title 1"/>
           <p:cNvSpPr>
             <a:spLocks noGrp="1"/>
           </p:cNvSpPr>
           <p:nvPr>
-            <p:ph type="ctrTitle"/>
+            <p:ph type="title"/>
           </p:nvPr>
         </p:nvSpPr>
-        <p:spPr>
-          <a:xfrm>
-            <a:off x="816263" y="5302437"/>
-            <a:ext cx="10668285" cy="844324"/>
-          </a:xfrm>
-        </p:spPr>
-        <p:txBody>
-          <a:bodyPr>
-            <a:normAutofit fontScale="90000"/>
-          </a:bodyPr>
-          <a:lstStyle/>
-          <a:p>
-            <a:pPr algn="ctr" eaLnBrk="1" hangingPunct="1">
-              <a:lnSpc>
-                <a:spcPct val="150000"/>
-              </a:lnSpc>
-            </a:pPr>
-            <a:r>
-              <a:rPr lang="zh-CN" altLang="en-US" dirty="0"/>
-              <a:t>深入</a:t>
-            </a:r>
-            <a:r>
-              <a:rPr lang="en-US" altLang="zh-CN" dirty="0"/>
+        <p:spPr/>
+        <p:txBody>
+          <a:bodyPr/>
+          <a:lstStyle/>
+          <a:p>
+            <a:r>
+              <a:rPr lang="zh-CN" altLang="en-US" dirty="0" smtClean="0"/>
+              <a:t>常用</a:t>
+            </a:r>
+            <a:r>
+              <a:rPr lang="en-US" altLang="zh-CN" dirty="0" smtClean="0"/>
               <a:t>JVM</a:t>
             </a:r>
             <a:r>
-              <a:rPr lang="zh-CN" altLang="en-US" dirty="0"/>
-              <a:t>内核</a:t>
-            </a:r>
-            <a:r>
-              <a:rPr lang="en-US" altLang="zh-CN" dirty="0"/>
-              <a:t>——</a:t>
-            </a:r>
-            <a:r>
-              <a:rPr lang="zh-CN" altLang="en-US" dirty="0"/>
-              <a:t>原理、诊断与</a:t>
-            </a:r>
-            <a:r>
               <a:rPr lang="zh-CN" altLang="en-US" dirty="0" smtClean="0"/>
-              <a:t>优化    第</a:t>
-            </a:r>
+              <a:t>配置参数</a:t>
+            </a:r>
+            <a:endParaRPr lang="zh-CN" altLang="en-US" dirty="0"/>
+          </a:p>
+        </p:txBody>
+      </p:sp>
+      <p:sp>
+        <p:nvSpPr>
+          <p:cNvPr id="3" name="Content Placeholder 2"/>
+          <p:cNvSpPr>
+            <a:spLocks noGrp="1"/>
+          </p:cNvSpPr>
+          <p:nvPr>
+            <p:ph idx="1"/>
+          </p:nvPr>
+        </p:nvSpPr>
+        <p:spPr/>
+        <p:txBody>
+          <a:bodyPr/>
+          <a:lstStyle/>
+          <a:p>
             <a:r>
               <a:rPr lang="en-US" altLang="zh-CN" dirty="0" smtClean="0"/>
-              <a:t>3</a:t>
+              <a:t>Trace</a:t>
             </a:r>
             <a:r>
               <a:rPr lang="zh-CN" altLang="en-US" dirty="0" smtClean="0"/>
-              <a:t>周</a:t>
-            </a:r>
-          </a:p>
-        </p:txBody>
-      </p:sp>
-      <p:pic>
-        <p:nvPicPr>
-          <p:cNvPr id="43009" name="Picture 1"/>
-          <p:cNvPicPr>
-            <a:picLocks noChangeAspect="1" noChangeArrowheads="1"/>
-          </p:cNvPicPr>
-          <p:nvPr/>
-        </p:nvPicPr>
-        <p:blipFill>
-          <a:blip r:embed="rId3" cstate="print"/>
-          <a:srcRect/>
-          <a:stretch>
-            <a:fillRect/>
-          </a:stretch>
-        </p:blipFill>
-        <p:spPr bwMode="auto">
-          <a:xfrm>
-            <a:off x="2357934" y="1485578"/>
-            <a:ext cx="7560840" cy="3633901"/>
-          </a:xfrm>
-          <a:prstGeom prst="rect">
-            <a:avLst/>
-          </a:prstGeom>
-          <a:noFill/>
-          <a:ln w="9525">
-            <a:noFill/>
-            <a:miter lim="800000"/>
-            <a:headEnd/>
-            <a:tailEnd/>
-          </a:ln>
-        </p:spPr>
-      </p:pic>
+              <a:t>跟踪参数</a:t>
+            </a:r>
+            <a:endParaRPr lang="en-US" altLang="zh-CN" dirty="0" smtClean="0"/>
+          </a:p>
+          <a:p>
+            <a:r>
+              <a:rPr lang="zh-CN" altLang="en-US" dirty="0" smtClean="0"/>
+              <a:t>堆的分配参数</a:t>
+            </a:r>
+            <a:endParaRPr lang="en-US" altLang="zh-CN" dirty="0" smtClean="0"/>
+          </a:p>
+          <a:p>
+            <a:r>
+              <a:rPr lang="zh-CN" altLang="en-US" dirty="0" smtClean="0"/>
+              <a:t>栈的分配参数</a:t>
+            </a:r>
+            <a:endParaRPr lang="en-US" altLang="zh-CN" dirty="0" smtClean="0"/>
+          </a:p>
+        </p:txBody>
+      </p:sp>
     </p:spTree>
   </p:cSld>
   <p:clrMapOvr>
@@ -6261,13 +5756,10 @@
           <a:lstStyle/>
           <a:p>
             <a:r>
-              <a:rPr lang="en-US" altLang="zh-CN" dirty="0"/>
-              <a:t>Trace</a:t>
-            </a:r>
-            <a:r>
               <a:rPr lang="zh-CN" altLang="en-US" dirty="0"/>
-              <a:t>跟踪参数</a:t>
-            </a:r>
+              <a:t>堆的分配参数</a:t>
+            </a:r>
+            <a:endParaRPr lang="zh-CN" altLang="en-US" dirty="0"/>
           </a:p>
         </p:txBody>
       </p:sp>
@@ -6287,665 +5779,6 @@
           <a:lstStyle/>
           <a:p>
             <a:r>
-              <a:rPr lang="en-US" altLang="zh-CN" dirty="0" smtClean="0"/>
-              <a:t>-XX:+</a:t>
-            </a:r>
-            <a:r>
-              <a:rPr lang="en-US" altLang="zh-CN" dirty="0" err="1" smtClean="0"/>
-              <a:t>PrintClassHistogram</a:t>
-            </a:r>
-            <a:endParaRPr lang="en-US" altLang="zh-CN" dirty="0" smtClean="0"/>
-          </a:p>
-          <a:p>
-            <a:pPr lvl="1"/>
-            <a:r>
-              <a:rPr lang="zh-CN" altLang="en-US" dirty="0" smtClean="0"/>
-              <a:t>按下</a:t>
-            </a:r>
-            <a:r>
-              <a:rPr lang="en-US" altLang="zh-CN" dirty="0" err="1" smtClean="0"/>
-              <a:t>Ctrl+Break</a:t>
-            </a:r>
-            <a:r>
-              <a:rPr lang="zh-CN" altLang="en-US" dirty="0" smtClean="0"/>
-              <a:t>后，打印类的信息：</a:t>
-            </a:r>
-            <a:endParaRPr lang="en-US" altLang="zh-CN" dirty="0" smtClean="0"/>
-          </a:p>
-          <a:p>
-            <a:pPr lvl="1"/>
-            <a:endParaRPr lang="en-US" altLang="zh-CN" dirty="0"/>
-          </a:p>
-          <a:p>
-            <a:pPr lvl="1"/>
-            <a:endParaRPr lang="en-US" altLang="zh-CN" dirty="0" smtClean="0"/>
-          </a:p>
-          <a:p>
-            <a:pPr lvl="1"/>
-            <a:endParaRPr lang="en-US" altLang="zh-CN" dirty="0"/>
-          </a:p>
-          <a:p>
-            <a:pPr lvl="1"/>
-            <a:endParaRPr lang="en-US" altLang="zh-CN" dirty="0" smtClean="0"/>
-          </a:p>
-          <a:p>
-            <a:pPr lvl="1"/>
-            <a:endParaRPr lang="en-US" altLang="zh-CN" dirty="0"/>
-          </a:p>
-          <a:p>
-            <a:pPr lvl="1"/>
-            <a:endParaRPr lang="en-US" altLang="zh-CN" dirty="0" smtClean="0"/>
-          </a:p>
-          <a:p>
-            <a:pPr lvl="1"/>
-            <a:r>
-              <a:rPr lang="zh-CN" altLang="en-US" dirty="0" smtClean="0"/>
-              <a:t>分别显示：序号、实例数量、总大小、类型</a:t>
-            </a:r>
-            <a:endParaRPr lang="en-US" altLang="zh-CN" dirty="0" smtClean="0"/>
-          </a:p>
-          <a:p>
-            <a:pPr lvl="1"/>
-            <a:endParaRPr lang="zh-CN" altLang="en-US" dirty="0"/>
-          </a:p>
-        </p:txBody>
-      </p:sp>
-      <p:sp>
-        <p:nvSpPr>
-          <p:cNvPr id="4" name="TextBox 3"/>
-          <p:cNvSpPr txBox="1"/>
-          <p:nvPr/>
-        </p:nvSpPr>
-        <p:spPr>
-          <a:xfrm>
-            <a:off x="1637854" y="2205658"/>
-            <a:ext cx="5968301" cy="2308324"/>
-          </a:xfrm>
-          <a:prstGeom prst="rect">
-            <a:avLst/>
-          </a:prstGeom>
-          <a:noFill/>
-        </p:spPr>
-        <p:txBody>
-          <a:bodyPr wrap="none" rtlCol="0">
-            <a:spAutoFit/>
-          </a:bodyPr>
-          <a:lstStyle/>
-          <a:p>
-            <a:r>
-              <a:rPr lang="en-US" altLang="zh-CN" dirty="0"/>
-              <a:t> </a:t>
-            </a:r>
-            <a:r>
-              <a:rPr lang="en-US" altLang="zh-CN" dirty="0" err="1"/>
-              <a:t>num</a:t>
-            </a:r>
-            <a:r>
-              <a:rPr lang="en-US" altLang="zh-CN" dirty="0"/>
-              <a:t>     #instances         #bytes  class name</a:t>
-            </a:r>
-          </a:p>
-          <a:p>
-            <a:r>
-              <a:rPr lang="en-US" altLang="zh-CN" dirty="0"/>
-              <a:t>----------------------------------------------</a:t>
-            </a:r>
-          </a:p>
-          <a:p>
-            <a:r>
-              <a:rPr lang="en-US" altLang="zh-CN" dirty="0"/>
-              <a:t>   1:        890617      470266000  [B</a:t>
-            </a:r>
-          </a:p>
-          <a:p>
-            <a:r>
-              <a:rPr lang="en-US" altLang="zh-CN" dirty="0"/>
-              <a:t>   2:        890643       21375432  </a:t>
-            </a:r>
-            <a:r>
-              <a:rPr lang="en-US" altLang="zh-CN" dirty="0" err="1"/>
-              <a:t>java.util.HashMap$Node</a:t>
-            </a:r>
-            <a:endParaRPr lang="en-US" altLang="zh-CN" dirty="0"/>
-          </a:p>
-          <a:p>
-            <a:r>
-              <a:rPr lang="en-US" altLang="zh-CN" dirty="0"/>
-              <a:t>   3:        890608       14249728  </a:t>
-            </a:r>
-            <a:r>
-              <a:rPr lang="en-US" altLang="zh-CN" dirty="0" err="1"/>
-              <a:t>java.lang.Long</a:t>
-            </a:r>
-            <a:endParaRPr lang="en-US" altLang="zh-CN" dirty="0"/>
-          </a:p>
-          <a:p>
-            <a:r>
-              <a:rPr lang="en-US" altLang="zh-CN" dirty="0"/>
-              <a:t>   4:            13        8389712  [</a:t>
-            </a:r>
-            <a:r>
-              <a:rPr lang="en-US" altLang="zh-CN" dirty="0" err="1"/>
-              <a:t>Ljava.util.HashMap$Node</a:t>
-            </a:r>
-            <a:r>
-              <a:rPr lang="en-US" altLang="zh-CN" dirty="0"/>
-              <a:t>;</a:t>
-            </a:r>
-          </a:p>
-          <a:p>
-            <a:r>
-              <a:rPr lang="en-US" altLang="zh-CN" dirty="0"/>
-              <a:t>   5:          2062         371680  [C</a:t>
-            </a:r>
-          </a:p>
-          <a:p>
-            <a:r>
-              <a:rPr lang="en-US" altLang="zh-CN" dirty="0"/>
-              <a:t>   6:           463          41904  </a:t>
-            </a:r>
-            <a:r>
-              <a:rPr lang="en-US" altLang="zh-CN" dirty="0" err="1"/>
-              <a:t>java.lang.Class</a:t>
-            </a:r>
-            <a:endParaRPr lang="zh-CN" altLang="en-US" dirty="0"/>
-          </a:p>
-        </p:txBody>
-      </p:sp>
-    </p:spTree>
-    <p:extLst>
-      <p:ext uri="{BB962C8B-B14F-4D97-AF65-F5344CB8AC3E}">
-        <p14:creationId xmlns:p14="http://schemas.microsoft.com/office/powerpoint/2010/main" val="1285326322"/>
-      </p:ext>
-    </p:extLst>
-  </p:cSld>
-  <p:clrMapOvr>
-    <a:masterClrMapping/>
-  </p:clrMapOvr>
-  <p:timing>
-    <p:tnLst>
-      <p:par>
-        <p:cTn id="1" dur="indefinite" restart="never" nodeType="tmRoot"/>
-      </p:par>
-    </p:tnLst>
-  </p:timing>
-</p:sld>
-</file>
-
-<file path=ppt/slides/slide11.xml><?xml version="1.0" encoding="utf-8"?>
-<p:sld xmlns:a="http://schemas.openxmlformats.org/drawingml/2006/main" xmlns:r="http://schemas.openxmlformats.org/officeDocument/2006/relationships" xmlns:p="http://schemas.openxmlformats.org/presentationml/2006/main">
-  <p:cSld>
-    <p:spTree>
-      <p:nvGrpSpPr>
-        <p:cNvPr id="1" name=""/>
-        <p:cNvGrpSpPr/>
-        <p:nvPr/>
-      </p:nvGrpSpPr>
-      <p:grpSpPr>
-        <a:xfrm>
-          <a:off x="0" y="0"/>
-          <a:ext cx="0" cy="0"/>
-          <a:chOff x="0" y="0"/>
-          <a:chExt cx="0" cy="0"/>
-        </a:xfrm>
-      </p:grpSpPr>
-      <p:sp>
-        <p:nvSpPr>
-          <p:cNvPr id="2" name="标题 1"/>
-          <p:cNvSpPr>
-            <a:spLocks noGrp="1"/>
-          </p:cNvSpPr>
-          <p:nvPr>
-            <p:ph type="title"/>
-          </p:nvPr>
-        </p:nvSpPr>
-        <p:spPr/>
-        <p:txBody>
-          <a:bodyPr/>
-          <a:lstStyle/>
-          <a:p>
-            <a:r>
-              <a:rPr lang="zh-CN" altLang="en-US" dirty="0"/>
-              <a:t>堆的分配参数</a:t>
-            </a:r>
-          </a:p>
-        </p:txBody>
-      </p:sp>
-      <p:sp>
-        <p:nvSpPr>
-          <p:cNvPr id="3" name="内容占位符 2"/>
-          <p:cNvSpPr>
-            <a:spLocks noGrp="1"/>
-          </p:cNvSpPr>
-          <p:nvPr>
-            <p:ph idx="1"/>
-          </p:nvPr>
-        </p:nvSpPr>
-        <p:spPr/>
-        <p:txBody>
-          <a:bodyPr/>
-          <a:lstStyle/>
-          <a:p>
-            <a:r>
-              <a:rPr lang="en-US" altLang="zh-CN" dirty="0" smtClean="0"/>
-              <a:t>-</a:t>
-            </a:r>
-            <a:r>
-              <a:rPr lang="en-US" altLang="zh-CN" dirty="0" err="1" smtClean="0"/>
-              <a:t>Xmx</a:t>
-            </a:r>
-            <a:r>
-              <a:rPr lang="en-US" altLang="zh-CN" dirty="0" smtClean="0"/>
-              <a:t> –</a:t>
-            </a:r>
-            <a:r>
-              <a:rPr lang="en-US" altLang="zh-CN" dirty="0" err="1" smtClean="0"/>
-              <a:t>Xms</a:t>
-            </a:r>
-            <a:endParaRPr lang="en-US" altLang="zh-CN" dirty="0" smtClean="0"/>
-          </a:p>
-          <a:p>
-            <a:pPr lvl="1"/>
-            <a:r>
-              <a:rPr lang="zh-CN" altLang="en-US" dirty="0" smtClean="0"/>
-              <a:t>指定最大堆和最小堆</a:t>
-            </a:r>
-            <a:endParaRPr lang="en-US" altLang="zh-CN" dirty="0" smtClean="0"/>
-          </a:p>
-          <a:p>
-            <a:pPr lvl="1"/>
-            <a:r>
-              <a:rPr lang="en-US" altLang="zh-CN" dirty="0"/>
-              <a:t>-Xmx20m -</a:t>
-            </a:r>
-            <a:r>
-              <a:rPr lang="en-US" altLang="zh-CN" dirty="0" smtClean="0"/>
-              <a:t>Xms5m  </a:t>
-            </a:r>
-            <a:r>
-              <a:rPr lang="zh-CN" altLang="en-US" dirty="0" smtClean="0"/>
-              <a:t>运行代码：</a:t>
-            </a:r>
-            <a:endParaRPr lang="en-US" altLang="zh-CN" dirty="0" smtClean="0"/>
-          </a:p>
-          <a:p>
-            <a:pPr lvl="2"/>
-            <a:r>
-              <a:rPr lang="en-US" altLang="zh-CN" dirty="0" err="1"/>
-              <a:t>System.out.print</a:t>
-            </a:r>
-            <a:r>
-              <a:rPr lang="en-US" altLang="zh-CN" dirty="0"/>
-              <a:t>("</a:t>
-            </a:r>
-            <a:r>
-              <a:rPr lang="en-US" altLang="zh-CN" dirty="0" err="1"/>
-              <a:t>Xmx</a:t>
-            </a:r>
-            <a:r>
-              <a:rPr lang="en-US" altLang="zh-CN" dirty="0"/>
-              <a:t>=");</a:t>
-            </a:r>
-          </a:p>
-          <a:p>
-            <a:pPr lvl="2"/>
-            <a:r>
-              <a:rPr lang="en-US" altLang="zh-CN" dirty="0" err="1"/>
-              <a:t>System.out.println</a:t>
-            </a:r>
-            <a:r>
-              <a:rPr lang="en-US" altLang="zh-CN" dirty="0"/>
-              <a:t>(</a:t>
-            </a:r>
-            <a:r>
-              <a:rPr lang="en-US" altLang="zh-CN" dirty="0" err="1"/>
-              <a:t>Runtime.getRuntime</a:t>
-            </a:r>
-            <a:r>
-              <a:rPr lang="en-US" altLang="zh-CN" dirty="0"/>
-              <a:t>().</a:t>
-            </a:r>
-            <a:r>
-              <a:rPr lang="en-US" altLang="zh-CN" dirty="0" err="1"/>
-              <a:t>maxMemory</a:t>
-            </a:r>
-            <a:r>
-              <a:rPr lang="en-US" altLang="zh-CN" dirty="0"/>
-              <a:t>()/1024.0/1024+"M");</a:t>
-            </a:r>
-          </a:p>
-          <a:p>
-            <a:pPr lvl="2"/>
-            <a:endParaRPr lang="en-US" altLang="zh-CN" dirty="0"/>
-          </a:p>
-          <a:p>
-            <a:pPr lvl="2"/>
-            <a:r>
-              <a:rPr lang="en-US" altLang="zh-CN" dirty="0" err="1"/>
-              <a:t>System.out.print</a:t>
-            </a:r>
-            <a:r>
-              <a:rPr lang="en-US" altLang="zh-CN" dirty="0"/>
-              <a:t>("free </a:t>
-            </a:r>
-            <a:r>
-              <a:rPr lang="en-US" altLang="zh-CN" dirty="0" err="1"/>
-              <a:t>mem</a:t>
-            </a:r>
-            <a:r>
-              <a:rPr lang="en-US" altLang="zh-CN" dirty="0"/>
-              <a:t>=");</a:t>
-            </a:r>
-          </a:p>
-          <a:p>
-            <a:pPr lvl="2"/>
-            <a:r>
-              <a:rPr lang="en-US" altLang="zh-CN" dirty="0" err="1"/>
-              <a:t>System.out.println</a:t>
-            </a:r>
-            <a:r>
-              <a:rPr lang="en-US" altLang="zh-CN" dirty="0"/>
-              <a:t>(</a:t>
-            </a:r>
-            <a:r>
-              <a:rPr lang="en-US" altLang="zh-CN" dirty="0" err="1"/>
-              <a:t>Runtime.getRuntime</a:t>
-            </a:r>
-            <a:r>
-              <a:rPr lang="en-US" altLang="zh-CN" dirty="0"/>
-              <a:t>().</a:t>
-            </a:r>
-            <a:r>
-              <a:rPr lang="en-US" altLang="zh-CN" dirty="0" err="1"/>
-              <a:t>freeMemory</a:t>
-            </a:r>
-            <a:r>
-              <a:rPr lang="en-US" altLang="zh-CN" dirty="0"/>
-              <a:t>()/1024.0/1024+"M");</a:t>
-            </a:r>
-          </a:p>
-          <a:p>
-            <a:pPr lvl="2"/>
-            <a:endParaRPr lang="en-US" altLang="zh-CN" dirty="0"/>
-          </a:p>
-          <a:p>
-            <a:pPr lvl="2"/>
-            <a:r>
-              <a:rPr lang="en-US" altLang="zh-CN" dirty="0" err="1"/>
-              <a:t>System.out.print</a:t>
-            </a:r>
-            <a:r>
-              <a:rPr lang="en-US" altLang="zh-CN" dirty="0"/>
-              <a:t>("total </a:t>
-            </a:r>
-            <a:r>
-              <a:rPr lang="en-US" altLang="zh-CN" dirty="0" err="1"/>
-              <a:t>mem</a:t>
-            </a:r>
-            <a:r>
-              <a:rPr lang="en-US" altLang="zh-CN" dirty="0"/>
-              <a:t>=");</a:t>
-            </a:r>
-          </a:p>
-          <a:p>
-            <a:pPr lvl="2"/>
-            <a:r>
-              <a:rPr lang="en-US" altLang="zh-CN" dirty="0" err="1"/>
-              <a:t>System.out.println</a:t>
-            </a:r>
-            <a:r>
-              <a:rPr lang="en-US" altLang="zh-CN" dirty="0"/>
-              <a:t>(</a:t>
-            </a:r>
-            <a:r>
-              <a:rPr lang="en-US" altLang="zh-CN" dirty="0" err="1"/>
-              <a:t>Runtime.getRuntime</a:t>
-            </a:r>
-            <a:r>
-              <a:rPr lang="en-US" altLang="zh-CN" dirty="0"/>
-              <a:t>().</a:t>
-            </a:r>
-            <a:r>
-              <a:rPr lang="en-US" altLang="zh-CN" dirty="0" err="1"/>
-              <a:t>totalMemory</a:t>
-            </a:r>
-            <a:r>
-              <a:rPr lang="en-US" altLang="zh-CN" dirty="0"/>
-              <a:t>()/1024.0/1024+"M");</a:t>
-            </a:r>
-            <a:endParaRPr lang="zh-CN" altLang="en-US" dirty="0"/>
-          </a:p>
-        </p:txBody>
-      </p:sp>
-      <p:sp>
-        <p:nvSpPr>
-          <p:cNvPr id="5" name="TextBox 4"/>
-          <p:cNvSpPr txBox="1"/>
-          <p:nvPr/>
-        </p:nvSpPr>
-        <p:spPr>
-          <a:xfrm>
-            <a:off x="6894438" y="1731219"/>
-            <a:ext cx="4464496" cy="923330"/>
-          </a:xfrm>
-          <a:prstGeom prst="rect">
-            <a:avLst/>
-          </a:prstGeom>
-        </p:spPr>
-        <p:style>
-          <a:lnRef idx="2">
-            <a:schemeClr val="accent1"/>
-          </a:lnRef>
-          <a:fillRef idx="1">
-            <a:schemeClr val="lt1"/>
-          </a:fillRef>
-          <a:effectRef idx="0">
-            <a:schemeClr val="accent1"/>
-          </a:effectRef>
-          <a:fontRef idx="minor">
-            <a:schemeClr val="dk1"/>
-          </a:fontRef>
-        </p:style>
-        <p:txBody>
-          <a:bodyPr wrap="square" rtlCol="0">
-            <a:spAutoFit/>
-          </a:bodyPr>
-          <a:lstStyle/>
-          <a:p>
-            <a:r>
-              <a:rPr lang="en-US" altLang="zh-CN" dirty="0" err="1"/>
-              <a:t>Xmx</a:t>
-            </a:r>
-            <a:r>
-              <a:rPr lang="en-US" altLang="zh-CN" dirty="0"/>
-              <a:t>=19.375M</a:t>
-            </a:r>
-          </a:p>
-          <a:p>
-            <a:r>
-              <a:rPr lang="en-US" altLang="zh-CN" dirty="0"/>
-              <a:t>free </a:t>
-            </a:r>
-            <a:r>
-              <a:rPr lang="en-US" altLang="zh-CN" dirty="0" err="1"/>
-              <a:t>mem</a:t>
-            </a:r>
-            <a:r>
-              <a:rPr lang="en-US" altLang="zh-CN" dirty="0"/>
-              <a:t>=4.342750549316406M</a:t>
-            </a:r>
-          </a:p>
-          <a:p>
-            <a:r>
-              <a:rPr lang="en-US" altLang="zh-CN" dirty="0"/>
-              <a:t>total </a:t>
-            </a:r>
-            <a:r>
-              <a:rPr lang="en-US" altLang="zh-CN" dirty="0" err="1"/>
-              <a:t>mem</a:t>
-            </a:r>
-            <a:r>
-              <a:rPr lang="en-US" altLang="zh-CN" dirty="0"/>
-              <a:t>=4.875M</a:t>
-            </a:r>
-            <a:endParaRPr lang="zh-CN" altLang="en-US" dirty="0"/>
-          </a:p>
-        </p:txBody>
-      </p:sp>
-    </p:spTree>
-    <p:extLst>
-      <p:ext uri="{BB962C8B-B14F-4D97-AF65-F5344CB8AC3E}">
-        <p14:creationId xmlns:p14="http://schemas.microsoft.com/office/powerpoint/2010/main" val="4067966243"/>
-      </p:ext>
-    </p:extLst>
-  </p:cSld>
-  <p:clrMapOvr>
-    <a:masterClrMapping/>
-  </p:clrMapOvr>
-  <p:timing>
-    <p:tnLst>
-      <p:par>
-        <p:cTn id="1" dur="indefinite" restart="never" nodeType="tmRoot">
-          <p:childTnLst>
-            <p:seq concurrent="1" nextAc="seek">
-              <p:cTn id="2" dur="indefinite" nodeType="mainSeq">
-                <p:childTnLst>
-                  <p:par>
-                    <p:cTn id="3" fill="hold">
-                      <p:stCondLst>
-                        <p:cond delay="indefinite"/>
-                      </p:stCondLst>
-                      <p:childTnLst>
-                        <p:par>
-                          <p:cTn id="4" fill="hold">
-                            <p:stCondLst>
-                              <p:cond delay="0"/>
-                            </p:stCondLst>
-                            <p:childTnLst>
-                              <p:par>
-                                <p:cTn id="5" presetID="10" presetClass="entr" presetSubtype="0" fill="hold" grpId="0" nodeType="clickEffect">
-                                  <p:stCondLst>
-                                    <p:cond delay="0"/>
-                                  </p:stCondLst>
-                                  <p:childTnLst>
-                                    <p:set>
-                                      <p:cBhvr>
-                                        <p:cTn id="6" dur="1" fill="hold">
-                                          <p:stCondLst>
-                                            <p:cond delay="0"/>
-                                          </p:stCondLst>
-                                        </p:cTn>
-                                        <p:tgtEl>
-                                          <p:spTgt spid="5"/>
-                                        </p:tgtEl>
-                                        <p:attrNameLst>
-                                          <p:attrName>style.visibility</p:attrName>
-                                        </p:attrNameLst>
-                                      </p:cBhvr>
-                                      <p:to>
-                                        <p:strVal val="visible"/>
-                                      </p:to>
-                                    </p:set>
-                                    <p:animEffect transition="in" filter="fade">
-                                      <p:cBhvr>
-                                        <p:cTn id="7" dur="500"/>
-                                        <p:tgtEl>
-                                          <p:spTgt spid="5"/>
-                                        </p:tgtEl>
-                                      </p:cBhvr>
-                                    </p:animEffect>
-                                  </p:childTnLst>
-                                </p:cTn>
-                              </p:par>
-                            </p:childTnLst>
-                          </p:cTn>
-                        </p:par>
-                      </p:childTnLst>
-                    </p:cTn>
-                  </p:par>
-                </p:childTnLst>
-              </p:cTn>
-              <p:prevCondLst>
-                <p:cond evt="onPrev" delay="0">
-                  <p:tgtEl>
-                    <p:sldTgt/>
-                  </p:tgtEl>
-                </p:cond>
-              </p:prevCondLst>
-              <p:nextCondLst>
-                <p:cond evt="onNext" delay="0">
-                  <p:tgtEl>
-                    <p:sldTgt/>
-                  </p:tgtEl>
-                </p:cond>
-              </p:nextCondLst>
-            </p:seq>
-          </p:childTnLst>
-        </p:cTn>
-      </p:par>
-    </p:tnLst>
-    <p:bldLst>
-      <p:bldP spid="5" grpId="0" animBg="1"/>
-    </p:bldLst>
-  </p:timing>
-</p:sld>
-</file>
-
-<file path=ppt/slides/slide12.xml><?xml version="1.0" encoding="utf-8"?>
-<p:sld xmlns:a="http://schemas.openxmlformats.org/drawingml/2006/main" xmlns:r="http://schemas.openxmlformats.org/officeDocument/2006/relationships" xmlns:p="http://schemas.openxmlformats.org/presentationml/2006/main">
-  <p:cSld>
-    <p:spTree>
-      <p:nvGrpSpPr>
-        <p:cNvPr id="1" name=""/>
-        <p:cNvGrpSpPr/>
-        <p:nvPr/>
-      </p:nvGrpSpPr>
-      <p:grpSpPr>
-        <a:xfrm>
-          <a:off x="0" y="0"/>
-          <a:ext cx="0" cy="0"/>
-          <a:chOff x="0" y="0"/>
-          <a:chExt cx="0" cy="0"/>
-        </a:xfrm>
-      </p:grpSpPr>
-      <p:sp>
-        <p:nvSpPr>
-          <p:cNvPr id="2" name="标题 1"/>
-          <p:cNvSpPr>
-            <a:spLocks noGrp="1"/>
-          </p:cNvSpPr>
-          <p:nvPr>
-            <p:ph type="title"/>
-          </p:nvPr>
-        </p:nvSpPr>
-        <p:spPr/>
-        <p:txBody>
-          <a:bodyPr/>
-          <a:lstStyle/>
-          <a:p>
-            <a:r>
-              <a:rPr lang="zh-CN" altLang="en-US" dirty="0"/>
-              <a:t>堆的分配参数</a:t>
-            </a:r>
-          </a:p>
-        </p:txBody>
-      </p:sp>
-      <p:sp>
-        <p:nvSpPr>
-          <p:cNvPr id="3" name="内容占位符 2"/>
-          <p:cNvSpPr>
-            <a:spLocks noGrp="1"/>
-          </p:cNvSpPr>
-          <p:nvPr>
-            <p:ph idx="1"/>
-          </p:nvPr>
-        </p:nvSpPr>
-        <p:spPr/>
-        <p:txBody>
-          <a:bodyPr/>
-          <a:lstStyle/>
-          <a:p>
-            <a:r>
               <a:rPr lang="en-US" altLang="zh-CN" dirty="0"/>
               <a:t>-Xmx20m -Xms5m  </a:t>
             </a:r>
@@ -6969,6 +5802,11 @@
               </a:rPr>
               <a:t>byte[] b=new byte[1*1024*1024];</a:t>
             </a:r>
+            <a:endParaRPr lang="en-US" altLang="zh-CN" dirty="0">
+              <a:solidFill>
+                <a:srgbClr val="FF0000"/>
+              </a:solidFill>
+            </a:endParaRPr>
           </a:p>
           <a:p>
             <a:pPr lvl="2"/>
@@ -6996,6 +5834,7 @@
               <a:rPr lang="en-US" altLang="zh-CN" dirty="0"/>
               <a:t>");</a:t>
             </a:r>
+            <a:endParaRPr lang="en-US" altLang="zh-CN" dirty="0"/>
           </a:p>
           <a:p>
             <a:pPr lvl="2"/>
@@ -7019,6 +5858,7 @@
               <a:rPr lang="en-US" altLang="zh-CN" dirty="0"/>
               <a:t>=");</a:t>
             </a:r>
+            <a:endParaRPr lang="en-US" altLang="zh-CN" dirty="0"/>
           </a:p>
           <a:p>
             <a:pPr lvl="2"/>
@@ -7046,6 +5886,7 @@
               <a:rPr lang="en-US" altLang="zh-CN" dirty="0"/>
               <a:t>()/1024.0/1024+"M");</a:t>
             </a:r>
+            <a:endParaRPr lang="en-US" altLang="zh-CN" dirty="0"/>
           </a:p>
           <a:p>
             <a:pPr lvl="2"/>
@@ -7069,6 +5910,7 @@
               <a:rPr lang="en-US" altLang="zh-CN" dirty="0"/>
               <a:t>=");</a:t>
             </a:r>
+            <a:endParaRPr lang="en-US" altLang="zh-CN" dirty="0"/>
           </a:p>
           <a:p>
             <a:pPr lvl="2"/>
@@ -7096,6 +5938,7 @@
               <a:rPr lang="en-US" altLang="zh-CN" dirty="0"/>
               <a:t>()/1024.0/1024+"M");</a:t>
             </a:r>
+            <a:endParaRPr lang="en-US" altLang="zh-CN" dirty="0"/>
           </a:p>
           <a:p>
             <a:pPr lvl="2"/>
@@ -7119,6 +5962,7 @@
               <a:rPr lang="en-US" altLang="zh-CN" dirty="0"/>
               <a:t>=");</a:t>
             </a:r>
+            <a:endParaRPr lang="en-US" altLang="zh-CN" dirty="0"/>
           </a:p>
           <a:p>
             <a:pPr lvl="2"/>
@@ -7197,6 +6041,7 @@
               <a:rPr lang="zh-CN" altLang="en-US" dirty="0"/>
               <a:t>空间给数组</a:t>
             </a:r>
+            <a:endParaRPr lang="zh-CN" altLang="en-US" dirty="0"/>
           </a:p>
           <a:p>
             <a:r>
@@ -7207,6 +6052,7 @@
               <a:rPr lang="en-US" altLang="zh-CN" dirty="0"/>
               <a:t>=19.375M</a:t>
             </a:r>
+            <a:endParaRPr lang="en-US" altLang="zh-CN" dirty="0"/>
           </a:p>
           <a:p>
             <a:r>
@@ -7221,6 +6067,7 @@
               <a:rPr lang="en-US" altLang="zh-CN" dirty="0"/>
               <a:t>=3.4791183471679688M</a:t>
             </a:r>
+            <a:endParaRPr lang="en-US" altLang="zh-CN" dirty="0"/>
           </a:p>
           <a:p>
             <a:r>
@@ -7287,11 +6134,6 @@
         </p:txBody>
       </p:sp>
     </p:spTree>
-    <p:extLst>
-      <p:ext uri="{BB962C8B-B14F-4D97-AF65-F5344CB8AC3E}">
-        <p14:creationId xmlns:p14="http://schemas.microsoft.com/office/powerpoint/2010/main" val="1368702470"/>
-      </p:ext>
-    </p:extLst>
   </p:cSld>
   <p:clrMapOvr>
     <a:masterClrMapping/>
@@ -7508,7 +6350,7 @@
 </p:sld>
 </file>
 
-<file path=ppt/slides/slide13.xml><?xml version="1.0" encoding="utf-8"?>
+<file path=ppt/slides/slide11.xml><?xml version="1.0" encoding="utf-8"?>
 <p:sld xmlns:a="http://schemas.openxmlformats.org/drawingml/2006/main" xmlns:r="http://schemas.openxmlformats.org/officeDocument/2006/relationships" xmlns:p="http://schemas.openxmlformats.org/presentationml/2006/main">
   <p:cSld>
     <p:spTree>
@@ -7544,6 +6386,7 @@
               <a:rPr lang="zh-CN" altLang="en-US" dirty="0"/>
               <a:t>堆的分配参数</a:t>
             </a:r>
+            <a:endParaRPr lang="zh-CN" altLang="en-US" dirty="0"/>
           </a:p>
         </p:txBody>
       </p:sp>
@@ -7582,6 +6425,11 @@
               </a:rPr>
               <a:t>b=new byte[4*1024*1024];</a:t>
             </a:r>
+            <a:endParaRPr lang="en-US" altLang="zh-CN" dirty="0">
+              <a:solidFill>
+                <a:srgbClr val="FF0000"/>
+              </a:solidFill>
+            </a:endParaRPr>
           </a:p>
           <a:p>
             <a:pPr lvl="2"/>
@@ -7609,6 +6457,7 @@
               <a:rPr lang="en-US" altLang="zh-CN" dirty="0"/>
               <a:t>");</a:t>
             </a:r>
+            <a:endParaRPr lang="en-US" altLang="zh-CN" dirty="0"/>
           </a:p>
           <a:p>
             <a:pPr lvl="2"/>
@@ -7632,6 +6481,7 @@
               <a:rPr lang="en-US" altLang="zh-CN" dirty="0"/>
               <a:t>=");</a:t>
             </a:r>
+            <a:endParaRPr lang="en-US" altLang="zh-CN" dirty="0"/>
           </a:p>
           <a:p>
             <a:pPr lvl="2"/>
@@ -7659,6 +6509,7 @@
               <a:rPr lang="en-US" altLang="zh-CN" dirty="0"/>
               <a:t>()/1024.0/1024+"M");</a:t>
             </a:r>
+            <a:endParaRPr lang="en-US" altLang="zh-CN" dirty="0"/>
           </a:p>
           <a:p>
             <a:pPr lvl="2"/>
@@ -7682,6 +6533,7 @@
               <a:rPr lang="en-US" altLang="zh-CN" dirty="0"/>
               <a:t>=");</a:t>
             </a:r>
+            <a:endParaRPr lang="en-US" altLang="zh-CN" dirty="0"/>
           </a:p>
           <a:p>
             <a:pPr lvl="2"/>
@@ -7709,6 +6561,7 @@
               <a:rPr lang="en-US" altLang="zh-CN" dirty="0"/>
               <a:t>()/1024.0/1024+"M");</a:t>
             </a:r>
+            <a:endParaRPr lang="en-US" altLang="zh-CN" dirty="0"/>
           </a:p>
           <a:p>
             <a:pPr lvl="2"/>
@@ -7732,6 +6585,7 @@
               <a:rPr lang="en-US" altLang="zh-CN" dirty="0"/>
               <a:t>=");</a:t>
             </a:r>
+            <a:endParaRPr lang="en-US" altLang="zh-CN" dirty="0"/>
           </a:p>
           <a:p>
             <a:pPr lvl="2"/>
@@ -7810,6 +6664,7 @@
               <a:rPr lang="zh-CN" altLang="en-US" dirty="0"/>
               <a:t>空间给数组</a:t>
             </a:r>
+            <a:endParaRPr lang="zh-CN" altLang="en-US" dirty="0"/>
           </a:p>
           <a:p>
             <a:r>
@@ -7820,6 +6675,7 @@
               <a:rPr lang="en-US" altLang="zh-CN" dirty="0"/>
               <a:t>=19.375M</a:t>
             </a:r>
+            <a:endParaRPr lang="en-US" altLang="zh-CN" dirty="0"/>
           </a:p>
           <a:p>
             <a:r>
@@ -7834,6 +6690,7 @@
               <a:rPr lang="en-US" altLang="zh-CN" dirty="0"/>
               <a:t>=3.5899810791015625M</a:t>
             </a:r>
+            <a:endParaRPr lang="en-US" altLang="zh-CN" dirty="0"/>
           </a:p>
           <a:p>
             <a:r>
@@ -7930,11 +6787,6 @@
         </p:style>
       </p:cxnSp>
     </p:spTree>
-    <p:extLst>
-      <p:ext uri="{BB962C8B-B14F-4D97-AF65-F5344CB8AC3E}">
-        <p14:creationId xmlns:p14="http://schemas.microsoft.com/office/powerpoint/2010/main" val="2668987247"/>
-      </p:ext>
-    </p:extLst>
   </p:cSld>
   <p:clrMapOvr>
     <a:masterClrMapping/>
@@ -8099,7 +6951,7 @@
 </p:sld>
 </file>
 
-<file path=ppt/slides/slide14.xml><?xml version="1.0" encoding="utf-8"?>
+<file path=ppt/slides/slide12.xml><?xml version="1.0" encoding="utf-8"?>
 <p:sld xmlns:a="http://schemas.openxmlformats.org/drawingml/2006/main" xmlns:r="http://schemas.openxmlformats.org/officeDocument/2006/relationships" xmlns:p="http://schemas.openxmlformats.org/presentationml/2006/main">
   <p:cSld>
     <p:spTree>
@@ -8179,6 +7031,7 @@
               <a:rPr lang="zh-CN" altLang="en-US" dirty="0"/>
               <a:t>堆的分配参数</a:t>
             </a:r>
+            <a:endParaRPr lang="zh-CN" altLang="en-US" dirty="0"/>
           </a:p>
         </p:txBody>
       </p:sp>
@@ -8234,6 +7087,11 @@
               </a:rPr>
               <a:t>();</a:t>
             </a:r>
+            <a:endParaRPr lang="en-US" altLang="zh-CN" dirty="0" smtClean="0">
+              <a:solidFill>
+                <a:srgbClr val="FF0000"/>
+              </a:solidFill>
+            </a:endParaRPr>
           </a:p>
           <a:p>
             <a:pPr lvl="2"/>
@@ -8257,6 +7115,7 @@
               <a:rPr lang="en-US" altLang="zh-CN" dirty="0"/>
               <a:t>");</a:t>
             </a:r>
+            <a:endParaRPr lang="en-US" altLang="zh-CN" dirty="0"/>
           </a:p>
           <a:p>
             <a:pPr lvl="2"/>
@@ -8276,6 +7135,7 @@
               <a:rPr lang="en-US" altLang="zh-CN" dirty="0"/>
               <a:t>=");</a:t>
             </a:r>
+            <a:endParaRPr lang="en-US" altLang="zh-CN" dirty="0"/>
           </a:p>
           <a:p>
             <a:pPr lvl="2"/>
@@ -8303,6 +7163,7 @@
               <a:rPr lang="en-US" altLang="zh-CN" dirty="0"/>
               <a:t>()/1024.0/1024+"M");</a:t>
             </a:r>
+            <a:endParaRPr lang="en-US" altLang="zh-CN" dirty="0"/>
           </a:p>
           <a:p>
             <a:pPr lvl="2"/>
@@ -8326,6 +7187,7 @@
               <a:rPr lang="en-US" altLang="zh-CN" dirty="0"/>
               <a:t>=");</a:t>
             </a:r>
+            <a:endParaRPr lang="en-US" altLang="zh-CN" dirty="0"/>
           </a:p>
           <a:p>
             <a:pPr lvl="2"/>
@@ -8353,6 +7215,7 @@
               <a:rPr lang="en-US" altLang="zh-CN" dirty="0"/>
               <a:t>()/1024.0/1024+"M");</a:t>
             </a:r>
+            <a:endParaRPr lang="en-US" altLang="zh-CN" dirty="0"/>
           </a:p>
           <a:p>
             <a:pPr lvl="2"/>
@@ -8376,6 +7239,7 @@
               <a:rPr lang="en-US" altLang="zh-CN" dirty="0"/>
               <a:t>=");</a:t>
             </a:r>
+            <a:endParaRPr lang="en-US" altLang="zh-CN" dirty="0"/>
           </a:p>
           <a:p>
             <a:pPr lvl="2"/>
@@ -8403,6 +7267,7 @@
               <a:rPr lang="en-US" altLang="zh-CN" dirty="0"/>
               <a:t>()/1024.0/1024+"M");</a:t>
             </a:r>
+            <a:endParaRPr lang="en-US" altLang="zh-CN" dirty="0"/>
           </a:p>
           <a:p>
             <a:endParaRPr lang="zh-CN" altLang="en-US" dirty="0"/>
@@ -8448,6 +7313,7 @@
               <a:rPr lang="zh-CN" altLang="en-US" dirty="0"/>
               <a:t>回收内存</a:t>
             </a:r>
+            <a:endParaRPr lang="zh-CN" altLang="en-US" dirty="0"/>
           </a:p>
           <a:p>
             <a:r>
@@ -8458,6 +7324,7 @@
               <a:rPr lang="en-US" altLang="zh-CN" dirty="0"/>
               <a:t>=19.375M</a:t>
             </a:r>
+            <a:endParaRPr lang="en-US" altLang="zh-CN" dirty="0"/>
           </a:p>
           <a:p>
             <a:r>
@@ -8472,6 +7339,7 @@
               <a:rPr lang="en-US" altLang="zh-CN" dirty="0"/>
               <a:t>=6.354591369628906M</a:t>
             </a:r>
+            <a:endParaRPr lang="en-US" altLang="zh-CN" dirty="0"/>
           </a:p>
           <a:p>
             <a:r>
@@ -8524,11 +7392,6 @@
         </p:style>
       </p:cxnSp>
     </p:spTree>
-    <p:extLst>
-      <p:ext uri="{BB962C8B-B14F-4D97-AF65-F5344CB8AC3E}">
-        <p14:creationId xmlns:p14="http://schemas.microsoft.com/office/powerpoint/2010/main" val="3701728093"/>
-      </p:ext>
-    </p:extLst>
   </p:cSld>
   <p:clrMapOvr>
     <a:masterClrMapping/>
@@ -8693,7 +7556,7 @@
 </p:sld>
 </file>
 
-<file path=ppt/slides/slide15.xml><?xml version="1.0" encoding="utf-8"?>
+<file path=ppt/slides/slide13.xml><?xml version="1.0" encoding="utf-8"?>
 <p:sld xmlns:a="http://schemas.openxmlformats.org/drawingml/2006/main" xmlns:r="http://schemas.openxmlformats.org/officeDocument/2006/relationships" xmlns:p="http://schemas.openxmlformats.org/presentationml/2006/main">
   <p:cSld>
     <p:spTree>
@@ -8729,6 +7592,7 @@
               <a:rPr lang="zh-CN" altLang="en-US" dirty="0"/>
               <a:t>堆的分配参数</a:t>
             </a:r>
+            <a:endParaRPr lang="zh-CN" altLang="en-US" dirty="0"/>
           </a:p>
         </p:txBody>
       </p:sp>
@@ -8950,11 +7814,6 @@
         </p:txBody>
       </p:sp>
     </p:spTree>
-    <p:extLst>
-      <p:ext uri="{BB962C8B-B14F-4D97-AF65-F5344CB8AC3E}">
-        <p14:creationId xmlns:p14="http://schemas.microsoft.com/office/powerpoint/2010/main" val="3376791411"/>
-      </p:ext>
-    </p:extLst>
   </p:cSld>
   <p:clrMapOvr>
     <a:masterClrMapping/>
@@ -8969,7 +7828,7 @@
 </p:sld>
 </file>
 
-<file path=ppt/slides/slide16.xml><?xml version="1.0" encoding="utf-8"?>
+<file path=ppt/slides/slide14.xml><?xml version="1.0" encoding="utf-8"?>
 <p:sld xmlns:a="http://schemas.openxmlformats.org/drawingml/2006/main" xmlns:r="http://schemas.openxmlformats.org/officeDocument/2006/relationships" xmlns:p="http://schemas.openxmlformats.org/presentationml/2006/main">
   <p:cSld>
     <p:spTree>
@@ -9005,6 +7864,7 @@
               <a:rPr lang="zh-CN" altLang="en-US" dirty="0"/>
               <a:t>堆的分配参数</a:t>
             </a:r>
+            <a:endParaRPr lang="zh-CN" altLang="en-US" dirty="0"/>
           </a:p>
         </p:txBody>
       </p:sp>
@@ -9098,6 +7958,7 @@
               <a:rPr lang="en-US" altLang="zh-CN" dirty="0" smtClean="0"/>
               <a:t>1/5</a:t>
             </a:r>
+            <a:endParaRPr lang="en-US" altLang="zh-CN" dirty="0" smtClean="0"/>
           </a:p>
           <a:p>
             <a:r>
@@ -9189,11 +8050,6 @@
         </p:txBody>
       </p:sp>
     </p:spTree>
-    <p:extLst>
-      <p:ext uri="{BB962C8B-B14F-4D97-AF65-F5344CB8AC3E}">
-        <p14:creationId xmlns:p14="http://schemas.microsoft.com/office/powerpoint/2010/main" val="4265538465"/>
-      </p:ext>
-    </p:extLst>
   </p:cSld>
   <p:clrMapOvr>
     <a:masterClrMapping/>
@@ -9208,7 +8064,7 @@
 </p:sld>
 </file>
 
-<file path=ppt/slides/slide17.xml><?xml version="1.0" encoding="utf-8"?>
+<file path=ppt/slides/slide15.xml><?xml version="1.0" encoding="utf-8"?>
 <p:sld xmlns:a="http://schemas.openxmlformats.org/drawingml/2006/main" xmlns:r="http://schemas.openxmlformats.org/officeDocument/2006/relationships" xmlns:p="http://schemas.openxmlformats.org/presentationml/2006/main">
   <p:cSld>
     <p:spTree>
@@ -9244,6 +8100,7 @@
               <a:rPr lang="zh-CN" altLang="en-US" dirty="0"/>
               <a:t>堆的分配参数</a:t>
             </a:r>
+            <a:endParaRPr lang="zh-CN" altLang="en-US" dirty="0"/>
           </a:p>
         </p:txBody>
       </p:sp>
@@ -9296,12 +8153,14 @@
               <a:rPr lang="en-US" altLang="zh-CN" dirty="0"/>
               <a:t>) {</a:t>
             </a:r>
+            <a:endParaRPr lang="en-US" altLang="zh-CN" dirty="0"/>
           </a:p>
           <a:p>
             <a:r>
               <a:rPr lang="en-US" altLang="zh-CN" dirty="0"/>
               <a:t>   byte[] b=null;</a:t>
             </a:r>
+            <a:endParaRPr lang="en-US" altLang="zh-CN" dirty="0"/>
           </a:p>
           <a:p>
             <a:r>
@@ -9324,12 +8183,14 @@
               <a:rPr lang="en-US" altLang="zh-CN" dirty="0"/>
               <a:t>=0;i&lt;10;i++)</a:t>
             </a:r>
+            <a:endParaRPr lang="en-US" altLang="zh-CN" dirty="0"/>
           </a:p>
           <a:p>
             <a:r>
               <a:rPr lang="en-US" altLang="zh-CN" dirty="0"/>
               <a:t>       b=new byte[1*1024*1024];</a:t>
             </a:r>
+            <a:endParaRPr lang="en-US" altLang="zh-CN" dirty="0"/>
           </a:p>
           <a:p>
             <a:r>
@@ -9400,7 +8261,7 @@
           <p:nvPr/>
         </p:nvPicPr>
         <p:blipFill>
-          <a:blip r:embed="rId3">
+          <a:blip r:embed="rId1">
             <a:extLst>
               <a:ext uri="{28A0092B-C50C-407E-A947-70E740481C1C}">
                 <a14:useLocalDpi xmlns:a14="http://schemas.microsoft.com/office/drawing/2010/main" val="0"/>
@@ -9491,6 +8352,7 @@
               <a:rPr lang="en-US" altLang="zh-CN" dirty="0" smtClean="0"/>
               <a:t>GC</a:t>
             </a:r>
+            <a:endParaRPr lang="en-US" altLang="zh-CN" dirty="0" smtClean="0"/>
           </a:p>
           <a:p>
             <a:pPr marL="342900" indent="-342900">
@@ -9512,11 +8374,6 @@
         </p:txBody>
       </p:sp>
     </p:spTree>
-    <p:extLst>
-      <p:ext uri="{BB962C8B-B14F-4D97-AF65-F5344CB8AC3E}">
-        <p14:creationId xmlns:p14="http://schemas.microsoft.com/office/powerpoint/2010/main" val="3773455868"/>
-      </p:ext>
-    </p:extLst>
   </p:cSld>
   <p:clrMapOvr>
     <a:masterClrMapping/>
@@ -9531,7 +8388,7 @@
 </p:sld>
 </file>
 
-<file path=ppt/slides/slide18.xml><?xml version="1.0" encoding="utf-8"?>
+<file path=ppt/slides/slide16.xml><?xml version="1.0" encoding="utf-8"?>
 <p:sld xmlns:a="http://schemas.openxmlformats.org/drawingml/2006/main" xmlns:r="http://schemas.openxmlformats.org/officeDocument/2006/relationships" xmlns:p="http://schemas.openxmlformats.org/presentationml/2006/main">
   <p:cSld>
     <p:spTree>
@@ -9567,6 +8424,7 @@
               <a:rPr lang="zh-CN" altLang="en-US" dirty="0"/>
               <a:t>堆的分配参数</a:t>
             </a:r>
+            <a:endParaRPr lang="zh-CN" altLang="en-US" dirty="0"/>
           </a:p>
         </p:txBody>
       </p:sp>
@@ -9619,12 +8477,14 @@
               <a:rPr lang="en-US" altLang="zh-CN" dirty="0"/>
               <a:t>) {</a:t>
             </a:r>
+            <a:endParaRPr lang="en-US" altLang="zh-CN" dirty="0"/>
           </a:p>
           <a:p>
             <a:r>
               <a:rPr lang="en-US" altLang="zh-CN" dirty="0"/>
               <a:t>   byte[] b=null;</a:t>
             </a:r>
+            <a:endParaRPr lang="en-US" altLang="zh-CN" dirty="0"/>
           </a:p>
           <a:p>
             <a:r>
@@ -9647,12 +8507,14 @@
               <a:rPr lang="en-US" altLang="zh-CN" dirty="0"/>
               <a:t>=0;i&lt;10;i++)</a:t>
             </a:r>
+            <a:endParaRPr lang="en-US" altLang="zh-CN" dirty="0"/>
           </a:p>
           <a:p>
             <a:r>
               <a:rPr lang="en-US" altLang="zh-CN" dirty="0"/>
               <a:t>       b=new byte[1*1024*1024];</a:t>
             </a:r>
+            <a:endParaRPr lang="en-US" altLang="zh-CN" dirty="0"/>
           </a:p>
           <a:p>
             <a:r>
@@ -9719,7 +8581,7 @@
           <p:nvPr/>
         </p:nvPicPr>
         <p:blipFill>
-          <a:blip r:embed="rId3">
+          <a:blip r:embed="rId1">
             <a:extLst>
               <a:ext uri="{28A0092B-C50C-407E-A947-70E740481C1C}">
                 <a14:useLocalDpi xmlns:a14="http://schemas.microsoft.com/office/drawing/2010/main" val="0"/>
@@ -9810,6 +8672,7 @@
               <a:rPr lang="en-US" altLang="zh-CN" dirty="0" smtClean="0"/>
               <a:t>GC</a:t>
             </a:r>
+            <a:endParaRPr lang="en-US" altLang="zh-CN" dirty="0" smtClean="0"/>
           </a:p>
           <a:p>
             <a:pPr marL="342900" indent="-342900">
@@ -9845,11 +8708,6 @@
         </p:txBody>
       </p:sp>
     </p:spTree>
-    <p:extLst>
-      <p:ext uri="{BB962C8B-B14F-4D97-AF65-F5344CB8AC3E}">
-        <p14:creationId xmlns:p14="http://schemas.microsoft.com/office/powerpoint/2010/main" val="2202541426"/>
-      </p:ext>
-    </p:extLst>
   </p:cSld>
   <p:clrMapOvr>
     <a:masterClrMapping/>
@@ -9864,7 +8722,7 @@
 </p:sld>
 </file>
 
-<file path=ppt/slides/slide19.xml><?xml version="1.0" encoding="utf-8"?>
+<file path=ppt/slides/slide17.xml><?xml version="1.0" encoding="utf-8"?>
 <p:sld xmlns:a="http://schemas.openxmlformats.org/drawingml/2006/main" xmlns:r="http://schemas.openxmlformats.org/officeDocument/2006/relationships" xmlns:p="http://schemas.openxmlformats.org/presentationml/2006/main">
   <p:cSld>
     <p:spTree>
@@ -9900,6 +8758,7 @@
               <a:rPr lang="zh-CN" altLang="en-US" dirty="0"/>
               <a:t>堆的分配参数</a:t>
             </a:r>
+            <a:endParaRPr lang="zh-CN" altLang="en-US" dirty="0"/>
           </a:p>
         </p:txBody>
       </p:sp>
@@ -9952,12 +8811,14 @@
               <a:rPr lang="en-US" altLang="zh-CN" dirty="0"/>
               <a:t>) {</a:t>
             </a:r>
+            <a:endParaRPr lang="en-US" altLang="zh-CN" dirty="0"/>
           </a:p>
           <a:p>
             <a:r>
               <a:rPr lang="en-US" altLang="zh-CN" dirty="0"/>
               <a:t>   byte[] b=null;</a:t>
             </a:r>
+            <a:endParaRPr lang="en-US" altLang="zh-CN" dirty="0"/>
           </a:p>
           <a:p>
             <a:r>
@@ -9980,12 +8841,14 @@
               <a:rPr lang="en-US" altLang="zh-CN" dirty="0"/>
               <a:t>=0;i&lt;10;i++)</a:t>
             </a:r>
+            <a:endParaRPr lang="en-US" altLang="zh-CN" dirty="0"/>
           </a:p>
           <a:p>
             <a:r>
               <a:rPr lang="en-US" altLang="zh-CN" dirty="0"/>
               <a:t>       b=new byte[1*1024*1024];</a:t>
             </a:r>
+            <a:endParaRPr lang="en-US" altLang="zh-CN" dirty="0"/>
           </a:p>
           <a:p>
             <a:r>
@@ -10064,7 +8927,7 @@
           <p:nvPr/>
         </p:nvPicPr>
         <p:blipFill>
-          <a:blip r:embed="rId3">
+          <a:blip r:embed="rId1">
             <a:extLst>
               <a:ext uri="{28A0092B-C50C-407E-A947-70E740481C1C}">
                 <a14:useLocalDpi xmlns:a14="http://schemas.microsoft.com/office/drawing/2010/main" val="0"/>
@@ -10164,6 +9027,7 @@
               <a:rPr lang="en-US" altLang="zh-CN" dirty="0" smtClean="0"/>
               <a:t>GC</a:t>
             </a:r>
+            <a:endParaRPr lang="en-US" altLang="zh-CN" dirty="0" smtClean="0"/>
           </a:p>
           <a:p>
             <a:r>
@@ -10187,11 +9051,6 @@
         </p:txBody>
       </p:sp>
     </p:spTree>
-    <p:extLst>
-      <p:ext uri="{BB962C8B-B14F-4D97-AF65-F5344CB8AC3E}">
-        <p14:creationId xmlns:p14="http://schemas.microsoft.com/office/powerpoint/2010/main" val="3672574463"/>
-      </p:ext>
-    </p:extLst>
   </p:cSld>
   <p:clrMapOvr>
     <a:masterClrMapping/>
@@ -10206,7 +9065,7 @@
 </p:sld>
 </file>
 
-<file path=ppt/slides/slide2.xml><?xml version="1.0" encoding="utf-8"?>
+<file path=ppt/slides/slide18.xml><?xml version="1.0" encoding="utf-8"?>
 <p:sld xmlns:a="http://schemas.openxmlformats.org/drawingml/2006/main" xmlns:r="http://schemas.openxmlformats.org/officeDocument/2006/relationships" xmlns:p="http://schemas.openxmlformats.org/presentationml/2006/main">
   <p:cSld>
     <p:spTree>
@@ -10225,165 +9084,6 @@
       </p:grpSpPr>
       <p:sp>
         <p:nvSpPr>
-          <p:cNvPr id="2" name="标题 1"/>
-          <p:cNvSpPr>
-            <a:spLocks noGrp="1"/>
-          </p:cNvSpPr>
-          <p:nvPr>
-            <p:ph type="title"/>
-          </p:nvPr>
-        </p:nvSpPr>
-        <p:spPr/>
-        <p:txBody>
-          <a:bodyPr/>
-          <a:lstStyle/>
-          <a:p>
-            <a:r>
-              <a:rPr lang="zh-CN" altLang="en-US" dirty="0" smtClean="0"/>
-              <a:t>法律声明</a:t>
-            </a:r>
-            <a:endParaRPr lang="zh-CN" altLang="en-US" dirty="0"/>
-          </a:p>
-        </p:txBody>
-      </p:sp>
-      <p:sp>
-        <p:nvSpPr>
-          <p:cNvPr id="3" name="内容占位符 2"/>
-          <p:cNvSpPr>
-            <a:spLocks noGrp="1"/>
-          </p:cNvSpPr>
-          <p:nvPr>
-            <p:ph idx="1"/>
-          </p:nvPr>
-        </p:nvSpPr>
-        <p:spPr>
-          <a:xfrm>
-            <a:off x="610235" y="1429081"/>
-            <a:ext cx="10970424" cy="4809652"/>
-          </a:xfrm>
-        </p:spPr>
-        <p:txBody>
-          <a:bodyPr/>
-          <a:lstStyle/>
-          <a:p>
-            <a:pPr>
-              <a:buNone/>
-            </a:pPr>
-            <a:r>
-              <a:rPr lang="en-US" altLang="zh-CN" sz="3300" b="1" dirty="0" smtClean="0">
-                <a:solidFill>
-                  <a:srgbClr val="FF0000"/>
-                </a:solidFill>
-              </a:rPr>
-              <a:t>【</a:t>
-            </a:r>
-            <a:r>
-              <a:rPr lang="zh-CN" altLang="en-US" sz="3300" b="1" dirty="0" smtClean="0">
-                <a:solidFill>
-                  <a:srgbClr val="FF0000"/>
-                </a:solidFill>
-              </a:rPr>
-              <a:t>声明</a:t>
-            </a:r>
-            <a:r>
-              <a:rPr lang="en-US" altLang="zh-CN" sz="3300" b="1" dirty="0" smtClean="0">
-                <a:solidFill>
-                  <a:srgbClr val="FF0000"/>
-                </a:solidFill>
-              </a:rPr>
-              <a:t>】</a:t>
-            </a:r>
-            <a:r>
-              <a:rPr lang="zh-CN" altLang="en-US" sz="3300" b="1" dirty="0" smtClean="0"/>
-              <a:t>本视频和幻灯片为炼数成金网络课程的教学资料，所有资料只能在课程内使用，不得在课程以外范围散播，违者将可能被追究法律和经济责任。</a:t>
-            </a:r>
-            <a:endParaRPr lang="en-US" altLang="zh-CN" sz="3300" b="1" dirty="0" smtClean="0"/>
-          </a:p>
-          <a:p>
-            <a:pPr>
-              <a:buNone/>
-            </a:pPr>
-            <a:r>
-              <a:rPr lang="zh-CN" altLang="en-US" sz="3300" b="1" dirty="0" smtClean="0">
-                <a:solidFill>
-                  <a:srgbClr val="003399"/>
-                </a:solidFill>
-              </a:rPr>
-              <a:t>课程详情访问炼数成金培训网站</a:t>
-            </a:r>
-            <a:endParaRPr lang="en-US" altLang="zh-CN" sz="3300" b="1" dirty="0" smtClean="0">
-              <a:solidFill>
-                <a:srgbClr val="003399"/>
-              </a:solidFill>
-            </a:endParaRPr>
-          </a:p>
-          <a:p>
-            <a:pPr>
-              <a:buNone/>
-            </a:pPr>
-            <a:r>
-              <a:rPr lang="en-US" altLang="zh-CN" sz="3300" b="1" dirty="0" smtClean="0">
-                <a:solidFill>
-                  <a:srgbClr val="FF0000"/>
-                </a:solidFill>
-                <a:hlinkClick r:id="rId3"/>
-              </a:rPr>
-              <a:t>http://edu.dataguru.cn</a:t>
-            </a:r>
-            <a:endParaRPr lang="en-US" altLang="zh-CN" sz="3300" b="1" dirty="0" smtClean="0">
-              <a:solidFill>
-                <a:srgbClr val="FF0000"/>
-              </a:solidFill>
-            </a:endParaRPr>
-          </a:p>
-          <a:p>
-            <a:pPr>
-              <a:buNone/>
-            </a:pPr>
-            <a:endParaRPr lang="en-US" altLang="zh-CN" dirty="0" smtClean="0"/>
-          </a:p>
-          <a:p>
-            <a:pPr>
-              <a:buNone/>
-            </a:pPr>
-            <a:endParaRPr lang="zh-CN" altLang="en-US" dirty="0"/>
-          </a:p>
-        </p:txBody>
-      </p:sp>
-    </p:spTree>
-  </p:cSld>
-  <p:clrMapOvr>
-    <a:masterClrMapping/>
-  </p:clrMapOvr>
-  <p:timing>
-    <p:tnLst>
-      <p:par>
-        <p:cTn id="1" dur="indefinite" restart="never" nodeType="tmRoot"/>
-      </p:par>
-    </p:tnLst>
-  </p:timing>
-</p:sld>
-</file>
-
-<file path=ppt/slides/slide20.xml><?xml version="1.0" encoding="utf-8"?>
-<p:sld xmlns:a="http://schemas.openxmlformats.org/drawingml/2006/main" xmlns:r="http://schemas.openxmlformats.org/officeDocument/2006/relationships" xmlns:p="http://schemas.openxmlformats.org/presentationml/2006/main">
-  <p:cSld>
-    <p:spTree>
-      <p:nvGrpSpPr>
-        <p:cNvPr id="1" name=""/>
-        <p:cNvGrpSpPr/>
-        <p:nvPr/>
-      </p:nvGrpSpPr>
-      <p:grpSpPr>
-        <a:xfrm>
-          <a:off x="0" y="0"/>
-          <a:ext cx="0" cy="0"/>
-          <a:chOff x="0" y="0"/>
-          <a:chExt cx="0" cy="0"/>
-        </a:xfrm>
-      </p:grpSpPr>
-      <p:sp>
-        <p:nvSpPr>
           <p:cNvPr id="2" name="Title 1"/>
           <p:cNvSpPr>
             <a:spLocks noGrp="1"/>
@@ -10401,6 +9101,7 @@
               <a:rPr lang="zh-CN" altLang="en-US" dirty="0"/>
               <a:t>堆的分配参数</a:t>
             </a:r>
+            <a:endParaRPr lang="zh-CN" altLang="en-US" dirty="0"/>
           </a:p>
         </p:txBody>
       </p:sp>
@@ -10453,12 +9154,14 @@
               <a:rPr lang="en-US" altLang="zh-CN" dirty="0"/>
               <a:t>) {</a:t>
             </a:r>
+            <a:endParaRPr lang="en-US" altLang="zh-CN" dirty="0"/>
           </a:p>
           <a:p>
             <a:r>
               <a:rPr lang="en-US" altLang="zh-CN" dirty="0"/>
               <a:t>   byte[] b=null;</a:t>
             </a:r>
+            <a:endParaRPr lang="en-US" altLang="zh-CN" dirty="0"/>
           </a:p>
           <a:p>
             <a:r>
@@ -10481,12 +9184,14 @@
               <a:rPr lang="en-US" altLang="zh-CN" dirty="0"/>
               <a:t>=0;i&lt;10;i++)</a:t>
             </a:r>
+            <a:endParaRPr lang="en-US" altLang="zh-CN" dirty="0"/>
           </a:p>
           <a:p>
             <a:r>
               <a:rPr lang="en-US" altLang="zh-CN" dirty="0"/>
               <a:t>       b=new byte[1*1024*1024];</a:t>
             </a:r>
+            <a:endParaRPr lang="en-US" altLang="zh-CN" dirty="0"/>
           </a:p>
           <a:p>
             <a:r>
@@ -10615,6 +9320,7 @@
               <a:rPr lang="en-US" altLang="zh-CN" dirty="0" smtClean="0"/>
               <a:t>GC</a:t>
             </a:r>
+            <a:endParaRPr lang="en-US" altLang="zh-CN" dirty="0" smtClean="0"/>
           </a:p>
           <a:p>
             <a:r>
@@ -10638,7 +9344,7 @@
           <p:nvPr/>
         </p:nvPicPr>
         <p:blipFill>
-          <a:blip r:embed="rId3">
+          <a:blip r:embed="rId1">
             <a:extLst>
               <a:ext uri="{28A0092B-C50C-407E-A947-70E740481C1C}">
                 <a14:useLocalDpi xmlns:a14="http://schemas.microsoft.com/office/drawing/2010/main" val="0"/>
@@ -10684,11 +9390,6 @@
         </p:spPr>
       </p:pic>
     </p:spTree>
-    <p:extLst>
-      <p:ext uri="{BB962C8B-B14F-4D97-AF65-F5344CB8AC3E}">
-        <p14:creationId xmlns:p14="http://schemas.microsoft.com/office/powerpoint/2010/main" val="3309853112"/>
-      </p:ext>
-    </p:extLst>
   </p:cSld>
   <p:clrMapOvr>
     <a:masterClrMapping/>
@@ -10703,7 +9404,7 @@
 </p:sld>
 </file>
 
-<file path=ppt/slides/slide21.xml><?xml version="1.0" encoding="utf-8"?>
+<file path=ppt/slides/slide19.xml><?xml version="1.0" encoding="utf-8"?>
 <p:sld xmlns:a="http://schemas.openxmlformats.org/drawingml/2006/main" xmlns:r="http://schemas.openxmlformats.org/officeDocument/2006/relationships" xmlns:p="http://schemas.openxmlformats.org/presentationml/2006/main">
   <p:cSld>
     <p:spTree>
@@ -10739,6 +9440,7 @@
               <a:rPr lang="zh-CN" altLang="en-US" dirty="0"/>
               <a:t>堆的分配参数</a:t>
             </a:r>
+            <a:endParaRPr lang="zh-CN" altLang="en-US" dirty="0"/>
           </a:p>
         </p:txBody>
       </p:sp>
@@ -10791,12 +9493,14 @@
               <a:rPr lang="en-US" altLang="zh-CN" dirty="0"/>
               <a:t>) {</a:t>
             </a:r>
+            <a:endParaRPr lang="en-US" altLang="zh-CN" dirty="0"/>
           </a:p>
           <a:p>
             <a:r>
               <a:rPr lang="en-US" altLang="zh-CN" dirty="0"/>
               <a:t>   byte[] b=null;</a:t>
             </a:r>
+            <a:endParaRPr lang="en-US" altLang="zh-CN" dirty="0"/>
           </a:p>
           <a:p>
             <a:r>
@@ -10819,12 +9523,14 @@
               <a:rPr lang="en-US" altLang="zh-CN" dirty="0"/>
               <a:t>=0;i&lt;10;i++)</a:t>
             </a:r>
+            <a:endParaRPr lang="en-US" altLang="zh-CN" dirty="0"/>
           </a:p>
           <a:p>
             <a:r>
               <a:rPr lang="en-US" altLang="zh-CN" dirty="0"/>
               <a:t>       b=new byte[1*1024*1024];</a:t>
             </a:r>
+            <a:endParaRPr lang="en-US" altLang="zh-CN" dirty="0"/>
           </a:p>
           <a:p>
             <a:r>
@@ -10914,7 +9620,7 @@
           <p:nvPr/>
         </p:nvPicPr>
         <p:blipFill>
-          <a:blip r:embed="rId3">
+          <a:blip r:embed="rId1">
             <a:extLst>
               <a:ext uri="{28A0092B-C50C-407E-A947-70E740481C1C}">
                 <a14:useLocalDpi xmlns:a14="http://schemas.microsoft.com/office/drawing/2010/main" val="0"/>
@@ -10960,11 +9666,6 @@
         </p:spPr>
       </p:pic>
     </p:spTree>
-    <p:extLst>
-      <p:ext uri="{BB962C8B-B14F-4D97-AF65-F5344CB8AC3E}">
-        <p14:creationId xmlns:p14="http://schemas.microsoft.com/office/powerpoint/2010/main" val="1315977420"/>
-      </p:ext>
-    </p:extLst>
   </p:cSld>
   <p:clrMapOvr>
     <a:masterClrMapping/>
@@ -10979,7 +9680,7 @@
 </p:sld>
 </file>
 
-<file path=ppt/slides/slide22.xml><?xml version="1.0" encoding="utf-8"?>
+<file path=ppt/slides/slide2.xml><?xml version="1.0" encoding="utf-8"?>
 <p:sld xmlns:a="http://schemas.openxmlformats.org/drawingml/2006/main" xmlns:r="http://schemas.openxmlformats.org/officeDocument/2006/relationships" xmlns:p="http://schemas.openxmlformats.org/presentationml/2006/main">
   <p:cSld>
     <p:spTree>
@@ -10998,6 +9699,161 @@
       </p:grpSpPr>
       <p:sp>
         <p:nvSpPr>
+          <p:cNvPr id="2" name="标题 1"/>
+          <p:cNvSpPr>
+            <a:spLocks noGrp="1"/>
+          </p:cNvSpPr>
+          <p:nvPr>
+            <p:ph type="title"/>
+          </p:nvPr>
+        </p:nvSpPr>
+        <p:spPr/>
+        <p:txBody>
+          <a:bodyPr/>
+          <a:lstStyle/>
+          <a:p>
+            <a:r>
+              <a:rPr lang="en-US" altLang="zh-CN" dirty="0"/>
+              <a:t>Trace</a:t>
+            </a:r>
+            <a:r>
+              <a:rPr lang="zh-CN" altLang="en-US" dirty="0"/>
+              <a:t>跟踪</a:t>
+            </a:r>
+            <a:r>
+              <a:rPr lang="zh-CN" altLang="en-US" dirty="0" smtClean="0"/>
+              <a:t>参数</a:t>
+            </a:r>
+            <a:endParaRPr lang="zh-CN" altLang="en-US" dirty="0"/>
+          </a:p>
+        </p:txBody>
+      </p:sp>
+      <p:sp>
+        <p:nvSpPr>
+          <p:cNvPr id="3" name="内容占位符 2"/>
+          <p:cNvSpPr>
+            <a:spLocks noGrp="1"/>
+          </p:cNvSpPr>
+          <p:nvPr>
+            <p:ph idx="1"/>
+          </p:nvPr>
+        </p:nvSpPr>
+        <p:spPr/>
+        <p:txBody>
+          <a:bodyPr/>
+          <a:lstStyle/>
+          <a:p>
+            <a:r>
+              <a:rPr lang="en-US" altLang="zh-CN" dirty="0" smtClean="0"/>
+              <a:t>-</a:t>
+            </a:r>
+            <a:r>
+              <a:rPr lang="en-US" altLang="zh-CN" dirty="0" err="1" smtClean="0"/>
+              <a:t>verbose:gc</a:t>
+            </a:r>
+            <a:endParaRPr lang="en-US" altLang="zh-CN" dirty="0" smtClean="0"/>
+          </a:p>
+          <a:p>
+            <a:r>
+              <a:rPr lang="en-US" altLang="zh-CN" dirty="0" smtClean="0"/>
+              <a:t>-XX</a:t>
+            </a:r>
+            <a:r>
+              <a:rPr lang="en-US" altLang="zh-CN" dirty="0"/>
+              <a:t>:+</a:t>
+            </a:r>
+            <a:r>
+              <a:rPr lang="en-US" altLang="zh-CN" dirty="0" err="1" smtClean="0"/>
+              <a:t>printGC</a:t>
+            </a:r>
+            <a:endParaRPr lang="en-US" altLang="zh-CN" dirty="0" smtClean="0"/>
+          </a:p>
+          <a:p>
+            <a:r>
+              <a:rPr lang="zh-CN" altLang="en-US" dirty="0" smtClean="0"/>
+              <a:t>可以打印</a:t>
+            </a:r>
+            <a:r>
+              <a:rPr lang="en-US" altLang="zh-CN" dirty="0" smtClean="0"/>
+              <a:t>GC</a:t>
+            </a:r>
+            <a:r>
+              <a:rPr lang="zh-CN" altLang="en-US" dirty="0" smtClean="0"/>
+              <a:t>的简要信息</a:t>
+            </a:r>
+            <a:endParaRPr lang="en-US" altLang="zh-CN" dirty="0"/>
+          </a:p>
+          <a:p>
+            <a:pPr lvl="1"/>
+            <a:r>
+              <a:rPr lang="de-DE" altLang="zh-CN" sz="1800" dirty="0"/>
+              <a:t>[GC 4790K-&gt;374K(15872K), 0.0001606 secs]</a:t>
+            </a:r>
+            <a:endParaRPr lang="de-DE" altLang="zh-CN" sz="1800" dirty="0"/>
+          </a:p>
+          <a:p>
+            <a:pPr lvl="1"/>
+            <a:r>
+              <a:rPr lang="de-DE" altLang="zh-CN" sz="1800" dirty="0"/>
+              <a:t>[GC 4790K-&gt;374K(15872K), 0.0001474 secs]</a:t>
+            </a:r>
+            <a:endParaRPr lang="de-DE" altLang="zh-CN" sz="1800" dirty="0"/>
+          </a:p>
+          <a:p>
+            <a:pPr lvl="1"/>
+            <a:r>
+              <a:rPr lang="de-DE" altLang="zh-CN" sz="1800" dirty="0"/>
+              <a:t>[GC 4790K-&gt;374K(15872K), 0.0001563 secs]</a:t>
+            </a:r>
+            <a:endParaRPr lang="de-DE" altLang="zh-CN" sz="1800" dirty="0"/>
+          </a:p>
+          <a:p>
+            <a:pPr lvl="1"/>
+            <a:r>
+              <a:rPr lang="de-DE" altLang="zh-CN" sz="1800" dirty="0"/>
+              <a:t>[GC 4790K-&gt;374K(15872K), 0.0001682 secs]</a:t>
+            </a:r>
+            <a:endParaRPr lang="en-US" altLang="zh-CN" dirty="0" smtClean="0"/>
+          </a:p>
+          <a:p>
+            <a:endParaRPr lang="zh-CN" altLang="en-US" dirty="0"/>
+          </a:p>
+        </p:txBody>
+      </p:sp>
+    </p:spTree>
+  </p:cSld>
+  <p:clrMapOvr>
+    <a:masterClrMapping/>
+  </p:clrMapOvr>
+  <p:timing>
+    <p:tnLst>
+      <p:par>
+        <p:cTn id="1" dur="indefinite" restart="never" nodeType="tmRoot"/>
+      </p:par>
+    </p:tnLst>
+  </p:timing>
+</p:sld>
+</file>
+
+<file path=ppt/slides/slide20.xml><?xml version="1.0" encoding="utf-8"?>
+<p:sld xmlns:a="http://schemas.openxmlformats.org/drawingml/2006/main" xmlns:r="http://schemas.openxmlformats.org/officeDocument/2006/relationships" xmlns:p="http://schemas.openxmlformats.org/presentationml/2006/main">
+  <p:cSld>
+    <p:spTree>
+      <p:nvGrpSpPr>
+        <p:cNvPr id="1" name=""/>
+        <p:cNvGrpSpPr/>
+        <p:nvPr/>
+      </p:nvGrpSpPr>
+      <p:grpSpPr>
+        <a:xfrm>
+          <a:off x="0" y="0"/>
+          <a:ext cx="0" cy="0"/>
+          <a:chOff x="0" y="0"/>
+          <a:chExt cx="0" cy="0"/>
+        </a:xfrm>
+      </p:grpSpPr>
+      <p:sp>
+        <p:nvSpPr>
           <p:cNvPr id="2" name="Title 1"/>
           <p:cNvSpPr>
             <a:spLocks noGrp="1"/>
@@ -11015,6 +9871,7 @@
               <a:rPr lang="zh-CN" altLang="en-US" dirty="0"/>
               <a:t>堆的分配参数</a:t>
             </a:r>
+            <a:endParaRPr lang="zh-CN" altLang="en-US" dirty="0"/>
           </a:p>
         </p:txBody>
       </p:sp>
@@ -11067,12 +9924,14 @@
               <a:rPr lang="en-US" altLang="zh-CN" dirty="0"/>
               <a:t>) {</a:t>
             </a:r>
+            <a:endParaRPr lang="en-US" altLang="zh-CN" dirty="0"/>
           </a:p>
           <a:p>
             <a:r>
               <a:rPr lang="en-US" altLang="zh-CN" dirty="0"/>
               <a:t>   byte[] b=null;</a:t>
             </a:r>
+            <a:endParaRPr lang="en-US" altLang="zh-CN" dirty="0"/>
           </a:p>
           <a:p>
             <a:r>
@@ -11095,12 +9954,14 @@
               <a:rPr lang="en-US" altLang="zh-CN" dirty="0"/>
               <a:t>=0;i&lt;10;i++)</a:t>
             </a:r>
+            <a:endParaRPr lang="en-US" altLang="zh-CN" dirty="0"/>
           </a:p>
           <a:p>
             <a:r>
               <a:rPr lang="en-US" altLang="zh-CN" dirty="0"/>
               <a:t>       b=new byte[1*1024*1024];</a:t>
             </a:r>
+            <a:endParaRPr lang="en-US" altLang="zh-CN" dirty="0"/>
           </a:p>
           <a:p>
             <a:r>
@@ -11194,7 +10055,7 @@
           <p:nvPr/>
         </p:nvPicPr>
         <p:blipFill>
-          <a:blip r:embed="rId3">
+          <a:blip r:embed="rId1">
             <a:extLst>
               <a:ext uri="{28A0092B-C50C-407E-A947-70E740481C1C}">
                 <a14:useLocalDpi xmlns:a14="http://schemas.microsoft.com/office/drawing/2010/main" val="0"/>
@@ -11240,11 +10101,6 @@
         </p:spPr>
       </p:pic>
     </p:spTree>
-    <p:extLst>
-      <p:ext uri="{BB962C8B-B14F-4D97-AF65-F5344CB8AC3E}">
-        <p14:creationId xmlns:p14="http://schemas.microsoft.com/office/powerpoint/2010/main" val="3988744230"/>
-      </p:ext>
-    </p:extLst>
   </p:cSld>
   <p:clrMapOvr>
     <a:masterClrMapping/>
@@ -11259,7 +10115,7 @@
 </p:sld>
 </file>
 
-<file path=ppt/slides/slide23.xml><?xml version="1.0" encoding="utf-8"?>
+<file path=ppt/slides/slide21.xml><?xml version="1.0" encoding="utf-8"?>
 <p:sld xmlns:a="http://schemas.openxmlformats.org/drawingml/2006/main" xmlns:r="http://schemas.openxmlformats.org/officeDocument/2006/relationships" xmlns:p="http://schemas.openxmlformats.org/presentationml/2006/main">
   <p:cSld>
     <p:spTree>
@@ -11295,6 +10151,7 @@
               <a:rPr lang="zh-CN" altLang="en-US" dirty="0"/>
               <a:t>堆的分配参数</a:t>
             </a:r>
+            <a:endParaRPr lang="zh-CN" altLang="en-US" dirty="0"/>
           </a:p>
         </p:txBody>
       </p:sp>
@@ -11399,6 +10256,7 @@
               <a:rPr lang="en-US" altLang="zh-CN" sz="1400" dirty="0" smtClean="0"/>
               <a:t>a.dump</a:t>
             </a:r>
+            <a:endParaRPr lang="en-US" altLang="zh-CN" sz="1400" dirty="0" smtClean="0"/>
           </a:p>
           <a:p>
             <a:pPr lvl="1"/>
@@ -11414,6 +10272,7 @@
               <a:rPr lang="en-US" altLang="zh-CN" sz="1600" b="1" u="sng" dirty="0"/>
               <a:t>new Vector();</a:t>
             </a:r>
+            <a:endParaRPr lang="en-US" altLang="zh-CN" sz="1600" b="1" u="sng" dirty="0"/>
           </a:p>
           <a:p>
             <a:pPr lvl="1"/>
@@ -11441,6 +10300,7 @@
               <a:rPr lang="en-US" altLang="zh-CN" sz="1600" b="1" dirty="0"/>
               <a:t>=0;i&lt;25;i++)</a:t>
             </a:r>
+            <a:endParaRPr lang="en-US" altLang="zh-CN" sz="1600" b="1" dirty="0"/>
           </a:p>
           <a:p>
             <a:pPr lvl="1"/>
@@ -11464,6 +10324,7 @@
               <a:rPr lang="en-US" altLang="zh-CN" sz="1600" b="1" u="sng" dirty="0" smtClean="0"/>
               <a:t>]);</a:t>
             </a:r>
+            <a:endParaRPr lang="en-US" altLang="zh-CN" sz="1600" b="1" u="sng" dirty="0" smtClean="0"/>
           </a:p>
           <a:p>
             <a:endParaRPr lang="en-US" altLang="zh-CN" sz="1800" b="1" u="sng" dirty="0" smtClean="0"/>
@@ -11483,7 +10344,7 @@
           <p:nvPr/>
         </p:nvPicPr>
         <p:blipFill>
-          <a:blip r:embed="rId3">
+          <a:blip r:embed="rId1">
             <a:extLst>
               <a:ext uri="{28A0092B-C50C-407E-A947-70E740481C1C}">
                 <a14:useLocalDpi xmlns:a14="http://schemas.microsoft.com/office/drawing/2010/main" val="0"/>
@@ -11547,7 +10408,7 @@
           <p:nvPr/>
         </p:nvPicPr>
         <p:blipFill>
-          <a:blip r:embed="rId4">
+          <a:blip r:embed="rId2">
             <a:extLst>
               <a:ext uri="{28A0092B-C50C-407E-A947-70E740481C1C}">
                 <a14:useLocalDpi xmlns:a14="http://schemas.microsoft.com/office/drawing/2010/main" val="0"/>
@@ -11603,11 +10464,6 @@
         </p:spPr>
       </p:pic>
     </p:spTree>
-    <p:extLst>
-      <p:ext uri="{BB962C8B-B14F-4D97-AF65-F5344CB8AC3E}">
-        <p14:creationId xmlns:p14="http://schemas.microsoft.com/office/powerpoint/2010/main" val="2259266662"/>
-      </p:ext>
-    </p:extLst>
   </p:cSld>
   <p:clrMapOvr>
     <a:masterClrMapping/>
@@ -11698,7 +10554,7 @@
 </p:sld>
 </file>
 
-<file path=ppt/slides/slide24.xml><?xml version="1.0" encoding="utf-8"?>
+<file path=ppt/slides/slide22.xml><?xml version="1.0" encoding="utf-8"?>
 <p:sld xmlns:a="http://schemas.openxmlformats.org/drawingml/2006/main" xmlns:r="http://schemas.openxmlformats.org/officeDocument/2006/relationships" xmlns:p="http://schemas.openxmlformats.org/presentationml/2006/main">
   <p:cSld>
     <p:spTree>
@@ -11734,6 +10590,7 @@
               <a:rPr lang="zh-CN" altLang="en-US" dirty="0"/>
               <a:t>堆的分配参数</a:t>
             </a:r>
+            <a:endParaRPr lang="zh-CN" altLang="en-US" dirty="0"/>
           </a:p>
         </p:txBody>
       </p:sp>
@@ -11796,6 +10653,7 @@
               <a:rPr lang="en-US" altLang="zh-CN" dirty="0" smtClean="0"/>
               <a:t>p“</a:t>
             </a:r>
+            <a:endParaRPr lang="en-US" altLang="zh-CN" dirty="0" smtClean="0"/>
           </a:p>
           <a:p>
             <a:pPr lvl="1"/>
@@ -11827,6 +10685,7 @@
               <a:rPr lang="en-US" altLang="zh-CN" dirty="0" smtClean="0"/>
               <a:t>dump</a:t>
             </a:r>
+            <a:endParaRPr lang="en-US" altLang="zh-CN" dirty="0" smtClean="0"/>
           </a:p>
           <a:p>
             <a:pPr lvl="1"/>
@@ -11925,11 +10784,6 @@
         </p:style>
       </p:cxnSp>
     </p:spTree>
-    <p:extLst>
-      <p:ext uri="{BB962C8B-B14F-4D97-AF65-F5344CB8AC3E}">
-        <p14:creationId xmlns:p14="http://schemas.microsoft.com/office/powerpoint/2010/main" val="161943920"/>
-      </p:ext>
-    </p:extLst>
   </p:cSld>
   <p:clrMapOvr>
     <a:masterClrMapping/>
@@ -12058,6 +10912,282 @@
 </p:sld>
 </file>
 
+<file path=ppt/slides/slide23.xml><?xml version="1.0" encoding="utf-8"?>
+<p:sld xmlns:a="http://schemas.openxmlformats.org/drawingml/2006/main" xmlns:r="http://schemas.openxmlformats.org/officeDocument/2006/relationships" xmlns:p="http://schemas.openxmlformats.org/presentationml/2006/main">
+  <p:cSld>
+    <p:spTree>
+      <p:nvGrpSpPr>
+        <p:cNvPr id="1" name=""/>
+        <p:cNvGrpSpPr/>
+        <p:nvPr/>
+      </p:nvGrpSpPr>
+      <p:grpSpPr>
+        <a:xfrm>
+          <a:off x="0" y="0"/>
+          <a:ext cx="0" cy="0"/>
+          <a:chOff x="0" y="0"/>
+          <a:chExt cx="0" cy="0"/>
+        </a:xfrm>
+      </p:grpSpPr>
+      <p:sp>
+        <p:nvSpPr>
+          <p:cNvPr id="2" name="Title 1"/>
+          <p:cNvSpPr>
+            <a:spLocks noGrp="1"/>
+          </p:cNvSpPr>
+          <p:nvPr>
+            <p:ph type="title"/>
+          </p:nvPr>
+        </p:nvSpPr>
+        <p:spPr/>
+        <p:txBody>
+          <a:bodyPr/>
+          <a:lstStyle/>
+          <a:p>
+            <a:r>
+              <a:rPr lang="zh-CN" altLang="en-US" dirty="0"/>
+              <a:t>堆的分配参</a:t>
+            </a:r>
+            <a:r>
+              <a:rPr lang="zh-CN" altLang="en-US" dirty="0" smtClean="0"/>
+              <a:t>数 </a:t>
+            </a:r>
+            <a:r>
+              <a:rPr lang="en-US" altLang="zh-CN" dirty="0" smtClean="0"/>
+              <a:t>– </a:t>
+            </a:r>
+            <a:r>
+              <a:rPr lang="zh-CN" altLang="en-US" dirty="0" smtClean="0"/>
+              <a:t>总结</a:t>
+            </a:r>
+            <a:endParaRPr lang="zh-CN" altLang="en-US" dirty="0"/>
+          </a:p>
+        </p:txBody>
+      </p:sp>
+      <p:sp>
+        <p:nvSpPr>
+          <p:cNvPr id="3" name="Content Placeholder 2"/>
+          <p:cNvSpPr>
+            <a:spLocks noGrp="1"/>
+          </p:cNvSpPr>
+          <p:nvPr>
+            <p:ph idx="1"/>
+          </p:nvPr>
+        </p:nvSpPr>
+        <p:spPr/>
+        <p:txBody>
+          <a:bodyPr/>
+          <a:lstStyle/>
+          <a:p>
+            <a:r>
+              <a:rPr lang="zh-CN" altLang="en-US" dirty="0" smtClean="0"/>
+              <a:t>根据实际事情调整新生代和幸存代的大小</a:t>
+            </a:r>
+            <a:endParaRPr lang="en-US" altLang="zh-CN" dirty="0" smtClean="0"/>
+          </a:p>
+          <a:p>
+            <a:r>
+              <a:rPr lang="zh-CN" altLang="en-US" dirty="0"/>
+              <a:t>官</a:t>
+            </a:r>
+            <a:r>
+              <a:rPr lang="zh-CN" altLang="en-US" dirty="0" smtClean="0"/>
+              <a:t>方推荐新生代占堆的</a:t>
+            </a:r>
+            <a:r>
+              <a:rPr lang="en-US" altLang="zh-CN" dirty="0" smtClean="0"/>
+              <a:t>3/8</a:t>
+            </a:r>
+            <a:endParaRPr lang="en-US" altLang="zh-CN" dirty="0" smtClean="0"/>
+          </a:p>
+          <a:p>
+            <a:r>
+              <a:rPr lang="zh-CN" altLang="en-US" dirty="0"/>
+              <a:t>幸存</a:t>
+            </a:r>
+            <a:r>
+              <a:rPr lang="zh-CN" altLang="en-US" dirty="0" smtClean="0"/>
+              <a:t>代占新生代的</a:t>
+            </a:r>
+            <a:r>
+              <a:rPr lang="en-US" altLang="zh-CN" dirty="0" smtClean="0"/>
+              <a:t>1/10</a:t>
+            </a:r>
+            <a:endParaRPr lang="en-US" altLang="zh-CN" dirty="0" smtClean="0"/>
+          </a:p>
+          <a:p>
+            <a:r>
+              <a:rPr lang="zh-CN" altLang="en-US" dirty="0" smtClean="0"/>
+              <a:t>在</a:t>
+            </a:r>
+            <a:r>
+              <a:rPr lang="en-US" altLang="zh-CN" dirty="0" smtClean="0"/>
+              <a:t>OOM</a:t>
+            </a:r>
+            <a:r>
+              <a:rPr lang="zh-CN" altLang="en-US" dirty="0" smtClean="0"/>
+              <a:t>时，记得</a:t>
+            </a:r>
+            <a:r>
+              <a:rPr lang="en-US" altLang="zh-CN" dirty="0" smtClean="0"/>
+              <a:t>Dump</a:t>
+            </a:r>
+            <a:r>
+              <a:rPr lang="zh-CN" altLang="en-US" dirty="0" smtClean="0"/>
+              <a:t>出堆，确保</a:t>
+            </a:r>
+            <a:r>
+              <a:rPr lang="zh-CN" altLang="en-US" dirty="0"/>
+              <a:t>可以排查现场</a:t>
+            </a:r>
+            <a:r>
+              <a:rPr lang="zh-CN" altLang="en-US" dirty="0" smtClean="0"/>
+              <a:t>问题</a:t>
+            </a:r>
+            <a:endParaRPr lang="zh-CN" altLang="en-US" dirty="0"/>
+          </a:p>
+        </p:txBody>
+      </p:sp>
+    </p:spTree>
+  </p:cSld>
+  <p:clrMapOvr>
+    <a:masterClrMapping/>
+  </p:clrMapOvr>
+  <p:timing>
+    <p:tnLst>
+      <p:par>
+        <p:cTn id="1" dur="indefinite" restart="never" nodeType="tmRoot"/>
+      </p:par>
+    </p:tnLst>
+  </p:timing>
+</p:sld>
+</file>
+
+<file path=ppt/slides/slide24.xml><?xml version="1.0" encoding="utf-8"?>
+<p:sld xmlns:a="http://schemas.openxmlformats.org/drawingml/2006/main" xmlns:r="http://schemas.openxmlformats.org/officeDocument/2006/relationships" xmlns:p="http://schemas.openxmlformats.org/presentationml/2006/main">
+  <p:cSld>
+    <p:spTree>
+      <p:nvGrpSpPr>
+        <p:cNvPr id="1" name=""/>
+        <p:cNvGrpSpPr/>
+        <p:nvPr/>
+      </p:nvGrpSpPr>
+      <p:grpSpPr>
+        <a:xfrm>
+          <a:off x="0" y="0"/>
+          <a:ext cx="0" cy="0"/>
+          <a:chOff x="0" y="0"/>
+          <a:chExt cx="0" cy="0"/>
+        </a:xfrm>
+      </p:grpSpPr>
+      <p:sp>
+        <p:nvSpPr>
+          <p:cNvPr id="2" name="标题 1"/>
+          <p:cNvSpPr>
+            <a:spLocks noGrp="1"/>
+          </p:cNvSpPr>
+          <p:nvPr>
+            <p:ph type="title"/>
+          </p:nvPr>
+        </p:nvSpPr>
+        <p:spPr/>
+        <p:txBody>
+          <a:bodyPr/>
+          <a:lstStyle/>
+          <a:p>
+            <a:r>
+              <a:rPr lang="zh-CN" altLang="en-US" dirty="0" smtClean="0"/>
+              <a:t>永久区分</a:t>
+            </a:r>
+            <a:r>
+              <a:rPr lang="zh-CN" altLang="en-US" dirty="0"/>
+              <a:t>配参数</a:t>
+            </a:r>
+            <a:endParaRPr lang="zh-CN" altLang="en-US" dirty="0"/>
+          </a:p>
+        </p:txBody>
+      </p:sp>
+      <p:sp>
+        <p:nvSpPr>
+          <p:cNvPr id="3" name="内容占位符 2"/>
+          <p:cNvSpPr>
+            <a:spLocks noGrp="1"/>
+          </p:cNvSpPr>
+          <p:nvPr>
+            <p:ph idx="1"/>
+          </p:nvPr>
+        </p:nvSpPr>
+        <p:spPr/>
+        <p:txBody>
+          <a:bodyPr/>
+          <a:lstStyle/>
+          <a:p>
+            <a:r>
+              <a:rPr lang="en-US" altLang="zh-CN" dirty="0"/>
+              <a:t>-</a:t>
+            </a:r>
+            <a:r>
+              <a:rPr lang="en-US" altLang="zh-CN" dirty="0" err="1" smtClean="0"/>
+              <a:t>XX:PermSize</a:t>
+            </a:r>
+            <a:r>
+              <a:rPr lang="en-US" altLang="zh-CN" dirty="0"/>
+              <a:t> </a:t>
+            </a:r>
+            <a:r>
+              <a:rPr lang="en-US" altLang="zh-CN" dirty="0" smtClean="0"/>
+              <a:t> </a:t>
+            </a:r>
+            <a:r>
+              <a:rPr lang="en-US" altLang="zh-CN" dirty="0"/>
+              <a:t>-</a:t>
+            </a:r>
+            <a:r>
+              <a:rPr lang="en-US" altLang="zh-CN" dirty="0" err="1" smtClean="0"/>
+              <a:t>XX:MaxPermSize</a:t>
+            </a:r>
+            <a:endParaRPr lang="en-US" altLang="zh-CN" dirty="0" smtClean="0"/>
+          </a:p>
+          <a:p>
+            <a:pPr lvl="1"/>
+            <a:r>
+              <a:rPr lang="zh-CN" altLang="en-US" dirty="0" smtClean="0"/>
+              <a:t>设置永久区的初始空间和最大空间</a:t>
+            </a:r>
+            <a:endParaRPr lang="en-US" altLang="zh-CN" dirty="0" smtClean="0"/>
+          </a:p>
+          <a:p>
+            <a:pPr lvl="1"/>
+            <a:r>
+              <a:rPr lang="zh-CN" altLang="en-US" dirty="0"/>
+              <a:t>他</a:t>
+            </a:r>
+            <a:r>
+              <a:rPr lang="zh-CN" altLang="en-US" dirty="0" smtClean="0"/>
+              <a:t>们表示，一个系统可以容纳多少个类型</a:t>
+            </a:r>
+            <a:endParaRPr lang="en-US" altLang="zh-CN" dirty="0" smtClean="0"/>
+          </a:p>
+          <a:p>
+            <a:endParaRPr lang="zh-CN" altLang="en-US" dirty="0"/>
+          </a:p>
+        </p:txBody>
+      </p:sp>
+    </p:spTree>
+  </p:cSld>
+  <p:clrMapOvr>
+    <a:masterClrMapping/>
+  </p:clrMapOvr>
+  <p:timing>
+    <p:tnLst>
+      <p:par>
+        <p:cTn id="1" dur="indefinite" restart="never" nodeType="tmRoot"/>
+      </p:par>
+    </p:tnLst>
+  </p:timing>
+</p:sld>
+</file>
+
 <file path=ppt/slides/slide25.xml><?xml version="1.0" encoding="utf-8"?>
 <p:sld xmlns:a="http://schemas.openxmlformats.org/drawingml/2006/main" xmlns:r="http://schemas.openxmlformats.org/officeDocument/2006/relationships" xmlns:p="http://schemas.openxmlformats.org/presentationml/2006/main">
   <p:cSld>
@@ -12092,291 +11222,9 @@
           <a:p>
             <a:r>
               <a:rPr lang="zh-CN" altLang="en-US" dirty="0"/>
-              <a:t>堆的分配参</a:t>
-            </a:r>
-            <a:r>
-              <a:rPr lang="zh-CN" altLang="en-US" dirty="0" smtClean="0"/>
-              <a:t>数 </a:t>
-            </a:r>
-            <a:r>
-              <a:rPr lang="en-US" altLang="zh-CN" dirty="0" smtClean="0"/>
-              <a:t>– </a:t>
-            </a:r>
-            <a:r>
-              <a:rPr lang="zh-CN" altLang="en-US" dirty="0" smtClean="0"/>
-              <a:t>总结</a:t>
+              <a:t>永久区分配参数</a:t>
             </a:r>
             <a:endParaRPr lang="zh-CN" altLang="en-US" dirty="0"/>
-          </a:p>
-        </p:txBody>
-      </p:sp>
-      <p:sp>
-        <p:nvSpPr>
-          <p:cNvPr id="3" name="Content Placeholder 2"/>
-          <p:cNvSpPr>
-            <a:spLocks noGrp="1"/>
-          </p:cNvSpPr>
-          <p:nvPr>
-            <p:ph idx="1"/>
-          </p:nvPr>
-        </p:nvSpPr>
-        <p:spPr/>
-        <p:txBody>
-          <a:bodyPr/>
-          <a:lstStyle/>
-          <a:p>
-            <a:r>
-              <a:rPr lang="zh-CN" altLang="en-US" dirty="0" smtClean="0"/>
-              <a:t>根据实际事情调整新生代和幸存代的大小</a:t>
-            </a:r>
-            <a:endParaRPr lang="en-US" altLang="zh-CN" dirty="0" smtClean="0"/>
-          </a:p>
-          <a:p>
-            <a:r>
-              <a:rPr lang="zh-CN" altLang="en-US" dirty="0"/>
-              <a:t>官</a:t>
-            </a:r>
-            <a:r>
-              <a:rPr lang="zh-CN" altLang="en-US" dirty="0" smtClean="0"/>
-              <a:t>方推荐新生代占堆的</a:t>
-            </a:r>
-            <a:r>
-              <a:rPr lang="en-US" altLang="zh-CN" dirty="0" smtClean="0"/>
-              <a:t>3/8</a:t>
-            </a:r>
-          </a:p>
-          <a:p>
-            <a:r>
-              <a:rPr lang="zh-CN" altLang="en-US" dirty="0"/>
-              <a:t>幸存</a:t>
-            </a:r>
-            <a:r>
-              <a:rPr lang="zh-CN" altLang="en-US" dirty="0" smtClean="0"/>
-              <a:t>代占新生代的</a:t>
-            </a:r>
-            <a:r>
-              <a:rPr lang="en-US" altLang="zh-CN" dirty="0" smtClean="0"/>
-              <a:t>1/10</a:t>
-            </a:r>
-          </a:p>
-          <a:p>
-            <a:r>
-              <a:rPr lang="zh-CN" altLang="en-US" dirty="0" smtClean="0"/>
-              <a:t>在</a:t>
-            </a:r>
-            <a:r>
-              <a:rPr lang="en-US" altLang="zh-CN" dirty="0" smtClean="0"/>
-              <a:t>OOM</a:t>
-            </a:r>
-            <a:r>
-              <a:rPr lang="zh-CN" altLang="en-US" dirty="0" smtClean="0"/>
-              <a:t>时，记得</a:t>
-            </a:r>
-            <a:r>
-              <a:rPr lang="en-US" altLang="zh-CN" dirty="0" smtClean="0"/>
-              <a:t>Dump</a:t>
-            </a:r>
-            <a:r>
-              <a:rPr lang="zh-CN" altLang="en-US" dirty="0" smtClean="0"/>
-              <a:t>出堆，确保</a:t>
-            </a:r>
-            <a:r>
-              <a:rPr lang="zh-CN" altLang="en-US" dirty="0"/>
-              <a:t>可以排查现场</a:t>
-            </a:r>
-            <a:r>
-              <a:rPr lang="zh-CN" altLang="en-US" dirty="0" smtClean="0"/>
-              <a:t>问题</a:t>
-            </a:r>
-            <a:endParaRPr lang="zh-CN" altLang="en-US" dirty="0"/>
-          </a:p>
-        </p:txBody>
-      </p:sp>
-    </p:spTree>
-    <p:extLst>
-      <p:ext uri="{BB962C8B-B14F-4D97-AF65-F5344CB8AC3E}">
-        <p14:creationId xmlns:p14="http://schemas.microsoft.com/office/powerpoint/2010/main" val="2789405629"/>
-      </p:ext>
-    </p:extLst>
-  </p:cSld>
-  <p:clrMapOvr>
-    <a:masterClrMapping/>
-  </p:clrMapOvr>
-  <p:timing>
-    <p:tnLst>
-      <p:par>
-        <p:cTn id="1" dur="indefinite" restart="never" nodeType="tmRoot"/>
-      </p:par>
-    </p:tnLst>
-  </p:timing>
-</p:sld>
-</file>
-
-<file path=ppt/slides/slide26.xml><?xml version="1.0" encoding="utf-8"?>
-<p:sld xmlns:a="http://schemas.openxmlformats.org/drawingml/2006/main" xmlns:r="http://schemas.openxmlformats.org/officeDocument/2006/relationships" xmlns:p="http://schemas.openxmlformats.org/presentationml/2006/main">
-  <p:cSld>
-    <p:spTree>
-      <p:nvGrpSpPr>
-        <p:cNvPr id="1" name=""/>
-        <p:cNvGrpSpPr/>
-        <p:nvPr/>
-      </p:nvGrpSpPr>
-      <p:grpSpPr>
-        <a:xfrm>
-          <a:off x="0" y="0"/>
-          <a:ext cx="0" cy="0"/>
-          <a:chOff x="0" y="0"/>
-          <a:chExt cx="0" cy="0"/>
-        </a:xfrm>
-      </p:grpSpPr>
-      <p:sp>
-        <p:nvSpPr>
-          <p:cNvPr id="2" name="标题 1"/>
-          <p:cNvSpPr>
-            <a:spLocks noGrp="1"/>
-          </p:cNvSpPr>
-          <p:nvPr>
-            <p:ph type="title"/>
-          </p:nvPr>
-        </p:nvSpPr>
-        <p:spPr/>
-        <p:txBody>
-          <a:bodyPr/>
-          <a:lstStyle/>
-          <a:p>
-            <a:r>
-              <a:rPr lang="zh-CN" altLang="en-US" dirty="0" smtClean="0"/>
-              <a:t>永久区分</a:t>
-            </a:r>
-            <a:r>
-              <a:rPr lang="zh-CN" altLang="en-US" dirty="0"/>
-              <a:t>配参数</a:t>
-            </a:r>
-          </a:p>
-        </p:txBody>
-      </p:sp>
-      <p:sp>
-        <p:nvSpPr>
-          <p:cNvPr id="3" name="内容占位符 2"/>
-          <p:cNvSpPr>
-            <a:spLocks noGrp="1"/>
-          </p:cNvSpPr>
-          <p:nvPr>
-            <p:ph idx="1"/>
-          </p:nvPr>
-        </p:nvSpPr>
-        <p:spPr/>
-        <p:txBody>
-          <a:bodyPr/>
-          <a:lstStyle/>
-          <a:p>
-            <a:r>
-              <a:rPr lang="en-US" altLang="zh-CN" dirty="0"/>
-              <a:t>-</a:t>
-            </a:r>
-            <a:r>
-              <a:rPr lang="en-US" altLang="zh-CN" dirty="0" err="1" smtClean="0"/>
-              <a:t>XX:PermSize</a:t>
-            </a:r>
-            <a:r>
-              <a:rPr lang="en-US" altLang="zh-CN" dirty="0"/>
-              <a:t> </a:t>
-            </a:r>
-            <a:r>
-              <a:rPr lang="en-US" altLang="zh-CN" dirty="0" smtClean="0"/>
-              <a:t> </a:t>
-            </a:r>
-            <a:r>
-              <a:rPr lang="en-US" altLang="zh-CN" dirty="0"/>
-              <a:t>-</a:t>
-            </a:r>
-            <a:r>
-              <a:rPr lang="en-US" altLang="zh-CN" dirty="0" err="1" smtClean="0"/>
-              <a:t>XX:MaxPermSize</a:t>
-            </a:r>
-            <a:endParaRPr lang="en-US" altLang="zh-CN" dirty="0" smtClean="0"/>
-          </a:p>
-          <a:p>
-            <a:pPr lvl="1"/>
-            <a:r>
-              <a:rPr lang="zh-CN" altLang="en-US" dirty="0" smtClean="0"/>
-              <a:t>设置永久区的初始空间和最大空间</a:t>
-            </a:r>
-            <a:endParaRPr lang="en-US" altLang="zh-CN" dirty="0" smtClean="0"/>
-          </a:p>
-          <a:p>
-            <a:pPr lvl="1"/>
-            <a:r>
-              <a:rPr lang="zh-CN" altLang="en-US" dirty="0"/>
-              <a:t>他</a:t>
-            </a:r>
-            <a:r>
-              <a:rPr lang="zh-CN" altLang="en-US" dirty="0" smtClean="0"/>
-              <a:t>们表示，一个系统可以容纳多少个类型</a:t>
-            </a:r>
-            <a:endParaRPr lang="en-US" altLang="zh-CN" dirty="0" smtClean="0"/>
-          </a:p>
-          <a:p>
-            <a:endParaRPr lang="zh-CN" altLang="en-US" dirty="0"/>
-          </a:p>
-        </p:txBody>
-      </p:sp>
-    </p:spTree>
-    <p:extLst>
-      <p:ext uri="{BB962C8B-B14F-4D97-AF65-F5344CB8AC3E}">
-        <p14:creationId xmlns:p14="http://schemas.microsoft.com/office/powerpoint/2010/main" val="99747585"/>
-      </p:ext>
-    </p:extLst>
-  </p:cSld>
-  <p:clrMapOvr>
-    <a:masterClrMapping/>
-  </p:clrMapOvr>
-  <p:timing>
-    <p:tnLst>
-      <p:par>
-        <p:cTn id="1" dur="indefinite" restart="never" nodeType="tmRoot"/>
-      </p:par>
-    </p:tnLst>
-  </p:timing>
-</p:sld>
-</file>
-
-<file path=ppt/slides/slide27.xml><?xml version="1.0" encoding="utf-8"?>
-<p:sld xmlns:a="http://schemas.openxmlformats.org/drawingml/2006/main" xmlns:r="http://schemas.openxmlformats.org/officeDocument/2006/relationships" xmlns:p="http://schemas.openxmlformats.org/presentationml/2006/main">
-  <p:cSld>
-    <p:spTree>
-      <p:nvGrpSpPr>
-        <p:cNvPr id="1" name=""/>
-        <p:cNvGrpSpPr/>
-        <p:nvPr/>
-      </p:nvGrpSpPr>
-      <p:grpSpPr>
-        <a:xfrm>
-          <a:off x="0" y="0"/>
-          <a:ext cx="0" cy="0"/>
-          <a:chOff x="0" y="0"/>
-          <a:chExt cx="0" cy="0"/>
-        </a:xfrm>
-      </p:grpSpPr>
-      <p:sp>
-        <p:nvSpPr>
-          <p:cNvPr id="2" name="Title 1"/>
-          <p:cNvSpPr>
-            <a:spLocks noGrp="1"/>
-          </p:cNvSpPr>
-          <p:nvPr>
-            <p:ph type="title"/>
-          </p:nvPr>
-        </p:nvSpPr>
-        <p:spPr/>
-        <p:txBody>
-          <a:bodyPr/>
-          <a:lstStyle/>
-          <a:p>
-            <a:r>
-              <a:rPr lang="zh-CN" altLang="en-US" dirty="0"/>
-              <a:t>永久区分配参数</a:t>
-            </a:r>
           </a:p>
         </p:txBody>
       </p:sp>
@@ -12470,6 +11318,7 @@
               <a:rPr lang="en-US" altLang="zh-CN" dirty="0"/>
               <a:t>=0;i&lt;100000;i++){</a:t>
             </a:r>
+            <a:endParaRPr lang="en-US" altLang="zh-CN" dirty="0"/>
           </a:p>
           <a:p>
             <a:r>
@@ -12500,6 +11349,7 @@
               <a:rPr lang="en-US" altLang="zh-CN" dirty="0"/>
               <a:t>());</a:t>
             </a:r>
+            <a:endParaRPr lang="en-US" altLang="zh-CN" dirty="0"/>
           </a:p>
           <a:p>
             <a:r>
@@ -12519,7 +11369,7 @@
           <p:nvPr/>
         </p:nvPicPr>
         <p:blipFill>
-          <a:blip r:embed="rId3">
+          <a:blip r:embed="rId1">
             <a:extLst>
               <a:ext uri="{28A0092B-C50C-407E-A947-70E740481C1C}">
                 <a14:useLocalDpi xmlns:a14="http://schemas.microsoft.com/office/drawing/2010/main" val="0"/>
@@ -12645,11 +11495,6 @@
         </p:txBody>
       </p:sp>
     </p:spTree>
-    <p:extLst>
-      <p:ext uri="{BB962C8B-B14F-4D97-AF65-F5344CB8AC3E}">
-        <p14:creationId xmlns:p14="http://schemas.microsoft.com/office/powerpoint/2010/main" val="4048507455"/>
-      </p:ext>
-    </p:extLst>
   </p:cSld>
   <p:clrMapOvr>
     <a:masterClrMapping/>
@@ -12664,7 +11509,7 @@
 </p:sld>
 </file>
 
-<file path=ppt/slides/slide28.xml><?xml version="1.0" encoding="utf-8"?>
+<file path=ppt/slides/slide26.xml><?xml version="1.0" encoding="utf-8"?>
 <p:sld xmlns:a="http://schemas.openxmlformats.org/drawingml/2006/main" xmlns:r="http://schemas.openxmlformats.org/officeDocument/2006/relationships" xmlns:p="http://schemas.openxmlformats.org/presentationml/2006/main">
   <p:cSld>
     <p:spTree>
@@ -12700,6 +11545,7 @@
               <a:rPr lang="zh-CN" altLang="en-US" dirty="0"/>
               <a:t>永久区分配参数</a:t>
             </a:r>
+            <a:endParaRPr lang="zh-CN" altLang="en-US" dirty="0"/>
           </a:p>
         </p:txBody>
       </p:sp>
@@ -12731,6 +11577,7 @@
               <a:rPr lang="en-US" altLang="zh-CN" dirty="0" smtClean="0"/>
               <a:t>Dump</a:t>
             </a:r>
+            <a:endParaRPr lang="en-US" altLang="zh-CN" dirty="0" smtClean="0"/>
           </a:p>
           <a:p>
             <a:pPr lvl="1"/>
@@ -12763,7 +11610,7 @@
           <p:nvPr/>
         </p:nvPicPr>
         <p:blipFill>
-          <a:blip r:embed="rId3">
+          <a:blip r:embed="rId1">
             <a:extLst>
               <a:ext uri="{28A0092B-C50C-407E-A947-70E740481C1C}">
                 <a14:useLocalDpi xmlns:a14="http://schemas.microsoft.com/office/drawing/2010/main" val="0"/>
@@ -12862,11 +11709,527 @@
         </p:txBody>
       </p:sp>
     </p:spTree>
-    <p:extLst>
-      <p:ext uri="{BB962C8B-B14F-4D97-AF65-F5344CB8AC3E}">
-        <p14:creationId xmlns:p14="http://schemas.microsoft.com/office/powerpoint/2010/main" val="2255177250"/>
-      </p:ext>
-    </p:extLst>
+  </p:cSld>
+  <p:clrMapOvr>
+    <a:masterClrMapping/>
+  </p:clrMapOvr>
+  <p:timing>
+    <p:tnLst>
+      <p:par>
+        <p:cTn id="1" dur="indefinite" restart="never" nodeType="tmRoot"/>
+      </p:par>
+    </p:tnLst>
+  </p:timing>
+</p:sld>
+</file>
+
+<file path=ppt/slides/slide27.xml><?xml version="1.0" encoding="utf-8"?>
+<p:sld xmlns:a="http://schemas.openxmlformats.org/drawingml/2006/main" xmlns:r="http://schemas.openxmlformats.org/officeDocument/2006/relationships" xmlns:p="http://schemas.openxmlformats.org/presentationml/2006/main">
+  <p:cSld>
+    <p:spTree>
+      <p:nvGrpSpPr>
+        <p:cNvPr id="1" name=""/>
+        <p:cNvGrpSpPr/>
+        <p:nvPr/>
+      </p:nvGrpSpPr>
+      <p:grpSpPr>
+        <a:xfrm>
+          <a:off x="0" y="0"/>
+          <a:ext cx="0" cy="0"/>
+          <a:chOff x="0" y="0"/>
+          <a:chExt cx="0" cy="0"/>
+        </a:xfrm>
+      </p:grpSpPr>
+      <p:sp>
+        <p:nvSpPr>
+          <p:cNvPr id="2" name="Title 1"/>
+          <p:cNvSpPr>
+            <a:spLocks noGrp="1"/>
+          </p:cNvSpPr>
+          <p:nvPr>
+            <p:ph type="title"/>
+          </p:nvPr>
+        </p:nvSpPr>
+        <p:spPr/>
+        <p:txBody>
+          <a:bodyPr/>
+          <a:lstStyle/>
+          <a:p>
+            <a:r>
+              <a:rPr lang="zh-CN" altLang="en-US" dirty="0" smtClean="0"/>
+              <a:t>栈大小分配</a:t>
+            </a:r>
+            <a:endParaRPr lang="zh-CN" altLang="en-US" dirty="0"/>
+          </a:p>
+        </p:txBody>
+      </p:sp>
+      <p:sp>
+        <p:nvSpPr>
+          <p:cNvPr id="3" name="Content Placeholder 2"/>
+          <p:cNvSpPr>
+            <a:spLocks noGrp="1"/>
+          </p:cNvSpPr>
+          <p:nvPr>
+            <p:ph idx="1"/>
+          </p:nvPr>
+        </p:nvSpPr>
+        <p:spPr/>
+        <p:txBody>
+          <a:bodyPr/>
+          <a:lstStyle/>
+          <a:p>
+            <a:r>
+              <a:rPr lang="en-US" altLang="zh-CN" dirty="0" smtClean="0"/>
+              <a:t>-</a:t>
+            </a:r>
+            <a:r>
+              <a:rPr lang="en-US" altLang="zh-CN" dirty="0" err="1" smtClean="0"/>
+              <a:t>Xss</a:t>
+            </a:r>
+            <a:endParaRPr lang="en-US" altLang="zh-CN" dirty="0" smtClean="0"/>
+          </a:p>
+          <a:p>
+            <a:pPr lvl="1"/>
+            <a:r>
+              <a:rPr lang="zh-CN" altLang="en-US" dirty="0"/>
+              <a:t>通</a:t>
+            </a:r>
+            <a:r>
+              <a:rPr lang="zh-CN" altLang="en-US" dirty="0" smtClean="0"/>
+              <a:t>常只有几百</a:t>
+            </a:r>
+            <a:r>
+              <a:rPr lang="en-US" altLang="zh-CN" dirty="0" smtClean="0"/>
+              <a:t>K</a:t>
+            </a:r>
+            <a:endParaRPr lang="en-US" altLang="zh-CN" dirty="0" smtClean="0"/>
+          </a:p>
+          <a:p>
+            <a:pPr lvl="1"/>
+            <a:r>
+              <a:rPr lang="zh-CN" altLang="en-US" dirty="0"/>
+              <a:t>决</a:t>
+            </a:r>
+            <a:r>
+              <a:rPr lang="zh-CN" altLang="en-US" dirty="0" smtClean="0"/>
+              <a:t>定了函数调用的深度</a:t>
+            </a:r>
+            <a:endParaRPr lang="en-US" altLang="zh-CN" dirty="0" smtClean="0"/>
+          </a:p>
+          <a:p>
+            <a:pPr lvl="1"/>
+            <a:r>
+              <a:rPr lang="zh-CN" altLang="en-US" dirty="0"/>
+              <a:t>每</a:t>
+            </a:r>
+            <a:r>
+              <a:rPr lang="zh-CN" altLang="en-US" dirty="0" smtClean="0"/>
+              <a:t>个线程都有独立的栈空间</a:t>
+            </a:r>
+            <a:endParaRPr lang="en-US" altLang="zh-CN" dirty="0" smtClean="0"/>
+          </a:p>
+          <a:p>
+            <a:pPr lvl="1"/>
+            <a:r>
+              <a:rPr lang="zh-CN" altLang="en-US" dirty="0"/>
+              <a:t>局</a:t>
+            </a:r>
+            <a:r>
+              <a:rPr lang="zh-CN" altLang="en-US" dirty="0" smtClean="0"/>
+              <a:t>部变量、参数 分配在栈上</a:t>
+            </a:r>
+            <a:endParaRPr lang="zh-CN" altLang="en-US" dirty="0"/>
+          </a:p>
+        </p:txBody>
+      </p:sp>
+    </p:spTree>
+  </p:cSld>
+  <p:clrMapOvr>
+    <a:masterClrMapping/>
+  </p:clrMapOvr>
+  <p:timing>
+    <p:tnLst>
+      <p:par>
+        <p:cTn id="1" dur="indefinite" restart="never" nodeType="tmRoot"/>
+      </p:par>
+    </p:tnLst>
+  </p:timing>
+</p:sld>
+</file>
+
+<file path=ppt/slides/slide28.xml><?xml version="1.0" encoding="utf-8"?>
+<p:sld xmlns:a="http://schemas.openxmlformats.org/drawingml/2006/main" xmlns:r="http://schemas.openxmlformats.org/officeDocument/2006/relationships" xmlns:p="http://schemas.openxmlformats.org/presentationml/2006/main">
+  <p:cSld>
+    <p:spTree>
+      <p:nvGrpSpPr>
+        <p:cNvPr id="1" name=""/>
+        <p:cNvGrpSpPr/>
+        <p:nvPr/>
+      </p:nvGrpSpPr>
+      <p:grpSpPr>
+        <a:xfrm>
+          <a:off x="0" y="0"/>
+          <a:ext cx="0" cy="0"/>
+          <a:chOff x="0" y="0"/>
+          <a:chExt cx="0" cy="0"/>
+        </a:xfrm>
+      </p:grpSpPr>
+      <p:sp>
+        <p:nvSpPr>
+          <p:cNvPr id="2" name="Title 1"/>
+          <p:cNvSpPr>
+            <a:spLocks noGrp="1"/>
+          </p:cNvSpPr>
+          <p:nvPr>
+            <p:ph type="title"/>
+          </p:nvPr>
+        </p:nvSpPr>
+        <p:spPr/>
+        <p:txBody>
+          <a:bodyPr/>
+          <a:lstStyle/>
+          <a:p>
+            <a:r>
+              <a:rPr lang="zh-CN" altLang="en-US" dirty="0"/>
+              <a:t>栈大小分配</a:t>
+            </a:r>
+            <a:endParaRPr lang="zh-CN" altLang="en-US" dirty="0"/>
+          </a:p>
+        </p:txBody>
+      </p:sp>
+      <p:sp>
+        <p:nvSpPr>
+          <p:cNvPr id="4" name="TextBox 3"/>
+          <p:cNvSpPr txBox="1"/>
+          <p:nvPr/>
+        </p:nvSpPr>
+        <p:spPr>
+          <a:xfrm>
+            <a:off x="557734" y="1197546"/>
+            <a:ext cx="8064896" cy="4524315"/>
+          </a:xfrm>
+          <a:prstGeom prst="rect">
+            <a:avLst/>
+          </a:prstGeom>
+        </p:spPr>
+        <p:style>
+          <a:lnRef idx="2">
+            <a:schemeClr val="accent1"/>
+          </a:lnRef>
+          <a:fillRef idx="1">
+            <a:schemeClr val="lt1"/>
+          </a:fillRef>
+          <a:effectRef idx="0">
+            <a:schemeClr val="accent1"/>
+          </a:effectRef>
+          <a:fontRef idx="minor">
+            <a:schemeClr val="dk1"/>
+          </a:fontRef>
+        </p:style>
+        <p:txBody>
+          <a:bodyPr wrap="square" rtlCol="0">
+            <a:spAutoFit/>
+          </a:bodyPr>
+          <a:lstStyle/>
+          <a:p>
+            <a:r>
+              <a:rPr lang="en-US" altLang="zh-CN" dirty="0"/>
+              <a:t>public class </a:t>
+            </a:r>
+            <a:r>
+              <a:rPr lang="en-US" altLang="zh-CN" dirty="0" err="1"/>
+              <a:t>TestStackDeep</a:t>
+            </a:r>
+            <a:r>
+              <a:rPr lang="en-US" altLang="zh-CN" dirty="0"/>
+              <a:t> {</a:t>
+            </a:r>
+            <a:endParaRPr lang="en-US" altLang="zh-CN" dirty="0"/>
+          </a:p>
+          <a:p>
+            <a:r>
+              <a:rPr lang="en-US" altLang="zh-CN" dirty="0"/>
+              <a:t>	private static </a:t>
+            </a:r>
+            <a:r>
+              <a:rPr lang="en-US" altLang="zh-CN" dirty="0" err="1"/>
+              <a:t>int</a:t>
+            </a:r>
+            <a:r>
+              <a:rPr lang="en-US" altLang="zh-CN" dirty="0"/>
+              <a:t> count=0;</a:t>
+            </a:r>
+            <a:endParaRPr lang="en-US" altLang="zh-CN" dirty="0"/>
+          </a:p>
+          <a:p>
+            <a:r>
+              <a:rPr lang="en-US" altLang="zh-CN" dirty="0"/>
+              <a:t>	public static void recursion(long </a:t>
+            </a:r>
+            <a:r>
+              <a:rPr lang="en-US" altLang="zh-CN" dirty="0" err="1"/>
+              <a:t>a,long</a:t>
+            </a:r>
+            <a:r>
+              <a:rPr lang="en-US" altLang="zh-CN" dirty="0"/>
+              <a:t> </a:t>
+            </a:r>
+            <a:r>
+              <a:rPr lang="en-US" altLang="zh-CN" dirty="0" err="1"/>
+              <a:t>b,long</a:t>
+            </a:r>
+            <a:r>
+              <a:rPr lang="en-US" altLang="zh-CN" dirty="0"/>
+              <a:t> c){</a:t>
+            </a:r>
+            <a:endParaRPr lang="en-US" altLang="zh-CN" dirty="0"/>
+          </a:p>
+          <a:p>
+            <a:r>
+              <a:rPr lang="en-US" altLang="zh-CN" dirty="0"/>
+              <a:t>		long e=1,f=2,g=3,h=4,i=5,k=6,q=7,x=8,y=9,z=10;</a:t>
+            </a:r>
+            <a:endParaRPr lang="en-US" altLang="zh-CN" dirty="0"/>
+          </a:p>
+          <a:p>
+            <a:r>
+              <a:rPr lang="en-US" altLang="zh-CN" dirty="0"/>
+              <a:t>		count++;</a:t>
+            </a:r>
+            <a:endParaRPr lang="en-US" altLang="zh-CN" dirty="0"/>
+          </a:p>
+          <a:p>
+            <a:r>
+              <a:rPr lang="en-US" altLang="zh-CN" dirty="0"/>
+              <a:t>		recursion(</a:t>
+            </a:r>
+            <a:r>
+              <a:rPr lang="en-US" altLang="zh-CN" dirty="0" err="1"/>
+              <a:t>a,b,c</a:t>
+            </a:r>
+            <a:r>
+              <a:rPr lang="en-US" altLang="zh-CN" dirty="0"/>
+              <a:t>);</a:t>
+            </a:r>
+            <a:endParaRPr lang="en-US" altLang="zh-CN" dirty="0"/>
+          </a:p>
+          <a:p>
+            <a:r>
+              <a:rPr lang="en-US" altLang="zh-CN" dirty="0"/>
+              <a:t>	}</a:t>
+            </a:r>
+            <a:endParaRPr lang="en-US" altLang="zh-CN" dirty="0"/>
+          </a:p>
+          <a:p>
+            <a:r>
+              <a:rPr lang="en-US" altLang="zh-CN" dirty="0"/>
+              <a:t>	public static void main(String </a:t>
+            </a:r>
+            <a:r>
+              <a:rPr lang="en-US" altLang="zh-CN" dirty="0" err="1"/>
+              <a:t>args</a:t>
+            </a:r>
+            <a:r>
+              <a:rPr lang="en-US" altLang="zh-CN" dirty="0"/>
+              <a:t>[]){</a:t>
+            </a:r>
+            <a:endParaRPr lang="en-US" altLang="zh-CN" dirty="0"/>
+          </a:p>
+          <a:p>
+            <a:r>
+              <a:rPr lang="en-US" altLang="zh-CN" dirty="0"/>
+              <a:t>		try{</a:t>
+            </a:r>
+            <a:endParaRPr lang="en-US" altLang="zh-CN" dirty="0"/>
+          </a:p>
+          <a:p>
+            <a:r>
+              <a:rPr lang="en-US" altLang="zh-CN" dirty="0"/>
+              <a:t>		</a:t>
+            </a:r>
+            <a:r>
+              <a:rPr lang="en-US" altLang="zh-CN" dirty="0" smtClean="0"/>
+              <a:t>	recursion(0L,0L,0L</a:t>
+            </a:r>
+            <a:r>
+              <a:rPr lang="en-US" altLang="zh-CN" dirty="0"/>
+              <a:t>);</a:t>
+            </a:r>
+            <a:endParaRPr lang="en-US" altLang="zh-CN" dirty="0"/>
+          </a:p>
+          <a:p>
+            <a:r>
+              <a:rPr lang="en-US" altLang="zh-CN" dirty="0"/>
+              <a:t>		}catch(</a:t>
+            </a:r>
+            <a:r>
+              <a:rPr lang="en-US" altLang="zh-CN" dirty="0" err="1"/>
+              <a:t>Throwable</a:t>
+            </a:r>
+            <a:r>
+              <a:rPr lang="en-US" altLang="zh-CN" dirty="0"/>
+              <a:t> e){</a:t>
+            </a:r>
+            <a:endParaRPr lang="en-US" altLang="zh-CN" dirty="0"/>
+          </a:p>
+          <a:p>
+            <a:r>
+              <a:rPr lang="en-US" altLang="zh-CN" dirty="0"/>
+              <a:t>			</a:t>
+            </a:r>
+            <a:r>
+              <a:rPr lang="en-US" altLang="zh-CN" dirty="0" err="1"/>
+              <a:t>System.out.println</a:t>
+            </a:r>
+            <a:r>
+              <a:rPr lang="en-US" altLang="zh-CN" dirty="0"/>
+              <a:t>("deep of calling = "+count);</a:t>
+            </a:r>
+            <a:endParaRPr lang="en-US" altLang="zh-CN" dirty="0"/>
+          </a:p>
+          <a:p>
+            <a:r>
+              <a:rPr lang="en-US" altLang="zh-CN" dirty="0"/>
+              <a:t>			</a:t>
+            </a:r>
+            <a:r>
+              <a:rPr lang="en-US" altLang="zh-CN" dirty="0" err="1"/>
+              <a:t>e.printStackTrace</a:t>
+            </a:r>
+            <a:r>
+              <a:rPr lang="en-US" altLang="zh-CN" dirty="0"/>
+              <a:t>();</a:t>
+            </a:r>
+            <a:endParaRPr lang="en-US" altLang="zh-CN" dirty="0"/>
+          </a:p>
+          <a:p>
+            <a:r>
+              <a:rPr lang="en-US" altLang="zh-CN" dirty="0"/>
+              <a:t>		}</a:t>
+            </a:r>
+            <a:endParaRPr lang="en-US" altLang="zh-CN" dirty="0"/>
+          </a:p>
+          <a:p>
+            <a:r>
+              <a:rPr lang="en-US" altLang="zh-CN" dirty="0"/>
+              <a:t>	}</a:t>
+            </a:r>
+            <a:endParaRPr lang="en-US" altLang="zh-CN" dirty="0"/>
+          </a:p>
+          <a:p>
+            <a:r>
+              <a:rPr lang="en-US" altLang="zh-CN" dirty="0"/>
+              <a:t>}</a:t>
+            </a:r>
+            <a:endParaRPr lang="zh-CN" altLang="en-US" dirty="0"/>
+          </a:p>
+        </p:txBody>
+      </p:sp>
+      <p:sp>
+        <p:nvSpPr>
+          <p:cNvPr id="5" name="TextBox 4"/>
+          <p:cNvSpPr txBox="1"/>
+          <p:nvPr/>
+        </p:nvSpPr>
+        <p:spPr>
+          <a:xfrm>
+            <a:off x="8766646" y="1197546"/>
+            <a:ext cx="3312367" cy="2308324"/>
+          </a:xfrm>
+          <a:prstGeom prst="rect">
+            <a:avLst/>
+          </a:prstGeom>
+        </p:spPr>
+        <p:style>
+          <a:lnRef idx="2">
+            <a:schemeClr val="accent1"/>
+          </a:lnRef>
+          <a:fillRef idx="1">
+            <a:schemeClr val="lt1"/>
+          </a:fillRef>
+          <a:effectRef idx="0">
+            <a:schemeClr val="accent1"/>
+          </a:effectRef>
+          <a:fontRef idx="minor">
+            <a:schemeClr val="dk1"/>
+          </a:fontRef>
+        </p:style>
+        <p:txBody>
+          <a:bodyPr wrap="square" rtlCol="0">
+            <a:spAutoFit/>
+          </a:bodyPr>
+          <a:lstStyle/>
+          <a:p>
+            <a:r>
+              <a:rPr lang="zh-CN" altLang="en-US" dirty="0" smtClean="0"/>
+              <a:t>递归调用</a:t>
+            </a:r>
+            <a:endParaRPr lang="en-US" altLang="zh-CN" dirty="0" smtClean="0"/>
+          </a:p>
+          <a:p>
+            <a:r>
+              <a:rPr lang="en-US" altLang="zh-CN" dirty="0"/>
+              <a:t>-</a:t>
+            </a:r>
+            <a:r>
+              <a:rPr lang="en-US" altLang="zh-CN" dirty="0" smtClean="0"/>
+              <a:t>Xss128K</a:t>
+            </a:r>
+            <a:endParaRPr lang="en-US" altLang="zh-CN" dirty="0" smtClean="0"/>
+          </a:p>
+          <a:p>
+            <a:r>
+              <a:rPr lang="en-US" altLang="zh-CN" dirty="0"/>
+              <a:t>deep of calling = </a:t>
+            </a:r>
+            <a:r>
+              <a:rPr lang="en-US" altLang="zh-CN" dirty="0" smtClean="0"/>
+              <a:t>701</a:t>
+            </a:r>
+            <a:endParaRPr lang="en-US" altLang="zh-CN" dirty="0"/>
+          </a:p>
+          <a:p>
+            <a:r>
+              <a:rPr lang="en-US" altLang="zh-CN" dirty="0" err="1" smtClean="0"/>
+              <a:t>java.lang.StackOverflowError</a:t>
+            </a:r>
+            <a:endParaRPr lang="en-US" altLang="zh-CN" dirty="0" smtClean="0"/>
+          </a:p>
+          <a:p>
+            <a:endParaRPr lang="en-US" altLang="zh-CN" dirty="0"/>
+          </a:p>
+          <a:p>
+            <a:r>
+              <a:rPr lang="en-US" altLang="zh-CN" dirty="0"/>
+              <a:t>-</a:t>
+            </a:r>
+            <a:r>
+              <a:rPr lang="en-US" altLang="zh-CN" dirty="0" smtClean="0"/>
+              <a:t>Xss256K</a:t>
+            </a:r>
+            <a:endParaRPr lang="en-US" altLang="zh-CN" dirty="0"/>
+          </a:p>
+          <a:p>
+            <a:r>
+              <a:rPr lang="en-US" altLang="zh-CN" dirty="0"/>
+              <a:t>deep of calling = </a:t>
+            </a:r>
+            <a:r>
+              <a:rPr lang="en-US" altLang="zh-CN" dirty="0" smtClean="0"/>
+              <a:t>1817</a:t>
+            </a:r>
+            <a:endParaRPr lang="en-US" altLang="zh-CN" dirty="0" smtClean="0"/>
+          </a:p>
+          <a:p>
+            <a:r>
+              <a:rPr lang="en-US" altLang="zh-CN" dirty="0" err="1" smtClean="0"/>
+              <a:t>java.lang.StackOverflowError</a:t>
+            </a:r>
+            <a:endParaRPr lang="en-US" altLang="zh-CN" dirty="0"/>
+          </a:p>
+        </p:txBody>
+      </p:sp>
+    </p:spTree>
   </p:cSld>
   <p:clrMapOvr>
     <a:masterClrMapping/>
@@ -12914,627 +12277,6 @@
           <a:lstStyle/>
           <a:p>
             <a:r>
-              <a:rPr lang="zh-CN" altLang="en-US" dirty="0" smtClean="0"/>
-              <a:t>栈大小分配</a:t>
-            </a:r>
-            <a:endParaRPr lang="zh-CN" altLang="en-US" dirty="0"/>
-          </a:p>
-        </p:txBody>
-      </p:sp>
-      <p:sp>
-        <p:nvSpPr>
-          <p:cNvPr id="3" name="Content Placeholder 2"/>
-          <p:cNvSpPr>
-            <a:spLocks noGrp="1"/>
-          </p:cNvSpPr>
-          <p:nvPr>
-            <p:ph idx="1"/>
-          </p:nvPr>
-        </p:nvSpPr>
-        <p:spPr/>
-        <p:txBody>
-          <a:bodyPr/>
-          <a:lstStyle/>
-          <a:p>
-            <a:r>
-              <a:rPr lang="en-US" altLang="zh-CN" dirty="0" smtClean="0"/>
-              <a:t>-</a:t>
-            </a:r>
-            <a:r>
-              <a:rPr lang="en-US" altLang="zh-CN" dirty="0" err="1" smtClean="0"/>
-              <a:t>Xss</a:t>
-            </a:r>
-            <a:endParaRPr lang="en-US" altLang="zh-CN" dirty="0" smtClean="0"/>
-          </a:p>
-          <a:p>
-            <a:pPr lvl="1"/>
-            <a:r>
-              <a:rPr lang="zh-CN" altLang="en-US" dirty="0"/>
-              <a:t>通</a:t>
-            </a:r>
-            <a:r>
-              <a:rPr lang="zh-CN" altLang="en-US" dirty="0" smtClean="0"/>
-              <a:t>常只有几百</a:t>
-            </a:r>
-            <a:r>
-              <a:rPr lang="en-US" altLang="zh-CN" dirty="0" smtClean="0"/>
-              <a:t>K</a:t>
-            </a:r>
-          </a:p>
-          <a:p>
-            <a:pPr lvl="1"/>
-            <a:r>
-              <a:rPr lang="zh-CN" altLang="en-US" dirty="0"/>
-              <a:t>决</a:t>
-            </a:r>
-            <a:r>
-              <a:rPr lang="zh-CN" altLang="en-US" dirty="0" smtClean="0"/>
-              <a:t>定了函数调用的深度</a:t>
-            </a:r>
-            <a:endParaRPr lang="en-US" altLang="zh-CN" dirty="0" smtClean="0"/>
-          </a:p>
-          <a:p>
-            <a:pPr lvl="1"/>
-            <a:r>
-              <a:rPr lang="zh-CN" altLang="en-US" dirty="0"/>
-              <a:t>每</a:t>
-            </a:r>
-            <a:r>
-              <a:rPr lang="zh-CN" altLang="en-US" dirty="0" smtClean="0"/>
-              <a:t>个线程都有独立的栈空间</a:t>
-            </a:r>
-            <a:endParaRPr lang="en-US" altLang="zh-CN" dirty="0" smtClean="0"/>
-          </a:p>
-          <a:p>
-            <a:pPr lvl="1"/>
-            <a:r>
-              <a:rPr lang="zh-CN" altLang="en-US" dirty="0"/>
-              <a:t>局</a:t>
-            </a:r>
-            <a:r>
-              <a:rPr lang="zh-CN" altLang="en-US" dirty="0" smtClean="0"/>
-              <a:t>部变量、参数 分配在栈上</a:t>
-            </a:r>
-            <a:endParaRPr lang="zh-CN" altLang="en-US" dirty="0"/>
-          </a:p>
-        </p:txBody>
-      </p:sp>
-    </p:spTree>
-    <p:extLst>
-      <p:ext uri="{BB962C8B-B14F-4D97-AF65-F5344CB8AC3E}">
-        <p14:creationId xmlns:p14="http://schemas.microsoft.com/office/powerpoint/2010/main" val="1623700201"/>
-      </p:ext>
-    </p:extLst>
-  </p:cSld>
-  <p:clrMapOvr>
-    <a:masterClrMapping/>
-  </p:clrMapOvr>
-  <p:timing>
-    <p:tnLst>
-      <p:par>
-        <p:cTn id="1" dur="indefinite" restart="never" nodeType="tmRoot"/>
-      </p:par>
-    </p:tnLst>
-  </p:timing>
-</p:sld>
-</file>
-
-<file path=ppt/slides/slide3.xml><?xml version="1.0" encoding="utf-8"?>
-<p:sld xmlns:a="http://schemas.openxmlformats.org/drawingml/2006/main" xmlns:r="http://schemas.openxmlformats.org/officeDocument/2006/relationships" xmlns:p="http://schemas.openxmlformats.org/presentationml/2006/main">
-  <p:cSld>
-    <p:spTree>
-      <p:nvGrpSpPr>
-        <p:cNvPr id="1" name=""/>
-        <p:cNvGrpSpPr/>
-        <p:nvPr/>
-      </p:nvGrpSpPr>
-      <p:grpSpPr>
-        <a:xfrm>
-          <a:off x="0" y="0"/>
-          <a:ext cx="0" cy="0"/>
-          <a:chOff x="0" y="0"/>
-          <a:chExt cx="0" cy="0"/>
-        </a:xfrm>
-      </p:grpSpPr>
-      <p:sp>
-        <p:nvSpPr>
-          <p:cNvPr id="2" name="Title 1"/>
-          <p:cNvSpPr>
-            <a:spLocks noGrp="1"/>
-          </p:cNvSpPr>
-          <p:nvPr>
-            <p:ph type="title"/>
-          </p:nvPr>
-        </p:nvSpPr>
-        <p:spPr/>
-        <p:txBody>
-          <a:bodyPr/>
-          <a:lstStyle/>
-          <a:p>
-            <a:r>
-              <a:rPr lang="zh-CN" altLang="en-US" dirty="0" smtClean="0"/>
-              <a:t>常用</a:t>
-            </a:r>
-            <a:r>
-              <a:rPr lang="en-US" altLang="zh-CN" dirty="0" smtClean="0"/>
-              <a:t>JVM</a:t>
-            </a:r>
-            <a:r>
-              <a:rPr lang="zh-CN" altLang="en-US" dirty="0" smtClean="0"/>
-              <a:t>配置参数</a:t>
-            </a:r>
-            <a:endParaRPr lang="zh-CN" altLang="en-US" dirty="0"/>
-          </a:p>
-        </p:txBody>
-      </p:sp>
-      <p:sp>
-        <p:nvSpPr>
-          <p:cNvPr id="3" name="Content Placeholder 2"/>
-          <p:cNvSpPr>
-            <a:spLocks noGrp="1"/>
-          </p:cNvSpPr>
-          <p:nvPr>
-            <p:ph idx="1"/>
-          </p:nvPr>
-        </p:nvSpPr>
-        <p:spPr/>
-        <p:txBody>
-          <a:bodyPr/>
-          <a:lstStyle/>
-          <a:p>
-            <a:r>
-              <a:rPr lang="en-US" altLang="zh-CN" dirty="0" smtClean="0"/>
-              <a:t>Trace</a:t>
-            </a:r>
-            <a:r>
-              <a:rPr lang="zh-CN" altLang="en-US" dirty="0" smtClean="0"/>
-              <a:t>跟踪参数</a:t>
-            </a:r>
-            <a:endParaRPr lang="en-US" altLang="zh-CN" dirty="0" smtClean="0"/>
-          </a:p>
-          <a:p>
-            <a:r>
-              <a:rPr lang="zh-CN" altLang="en-US" dirty="0" smtClean="0"/>
-              <a:t>堆的分配参数</a:t>
-            </a:r>
-            <a:endParaRPr lang="en-US" altLang="zh-CN" dirty="0" smtClean="0"/>
-          </a:p>
-          <a:p>
-            <a:r>
-              <a:rPr lang="zh-CN" altLang="en-US" dirty="0" smtClean="0"/>
-              <a:t>栈的分配参数</a:t>
-            </a:r>
-            <a:endParaRPr lang="en-US" altLang="zh-CN" dirty="0" smtClean="0"/>
-          </a:p>
-        </p:txBody>
-      </p:sp>
-    </p:spTree>
-    <p:extLst>
-      <p:ext uri="{BB962C8B-B14F-4D97-AF65-F5344CB8AC3E}">
-        <p14:creationId xmlns:p14="http://schemas.microsoft.com/office/powerpoint/2010/main" val="2513976141"/>
-      </p:ext>
-    </p:extLst>
-  </p:cSld>
-  <p:clrMapOvr>
-    <a:masterClrMapping/>
-  </p:clrMapOvr>
-  <p:timing>
-    <p:tnLst>
-      <p:par>
-        <p:cTn id="1" dur="indefinite" restart="never" nodeType="tmRoot"/>
-      </p:par>
-    </p:tnLst>
-  </p:timing>
-</p:sld>
-</file>
-
-<file path=ppt/slides/slide30.xml><?xml version="1.0" encoding="utf-8"?>
-<p:sld xmlns:a="http://schemas.openxmlformats.org/drawingml/2006/main" xmlns:r="http://schemas.openxmlformats.org/officeDocument/2006/relationships" xmlns:p="http://schemas.openxmlformats.org/presentationml/2006/main">
-  <p:cSld>
-    <p:spTree>
-      <p:nvGrpSpPr>
-        <p:cNvPr id="1" name=""/>
-        <p:cNvGrpSpPr/>
-        <p:nvPr/>
-      </p:nvGrpSpPr>
-      <p:grpSpPr>
-        <a:xfrm>
-          <a:off x="0" y="0"/>
-          <a:ext cx="0" cy="0"/>
-          <a:chOff x="0" y="0"/>
-          <a:chExt cx="0" cy="0"/>
-        </a:xfrm>
-      </p:grpSpPr>
-      <p:sp>
-        <p:nvSpPr>
-          <p:cNvPr id="2" name="Title 1"/>
-          <p:cNvSpPr>
-            <a:spLocks noGrp="1"/>
-          </p:cNvSpPr>
-          <p:nvPr>
-            <p:ph type="title"/>
-          </p:nvPr>
-        </p:nvSpPr>
-        <p:spPr/>
-        <p:txBody>
-          <a:bodyPr/>
-          <a:lstStyle/>
-          <a:p>
-            <a:r>
-              <a:rPr lang="zh-CN" altLang="en-US" dirty="0"/>
-              <a:t>栈大小分配</a:t>
-            </a:r>
-          </a:p>
-        </p:txBody>
-      </p:sp>
-      <p:sp>
-        <p:nvSpPr>
-          <p:cNvPr id="4" name="TextBox 3"/>
-          <p:cNvSpPr txBox="1"/>
-          <p:nvPr/>
-        </p:nvSpPr>
-        <p:spPr>
-          <a:xfrm>
-            <a:off x="557734" y="1197546"/>
-            <a:ext cx="8064896" cy="4524315"/>
-          </a:xfrm>
-          <a:prstGeom prst="rect">
-            <a:avLst/>
-          </a:prstGeom>
-        </p:spPr>
-        <p:style>
-          <a:lnRef idx="2">
-            <a:schemeClr val="accent1"/>
-          </a:lnRef>
-          <a:fillRef idx="1">
-            <a:schemeClr val="lt1"/>
-          </a:fillRef>
-          <a:effectRef idx="0">
-            <a:schemeClr val="accent1"/>
-          </a:effectRef>
-          <a:fontRef idx="minor">
-            <a:schemeClr val="dk1"/>
-          </a:fontRef>
-        </p:style>
-        <p:txBody>
-          <a:bodyPr wrap="square" rtlCol="0">
-            <a:spAutoFit/>
-          </a:bodyPr>
-          <a:lstStyle/>
-          <a:p>
-            <a:r>
-              <a:rPr lang="en-US" altLang="zh-CN" dirty="0"/>
-              <a:t>public class </a:t>
-            </a:r>
-            <a:r>
-              <a:rPr lang="en-US" altLang="zh-CN" dirty="0" err="1"/>
-              <a:t>TestStackDeep</a:t>
-            </a:r>
-            <a:r>
-              <a:rPr lang="en-US" altLang="zh-CN" dirty="0"/>
-              <a:t> {</a:t>
-            </a:r>
-          </a:p>
-          <a:p>
-            <a:r>
-              <a:rPr lang="en-US" altLang="zh-CN" dirty="0"/>
-              <a:t>	private static </a:t>
-            </a:r>
-            <a:r>
-              <a:rPr lang="en-US" altLang="zh-CN" dirty="0" err="1"/>
-              <a:t>int</a:t>
-            </a:r>
-            <a:r>
-              <a:rPr lang="en-US" altLang="zh-CN" dirty="0"/>
-              <a:t> count=0;</a:t>
-            </a:r>
-          </a:p>
-          <a:p>
-            <a:r>
-              <a:rPr lang="en-US" altLang="zh-CN" dirty="0"/>
-              <a:t>	public static void recursion(long </a:t>
-            </a:r>
-            <a:r>
-              <a:rPr lang="en-US" altLang="zh-CN" dirty="0" err="1"/>
-              <a:t>a,long</a:t>
-            </a:r>
-            <a:r>
-              <a:rPr lang="en-US" altLang="zh-CN" dirty="0"/>
-              <a:t> </a:t>
-            </a:r>
-            <a:r>
-              <a:rPr lang="en-US" altLang="zh-CN" dirty="0" err="1"/>
-              <a:t>b,long</a:t>
-            </a:r>
-            <a:r>
-              <a:rPr lang="en-US" altLang="zh-CN" dirty="0"/>
-              <a:t> c){</a:t>
-            </a:r>
-          </a:p>
-          <a:p>
-            <a:r>
-              <a:rPr lang="en-US" altLang="zh-CN" dirty="0"/>
-              <a:t>		long e=1,f=2,g=3,h=4,i=5,k=6,q=7,x=8,y=9,z=10;</a:t>
-            </a:r>
-          </a:p>
-          <a:p>
-            <a:r>
-              <a:rPr lang="en-US" altLang="zh-CN" dirty="0"/>
-              <a:t>		count++;</a:t>
-            </a:r>
-          </a:p>
-          <a:p>
-            <a:r>
-              <a:rPr lang="en-US" altLang="zh-CN" dirty="0"/>
-              <a:t>		recursion(</a:t>
-            </a:r>
-            <a:r>
-              <a:rPr lang="en-US" altLang="zh-CN" dirty="0" err="1"/>
-              <a:t>a,b,c</a:t>
-            </a:r>
-            <a:r>
-              <a:rPr lang="en-US" altLang="zh-CN" dirty="0"/>
-              <a:t>);</a:t>
-            </a:r>
-          </a:p>
-          <a:p>
-            <a:r>
-              <a:rPr lang="en-US" altLang="zh-CN" dirty="0"/>
-              <a:t>	}</a:t>
-            </a:r>
-          </a:p>
-          <a:p>
-            <a:r>
-              <a:rPr lang="en-US" altLang="zh-CN" dirty="0"/>
-              <a:t>	public static void main(String </a:t>
-            </a:r>
-            <a:r>
-              <a:rPr lang="en-US" altLang="zh-CN" dirty="0" err="1"/>
-              <a:t>args</a:t>
-            </a:r>
-            <a:r>
-              <a:rPr lang="en-US" altLang="zh-CN" dirty="0"/>
-              <a:t>[]){</a:t>
-            </a:r>
-          </a:p>
-          <a:p>
-            <a:r>
-              <a:rPr lang="en-US" altLang="zh-CN" dirty="0"/>
-              <a:t>		try{</a:t>
-            </a:r>
-          </a:p>
-          <a:p>
-            <a:r>
-              <a:rPr lang="en-US" altLang="zh-CN" dirty="0"/>
-              <a:t>		</a:t>
-            </a:r>
-            <a:r>
-              <a:rPr lang="en-US" altLang="zh-CN" dirty="0" smtClean="0"/>
-              <a:t>	recursion(0L,0L,0L</a:t>
-            </a:r>
-            <a:r>
-              <a:rPr lang="en-US" altLang="zh-CN" dirty="0"/>
-              <a:t>);</a:t>
-            </a:r>
-          </a:p>
-          <a:p>
-            <a:r>
-              <a:rPr lang="en-US" altLang="zh-CN" dirty="0"/>
-              <a:t>		}catch(</a:t>
-            </a:r>
-            <a:r>
-              <a:rPr lang="en-US" altLang="zh-CN" dirty="0" err="1"/>
-              <a:t>Throwable</a:t>
-            </a:r>
-            <a:r>
-              <a:rPr lang="en-US" altLang="zh-CN" dirty="0"/>
-              <a:t> e){</a:t>
-            </a:r>
-          </a:p>
-          <a:p>
-            <a:r>
-              <a:rPr lang="en-US" altLang="zh-CN" dirty="0"/>
-              <a:t>			</a:t>
-            </a:r>
-            <a:r>
-              <a:rPr lang="en-US" altLang="zh-CN" dirty="0" err="1"/>
-              <a:t>System.out.println</a:t>
-            </a:r>
-            <a:r>
-              <a:rPr lang="en-US" altLang="zh-CN" dirty="0"/>
-              <a:t>("deep of calling = "+count);</a:t>
-            </a:r>
-          </a:p>
-          <a:p>
-            <a:r>
-              <a:rPr lang="en-US" altLang="zh-CN" dirty="0"/>
-              <a:t>			</a:t>
-            </a:r>
-            <a:r>
-              <a:rPr lang="en-US" altLang="zh-CN" dirty="0" err="1"/>
-              <a:t>e.printStackTrace</a:t>
-            </a:r>
-            <a:r>
-              <a:rPr lang="en-US" altLang="zh-CN" dirty="0"/>
-              <a:t>();</a:t>
-            </a:r>
-          </a:p>
-          <a:p>
-            <a:r>
-              <a:rPr lang="en-US" altLang="zh-CN" dirty="0"/>
-              <a:t>		}</a:t>
-            </a:r>
-          </a:p>
-          <a:p>
-            <a:r>
-              <a:rPr lang="en-US" altLang="zh-CN" dirty="0"/>
-              <a:t>	}</a:t>
-            </a:r>
-          </a:p>
-          <a:p>
-            <a:r>
-              <a:rPr lang="en-US" altLang="zh-CN" dirty="0"/>
-              <a:t>}</a:t>
-            </a:r>
-            <a:endParaRPr lang="zh-CN" altLang="en-US" dirty="0"/>
-          </a:p>
-        </p:txBody>
-      </p:sp>
-      <p:sp>
-        <p:nvSpPr>
-          <p:cNvPr id="5" name="TextBox 4"/>
-          <p:cNvSpPr txBox="1"/>
-          <p:nvPr/>
-        </p:nvSpPr>
-        <p:spPr>
-          <a:xfrm>
-            <a:off x="8766646" y="1197546"/>
-            <a:ext cx="3312367" cy="2308324"/>
-          </a:xfrm>
-          <a:prstGeom prst="rect">
-            <a:avLst/>
-          </a:prstGeom>
-        </p:spPr>
-        <p:style>
-          <a:lnRef idx="2">
-            <a:schemeClr val="accent1"/>
-          </a:lnRef>
-          <a:fillRef idx="1">
-            <a:schemeClr val="lt1"/>
-          </a:fillRef>
-          <a:effectRef idx="0">
-            <a:schemeClr val="accent1"/>
-          </a:effectRef>
-          <a:fontRef idx="minor">
-            <a:schemeClr val="dk1"/>
-          </a:fontRef>
-        </p:style>
-        <p:txBody>
-          <a:bodyPr wrap="square" rtlCol="0">
-            <a:spAutoFit/>
-          </a:bodyPr>
-          <a:lstStyle/>
-          <a:p>
-            <a:r>
-              <a:rPr lang="zh-CN" altLang="en-US" dirty="0" smtClean="0"/>
-              <a:t>递归调用</a:t>
-            </a:r>
-            <a:endParaRPr lang="en-US" altLang="zh-CN" dirty="0" smtClean="0"/>
-          </a:p>
-          <a:p>
-            <a:r>
-              <a:rPr lang="en-US" altLang="zh-CN" dirty="0"/>
-              <a:t>-</a:t>
-            </a:r>
-            <a:r>
-              <a:rPr lang="en-US" altLang="zh-CN" dirty="0" smtClean="0"/>
-              <a:t>Xss128K</a:t>
-            </a:r>
-          </a:p>
-          <a:p>
-            <a:r>
-              <a:rPr lang="en-US" altLang="zh-CN" dirty="0"/>
-              <a:t>deep of calling = </a:t>
-            </a:r>
-            <a:r>
-              <a:rPr lang="en-US" altLang="zh-CN" dirty="0" smtClean="0"/>
-              <a:t>701</a:t>
-            </a:r>
-            <a:endParaRPr lang="en-US" altLang="zh-CN" dirty="0"/>
-          </a:p>
-          <a:p>
-            <a:r>
-              <a:rPr lang="en-US" altLang="zh-CN" dirty="0" err="1" smtClean="0"/>
-              <a:t>java.lang.StackOverflowError</a:t>
-            </a:r>
-            <a:endParaRPr lang="en-US" altLang="zh-CN" dirty="0" smtClean="0"/>
-          </a:p>
-          <a:p>
-            <a:endParaRPr lang="en-US" altLang="zh-CN" dirty="0"/>
-          </a:p>
-          <a:p>
-            <a:r>
-              <a:rPr lang="en-US" altLang="zh-CN" dirty="0"/>
-              <a:t>-</a:t>
-            </a:r>
-            <a:r>
-              <a:rPr lang="en-US" altLang="zh-CN" dirty="0" smtClean="0"/>
-              <a:t>Xss256K</a:t>
-            </a:r>
-            <a:endParaRPr lang="en-US" altLang="zh-CN" dirty="0"/>
-          </a:p>
-          <a:p>
-            <a:r>
-              <a:rPr lang="en-US" altLang="zh-CN" dirty="0"/>
-              <a:t>deep of calling = </a:t>
-            </a:r>
-            <a:r>
-              <a:rPr lang="en-US" altLang="zh-CN" dirty="0" smtClean="0"/>
-              <a:t>1817</a:t>
-            </a:r>
-          </a:p>
-          <a:p>
-            <a:r>
-              <a:rPr lang="en-US" altLang="zh-CN" dirty="0" err="1" smtClean="0"/>
-              <a:t>java.lang.StackOverflowError</a:t>
-            </a:r>
-            <a:endParaRPr lang="en-US" altLang="zh-CN" dirty="0"/>
-          </a:p>
-        </p:txBody>
-      </p:sp>
-    </p:spTree>
-    <p:extLst>
-      <p:ext uri="{BB962C8B-B14F-4D97-AF65-F5344CB8AC3E}">
-        <p14:creationId xmlns:p14="http://schemas.microsoft.com/office/powerpoint/2010/main" val="3199722203"/>
-      </p:ext>
-    </p:extLst>
-  </p:cSld>
-  <p:clrMapOvr>
-    <a:masterClrMapping/>
-  </p:clrMapOvr>
-  <p:timing>
-    <p:tnLst>
-      <p:par>
-        <p:cTn id="1" dur="indefinite" restart="never" nodeType="tmRoot"/>
-      </p:par>
-    </p:tnLst>
-  </p:timing>
-</p:sld>
-</file>
-
-<file path=ppt/slides/slide31.xml><?xml version="1.0" encoding="utf-8"?>
-<p:sld xmlns:a="http://schemas.openxmlformats.org/drawingml/2006/main" xmlns:r="http://schemas.openxmlformats.org/officeDocument/2006/relationships" xmlns:p="http://schemas.openxmlformats.org/presentationml/2006/main">
-  <p:cSld>
-    <p:spTree>
-      <p:nvGrpSpPr>
-        <p:cNvPr id="1" name=""/>
-        <p:cNvGrpSpPr/>
-        <p:nvPr/>
-      </p:nvGrpSpPr>
-      <p:grpSpPr>
-        <a:xfrm>
-          <a:off x="0" y="0"/>
-          <a:ext cx="0" cy="0"/>
-          <a:chOff x="0" y="0"/>
-          <a:chExt cx="0" cy="0"/>
-        </a:xfrm>
-      </p:grpSpPr>
-      <p:sp>
-        <p:nvSpPr>
-          <p:cNvPr id="2" name="Title 1"/>
-          <p:cNvSpPr>
-            <a:spLocks noGrp="1"/>
-          </p:cNvSpPr>
-          <p:nvPr>
-            <p:ph type="title"/>
-          </p:nvPr>
-        </p:nvSpPr>
-        <p:spPr/>
-        <p:txBody>
-          <a:bodyPr/>
-          <a:lstStyle/>
-          <a:p>
-            <a:r>
               <a:rPr lang="zh-CN" altLang="en-US" dirty="0"/>
               <a:t>常用</a:t>
             </a:r>
@@ -13546,6 +12288,7 @@
               <a:rPr lang="zh-CN" altLang="en-US"/>
               <a:t>配置参数</a:t>
             </a:r>
+            <a:endParaRPr lang="zh-CN" altLang="en-US"/>
           </a:p>
         </p:txBody>
       </p:sp>
@@ -13688,15 +12431,29 @@
               </a:rPr>
               <a:t>温故而知新，可以为师也</a:t>
             </a:r>
+            <a:endParaRPr lang="zh-CN" altLang="en-US" sz="5400" b="1" dirty="0">
+              <a:ln w="18000">
+                <a:solidFill>
+                  <a:schemeClr val="accent2">
+                    <a:satMod val="140000"/>
+                  </a:schemeClr>
+                </a:solidFill>
+                <a:prstDash val="solid"/>
+                <a:miter lim="800000"/>
+              </a:ln>
+              <a:noFill/>
+              <a:effectLst>
+                <a:outerShdw blurRad="25500" dist="23000" dir="7020000" algn="tl">
+                  <a:srgbClr val="000000">
+                    <a:alpha val="50000"/>
+                  </a:srgbClr>
+                </a:outerShdw>
+              </a:effectLst>
+            </a:endParaRPr>
           </a:p>
         </p:txBody>
       </p:sp>
     </p:spTree>
-    <p:extLst>
-      <p:ext uri="{BB962C8B-B14F-4D97-AF65-F5344CB8AC3E}">
-        <p14:creationId xmlns:p14="http://schemas.microsoft.com/office/powerpoint/2010/main" val="44720038"/>
-      </p:ext>
-    </p:extLst>
   </p:cSld>
   <p:clrMapOvr>
     <a:masterClrMapping/>
@@ -13711,7 +12468,7 @@
 </p:sld>
 </file>
 
-<file path=ppt/slides/slide32.xml><?xml version="1.0" encoding="utf-8"?>
+<file path=ppt/slides/slide3.xml><?xml version="1.0" encoding="utf-8"?>
 <p:sld xmlns:a="http://schemas.openxmlformats.org/drawingml/2006/main" xmlns:r="http://schemas.openxmlformats.org/officeDocument/2006/relationships" xmlns:p="http://schemas.openxmlformats.org/presentationml/2006/main">
   <p:cSld>
     <p:spTree>
@@ -13730,6 +12487,190 @@
       </p:grpSpPr>
       <p:sp>
         <p:nvSpPr>
+          <p:cNvPr id="2" name="标题 1"/>
+          <p:cNvSpPr>
+            <a:spLocks noGrp="1"/>
+          </p:cNvSpPr>
+          <p:nvPr>
+            <p:ph type="title"/>
+          </p:nvPr>
+        </p:nvSpPr>
+        <p:spPr/>
+        <p:txBody>
+          <a:bodyPr/>
+          <a:lstStyle/>
+          <a:p>
+            <a:r>
+              <a:rPr lang="en-US" altLang="zh-CN" dirty="0"/>
+              <a:t>Trace</a:t>
+            </a:r>
+            <a:r>
+              <a:rPr lang="zh-CN" altLang="en-US" dirty="0"/>
+              <a:t>跟踪参数</a:t>
+            </a:r>
+            <a:endParaRPr lang="zh-CN" altLang="en-US" dirty="0"/>
+          </a:p>
+        </p:txBody>
+      </p:sp>
+      <p:sp>
+        <p:nvSpPr>
+          <p:cNvPr id="3" name="内容占位符 2"/>
+          <p:cNvSpPr>
+            <a:spLocks noGrp="1"/>
+          </p:cNvSpPr>
+          <p:nvPr>
+            <p:ph idx="1"/>
+          </p:nvPr>
+        </p:nvSpPr>
+        <p:spPr/>
+        <p:txBody>
+          <a:bodyPr/>
+          <a:lstStyle/>
+          <a:p>
+            <a:r>
+              <a:rPr lang="en-US" altLang="zh-CN" dirty="0" smtClean="0"/>
+              <a:t>-XX:+</a:t>
+            </a:r>
+            <a:r>
+              <a:rPr lang="en-US" altLang="zh-CN" dirty="0" err="1" smtClean="0"/>
+              <a:t>PrintGCDetails</a:t>
+            </a:r>
+            <a:endParaRPr lang="en-US" altLang="zh-CN" dirty="0" smtClean="0"/>
+          </a:p>
+          <a:p>
+            <a:pPr lvl="1"/>
+            <a:r>
+              <a:rPr lang="zh-CN" altLang="en-US" dirty="0" smtClean="0"/>
+              <a:t>打印</a:t>
+            </a:r>
+            <a:r>
+              <a:rPr lang="en-US" altLang="zh-CN" dirty="0" smtClean="0"/>
+              <a:t>GC</a:t>
+            </a:r>
+            <a:r>
+              <a:rPr lang="zh-CN" altLang="en-US" dirty="0" smtClean="0"/>
+              <a:t>详细信息</a:t>
+            </a:r>
+            <a:endParaRPr lang="en-US" altLang="zh-CN" dirty="0" smtClean="0"/>
+          </a:p>
+          <a:p>
+            <a:r>
+              <a:rPr lang="en-US" altLang="zh-CN" dirty="0" smtClean="0"/>
+              <a:t>-XX:+</a:t>
+            </a:r>
+            <a:r>
+              <a:rPr lang="en-US" altLang="zh-CN" dirty="0" err="1" smtClean="0"/>
+              <a:t>PrintGCTimeStamps</a:t>
+            </a:r>
+            <a:endParaRPr lang="en-US" altLang="zh-CN" dirty="0" smtClean="0"/>
+          </a:p>
+          <a:p>
+            <a:pPr lvl="1"/>
+            <a:r>
+              <a:rPr lang="zh-CN" altLang="en-US" dirty="0" smtClean="0"/>
+              <a:t>打印</a:t>
+            </a:r>
+            <a:r>
+              <a:rPr lang="en-US" altLang="zh-CN" dirty="0" smtClean="0"/>
+              <a:t>CG</a:t>
+            </a:r>
+            <a:r>
+              <a:rPr lang="zh-CN" altLang="en-US" dirty="0" smtClean="0"/>
+              <a:t>发生的时间戳</a:t>
+            </a:r>
+            <a:endParaRPr lang="en-US" altLang="zh-CN" dirty="0" smtClean="0"/>
+          </a:p>
+          <a:p>
+            <a:r>
+              <a:rPr lang="zh-CN" altLang="en-US" dirty="0" smtClean="0"/>
+              <a:t>例</a:t>
+            </a:r>
+            <a:endParaRPr lang="en-US" altLang="zh-CN" dirty="0"/>
+          </a:p>
+          <a:p>
+            <a:pPr lvl="1"/>
+            <a:r>
+              <a:rPr lang="en-US" altLang="zh-CN" dirty="0"/>
+              <a:t>[GC[</a:t>
+            </a:r>
+            <a:r>
+              <a:rPr lang="en-US" altLang="zh-CN" dirty="0" err="1"/>
+              <a:t>DefNew</a:t>
+            </a:r>
+            <a:r>
+              <a:rPr lang="en-US" altLang="zh-CN" dirty="0"/>
+              <a:t>: 4416K-&gt;0K(4928K), 0.0001897 </a:t>
+            </a:r>
+            <a:r>
+              <a:rPr lang="en-US" altLang="zh-CN" dirty="0" err="1"/>
+              <a:t>secs</a:t>
+            </a:r>
+            <a:r>
+              <a:rPr lang="en-US" altLang="zh-CN" dirty="0"/>
+              <a:t>] 4790K-&gt;374K(15872K), 0.0002232 </a:t>
+            </a:r>
+            <a:r>
+              <a:rPr lang="en-US" altLang="zh-CN" dirty="0" err="1"/>
+              <a:t>secs</a:t>
+            </a:r>
+            <a:r>
+              <a:rPr lang="en-US" altLang="zh-CN" dirty="0"/>
+              <a:t>] [Times: user=0.00 sys=0.00, real=0.00 </a:t>
+            </a:r>
+            <a:r>
+              <a:rPr lang="en-US" altLang="zh-CN" dirty="0" err="1"/>
+              <a:t>secs</a:t>
+            </a:r>
+            <a:r>
+              <a:rPr lang="en-US" altLang="zh-CN" dirty="0"/>
+              <a:t>] </a:t>
+            </a:r>
+            <a:endParaRPr lang="en-US" altLang="zh-CN" dirty="0" smtClean="0"/>
+          </a:p>
+          <a:p>
+            <a:pPr lvl="1"/>
+            <a:endParaRPr lang="en-US" altLang="zh-CN" dirty="0"/>
+          </a:p>
+          <a:p>
+            <a:pPr lvl="1"/>
+            <a:endParaRPr lang="zh-CN" altLang="en-US" dirty="0"/>
+          </a:p>
+        </p:txBody>
+      </p:sp>
+    </p:spTree>
+  </p:cSld>
+  <p:clrMapOvr>
+    <a:masterClrMapping/>
+  </p:clrMapOvr>
+  <p:timing>
+    <p:tnLst>
+      <p:par>
+        <p:cTn id="1" dur="indefinite" restart="never" nodeType="tmRoot"/>
+      </p:par>
+    </p:tnLst>
+  </p:timing>
+</p:sld>
+</file>
+
+<file path=ppt/slides/slide30.xml><?xml version="1.0" encoding="utf-8"?>
+<p:sld xmlns:a="http://schemas.openxmlformats.org/drawingml/2006/main" xmlns:r="http://schemas.openxmlformats.org/officeDocument/2006/relationships" xmlns:p="http://schemas.openxmlformats.org/presentationml/2006/main">
+  <p:cSld>
+    <p:spTree>
+      <p:nvGrpSpPr>
+        <p:cNvPr id="1" name=""/>
+        <p:cNvGrpSpPr/>
+        <p:nvPr/>
+      </p:nvGrpSpPr>
+      <p:grpSpPr>
+        <a:xfrm>
+          <a:off x="0" y="0"/>
+          <a:ext cx="0" cy="0"/>
+          <a:chOff x="0" y="0"/>
+          <a:chExt cx="0" cy="0"/>
+        </a:xfrm>
+      </p:grpSpPr>
+      <p:sp>
+        <p:nvSpPr>
           <p:cNvPr id="2" name="灯片编号占位符 1"/>
           <p:cNvSpPr>
             <a:spLocks noGrp="1"/>
@@ -13756,10 +12697,6 @@
             </a:pPr>
             <a:fld id="{7277B87E-B5C5-40CB-9E3E-78438E974F9E}" type="slidenum">
               <a:rPr lang="zh-CN" altLang="en-US"/>
-              <a:pPr>
-                <a:defRPr/>
-              </a:pPr>
-              <a:t>32</a:t>
             </a:fld>
             <a:endParaRPr lang="zh-CN" altLang="en-US" dirty="0"/>
           </a:p>
@@ -13818,11 +12755,7 @@
             </a:r>
             <a:r>
               <a:rPr lang="zh-CN" altLang="en-US" dirty="0"/>
-              <a:t>跟踪</a:t>
-            </a:r>
-            <a:r>
-              <a:rPr lang="zh-CN" altLang="en-US" dirty="0" smtClean="0"/>
-              <a:t>参数</a:t>
+              <a:t>跟踪参数</a:t>
             </a:r>
             <a:endParaRPr lang="zh-CN" altLang="en-US" dirty="0"/>
           </a:p>
@@ -13844,346 +12777,6 @@
           <a:lstStyle/>
           <a:p>
             <a:r>
-              <a:rPr lang="en-US" altLang="zh-CN" dirty="0" smtClean="0"/>
-              <a:t>-</a:t>
-            </a:r>
-            <a:r>
-              <a:rPr lang="en-US" altLang="zh-CN" dirty="0" err="1" smtClean="0"/>
-              <a:t>verbose:gc</a:t>
-            </a:r>
-            <a:endParaRPr lang="en-US" altLang="zh-CN" dirty="0" smtClean="0"/>
-          </a:p>
-          <a:p>
-            <a:r>
-              <a:rPr lang="en-US" altLang="zh-CN" dirty="0" smtClean="0"/>
-              <a:t>-XX</a:t>
-            </a:r>
-            <a:r>
-              <a:rPr lang="en-US" altLang="zh-CN" dirty="0"/>
-              <a:t>:+</a:t>
-            </a:r>
-            <a:r>
-              <a:rPr lang="en-US" altLang="zh-CN" dirty="0" err="1" smtClean="0"/>
-              <a:t>printGC</a:t>
-            </a:r>
-            <a:endParaRPr lang="en-US" altLang="zh-CN" dirty="0" smtClean="0"/>
-          </a:p>
-          <a:p>
-            <a:r>
-              <a:rPr lang="zh-CN" altLang="en-US" dirty="0" smtClean="0"/>
-              <a:t>可以打印</a:t>
-            </a:r>
-            <a:r>
-              <a:rPr lang="en-US" altLang="zh-CN" dirty="0" smtClean="0"/>
-              <a:t>GC</a:t>
-            </a:r>
-            <a:r>
-              <a:rPr lang="zh-CN" altLang="en-US" dirty="0" smtClean="0"/>
-              <a:t>的简要信息</a:t>
-            </a:r>
-            <a:endParaRPr lang="en-US" altLang="zh-CN" dirty="0"/>
-          </a:p>
-          <a:p>
-            <a:pPr lvl="1"/>
-            <a:r>
-              <a:rPr lang="de-DE" altLang="zh-CN" sz="1800" dirty="0"/>
-              <a:t>[GC 4790K-&gt;374K(15872K), 0.0001606 secs]</a:t>
-            </a:r>
-          </a:p>
-          <a:p>
-            <a:pPr lvl="1"/>
-            <a:r>
-              <a:rPr lang="de-DE" altLang="zh-CN" sz="1800" dirty="0"/>
-              <a:t>[GC 4790K-&gt;374K(15872K), 0.0001474 secs]</a:t>
-            </a:r>
-          </a:p>
-          <a:p>
-            <a:pPr lvl="1"/>
-            <a:r>
-              <a:rPr lang="de-DE" altLang="zh-CN" sz="1800" dirty="0"/>
-              <a:t>[GC 4790K-&gt;374K(15872K), 0.0001563 secs]</a:t>
-            </a:r>
-          </a:p>
-          <a:p>
-            <a:pPr lvl="1"/>
-            <a:r>
-              <a:rPr lang="de-DE" altLang="zh-CN" sz="1800" dirty="0"/>
-              <a:t>[GC 4790K-&gt;374K(15872K), 0.0001682 secs]</a:t>
-            </a:r>
-            <a:endParaRPr lang="en-US" altLang="zh-CN" dirty="0" smtClean="0"/>
-          </a:p>
-          <a:p>
-            <a:endParaRPr lang="zh-CN" altLang="en-US" dirty="0"/>
-          </a:p>
-        </p:txBody>
-      </p:sp>
-    </p:spTree>
-    <p:extLst>
-      <p:ext uri="{BB962C8B-B14F-4D97-AF65-F5344CB8AC3E}">
-        <p14:creationId xmlns:p14="http://schemas.microsoft.com/office/powerpoint/2010/main" val="746197736"/>
-      </p:ext>
-    </p:extLst>
-  </p:cSld>
-  <p:clrMapOvr>
-    <a:masterClrMapping/>
-  </p:clrMapOvr>
-  <p:timing>
-    <p:tnLst>
-      <p:par>
-        <p:cTn id="1" dur="indefinite" restart="never" nodeType="tmRoot"/>
-      </p:par>
-    </p:tnLst>
-  </p:timing>
-</p:sld>
-</file>
-
-<file path=ppt/slides/slide5.xml><?xml version="1.0" encoding="utf-8"?>
-<p:sld xmlns:a="http://schemas.openxmlformats.org/drawingml/2006/main" xmlns:r="http://schemas.openxmlformats.org/officeDocument/2006/relationships" xmlns:p="http://schemas.openxmlformats.org/presentationml/2006/main">
-  <p:cSld>
-    <p:spTree>
-      <p:nvGrpSpPr>
-        <p:cNvPr id="1" name=""/>
-        <p:cNvGrpSpPr/>
-        <p:nvPr/>
-      </p:nvGrpSpPr>
-      <p:grpSpPr>
-        <a:xfrm>
-          <a:off x="0" y="0"/>
-          <a:ext cx="0" cy="0"/>
-          <a:chOff x="0" y="0"/>
-          <a:chExt cx="0" cy="0"/>
-        </a:xfrm>
-      </p:grpSpPr>
-      <p:sp>
-        <p:nvSpPr>
-          <p:cNvPr id="2" name="标题 1"/>
-          <p:cNvSpPr>
-            <a:spLocks noGrp="1"/>
-          </p:cNvSpPr>
-          <p:nvPr>
-            <p:ph type="title"/>
-          </p:nvPr>
-        </p:nvSpPr>
-        <p:spPr/>
-        <p:txBody>
-          <a:bodyPr/>
-          <a:lstStyle/>
-          <a:p>
-            <a:r>
-              <a:rPr lang="en-US" altLang="zh-CN" dirty="0"/>
-              <a:t>Trace</a:t>
-            </a:r>
-            <a:r>
-              <a:rPr lang="zh-CN" altLang="en-US" dirty="0"/>
-              <a:t>跟踪参数</a:t>
-            </a:r>
-          </a:p>
-        </p:txBody>
-      </p:sp>
-      <p:sp>
-        <p:nvSpPr>
-          <p:cNvPr id="3" name="内容占位符 2"/>
-          <p:cNvSpPr>
-            <a:spLocks noGrp="1"/>
-          </p:cNvSpPr>
-          <p:nvPr>
-            <p:ph idx="1"/>
-          </p:nvPr>
-        </p:nvSpPr>
-        <p:spPr/>
-        <p:txBody>
-          <a:bodyPr/>
-          <a:lstStyle/>
-          <a:p>
-            <a:r>
-              <a:rPr lang="en-US" altLang="zh-CN" dirty="0" smtClean="0"/>
-              <a:t>-XX:+</a:t>
-            </a:r>
-            <a:r>
-              <a:rPr lang="en-US" altLang="zh-CN" dirty="0" err="1" smtClean="0"/>
-              <a:t>PrintGCDetails</a:t>
-            </a:r>
-            <a:endParaRPr lang="en-US" altLang="zh-CN" dirty="0" smtClean="0"/>
-          </a:p>
-          <a:p>
-            <a:pPr lvl="1"/>
-            <a:r>
-              <a:rPr lang="zh-CN" altLang="en-US" dirty="0" smtClean="0"/>
-              <a:t>打印</a:t>
-            </a:r>
-            <a:r>
-              <a:rPr lang="en-US" altLang="zh-CN" dirty="0" smtClean="0"/>
-              <a:t>GC</a:t>
-            </a:r>
-            <a:r>
-              <a:rPr lang="zh-CN" altLang="en-US" dirty="0" smtClean="0"/>
-              <a:t>详细信息</a:t>
-            </a:r>
-            <a:endParaRPr lang="en-US" altLang="zh-CN" dirty="0" smtClean="0"/>
-          </a:p>
-          <a:p>
-            <a:r>
-              <a:rPr lang="en-US" altLang="zh-CN" dirty="0" smtClean="0"/>
-              <a:t>-XX:+</a:t>
-            </a:r>
-            <a:r>
-              <a:rPr lang="en-US" altLang="zh-CN" dirty="0" err="1" smtClean="0"/>
-              <a:t>PrintGCTimeStamps</a:t>
-            </a:r>
-            <a:endParaRPr lang="en-US" altLang="zh-CN" dirty="0" smtClean="0"/>
-          </a:p>
-          <a:p>
-            <a:pPr lvl="1"/>
-            <a:r>
-              <a:rPr lang="zh-CN" altLang="en-US" dirty="0" smtClean="0"/>
-              <a:t>打印</a:t>
-            </a:r>
-            <a:r>
-              <a:rPr lang="en-US" altLang="zh-CN" dirty="0" smtClean="0"/>
-              <a:t>CG</a:t>
-            </a:r>
-            <a:r>
-              <a:rPr lang="zh-CN" altLang="en-US" dirty="0" smtClean="0"/>
-              <a:t>发生的时间戳</a:t>
-            </a:r>
-            <a:endParaRPr lang="en-US" altLang="zh-CN" dirty="0" smtClean="0"/>
-          </a:p>
-          <a:p>
-            <a:r>
-              <a:rPr lang="zh-CN" altLang="en-US" dirty="0" smtClean="0"/>
-              <a:t>例</a:t>
-            </a:r>
-            <a:endParaRPr lang="en-US" altLang="zh-CN" dirty="0"/>
-          </a:p>
-          <a:p>
-            <a:pPr lvl="1"/>
-            <a:r>
-              <a:rPr lang="en-US" altLang="zh-CN" dirty="0"/>
-              <a:t>[GC[</a:t>
-            </a:r>
-            <a:r>
-              <a:rPr lang="en-US" altLang="zh-CN" dirty="0" err="1"/>
-              <a:t>DefNew</a:t>
-            </a:r>
-            <a:r>
-              <a:rPr lang="en-US" altLang="zh-CN" dirty="0"/>
-              <a:t>: 4416K-&gt;0K(4928K), 0.0001897 </a:t>
-            </a:r>
-            <a:r>
-              <a:rPr lang="en-US" altLang="zh-CN" dirty="0" err="1"/>
-              <a:t>secs</a:t>
-            </a:r>
-            <a:r>
-              <a:rPr lang="en-US" altLang="zh-CN" dirty="0"/>
-              <a:t>] 4790K-&gt;374K(15872K), 0.0002232 </a:t>
-            </a:r>
-            <a:r>
-              <a:rPr lang="en-US" altLang="zh-CN" dirty="0" err="1"/>
-              <a:t>secs</a:t>
-            </a:r>
-            <a:r>
-              <a:rPr lang="en-US" altLang="zh-CN" dirty="0"/>
-              <a:t>] [Times: user=0.00 sys=0.00, real=0.00 </a:t>
-            </a:r>
-            <a:r>
-              <a:rPr lang="en-US" altLang="zh-CN" dirty="0" err="1"/>
-              <a:t>secs</a:t>
-            </a:r>
-            <a:r>
-              <a:rPr lang="en-US" altLang="zh-CN" dirty="0"/>
-              <a:t>] </a:t>
-            </a:r>
-            <a:endParaRPr lang="en-US" altLang="zh-CN" dirty="0" smtClean="0"/>
-          </a:p>
-          <a:p>
-            <a:pPr lvl="1"/>
-            <a:endParaRPr lang="en-US" altLang="zh-CN" dirty="0"/>
-          </a:p>
-          <a:p>
-            <a:pPr lvl="1"/>
-            <a:endParaRPr lang="zh-CN" altLang="en-US" dirty="0"/>
-          </a:p>
-        </p:txBody>
-      </p:sp>
-    </p:spTree>
-    <p:extLst>
-      <p:ext uri="{BB962C8B-B14F-4D97-AF65-F5344CB8AC3E}">
-        <p14:creationId xmlns:p14="http://schemas.microsoft.com/office/powerpoint/2010/main" val="2018502298"/>
-      </p:ext>
-    </p:extLst>
-  </p:cSld>
-  <p:clrMapOvr>
-    <a:masterClrMapping/>
-  </p:clrMapOvr>
-  <p:timing>
-    <p:tnLst>
-      <p:par>
-        <p:cTn id="1" dur="indefinite" restart="never" nodeType="tmRoot"/>
-      </p:par>
-    </p:tnLst>
-  </p:timing>
-</p:sld>
-</file>
-
-<file path=ppt/slides/slide6.xml><?xml version="1.0" encoding="utf-8"?>
-<p:sld xmlns:a="http://schemas.openxmlformats.org/drawingml/2006/main" xmlns:r="http://schemas.openxmlformats.org/officeDocument/2006/relationships" xmlns:p="http://schemas.openxmlformats.org/presentationml/2006/main">
-  <p:cSld>
-    <p:spTree>
-      <p:nvGrpSpPr>
-        <p:cNvPr id="1" name=""/>
-        <p:cNvGrpSpPr/>
-        <p:nvPr/>
-      </p:nvGrpSpPr>
-      <p:grpSpPr>
-        <a:xfrm>
-          <a:off x="0" y="0"/>
-          <a:ext cx="0" cy="0"/>
-          <a:chOff x="0" y="0"/>
-          <a:chExt cx="0" cy="0"/>
-        </a:xfrm>
-      </p:grpSpPr>
-      <p:sp>
-        <p:nvSpPr>
-          <p:cNvPr id="2" name="标题 1"/>
-          <p:cNvSpPr>
-            <a:spLocks noGrp="1"/>
-          </p:cNvSpPr>
-          <p:nvPr>
-            <p:ph type="title"/>
-          </p:nvPr>
-        </p:nvSpPr>
-        <p:spPr/>
-        <p:txBody>
-          <a:bodyPr/>
-          <a:lstStyle/>
-          <a:p>
-            <a:r>
-              <a:rPr lang="en-US" altLang="zh-CN" dirty="0"/>
-              <a:t>Trace</a:t>
-            </a:r>
-            <a:r>
-              <a:rPr lang="zh-CN" altLang="en-US" dirty="0"/>
-              <a:t>跟踪参数</a:t>
-            </a:r>
-          </a:p>
-        </p:txBody>
-      </p:sp>
-      <p:sp>
-        <p:nvSpPr>
-          <p:cNvPr id="3" name="内容占位符 2"/>
-          <p:cNvSpPr>
-            <a:spLocks noGrp="1"/>
-          </p:cNvSpPr>
-          <p:nvPr>
-            <p:ph idx="1"/>
-          </p:nvPr>
-        </p:nvSpPr>
-        <p:spPr/>
-        <p:txBody>
-          <a:bodyPr/>
-          <a:lstStyle/>
-          <a:p>
-            <a:r>
               <a:rPr lang="en-US" altLang="zh-CN" sz="1600" dirty="0"/>
               <a:t>-XX:+</a:t>
             </a:r>
@@ -14203,6 +12796,7 @@
               <a:rPr lang="en-US" altLang="zh-CN" sz="1400" dirty="0"/>
               <a:t>Heap</a:t>
             </a:r>
+            <a:endParaRPr lang="en-US" altLang="zh-CN" sz="1400" dirty="0"/>
           </a:p>
           <a:p>
             <a:pPr lvl="1"/>
@@ -14218,6 +12812,7 @@
               <a:rPr lang="en-US" altLang="zh-CN" sz="1400" dirty="0"/>
               <a:t> new generation   total 13824K, used 11223K [0x27e80000, 0x28d80000, 0x28d80000)</a:t>
             </a:r>
+            <a:endParaRPr lang="en-US" altLang="zh-CN" sz="1400" dirty="0"/>
           </a:p>
           <a:p>
             <a:pPr lvl="1"/>
@@ -14233,6 +12828,7 @@
               <a:rPr lang="en-US" altLang="zh-CN" sz="1400" dirty="0"/>
               <a:t> space 12288K,  91% used [0x27e80000, 0x28975f20, 0x28a80000)</a:t>
             </a:r>
+            <a:endParaRPr lang="en-US" altLang="zh-CN" sz="1400" dirty="0"/>
           </a:p>
           <a:p>
             <a:pPr lvl="1"/>
@@ -14240,6 +12836,7 @@
               <a:rPr lang="en-US" altLang="zh-CN" sz="1400" dirty="0"/>
               <a:t>  from space 1536K,   0% used [0x28a80000, 0x28a80000, 0x28c00000)</a:t>
             </a:r>
+            <a:endParaRPr lang="en-US" altLang="zh-CN" sz="1400" dirty="0"/>
           </a:p>
           <a:p>
             <a:pPr lvl="1"/>
@@ -14247,6 +12844,7 @@
               <a:rPr lang="en-US" altLang="zh-CN" sz="1400" dirty="0"/>
               <a:t>  to   space 1536K,   0% used [0x28c00000, 0x28c00000, 0x28d80000)</a:t>
             </a:r>
+            <a:endParaRPr lang="en-US" altLang="zh-CN" sz="1400" dirty="0"/>
           </a:p>
           <a:p>
             <a:pPr lvl="1"/>
@@ -14254,6 +12852,7 @@
               <a:rPr lang="en-US" altLang="zh-CN" sz="1400" dirty="0"/>
               <a:t> tenured generation   total 5120K, used 0K [0x28d80000, 0x29280000, 0x34680000)</a:t>
             </a:r>
+            <a:endParaRPr lang="en-US" altLang="zh-CN" sz="1400" dirty="0"/>
           </a:p>
           <a:p>
             <a:pPr lvl="1"/>
@@ -14261,6 +12860,7 @@
               <a:rPr lang="en-US" altLang="zh-CN" sz="1400" dirty="0"/>
               <a:t>   the space 5120K,   0% used [0x28d80000, 0x28d80000, 0x28d80200, 0x29280000)</a:t>
             </a:r>
+            <a:endParaRPr lang="en-US" altLang="zh-CN" sz="1400" dirty="0"/>
           </a:p>
           <a:p>
             <a:pPr lvl="1"/>
@@ -14268,6 +12868,7 @@
               <a:rPr lang="en-US" altLang="zh-CN" sz="1400" dirty="0"/>
               <a:t> compacting perm gen  total 12288K, used 142K [0x34680000, 0x35280000, 0x38680000)</a:t>
             </a:r>
+            <a:endParaRPr lang="en-US" altLang="zh-CN" sz="1400" dirty="0"/>
           </a:p>
           <a:p>
             <a:pPr lvl="1"/>
@@ -14275,6 +12876,7 @@
               <a:rPr lang="en-US" altLang="zh-CN" sz="1400" dirty="0"/>
               <a:t>   the space 12288K,   1% used [0x34680000, 0x346a3a90, 0x346a3c00, 0x35280000)</a:t>
             </a:r>
+            <a:endParaRPr lang="en-US" altLang="zh-CN" sz="1400" dirty="0"/>
           </a:p>
           <a:p>
             <a:pPr lvl="1"/>
@@ -14290,6 +12892,7 @@
               <a:rPr lang="en-US" altLang="zh-CN" sz="1400" dirty="0"/>
               <a:t> space 10240K,  44% used [0x38680000, 0x38af73f0, 0x38af7400, 0x39080000)</a:t>
             </a:r>
+            <a:endParaRPr lang="en-US" altLang="zh-CN" sz="1400" dirty="0"/>
           </a:p>
           <a:p>
             <a:pPr lvl="1"/>
@@ -14568,11 +13171,6 @@
         </p:txBody>
       </p:sp>
     </p:spTree>
-    <p:extLst>
-      <p:ext uri="{BB962C8B-B14F-4D97-AF65-F5344CB8AC3E}">
-        <p14:creationId xmlns:p14="http://schemas.microsoft.com/office/powerpoint/2010/main" val="3928591662"/>
-      </p:ext>
-    </p:extLst>
   </p:cSld>
   <p:clrMapOvr>
     <a:masterClrMapping/>
@@ -14918,7 +13516,7 @@
 </p:sld>
 </file>
 
-<file path=ppt/slides/slide7.xml><?xml version="1.0" encoding="utf-8"?>
+<file path=ppt/slides/slide5.xml><?xml version="1.0" encoding="utf-8"?>
 <p:sld xmlns:a="http://schemas.openxmlformats.org/drawingml/2006/main" xmlns:r="http://schemas.openxmlformats.org/officeDocument/2006/relationships" xmlns:p="http://schemas.openxmlformats.org/presentationml/2006/main">
   <p:cSld>
     <p:spTree>
@@ -14958,6 +13556,7 @@
               <a:rPr lang="zh-CN" altLang="en-US" dirty="0"/>
               <a:t>跟踪参数</a:t>
             </a:r>
+            <a:endParaRPr lang="zh-CN" altLang="en-US" dirty="0"/>
           </a:p>
         </p:txBody>
       </p:sp>
@@ -14988,6 +13587,7 @@
               <a:rPr lang="en-US" altLang="zh-CN" dirty="0" smtClean="0"/>
               <a:t>/gc.log</a:t>
             </a:r>
+            <a:endParaRPr lang="en-US" altLang="zh-CN" dirty="0" smtClean="0"/>
           </a:p>
           <a:p>
             <a:pPr lvl="1"/>
@@ -15028,7 +13628,7 @@
           <p:nvPr/>
         </p:nvPicPr>
         <p:blipFill>
-          <a:blip r:embed="rId3">
+          <a:blip r:embed="rId1">
             <a:extLst>
               <a:ext uri="{28A0092B-C50C-407E-A947-70E740481C1C}">
                 <a14:useLocalDpi xmlns:a14="http://schemas.microsoft.com/office/drawing/2010/main" val="0"/>
@@ -15084,11 +13684,618 @@
         </p:spPr>
       </p:pic>
     </p:spTree>
-    <p:extLst>
-      <p:ext uri="{BB962C8B-B14F-4D97-AF65-F5344CB8AC3E}">
-        <p14:creationId xmlns:p14="http://schemas.microsoft.com/office/powerpoint/2010/main" val="73779486"/>
-      </p:ext>
-    </p:extLst>
+  </p:cSld>
+  <p:clrMapOvr>
+    <a:masterClrMapping/>
+  </p:clrMapOvr>
+  <p:timing>
+    <p:tnLst>
+      <p:par>
+        <p:cTn id="1" dur="indefinite" restart="never" nodeType="tmRoot"/>
+      </p:par>
+    </p:tnLst>
+  </p:timing>
+</p:sld>
+</file>
+
+<file path=ppt/slides/slide6.xml><?xml version="1.0" encoding="utf-8"?>
+<p:sld xmlns:a="http://schemas.openxmlformats.org/drawingml/2006/main" xmlns:r="http://schemas.openxmlformats.org/officeDocument/2006/relationships" xmlns:p="http://schemas.openxmlformats.org/presentationml/2006/main">
+  <p:cSld>
+    <p:spTree>
+      <p:nvGrpSpPr>
+        <p:cNvPr id="1" name=""/>
+        <p:cNvGrpSpPr/>
+        <p:nvPr/>
+      </p:nvGrpSpPr>
+      <p:grpSpPr>
+        <a:xfrm>
+          <a:off x="0" y="0"/>
+          <a:ext cx="0" cy="0"/>
+          <a:chOff x="0" y="0"/>
+          <a:chExt cx="0" cy="0"/>
+        </a:xfrm>
+      </p:grpSpPr>
+      <p:sp>
+        <p:nvSpPr>
+          <p:cNvPr id="2" name="标题 1"/>
+          <p:cNvSpPr>
+            <a:spLocks noGrp="1"/>
+          </p:cNvSpPr>
+          <p:nvPr>
+            <p:ph type="title"/>
+          </p:nvPr>
+        </p:nvSpPr>
+        <p:spPr/>
+        <p:txBody>
+          <a:bodyPr/>
+          <a:lstStyle/>
+          <a:p>
+            <a:r>
+              <a:rPr lang="en-US" altLang="zh-CN" dirty="0"/>
+              <a:t>Trace</a:t>
+            </a:r>
+            <a:r>
+              <a:rPr lang="zh-CN" altLang="en-US" dirty="0"/>
+              <a:t>跟踪参数</a:t>
+            </a:r>
+            <a:endParaRPr lang="zh-CN" altLang="en-US" dirty="0"/>
+          </a:p>
+        </p:txBody>
+      </p:sp>
+      <p:sp>
+        <p:nvSpPr>
+          <p:cNvPr id="4" name="TextBox 3"/>
+          <p:cNvSpPr txBox="1"/>
+          <p:nvPr/>
+        </p:nvSpPr>
+        <p:spPr>
+          <a:xfrm>
+            <a:off x="413718" y="1125538"/>
+            <a:ext cx="11609204" cy="5262979"/>
+          </a:xfrm>
+          <a:prstGeom prst="rect">
+            <a:avLst/>
+          </a:prstGeom>
+          <a:noFill/>
+        </p:spPr>
+        <p:txBody>
+          <a:bodyPr wrap="none" rtlCol="0">
+            <a:spAutoFit/>
+          </a:bodyPr>
+          <a:lstStyle/>
+          <a:p>
+            <a:r>
+              <a:rPr lang="en-US" altLang="zh-CN" sz="1400" dirty="0"/>
+              <a:t>{Heap before GC invocations=0 (full 0):</a:t>
+            </a:r>
+            <a:endParaRPr lang="en-US" altLang="zh-CN" sz="1400" dirty="0"/>
+          </a:p>
+          <a:p>
+            <a:r>
+              <a:rPr lang="en-US" altLang="zh-CN" sz="1400" dirty="0"/>
+              <a:t> </a:t>
+            </a:r>
+            <a:r>
+              <a:rPr lang="en-US" altLang="zh-CN" sz="1400" dirty="0" err="1"/>
+              <a:t>def</a:t>
+            </a:r>
+            <a:r>
+              <a:rPr lang="en-US" altLang="zh-CN" sz="1400" dirty="0"/>
+              <a:t> new generation   total 3072K, used 2752K [0x33c80000, 0x33fd0000, 0x33fd0000)</a:t>
+            </a:r>
+            <a:endParaRPr lang="en-US" altLang="zh-CN" sz="1400" dirty="0"/>
+          </a:p>
+          <a:p>
+            <a:r>
+              <a:rPr lang="en-US" altLang="zh-CN" sz="1400" dirty="0"/>
+              <a:t>  </a:t>
+            </a:r>
+            <a:r>
+              <a:rPr lang="en-US" altLang="zh-CN" sz="1400" dirty="0" err="1"/>
+              <a:t>eden</a:t>
+            </a:r>
+            <a:r>
+              <a:rPr lang="en-US" altLang="zh-CN" sz="1400" dirty="0"/>
+              <a:t> space 2752K, 100% used [0x33c80000, 0x33f30000, 0x33f30000)</a:t>
+            </a:r>
+            <a:endParaRPr lang="en-US" altLang="zh-CN" sz="1400" dirty="0"/>
+          </a:p>
+          <a:p>
+            <a:r>
+              <a:rPr lang="en-US" altLang="zh-CN" sz="1400" dirty="0"/>
+              <a:t>  from space 320K,   0% used [0x33f30000, 0x33f30000, 0x33f80000)</a:t>
+            </a:r>
+            <a:endParaRPr lang="en-US" altLang="zh-CN" sz="1400" dirty="0"/>
+          </a:p>
+          <a:p>
+            <a:r>
+              <a:rPr lang="en-US" altLang="zh-CN" sz="1400" dirty="0"/>
+              <a:t>  to   space 320K,   0% used [0x33f80000, 0x33f80000, 0x33fd0000)</a:t>
+            </a:r>
+            <a:endParaRPr lang="en-US" altLang="zh-CN" sz="1400" dirty="0"/>
+          </a:p>
+          <a:p>
+            <a:r>
+              <a:rPr lang="en-US" altLang="zh-CN" sz="1400" dirty="0"/>
+              <a:t> tenured generation   total 6848K, used 0K [0x33fd0000, 0x34680000, 0x34680000)</a:t>
+            </a:r>
+            <a:endParaRPr lang="en-US" altLang="zh-CN" sz="1400" dirty="0"/>
+          </a:p>
+          <a:p>
+            <a:r>
+              <a:rPr lang="en-US" altLang="zh-CN" sz="1400" dirty="0"/>
+              <a:t>   the space 6848K,   0% used [0x33fd0000, 0x33fd0000, 0x33fd0200, 0x34680000)</a:t>
+            </a:r>
+            <a:endParaRPr lang="en-US" altLang="zh-CN" sz="1400" dirty="0"/>
+          </a:p>
+          <a:p>
+            <a:r>
+              <a:rPr lang="en-US" altLang="zh-CN" sz="1400" dirty="0"/>
+              <a:t> compacting perm gen  total 12288K, used 143K [0x34680000, 0x35280000, 0x38680000)</a:t>
+            </a:r>
+            <a:endParaRPr lang="en-US" altLang="zh-CN" sz="1400" dirty="0"/>
+          </a:p>
+          <a:p>
+            <a:r>
+              <a:rPr lang="en-US" altLang="zh-CN" sz="1400" dirty="0"/>
+              <a:t>   the space 12288K,   1% used [0x34680000, 0x346a3c58, 0x346a3e00, 0x35280000)</a:t>
+            </a:r>
+            <a:endParaRPr lang="en-US" altLang="zh-CN" sz="1400" dirty="0"/>
+          </a:p>
+          <a:p>
+            <a:r>
+              <a:rPr lang="en-US" altLang="zh-CN" sz="1400" dirty="0"/>
+              <a:t>    </a:t>
+            </a:r>
+            <a:r>
+              <a:rPr lang="en-US" altLang="zh-CN" sz="1400" dirty="0" err="1"/>
+              <a:t>ro</a:t>
+            </a:r>
+            <a:r>
+              <a:rPr lang="en-US" altLang="zh-CN" sz="1400" dirty="0"/>
+              <a:t> space 10240K,  44% used [0x38680000, 0x38af73f0, 0x38af7400, 0x39080000)</a:t>
+            </a:r>
+            <a:endParaRPr lang="en-US" altLang="zh-CN" sz="1400" dirty="0"/>
+          </a:p>
+          <a:p>
+            <a:r>
+              <a:rPr lang="en-US" altLang="zh-CN" sz="1400" dirty="0"/>
+              <a:t>    </a:t>
+            </a:r>
+            <a:r>
+              <a:rPr lang="en-US" altLang="zh-CN" sz="1400" dirty="0" err="1"/>
+              <a:t>rw</a:t>
+            </a:r>
+            <a:r>
+              <a:rPr lang="en-US" altLang="zh-CN" sz="1400" dirty="0"/>
+              <a:t> space 12288K,  52% used [0x39080000, 0x396cdd28, 0x396cde00, 0x39c80000)</a:t>
+            </a:r>
+            <a:endParaRPr lang="en-US" altLang="zh-CN" sz="1400" dirty="0"/>
+          </a:p>
+          <a:p>
+            <a:r>
+              <a:rPr lang="en-US" altLang="zh-CN" sz="1400" b="1" dirty="0"/>
+              <a:t>[GC[</a:t>
+            </a:r>
+            <a:r>
+              <a:rPr lang="en-US" altLang="zh-CN" sz="1400" b="1" dirty="0" err="1"/>
+              <a:t>DefNew</a:t>
+            </a:r>
+            <a:r>
+              <a:rPr lang="en-US" altLang="zh-CN" sz="1400" b="1" dirty="0"/>
+              <a:t>: 2752K-&gt;320K(3072K), 0.0014296 </a:t>
+            </a:r>
+            <a:r>
+              <a:rPr lang="en-US" altLang="zh-CN" sz="1400" b="1" dirty="0" err="1"/>
+              <a:t>secs</a:t>
+            </a:r>
+            <a:r>
+              <a:rPr lang="en-US" altLang="zh-CN" sz="1400" b="1" dirty="0"/>
+              <a:t>] 2752K-&gt;377K(9920K), 0.0014604 </a:t>
+            </a:r>
+            <a:r>
+              <a:rPr lang="en-US" altLang="zh-CN" sz="1400" b="1" dirty="0" err="1"/>
+              <a:t>secs</a:t>
+            </a:r>
+            <a:r>
+              <a:rPr lang="en-US" altLang="zh-CN" sz="1400" b="1" dirty="0"/>
+              <a:t>] [Times: user=0.00 sys=0.00, real=0.00 </a:t>
+            </a:r>
+            <a:r>
+              <a:rPr lang="en-US" altLang="zh-CN" sz="1400" b="1" dirty="0" err="1"/>
+              <a:t>secs</a:t>
+            </a:r>
+            <a:r>
+              <a:rPr lang="en-US" altLang="zh-CN" sz="1400" b="1" dirty="0"/>
+              <a:t>] </a:t>
+            </a:r>
+            <a:endParaRPr lang="en-US" altLang="zh-CN" sz="1400" b="1" dirty="0"/>
+          </a:p>
+          <a:p>
+            <a:r>
+              <a:rPr lang="en-US" altLang="zh-CN" sz="1400" dirty="0"/>
+              <a:t>Heap after GC invocations=1 (full 0):</a:t>
+            </a:r>
+            <a:endParaRPr lang="en-US" altLang="zh-CN" sz="1400" dirty="0"/>
+          </a:p>
+          <a:p>
+            <a:r>
+              <a:rPr lang="en-US" altLang="zh-CN" sz="1400" dirty="0"/>
+              <a:t> </a:t>
+            </a:r>
+            <a:r>
+              <a:rPr lang="en-US" altLang="zh-CN" sz="1400" dirty="0" err="1"/>
+              <a:t>def</a:t>
+            </a:r>
+            <a:r>
+              <a:rPr lang="en-US" altLang="zh-CN" sz="1400" dirty="0"/>
+              <a:t> new generation   total 3072K, used 320K [0x33c80000, 0x33fd0000, 0x33fd0000)</a:t>
+            </a:r>
+            <a:endParaRPr lang="en-US" altLang="zh-CN" sz="1400" dirty="0"/>
+          </a:p>
+          <a:p>
+            <a:r>
+              <a:rPr lang="en-US" altLang="zh-CN" sz="1400" dirty="0"/>
+              <a:t>  </a:t>
+            </a:r>
+            <a:r>
+              <a:rPr lang="en-US" altLang="zh-CN" sz="1400" dirty="0" err="1"/>
+              <a:t>eden</a:t>
+            </a:r>
+            <a:r>
+              <a:rPr lang="en-US" altLang="zh-CN" sz="1400" dirty="0"/>
+              <a:t> space 2752K,   0% used [0x33c80000, 0x33c80000, 0x33f30000)</a:t>
+            </a:r>
+            <a:endParaRPr lang="en-US" altLang="zh-CN" sz="1400" dirty="0"/>
+          </a:p>
+          <a:p>
+            <a:r>
+              <a:rPr lang="en-US" altLang="zh-CN" sz="1400" dirty="0"/>
+              <a:t>  from space 320K, 100% used [0x33f80000, 0x33fd0000, 0x33fd0000)</a:t>
+            </a:r>
+            <a:endParaRPr lang="en-US" altLang="zh-CN" sz="1400" dirty="0"/>
+          </a:p>
+          <a:p>
+            <a:r>
+              <a:rPr lang="en-US" altLang="zh-CN" sz="1400" dirty="0"/>
+              <a:t>  to   space 320K,   0% used [0x33f30000, 0x33f30000, 0x33f80000)</a:t>
+            </a:r>
+            <a:endParaRPr lang="en-US" altLang="zh-CN" sz="1400" dirty="0"/>
+          </a:p>
+          <a:p>
+            <a:r>
+              <a:rPr lang="en-US" altLang="zh-CN" sz="1400" dirty="0"/>
+              <a:t> tenured generation   total 6848K, used 57K [0x33fd0000, 0x34680000, 0x34680000)</a:t>
+            </a:r>
+            <a:endParaRPr lang="en-US" altLang="zh-CN" sz="1400" dirty="0"/>
+          </a:p>
+          <a:p>
+            <a:r>
+              <a:rPr lang="en-US" altLang="zh-CN" sz="1400" dirty="0"/>
+              <a:t>   the space 6848K,   0% used [0x33fd0000, 0x33fde458, 0x33fde600, 0x34680000)</a:t>
+            </a:r>
+            <a:endParaRPr lang="en-US" altLang="zh-CN" sz="1400" dirty="0"/>
+          </a:p>
+          <a:p>
+            <a:r>
+              <a:rPr lang="en-US" altLang="zh-CN" sz="1400" dirty="0"/>
+              <a:t> compacting perm gen  total 12288K, used 143K [0x34680000, 0x35280000, 0x38680000)</a:t>
+            </a:r>
+            <a:endParaRPr lang="en-US" altLang="zh-CN" sz="1400" dirty="0"/>
+          </a:p>
+          <a:p>
+            <a:r>
+              <a:rPr lang="en-US" altLang="zh-CN" sz="1400" dirty="0"/>
+              <a:t>   the space 12288K,   1% used [0x34680000, 0x346a3c58, 0x346a3e00, 0x35280000)</a:t>
+            </a:r>
+            <a:endParaRPr lang="en-US" altLang="zh-CN" sz="1400" dirty="0"/>
+          </a:p>
+          <a:p>
+            <a:r>
+              <a:rPr lang="en-US" altLang="zh-CN" sz="1400" dirty="0"/>
+              <a:t>    </a:t>
+            </a:r>
+            <a:r>
+              <a:rPr lang="en-US" altLang="zh-CN" sz="1400" dirty="0" err="1"/>
+              <a:t>ro</a:t>
+            </a:r>
+            <a:r>
+              <a:rPr lang="en-US" altLang="zh-CN" sz="1400" dirty="0"/>
+              <a:t> space 10240K,  44% used [0x38680000, 0x38af73f0, 0x38af7400, 0x39080000)</a:t>
+            </a:r>
+            <a:endParaRPr lang="en-US" altLang="zh-CN" sz="1400" dirty="0"/>
+          </a:p>
+          <a:p>
+            <a:r>
+              <a:rPr lang="en-US" altLang="zh-CN" sz="1400" dirty="0"/>
+              <a:t>    </a:t>
+            </a:r>
+            <a:r>
+              <a:rPr lang="en-US" altLang="zh-CN" sz="1400" dirty="0" err="1"/>
+              <a:t>rw</a:t>
+            </a:r>
+            <a:r>
+              <a:rPr lang="en-US" altLang="zh-CN" sz="1400" dirty="0"/>
+              <a:t> space 12288K,  52% used [0x39080000, 0x396cdd28, 0x396cde00, 0x39c80000)</a:t>
+            </a:r>
+            <a:endParaRPr lang="en-US" altLang="zh-CN" sz="1400" dirty="0"/>
+          </a:p>
+          <a:p>
+            <a:r>
+              <a:rPr lang="en-US" altLang="zh-CN" sz="1400" dirty="0"/>
+              <a:t>}</a:t>
+            </a:r>
+            <a:endParaRPr lang="zh-CN" altLang="en-US" sz="1400" dirty="0"/>
+          </a:p>
+        </p:txBody>
+      </p:sp>
+      <p:sp>
+        <p:nvSpPr>
+          <p:cNvPr id="3" name="内容占位符 2"/>
+          <p:cNvSpPr>
+            <a:spLocks noGrp="1"/>
+          </p:cNvSpPr>
+          <p:nvPr>
+            <p:ph idx="1"/>
+          </p:nvPr>
+        </p:nvSpPr>
+        <p:spPr>
+          <a:xfrm>
+            <a:off x="7326486" y="1269554"/>
+            <a:ext cx="4536504" cy="1008111"/>
+          </a:xfrm>
+        </p:spPr>
+        <p:txBody>
+          <a:bodyPr/>
+          <a:lstStyle/>
+          <a:p>
+            <a:r>
+              <a:rPr lang="en-US" altLang="zh-CN" dirty="0"/>
+              <a:t>-XX</a:t>
+            </a:r>
+            <a:r>
+              <a:rPr lang="en-US" altLang="zh-CN" dirty="0" smtClean="0"/>
+              <a:t>:+</a:t>
+            </a:r>
+            <a:r>
+              <a:rPr lang="en-US" altLang="zh-CN" dirty="0" err="1" smtClean="0"/>
+              <a:t>PrintHeapAtGC</a:t>
+            </a:r>
+            <a:endParaRPr lang="en-US" altLang="zh-CN" dirty="0" smtClean="0"/>
+          </a:p>
+          <a:p>
+            <a:pPr lvl="1"/>
+            <a:r>
+              <a:rPr lang="zh-CN" altLang="en-US" dirty="0"/>
+              <a:t>每次一</a:t>
+            </a:r>
+            <a:r>
+              <a:rPr lang="zh-CN" altLang="en-US" dirty="0" smtClean="0"/>
+              <a:t>次</a:t>
+            </a:r>
+            <a:r>
+              <a:rPr lang="en-US" altLang="zh-CN" dirty="0" smtClean="0"/>
+              <a:t>GC</a:t>
+            </a:r>
+            <a:r>
+              <a:rPr lang="zh-CN" altLang="en-US" dirty="0" smtClean="0"/>
+              <a:t>后，都打印堆信息</a:t>
+            </a:r>
+            <a:endParaRPr lang="en-US" altLang="zh-CN" dirty="0" smtClean="0"/>
+          </a:p>
+          <a:p>
+            <a:pPr lvl="1"/>
+            <a:endParaRPr lang="en-US" altLang="zh-CN" dirty="0" smtClean="0"/>
+          </a:p>
+        </p:txBody>
+      </p:sp>
+    </p:spTree>
+  </p:cSld>
+  <p:clrMapOvr>
+    <a:masterClrMapping/>
+  </p:clrMapOvr>
+  <p:timing>
+    <p:tnLst>
+      <p:par>
+        <p:cTn id="1" dur="indefinite" restart="never" nodeType="tmRoot"/>
+      </p:par>
+    </p:tnLst>
+  </p:timing>
+</p:sld>
+</file>
+
+<file path=ppt/slides/slide7.xml><?xml version="1.0" encoding="utf-8"?>
+<p:sld xmlns:a="http://schemas.openxmlformats.org/drawingml/2006/main" xmlns:r="http://schemas.openxmlformats.org/officeDocument/2006/relationships" xmlns:p="http://schemas.openxmlformats.org/presentationml/2006/main">
+  <p:cSld>
+    <p:spTree>
+      <p:nvGrpSpPr>
+        <p:cNvPr id="1" name=""/>
+        <p:cNvGrpSpPr/>
+        <p:nvPr/>
+      </p:nvGrpSpPr>
+      <p:grpSpPr>
+        <a:xfrm>
+          <a:off x="0" y="0"/>
+          <a:ext cx="0" cy="0"/>
+          <a:chOff x="0" y="0"/>
+          <a:chExt cx="0" cy="0"/>
+        </a:xfrm>
+      </p:grpSpPr>
+      <p:sp>
+        <p:nvSpPr>
+          <p:cNvPr id="2" name="标题 1"/>
+          <p:cNvSpPr>
+            <a:spLocks noGrp="1"/>
+          </p:cNvSpPr>
+          <p:nvPr>
+            <p:ph type="title"/>
+          </p:nvPr>
+        </p:nvSpPr>
+        <p:spPr/>
+        <p:txBody>
+          <a:bodyPr/>
+          <a:lstStyle/>
+          <a:p>
+            <a:r>
+              <a:rPr lang="en-US" altLang="zh-CN" dirty="0"/>
+              <a:t>Trace</a:t>
+            </a:r>
+            <a:r>
+              <a:rPr lang="zh-CN" altLang="en-US" dirty="0"/>
+              <a:t>跟踪参数</a:t>
+            </a:r>
+            <a:endParaRPr lang="zh-CN" altLang="en-US" dirty="0"/>
+          </a:p>
+        </p:txBody>
+      </p:sp>
+      <p:sp>
+        <p:nvSpPr>
+          <p:cNvPr id="3" name="内容占位符 2"/>
+          <p:cNvSpPr>
+            <a:spLocks noGrp="1"/>
+          </p:cNvSpPr>
+          <p:nvPr>
+            <p:ph idx="1"/>
+          </p:nvPr>
+        </p:nvSpPr>
+        <p:spPr/>
+        <p:txBody>
+          <a:bodyPr/>
+          <a:lstStyle/>
+          <a:p>
+            <a:r>
+              <a:rPr lang="en-US" altLang="zh-CN" dirty="0" smtClean="0"/>
+              <a:t>-XX:+</a:t>
+            </a:r>
+            <a:r>
+              <a:rPr lang="en-US" altLang="zh-CN" dirty="0" err="1" smtClean="0"/>
+              <a:t>TraceClassLoading</a:t>
+            </a:r>
+            <a:endParaRPr lang="en-US" altLang="zh-CN" dirty="0" smtClean="0"/>
+          </a:p>
+          <a:p>
+            <a:pPr lvl="1"/>
+            <a:r>
+              <a:rPr lang="zh-CN" altLang="en-US" dirty="0" smtClean="0"/>
+              <a:t>监控类的加载</a:t>
+            </a:r>
+            <a:endParaRPr lang="en-US" altLang="zh-CN" dirty="0" smtClean="0"/>
+          </a:p>
+          <a:p>
+            <a:pPr lvl="2"/>
+            <a:r>
+              <a:rPr lang="en-US" altLang="zh-CN" sz="1500" dirty="0"/>
+              <a:t>[Loaded </a:t>
+            </a:r>
+            <a:r>
+              <a:rPr lang="en-US" altLang="zh-CN" sz="1500" dirty="0" err="1"/>
+              <a:t>java.lang.Object</a:t>
+            </a:r>
+            <a:r>
+              <a:rPr lang="en-US" altLang="zh-CN" sz="1500" dirty="0"/>
+              <a:t> from shared objects file]</a:t>
+            </a:r>
+            <a:endParaRPr lang="en-US" altLang="zh-CN" sz="1500" dirty="0"/>
+          </a:p>
+          <a:p>
+            <a:pPr lvl="2"/>
+            <a:r>
+              <a:rPr lang="en-US" altLang="zh-CN" sz="1500" dirty="0"/>
+              <a:t>[Loaded </a:t>
+            </a:r>
+            <a:r>
+              <a:rPr lang="en-US" altLang="zh-CN" sz="1500" dirty="0" err="1"/>
+              <a:t>java.io.Serializable</a:t>
+            </a:r>
+            <a:r>
+              <a:rPr lang="en-US" altLang="zh-CN" sz="1500" dirty="0"/>
+              <a:t> from shared objects file]</a:t>
+            </a:r>
+            <a:endParaRPr lang="en-US" altLang="zh-CN" sz="1500" dirty="0"/>
+          </a:p>
+          <a:p>
+            <a:pPr lvl="2"/>
+            <a:r>
+              <a:rPr lang="en-US" altLang="zh-CN" sz="1500" dirty="0"/>
+              <a:t>[Loaded </a:t>
+            </a:r>
+            <a:r>
+              <a:rPr lang="en-US" altLang="zh-CN" sz="1500" dirty="0" err="1"/>
+              <a:t>java.lang.Comparable</a:t>
+            </a:r>
+            <a:r>
+              <a:rPr lang="en-US" altLang="zh-CN" sz="1500" dirty="0"/>
+              <a:t> from shared objects file]</a:t>
+            </a:r>
+            <a:endParaRPr lang="en-US" altLang="zh-CN" sz="1500" dirty="0"/>
+          </a:p>
+          <a:p>
+            <a:pPr lvl="2"/>
+            <a:r>
+              <a:rPr lang="en-US" altLang="zh-CN" sz="1500" dirty="0"/>
+              <a:t>[Loaded </a:t>
+            </a:r>
+            <a:r>
+              <a:rPr lang="en-US" altLang="zh-CN" sz="1500" dirty="0" err="1"/>
+              <a:t>java.lang.CharSequence</a:t>
+            </a:r>
+            <a:r>
+              <a:rPr lang="en-US" altLang="zh-CN" sz="1500" dirty="0"/>
+              <a:t> from shared objects file]</a:t>
+            </a:r>
+            <a:endParaRPr lang="en-US" altLang="zh-CN" sz="1500" dirty="0"/>
+          </a:p>
+          <a:p>
+            <a:pPr lvl="2"/>
+            <a:r>
+              <a:rPr lang="en-US" altLang="zh-CN" sz="1500" dirty="0"/>
+              <a:t>[Loaded </a:t>
+            </a:r>
+            <a:r>
+              <a:rPr lang="en-US" altLang="zh-CN" sz="1500" dirty="0" err="1"/>
+              <a:t>java.lang.String</a:t>
+            </a:r>
+            <a:r>
+              <a:rPr lang="en-US" altLang="zh-CN" sz="1500" dirty="0"/>
+              <a:t> from shared objects file]</a:t>
+            </a:r>
+            <a:endParaRPr lang="en-US" altLang="zh-CN" sz="1500" dirty="0"/>
+          </a:p>
+          <a:p>
+            <a:pPr lvl="2"/>
+            <a:r>
+              <a:rPr lang="en-US" altLang="zh-CN" sz="1500" dirty="0"/>
+              <a:t>[Loaded </a:t>
+            </a:r>
+            <a:r>
+              <a:rPr lang="en-US" altLang="zh-CN" sz="1500" dirty="0" err="1"/>
+              <a:t>java.lang.reflect.GenericDeclaration</a:t>
+            </a:r>
+            <a:r>
+              <a:rPr lang="en-US" altLang="zh-CN" sz="1500" dirty="0"/>
+              <a:t> from shared objects file]</a:t>
+            </a:r>
+            <a:endParaRPr lang="en-US" altLang="zh-CN" sz="1500" dirty="0"/>
+          </a:p>
+          <a:p>
+            <a:pPr lvl="2"/>
+            <a:r>
+              <a:rPr lang="en-US" altLang="zh-CN" sz="1500" dirty="0"/>
+              <a:t>[Loaded </a:t>
+            </a:r>
+            <a:r>
+              <a:rPr lang="en-US" altLang="zh-CN" sz="1500" dirty="0" err="1"/>
+              <a:t>java.lang.reflect.Type</a:t>
+            </a:r>
+            <a:r>
+              <a:rPr lang="en-US" altLang="zh-CN" sz="1500" dirty="0"/>
+              <a:t> from shared objects file]</a:t>
+            </a:r>
+            <a:endParaRPr lang="zh-CN" altLang="en-US" dirty="0"/>
+          </a:p>
+        </p:txBody>
+      </p:sp>
+    </p:spTree>
   </p:cSld>
   <p:clrMapOvr>
     <a:masterClrMapping/>
@@ -15143,270 +14350,7 @@
               <a:rPr lang="zh-CN" altLang="en-US" dirty="0"/>
               <a:t>跟踪参数</a:t>
             </a:r>
-          </a:p>
-        </p:txBody>
-      </p:sp>
-      <p:sp>
-        <p:nvSpPr>
-          <p:cNvPr id="4" name="TextBox 3"/>
-          <p:cNvSpPr txBox="1"/>
-          <p:nvPr/>
-        </p:nvSpPr>
-        <p:spPr>
-          <a:xfrm>
-            <a:off x="413718" y="1125538"/>
-            <a:ext cx="11609204" cy="5262979"/>
-          </a:xfrm>
-          <a:prstGeom prst="rect">
-            <a:avLst/>
-          </a:prstGeom>
-          <a:noFill/>
-        </p:spPr>
-        <p:txBody>
-          <a:bodyPr wrap="none" rtlCol="0">
-            <a:spAutoFit/>
-          </a:bodyPr>
-          <a:lstStyle/>
-          <a:p>
-            <a:r>
-              <a:rPr lang="en-US" altLang="zh-CN" sz="1400" dirty="0"/>
-              <a:t>{Heap before GC invocations=0 (full 0):</a:t>
-            </a:r>
-          </a:p>
-          <a:p>
-            <a:r>
-              <a:rPr lang="en-US" altLang="zh-CN" sz="1400" dirty="0"/>
-              <a:t> </a:t>
-            </a:r>
-            <a:r>
-              <a:rPr lang="en-US" altLang="zh-CN" sz="1400" dirty="0" err="1"/>
-              <a:t>def</a:t>
-            </a:r>
-            <a:r>
-              <a:rPr lang="en-US" altLang="zh-CN" sz="1400" dirty="0"/>
-              <a:t> new generation   total 3072K, used 2752K [0x33c80000, 0x33fd0000, 0x33fd0000)</a:t>
-            </a:r>
-          </a:p>
-          <a:p>
-            <a:r>
-              <a:rPr lang="en-US" altLang="zh-CN" sz="1400" dirty="0"/>
-              <a:t>  </a:t>
-            </a:r>
-            <a:r>
-              <a:rPr lang="en-US" altLang="zh-CN" sz="1400" dirty="0" err="1"/>
-              <a:t>eden</a:t>
-            </a:r>
-            <a:r>
-              <a:rPr lang="en-US" altLang="zh-CN" sz="1400" dirty="0"/>
-              <a:t> space 2752K, 100% used [0x33c80000, 0x33f30000, 0x33f30000)</a:t>
-            </a:r>
-          </a:p>
-          <a:p>
-            <a:r>
-              <a:rPr lang="en-US" altLang="zh-CN" sz="1400" dirty="0"/>
-              <a:t>  from space 320K,   0% used [0x33f30000, 0x33f30000, 0x33f80000)</a:t>
-            </a:r>
-          </a:p>
-          <a:p>
-            <a:r>
-              <a:rPr lang="en-US" altLang="zh-CN" sz="1400" dirty="0"/>
-              <a:t>  to   space 320K,   0% used [0x33f80000, 0x33f80000, 0x33fd0000)</a:t>
-            </a:r>
-          </a:p>
-          <a:p>
-            <a:r>
-              <a:rPr lang="en-US" altLang="zh-CN" sz="1400" dirty="0"/>
-              <a:t> tenured generation   total 6848K, used 0K [0x33fd0000, 0x34680000, 0x34680000)</a:t>
-            </a:r>
-          </a:p>
-          <a:p>
-            <a:r>
-              <a:rPr lang="en-US" altLang="zh-CN" sz="1400" dirty="0"/>
-              <a:t>   the space 6848K,   0% used [0x33fd0000, 0x33fd0000, 0x33fd0200, 0x34680000)</a:t>
-            </a:r>
-          </a:p>
-          <a:p>
-            <a:r>
-              <a:rPr lang="en-US" altLang="zh-CN" sz="1400" dirty="0"/>
-              <a:t> compacting perm gen  total 12288K, used 143K [0x34680000, 0x35280000, 0x38680000)</a:t>
-            </a:r>
-          </a:p>
-          <a:p>
-            <a:r>
-              <a:rPr lang="en-US" altLang="zh-CN" sz="1400" dirty="0"/>
-              <a:t>   the space 12288K,   1% used [0x34680000, 0x346a3c58, 0x346a3e00, 0x35280000)</a:t>
-            </a:r>
-          </a:p>
-          <a:p>
-            <a:r>
-              <a:rPr lang="en-US" altLang="zh-CN" sz="1400" dirty="0"/>
-              <a:t>    </a:t>
-            </a:r>
-            <a:r>
-              <a:rPr lang="en-US" altLang="zh-CN" sz="1400" dirty="0" err="1"/>
-              <a:t>ro</a:t>
-            </a:r>
-            <a:r>
-              <a:rPr lang="en-US" altLang="zh-CN" sz="1400" dirty="0"/>
-              <a:t> space 10240K,  44% used [0x38680000, 0x38af73f0, 0x38af7400, 0x39080000)</a:t>
-            </a:r>
-          </a:p>
-          <a:p>
-            <a:r>
-              <a:rPr lang="en-US" altLang="zh-CN" sz="1400" dirty="0"/>
-              <a:t>    </a:t>
-            </a:r>
-            <a:r>
-              <a:rPr lang="en-US" altLang="zh-CN" sz="1400" dirty="0" err="1"/>
-              <a:t>rw</a:t>
-            </a:r>
-            <a:r>
-              <a:rPr lang="en-US" altLang="zh-CN" sz="1400" dirty="0"/>
-              <a:t> space 12288K,  52% used [0x39080000, 0x396cdd28, 0x396cde00, 0x39c80000)</a:t>
-            </a:r>
-          </a:p>
-          <a:p>
-            <a:r>
-              <a:rPr lang="en-US" altLang="zh-CN" sz="1400" b="1" dirty="0"/>
-              <a:t>[GC[</a:t>
-            </a:r>
-            <a:r>
-              <a:rPr lang="en-US" altLang="zh-CN" sz="1400" b="1" dirty="0" err="1"/>
-              <a:t>DefNew</a:t>
-            </a:r>
-            <a:r>
-              <a:rPr lang="en-US" altLang="zh-CN" sz="1400" b="1" dirty="0"/>
-              <a:t>: 2752K-&gt;320K(3072K), 0.0014296 </a:t>
-            </a:r>
-            <a:r>
-              <a:rPr lang="en-US" altLang="zh-CN" sz="1400" b="1" dirty="0" err="1"/>
-              <a:t>secs</a:t>
-            </a:r>
-            <a:r>
-              <a:rPr lang="en-US" altLang="zh-CN" sz="1400" b="1" dirty="0"/>
-              <a:t>] 2752K-&gt;377K(9920K), 0.0014604 </a:t>
-            </a:r>
-            <a:r>
-              <a:rPr lang="en-US" altLang="zh-CN" sz="1400" b="1" dirty="0" err="1"/>
-              <a:t>secs</a:t>
-            </a:r>
-            <a:r>
-              <a:rPr lang="en-US" altLang="zh-CN" sz="1400" b="1" dirty="0"/>
-              <a:t>] [Times: user=0.00 sys=0.00, real=0.00 </a:t>
-            </a:r>
-            <a:r>
-              <a:rPr lang="en-US" altLang="zh-CN" sz="1400" b="1" dirty="0" err="1"/>
-              <a:t>secs</a:t>
-            </a:r>
-            <a:r>
-              <a:rPr lang="en-US" altLang="zh-CN" sz="1400" b="1" dirty="0"/>
-              <a:t>] </a:t>
-            </a:r>
-          </a:p>
-          <a:p>
-            <a:r>
-              <a:rPr lang="en-US" altLang="zh-CN" sz="1400" dirty="0"/>
-              <a:t>Heap after GC invocations=1 (full 0):</a:t>
-            </a:r>
-          </a:p>
-          <a:p>
-            <a:r>
-              <a:rPr lang="en-US" altLang="zh-CN" sz="1400" dirty="0"/>
-              <a:t> </a:t>
-            </a:r>
-            <a:r>
-              <a:rPr lang="en-US" altLang="zh-CN" sz="1400" dirty="0" err="1"/>
-              <a:t>def</a:t>
-            </a:r>
-            <a:r>
-              <a:rPr lang="en-US" altLang="zh-CN" sz="1400" dirty="0"/>
-              <a:t> new generation   total 3072K, used 320K [0x33c80000, 0x33fd0000, 0x33fd0000)</a:t>
-            </a:r>
-          </a:p>
-          <a:p>
-            <a:r>
-              <a:rPr lang="en-US" altLang="zh-CN" sz="1400" dirty="0"/>
-              <a:t>  </a:t>
-            </a:r>
-            <a:r>
-              <a:rPr lang="en-US" altLang="zh-CN" sz="1400" dirty="0" err="1"/>
-              <a:t>eden</a:t>
-            </a:r>
-            <a:r>
-              <a:rPr lang="en-US" altLang="zh-CN" sz="1400" dirty="0"/>
-              <a:t> space 2752K,   0% used [0x33c80000, 0x33c80000, 0x33f30000)</a:t>
-            </a:r>
-          </a:p>
-          <a:p>
-            <a:r>
-              <a:rPr lang="en-US" altLang="zh-CN" sz="1400" dirty="0"/>
-              <a:t>  from space 320K, 100% used [0x33f80000, 0x33fd0000, 0x33fd0000)</a:t>
-            </a:r>
-          </a:p>
-          <a:p>
-            <a:r>
-              <a:rPr lang="en-US" altLang="zh-CN" sz="1400" dirty="0"/>
-              <a:t>  to   space 320K,   0% used [0x33f30000, 0x33f30000, 0x33f80000)</a:t>
-            </a:r>
-          </a:p>
-          <a:p>
-            <a:r>
-              <a:rPr lang="en-US" altLang="zh-CN" sz="1400" dirty="0"/>
-              <a:t> tenured generation   total 6848K, used 57K [0x33fd0000, 0x34680000, 0x34680000)</a:t>
-            </a:r>
-          </a:p>
-          <a:p>
-            <a:r>
-              <a:rPr lang="en-US" altLang="zh-CN" sz="1400" dirty="0"/>
-              <a:t>   the space 6848K,   0% used [0x33fd0000, 0x33fde458, 0x33fde600, 0x34680000)</a:t>
-            </a:r>
-          </a:p>
-          <a:p>
-            <a:r>
-              <a:rPr lang="en-US" altLang="zh-CN" sz="1400" dirty="0"/>
-              <a:t> compacting perm gen  total 12288K, used 143K [0x34680000, 0x35280000, 0x38680000)</a:t>
-            </a:r>
-          </a:p>
-          <a:p>
-            <a:r>
-              <a:rPr lang="en-US" altLang="zh-CN" sz="1400" dirty="0"/>
-              <a:t>   the space 12288K,   1% used [0x34680000, 0x346a3c58, 0x346a3e00, 0x35280000)</a:t>
-            </a:r>
-          </a:p>
-          <a:p>
-            <a:r>
-              <a:rPr lang="en-US" altLang="zh-CN" sz="1400" dirty="0"/>
-              <a:t>    </a:t>
-            </a:r>
-            <a:r>
-              <a:rPr lang="en-US" altLang="zh-CN" sz="1400" dirty="0" err="1"/>
-              <a:t>ro</a:t>
-            </a:r>
-            <a:r>
-              <a:rPr lang="en-US" altLang="zh-CN" sz="1400" dirty="0"/>
-              <a:t> space 10240K,  44% used [0x38680000, 0x38af73f0, 0x38af7400, 0x39080000)</a:t>
-            </a:r>
-          </a:p>
-          <a:p>
-            <a:r>
-              <a:rPr lang="en-US" altLang="zh-CN" sz="1400" dirty="0"/>
-              <a:t>    </a:t>
-            </a:r>
-            <a:r>
-              <a:rPr lang="en-US" altLang="zh-CN" sz="1400" dirty="0" err="1"/>
-              <a:t>rw</a:t>
-            </a:r>
-            <a:r>
-              <a:rPr lang="en-US" altLang="zh-CN" sz="1400" dirty="0"/>
-              <a:t> space 12288K,  52% used [0x39080000, 0x396cdd28, 0x396cde00, 0x39c80000)</a:t>
-            </a:r>
-          </a:p>
-          <a:p>
-            <a:r>
-              <a:rPr lang="en-US" altLang="zh-CN" sz="1400" dirty="0"/>
-              <a:t>}</a:t>
-            </a:r>
-            <a:endParaRPr lang="zh-CN" altLang="en-US" sz="1400" dirty="0"/>
+            <a:endParaRPr lang="zh-CN" altLang="en-US" dirty="0"/>
           </a:p>
         </p:txBody>
       </p:sp>
@@ -15420,62 +14364,183 @@
             <p:ph idx="1"/>
           </p:nvPr>
         </p:nvSpPr>
+        <p:spPr/>
+        <p:txBody>
+          <a:bodyPr/>
+          <a:lstStyle/>
+          <a:p>
+            <a:r>
+              <a:rPr lang="en-US" altLang="zh-CN" dirty="0" smtClean="0"/>
+              <a:t>-XX:+</a:t>
+            </a:r>
+            <a:r>
+              <a:rPr lang="en-US" altLang="zh-CN" dirty="0" err="1" smtClean="0"/>
+              <a:t>PrintClassHistogram</a:t>
+            </a:r>
+            <a:endParaRPr lang="en-US" altLang="zh-CN" dirty="0" smtClean="0"/>
+          </a:p>
+          <a:p>
+            <a:pPr lvl="1"/>
+            <a:r>
+              <a:rPr lang="zh-CN" altLang="en-US" dirty="0" smtClean="0"/>
+              <a:t>按下</a:t>
+            </a:r>
+            <a:r>
+              <a:rPr lang="en-US" altLang="zh-CN" dirty="0" err="1" smtClean="0"/>
+              <a:t>Ctrl+Break</a:t>
+            </a:r>
+            <a:r>
+              <a:rPr lang="zh-CN" altLang="en-US" dirty="0" smtClean="0"/>
+              <a:t>后，打印类的信息：</a:t>
+            </a:r>
+            <a:endParaRPr lang="en-US" altLang="zh-CN" dirty="0" smtClean="0"/>
+          </a:p>
+          <a:p>
+            <a:pPr lvl="1"/>
+            <a:endParaRPr lang="en-US" altLang="zh-CN" dirty="0"/>
+          </a:p>
+          <a:p>
+            <a:pPr lvl="1"/>
+            <a:endParaRPr lang="en-US" altLang="zh-CN" dirty="0" smtClean="0"/>
+          </a:p>
+          <a:p>
+            <a:pPr lvl="1"/>
+            <a:endParaRPr lang="en-US" altLang="zh-CN" dirty="0"/>
+          </a:p>
+          <a:p>
+            <a:pPr lvl="1"/>
+            <a:endParaRPr lang="en-US" altLang="zh-CN" dirty="0" smtClean="0"/>
+          </a:p>
+          <a:p>
+            <a:pPr lvl="1"/>
+            <a:endParaRPr lang="en-US" altLang="zh-CN" dirty="0"/>
+          </a:p>
+          <a:p>
+            <a:pPr lvl="1"/>
+            <a:endParaRPr lang="en-US" altLang="zh-CN" dirty="0" smtClean="0"/>
+          </a:p>
+          <a:p>
+            <a:pPr lvl="1"/>
+            <a:r>
+              <a:rPr lang="zh-CN" altLang="en-US" dirty="0" smtClean="0"/>
+              <a:t>分别显示：序号、实例数量、总大小、类型</a:t>
+            </a:r>
+            <a:endParaRPr lang="en-US" altLang="zh-CN" dirty="0" smtClean="0"/>
+          </a:p>
+          <a:p>
+            <a:pPr lvl="1"/>
+            <a:endParaRPr lang="zh-CN" altLang="en-US" dirty="0"/>
+          </a:p>
+        </p:txBody>
+      </p:sp>
+      <p:sp>
+        <p:nvSpPr>
+          <p:cNvPr id="4" name="TextBox 3"/>
+          <p:cNvSpPr txBox="1"/>
+          <p:nvPr/>
+        </p:nvSpPr>
         <p:spPr>
           <a:xfrm>
-            <a:off x="7326486" y="1269554"/>
-            <a:ext cx="4536504" cy="1008111"/>
+            <a:off x="1637854" y="2205658"/>
+            <a:ext cx="5968301" cy="2308324"/>
           </a:xfrm>
+          <a:prstGeom prst="rect">
+            <a:avLst/>
+          </a:prstGeom>
+          <a:noFill/>
         </p:spPr>
         <p:txBody>
-          <a:bodyPr/>
-          <a:lstStyle/>
-          <a:p>
-            <a:r>
-              <a:rPr lang="en-US" altLang="zh-CN" dirty="0"/>
-              <a:t>-XX</a:t>
-            </a:r>
-            <a:r>
-              <a:rPr lang="en-US" altLang="zh-CN" dirty="0" smtClean="0"/>
-              <a:t>:+</a:t>
-            </a:r>
-            <a:r>
-              <a:rPr lang="en-US" altLang="zh-CN" dirty="0" err="1" smtClean="0"/>
-              <a:t>PrintHeapAtGC</a:t>
-            </a:r>
-            <a:endParaRPr lang="en-US" altLang="zh-CN" dirty="0" smtClean="0"/>
-          </a:p>
-          <a:p>
-            <a:pPr lvl="1"/>
-            <a:r>
-              <a:rPr lang="zh-CN" altLang="en-US" dirty="0"/>
-              <a:t>每次一</a:t>
-            </a:r>
-            <a:r>
-              <a:rPr lang="zh-CN" altLang="en-US" dirty="0" smtClean="0"/>
-              <a:t>次</a:t>
-            </a:r>
-            <a:r>
-              <a:rPr lang="en-US" altLang="zh-CN" dirty="0" smtClean="0"/>
-              <a:t>GC</a:t>
-            </a:r>
-            <a:r>
-              <a:rPr lang="zh-CN" altLang="en-US" dirty="0" smtClean="0"/>
-              <a:t>后，都打印堆信息</a:t>
-            </a:r>
-            <a:endParaRPr lang="en-US" altLang="zh-CN" dirty="0" smtClean="0"/>
-          </a:p>
-          <a:p>
-            <a:pPr lvl="1"/>
-            <a:endParaRPr lang="en-US" altLang="zh-CN" dirty="0" smtClean="0"/>
+          <a:bodyPr wrap="none" rtlCol="0">
+            <a:spAutoFit/>
+          </a:bodyPr>
+          <a:lstStyle/>
+          <a:p>
+            <a:r>
+              <a:rPr lang="en-US" altLang="zh-CN" dirty="0"/>
+              <a:t> </a:t>
+            </a:r>
+            <a:r>
+              <a:rPr lang="en-US" altLang="zh-CN" dirty="0" err="1"/>
+              <a:t>num</a:t>
+            </a:r>
+            <a:r>
+              <a:rPr lang="en-US" altLang="zh-CN" dirty="0"/>
+              <a:t>     #instances         #bytes  class name</a:t>
+            </a:r>
+            <a:endParaRPr lang="en-US" altLang="zh-CN" dirty="0"/>
+          </a:p>
+          <a:p>
+            <a:r>
+              <a:rPr lang="en-US" altLang="zh-CN" dirty="0"/>
+              <a:t>----------------------------------------------</a:t>
+            </a:r>
+            <a:endParaRPr lang="en-US" altLang="zh-CN" dirty="0"/>
+          </a:p>
+          <a:p>
+            <a:r>
+              <a:rPr lang="en-US" altLang="zh-CN" dirty="0"/>
+              <a:t>   1:        890617      470266000  [B</a:t>
+            </a:r>
+            <a:endParaRPr lang="en-US" altLang="zh-CN" dirty="0"/>
+          </a:p>
+          <a:p>
+            <a:r>
+              <a:rPr lang="en-US" altLang="zh-CN" dirty="0"/>
+              <a:t>   2:        890643       21375432  </a:t>
+            </a:r>
+            <a:r>
+              <a:rPr lang="en-US" altLang="zh-CN" dirty="0" err="1"/>
+              <a:t>java.util.HashMap$Node</a:t>
+            </a:r>
+            <a:endParaRPr lang="en-US" altLang="zh-CN" dirty="0"/>
+          </a:p>
+          <a:p>
+            <a:r>
+              <a:rPr lang="en-US" altLang="zh-CN" dirty="0"/>
+              <a:t>   3:        890608       14249728  </a:t>
+            </a:r>
+            <a:r>
+              <a:rPr lang="en-US" altLang="zh-CN" dirty="0" err="1"/>
+              <a:t>java.lang.Long</a:t>
+            </a:r>
+            <a:endParaRPr lang="en-US" altLang="zh-CN" dirty="0"/>
+          </a:p>
+          <a:p>
+            <a:r>
+              <a:rPr lang="en-US" altLang="zh-CN" dirty="0"/>
+              <a:t>   4:            13        8389712  [</a:t>
+            </a:r>
+            <a:r>
+              <a:rPr lang="en-US" altLang="zh-CN" dirty="0" err="1"/>
+              <a:t>Ljava.util.HashMap$Node</a:t>
+            </a:r>
+            <a:r>
+              <a:rPr lang="en-US" altLang="zh-CN" dirty="0"/>
+              <a:t>;</a:t>
+            </a:r>
+            <a:endParaRPr lang="en-US" altLang="zh-CN" dirty="0"/>
+          </a:p>
+          <a:p>
+            <a:r>
+              <a:rPr lang="en-US" altLang="zh-CN" dirty="0"/>
+              <a:t>   5:          2062         371680  [C</a:t>
+            </a:r>
+            <a:endParaRPr lang="en-US" altLang="zh-CN" dirty="0"/>
+          </a:p>
+          <a:p>
+            <a:r>
+              <a:rPr lang="en-US" altLang="zh-CN" dirty="0"/>
+              <a:t>   6:           463          41904  </a:t>
+            </a:r>
+            <a:r>
+              <a:rPr lang="en-US" altLang="zh-CN" dirty="0" err="1"/>
+              <a:t>java.lang.Class</a:t>
+            </a:r>
+            <a:endParaRPr lang="zh-CN" altLang="en-US" dirty="0"/>
           </a:p>
         </p:txBody>
       </p:sp>
     </p:spTree>
-    <p:extLst>
-      <p:ext uri="{BB962C8B-B14F-4D97-AF65-F5344CB8AC3E}">
-        <p14:creationId xmlns:p14="http://schemas.microsoft.com/office/powerpoint/2010/main" val="657708689"/>
-      </p:ext>
-    </p:extLst>
   </p:cSld>
   <p:clrMapOvr>
     <a:masterClrMapping/>
@@ -15523,13 +14588,10 @@
           <a:lstStyle/>
           <a:p>
             <a:r>
-              <a:rPr lang="en-US" altLang="zh-CN" dirty="0"/>
-              <a:t>Trace</a:t>
-            </a:r>
-            <a:r>
               <a:rPr lang="zh-CN" altLang="en-US" dirty="0"/>
-              <a:t>跟踪参数</a:t>
-            </a:r>
+              <a:t>堆的分配参数</a:t>
+            </a:r>
+            <a:endParaRPr lang="zh-CN" altLang="en-US" dirty="0"/>
           </a:p>
         </p:txBody>
       </p:sp>
@@ -15550,11 +14612,19 @@
           <a:p>
             <a:r>
               <a:rPr lang="en-US" altLang="zh-CN" dirty="0" smtClean="0"/>
-              <a:t>-XX:+</a:t>
+              <a:t>-</a:t>
             </a:r>
             <a:r>
               <a:rPr lang="en-US" altLang="zh-CN" dirty="0" err="1" smtClean="0"/>
-              <a:t>TraceClassLoading</a:t>
+              <a:t>Xmx</a:t>
+            </a:r>
+            <a:r>
+              <a:rPr lang="en-US" altLang="zh-CN" dirty="0" smtClean="0"/>
+              <a:t> –</a:t>
+            </a:r>
+            <a:r>
+              <a:rPr lang="en-US" altLang="zh-CN" dirty="0" err="1" smtClean="0"/>
+              <a:t>Xms</a:t>
             </a:r>
             <a:endParaRPr lang="en-US" altLang="zh-CN" dirty="0" smtClean="0"/>
           </a:p>
@@ -15562,124 +14632,258 @@
             <a:pPr lvl="1"/>
             <a:r>
               <a:rPr lang="zh-CN" altLang="en-US" dirty="0" smtClean="0"/>
-              <a:t>监控类的加载</a:t>
+              <a:t>指定最大堆和最小堆</a:t>
             </a:r>
             <a:endParaRPr lang="en-US" altLang="zh-CN" dirty="0" smtClean="0"/>
           </a:p>
           <a:p>
+            <a:pPr lvl="1"/>
+            <a:r>
+              <a:rPr lang="en-US" altLang="zh-CN" dirty="0"/>
+              <a:t>-Xmx20m -</a:t>
+            </a:r>
+            <a:r>
+              <a:rPr lang="en-US" altLang="zh-CN" dirty="0" smtClean="0"/>
+              <a:t>Xms5m  </a:t>
+            </a:r>
+            <a:r>
+              <a:rPr lang="zh-CN" altLang="en-US" dirty="0" smtClean="0"/>
+              <a:t>运行代码：</a:t>
+            </a:r>
+            <a:endParaRPr lang="en-US" altLang="zh-CN" dirty="0" smtClean="0"/>
+          </a:p>
+          <a:p>
             <a:pPr lvl="2"/>
             <a:r>
-              <a:rPr lang="en-US" altLang="zh-CN" sz="1500" dirty="0"/>
-              <a:t>[Loaded </a:t>
-            </a:r>
-            <a:r>
-              <a:rPr lang="en-US" altLang="zh-CN" sz="1500" dirty="0" err="1"/>
-              <a:t>java.lang.Object</a:t>
-            </a:r>
-            <a:r>
-              <a:rPr lang="en-US" altLang="zh-CN" sz="1500" dirty="0"/>
-              <a:t> from shared objects file]</a:t>
-            </a:r>
+              <a:rPr lang="en-US" altLang="zh-CN" dirty="0" err="1"/>
+              <a:t>System.out.print</a:t>
+            </a:r>
+            <a:r>
+              <a:rPr lang="en-US" altLang="zh-CN" dirty="0"/>
+              <a:t>("</a:t>
+            </a:r>
+            <a:r>
+              <a:rPr lang="en-US" altLang="zh-CN" dirty="0" err="1"/>
+              <a:t>Xmx</a:t>
+            </a:r>
+            <a:r>
+              <a:rPr lang="en-US" altLang="zh-CN" dirty="0"/>
+              <a:t>=");</a:t>
+            </a:r>
+            <a:endParaRPr lang="en-US" altLang="zh-CN" dirty="0"/>
           </a:p>
           <a:p>
             <a:pPr lvl="2"/>
             <a:r>
-              <a:rPr lang="en-US" altLang="zh-CN" sz="1500" dirty="0"/>
-              <a:t>[Loaded </a:t>
-            </a:r>
-            <a:r>
-              <a:rPr lang="en-US" altLang="zh-CN" sz="1500" dirty="0" err="1"/>
-              <a:t>java.io.Serializable</a:t>
-            </a:r>
-            <a:r>
-              <a:rPr lang="en-US" altLang="zh-CN" sz="1500" dirty="0"/>
-              <a:t> from shared objects file]</a:t>
-            </a:r>
+              <a:rPr lang="en-US" altLang="zh-CN" dirty="0" err="1"/>
+              <a:t>System.out.println</a:t>
+            </a:r>
+            <a:r>
+              <a:rPr lang="en-US" altLang="zh-CN" dirty="0"/>
+              <a:t>(</a:t>
+            </a:r>
+            <a:r>
+              <a:rPr lang="en-US" altLang="zh-CN" dirty="0" err="1"/>
+              <a:t>Runtime.getRuntime</a:t>
+            </a:r>
+            <a:r>
+              <a:rPr lang="en-US" altLang="zh-CN" dirty="0"/>
+              <a:t>().</a:t>
+            </a:r>
+            <a:r>
+              <a:rPr lang="en-US" altLang="zh-CN" dirty="0" err="1"/>
+              <a:t>maxMemory</a:t>
+            </a:r>
+            <a:r>
+              <a:rPr lang="en-US" altLang="zh-CN" dirty="0"/>
+              <a:t>()/1024.0/1024+"M");</a:t>
+            </a:r>
+            <a:endParaRPr lang="en-US" altLang="zh-CN" dirty="0"/>
           </a:p>
           <a:p>
             <a:pPr lvl="2"/>
-            <a:r>
-              <a:rPr lang="en-US" altLang="zh-CN" sz="1500" dirty="0"/>
-              <a:t>[Loaded </a:t>
-            </a:r>
-            <a:r>
-              <a:rPr lang="en-US" altLang="zh-CN" sz="1500" dirty="0" err="1"/>
-              <a:t>java.lang.Comparable</a:t>
-            </a:r>
-            <a:r>
-              <a:rPr lang="en-US" altLang="zh-CN" sz="1500" dirty="0"/>
-              <a:t> from shared objects file]</a:t>
-            </a:r>
+            <a:endParaRPr lang="en-US" altLang="zh-CN" dirty="0"/>
           </a:p>
           <a:p>
             <a:pPr lvl="2"/>
             <a:r>
-              <a:rPr lang="en-US" altLang="zh-CN" sz="1500" dirty="0"/>
-              <a:t>[Loaded </a:t>
-            </a:r>
-            <a:r>
-              <a:rPr lang="en-US" altLang="zh-CN" sz="1500" dirty="0" err="1"/>
-              <a:t>java.lang.CharSequence</a:t>
-            </a:r>
-            <a:r>
-              <a:rPr lang="en-US" altLang="zh-CN" sz="1500" dirty="0"/>
-              <a:t> from shared objects file]</a:t>
-            </a:r>
+              <a:rPr lang="en-US" altLang="zh-CN" dirty="0" err="1"/>
+              <a:t>System.out.print</a:t>
+            </a:r>
+            <a:r>
+              <a:rPr lang="en-US" altLang="zh-CN" dirty="0"/>
+              <a:t>("free </a:t>
+            </a:r>
+            <a:r>
+              <a:rPr lang="en-US" altLang="zh-CN" dirty="0" err="1"/>
+              <a:t>mem</a:t>
+            </a:r>
+            <a:r>
+              <a:rPr lang="en-US" altLang="zh-CN" dirty="0"/>
+              <a:t>=");</a:t>
+            </a:r>
+            <a:endParaRPr lang="en-US" altLang="zh-CN" dirty="0"/>
           </a:p>
           <a:p>
             <a:pPr lvl="2"/>
             <a:r>
-              <a:rPr lang="en-US" altLang="zh-CN" sz="1500" dirty="0"/>
-              <a:t>[Loaded </a:t>
-            </a:r>
-            <a:r>
-              <a:rPr lang="en-US" altLang="zh-CN" sz="1500" dirty="0" err="1"/>
-              <a:t>java.lang.String</a:t>
-            </a:r>
-            <a:r>
-              <a:rPr lang="en-US" altLang="zh-CN" sz="1500" dirty="0"/>
-              <a:t> from shared objects file]</a:t>
-            </a:r>
+              <a:rPr lang="en-US" altLang="zh-CN" dirty="0" err="1"/>
+              <a:t>System.out.println</a:t>
+            </a:r>
+            <a:r>
+              <a:rPr lang="en-US" altLang="zh-CN" dirty="0"/>
+              <a:t>(</a:t>
+            </a:r>
+            <a:r>
+              <a:rPr lang="en-US" altLang="zh-CN" dirty="0" err="1"/>
+              <a:t>Runtime.getRuntime</a:t>
+            </a:r>
+            <a:r>
+              <a:rPr lang="en-US" altLang="zh-CN" dirty="0"/>
+              <a:t>().</a:t>
+            </a:r>
+            <a:r>
+              <a:rPr lang="en-US" altLang="zh-CN" dirty="0" err="1"/>
+              <a:t>freeMemory</a:t>
+            </a:r>
+            <a:r>
+              <a:rPr lang="en-US" altLang="zh-CN" dirty="0"/>
+              <a:t>()/1024.0/1024+"M");</a:t>
+            </a:r>
+            <a:endParaRPr lang="en-US" altLang="zh-CN" dirty="0"/>
           </a:p>
           <a:p>
             <a:pPr lvl="2"/>
-            <a:r>
-              <a:rPr lang="en-US" altLang="zh-CN" sz="1500" dirty="0"/>
-              <a:t>[Loaded </a:t>
-            </a:r>
-            <a:r>
-              <a:rPr lang="en-US" altLang="zh-CN" sz="1500" dirty="0" err="1"/>
-              <a:t>java.lang.reflect.GenericDeclaration</a:t>
-            </a:r>
-            <a:r>
-              <a:rPr lang="en-US" altLang="zh-CN" sz="1500" dirty="0"/>
-              <a:t> from shared objects file]</a:t>
-            </a:r>
+            <a:endParaRPr lang="en-US" altLang="zh-CN" dirty="0"/>
           </a:p>
           <a:p>
             <a:pPr lvl="2"/>
             <a:r>
-              <a:rPr lang="en-US" altLang="zh-CN" sz="1500" dirty="0"/>
-              <a:t>[Loaded </a:t>
-            </a:r>
-            <a:r>
-              <a:rPr lang="en-US" altLang="zh-CN" sz="1500" dirty="0" err="1"/>
-              <a:t>java.lang.reflect.Type</a:t>
-            </a:r>
-            <a:r>
-              <a:rPr lang="en-US" altLang="zh-CN" sz="1500" dirty="0"/>
-              <a:t> from shared objects file]</a:t>
+              <a:rPr lang="en-US" altLang="zh-CN" dirty="0" err="1"/>
+              <a:t>System.out.print</a:t>
+            </a:r>
+            <a:r>
+              <a:rPr lang="en-US" altLang="zh-CN" dirty="0"/>
+              <a:t>("total </a:t>
+            </a:r>
+            <a:r>
+              <a:rPr lang="en-US" altLang="zh-CN" dirty="0" err="1"/>
+              <a:t>mem</a:t>
+            </a:r>
+            <a:r>
+              <a:rPr lang="en-US" altLang="zh-CN" dirty="0"/>
+              <a:t>=");</a:t>
+            </a:r>
+            <a:endParaRPr lang="en-US" altLang="zh-CN" dirty="0"/>
+          </a:p>
+          <a:p>
+            <a:pPr lvl="2"/>
+            <a:r>
+              <a:rPr lang="en-US" altLang="zh-CN" dirty="0" err="1"/>
+              <a:t>System.out.println</a:t>
+            </a:r>
+            <a:r>
+              <a:rPr lang="en-US" altLang="zh-CN" dirty="0"/>
+              <a:t>(</a:t>
+            </a:r>
+            <a:r>
+              <a:rPr lang="en-US" altLang="zh-CN" dirty="0" err="1"/>
+              <a:t>Runtime.getRuntime</a:t>
+            </a:r>
+            <a:r>
+              <a:rPr lang="en-US" altLang="zh-CN" dirty="0"/>
+              <a:t>().</a:t>
+            </a:r>
+            <a:r>
+              <a:rPr lang="en-US" altLang="zh-CN" dirty="0" err="1"/>
+              <a:t>totalMemory</a:t>
+            </a:r>
+            <a:r>
+              <a:rPr lang="en-US" altLang="zh-CN" dirty="0"/>
+              <a:t>()/1024.0/1024+"M");</a:t>
             </a:r>
             <a:endParaRPr lang="zh-CN" altLang="en-US" dirty="0"/>
           </a:p>
         </p:txBody>
       </p:sp>
+      <p:sp>
+        <p:nvSpPr>
+          <p:cNvPr id="5" name="TextBox 4"/>
+          <p:cNvSpPr txBox="1"/>
+          <p:nvPr/>
+        </p:nvSpPr>
+        <p:spPr>
+          <a:xfrm>
+            <a:off x="6894438" y="1731219"/>
+            <a:ext cx="4464496" cy="923330"/>
+          </a:xfrm>
+          <a:prstGeom prst="rect">
+            <a:avLst/>
+          </a:prstGeom>
+        </p:spPr>
+        <p:style>
+          <a:lnRef idx="2">
+            <a:schemeClr val="accent1"/>
+          </a:lnRef>
+          <a:fillRef idx="1">
+            <a:schemeClr val="lt1"/>
+          </a:fillRef>
+          <a:effectRef idx="0">
+            <a:schemeClr val="accent1"/>
+          </a:effectRef>
+          <a:fontRef idx="minor">
+            <a:schemeClr val="dk1"/>
+          </a:fontRef>
+        </p:style>
+        <p:txBody>
+          <a:bodyPr wrap="square" rtlCol="0">
+            <a:spAutoFit/>
+          </a:bodyPr>
+          <a:lstStyle/>
+          <a:p>
+            <a:r>
+              <a:rPr lang="en-US" altLang="zh-CN" dirty="0" err="1"/>
+              <a:t>Xmx</a:t>
+            </a:r>
+            <a:r>
+              <a:rPr lang="en-US" altLang="zh-CN" dirty="0"/>
+              <a:t>=19.375M</a:t>
+            </a:r>
+            <a:endParaRPr lang="en-US" altLang="zh-CN" dirty="0"/>
+          </a:p>
+          <a:p>
+            <a:r>
+              <a:rPr lang="en-US" altLang="zh-CN" dirty="0"/>
+              <a:t>free </a:t>
+            </a:r>
+            <a:r>
+              <a:rPr lang="en-US" altLang="zh-CN" dirty="0" err="1"/>
+              <a:t>mem</a:t>
+            </a:r>
+            <a:r>
+              <a:rPr lang="en-US" altLang="zh-CN" dirty="0"/>
+              <a:t>=4.342750549316406M</a:t>
+            </a:r>
+            <a:endParaRPr lang="en-US" altLang="zh-CN" dirty="0"/>
+          </a:p>
+          <a:p>
+            <a:r>
+              <a:rPr lang="en-US" altLang="zh-CN" dirty="0"/>
+              <a:t>total </a:t>
+            </a:r>
+            <a:r>
+              <a:rPr lang="en-US" altLang="zh-CN" dirty="0" err="1"/>
+              <a:t>mem</a:t>
+            </a:r>
+            <a:r>
+              <a:rPr lang="en-US" altLang="zh-CN" dirty="0"/>
+              <a:t>=4.875M</a:t>
+            </a:r>
+            <a:endParaRPr lang="zh-CN" altLang="en-US" dirty="0"/>
+          </a:p>
+        </p:txBody>
+      </p:sp>
     </p:spTree>
-    <p:extLst>
-      <p:ext uri="{BB962C8B-B14F-4D97-AF65-F5344CB8AC3E}">
-        <p14:creationId xmlns:p14="http://schemas.microsoft.com/office/powerpoint/2010/main" val="268833303"/>
-      </p:ext>
-    </p:extLst>
   </p:cSld>
   <p:clrMapOvr>
     <a:masterClrMapping/>
@@ -15687,9 +14891,88 @@
   <p:timing>
     <p:tnLst>
       <p:par>
-        <p:cTn id="1" dur="indefinite" restart="never" nodeType="tmRoot"/>
+        <p:cTn id="1" dur="indefinite" restart="never" nodeType="tmRoot">
+          <p:childTnLst>
+            <p:seq concurrent="1" nextAc="seek">
+              <p:cTn id="2" dur="indefinite" nodeType="mainSeq">
+                <p:childTnLst>
+                  <p:par>
+                    <p:cTn id="3" fill="hold">
+                      <p:stCondLst>
+                        <p:cond delay="indefinite"/>
+                      </p:stCondLst>
+                      <p:childTnLst>
+                        <p:par>
+                          <p:cTn id="4" fill="hold">
+                            <p:stCondLst>
+                              <p:cond delay="0"/>
+                            </p:stCondLst>
+                            <p:childTnLst>
+                              <p:par>
+                                <p:cTn id="5" presetID="10" presetClass="entr" presetSubtype="0" fill="hold" grpId="0" nodeType="clickEffect">
+                                  <p:stCondLst>
+                                    <p:cond delay="0"/>
+                                  </p:stCondLst>
+                                  <p:childTnLst>
+                                    <p:set>
+                                      <p:cBhvr>
+                                        <p:cTn id="6" dur="1" fill="hold">
+                                          <p:stCondLst>
+                                            <p:cond delay="0"/>
+                                          </p:stCondLst>
+                                        </p:cTn>
+                                        <p:tgtEl>
+                                          <p:spTgt spid="5"/>
+                                        </p:tgtEl>
+                                        <p:attrNameLst>
+                                          <p:attrName>style.visibility</p:attrName>
+                                        </p:attrNameLst>
+                                      </p:cBhvr>
+                                      <p:to>
+                                        <p:strVal val="visible"/>
+                                      </p:to>
+                                    </p:set>
+                                    <p:animEffect transition="in" filter="fade">
+                                      <p:cBhvr>
+                                        <p:cTn id="7" dur="500"/>
+                                        <p:tgtEl>
+                                          <p:spTgt spid="5"/>
+                                        </p:tgtEl>
+                                      </p:cBhvr>
+                                    </p:animEffect>
+                                  </p:childTnLst>
+                                </p:cTn>
+                              </p:par>
+                            </p:childTnLst>
+                          </p:cTn>
+                        </p:par>
+                      </p:childTnLst>
+                    </p:cTn>
+                  </p:par>
+                </p:childTnLst>
+              </p:cTn>
+              <p:prevCondLst>
+                <p:cond evt="onPrev" delay="0">
+                  <p:tgtEl>
+                    <p:sldTgt/>
+                  </p:tgtEl>
+                </p:cond>
+              </p:prevCondLst>
+              <p:nextCondLst>
+                <p:cond evt="onNext" delay="0">
+                  <p:tgtEl>
+                    <p:sldTgt/>
+                  </p:tgtEl>
+                </p:cond>
+              </p:nextCondLst>
+            </p:seq>
+          </p:childTnLst>
+        </p:cTn>
       </p:par>
     </p:tnLst>
+    <p:bldLst>
+      <p:bldP spid="5" grpId="0" animBg="1"/>
+    </p:bldLst>
   </p:timing>
 </p:sld>
 </file>
@@ -15933,8 +15216,11 @@
       </a:bgFillStyleLst>
     </a:fmtScheme>
   </a:themeElements>
-  <a:objectDefaults/>
-  <a:extraClrSchemeLst/>
+  <a:extLst>
+    <a:ext uri="{05A4C25C-085E-4340-85A3-A5531E510DB2}">
+      <thm15:themeFamily xmlns:thm15="http://schemas.microsoft.com/office/thememl/2012/main" name="Office Theme" id="{62F939B6-93AF-4DB8-9C6B-D6C7DFDC589F}" vid="{4A3C46E8-61CC-4603-A589-7422A47A8E4A}"/>
+    </a:ext>
+  </a:extLst>
 </a:theme>
 </file>
 
@@ -16216,8 +15502,11 @@
       </a:bgFillStyleLst>
     </a:fmtScheme>
   </a:themeElements>
-  <a:objectDefaults/>
-  <a:extraClrSchemeLst/>
+  <a:extLst>
+    <a:ext uri="{05A4C25C-085E-4340-85A3-A5531E510DB2}">
+      <thm15:themeFamily xmlns:thm15="http://schemas.microsoft.com/office/thememl/2012/main" name="Office Theme" id="{62F939B6-93AF-4DB8-9C6B-D6C7DFDC589F}" vid="{4A3C46E8-61CC-4603-A589-7422A47A8E4A}"/>
+    </a:ext>
+  </a:extLst>
 </a:theme>
 </file>
 
@@ -16499,7 +15788,10 @@
       </a:bgFillStyleLst>
     </a:fmtScheme>
   </a:themeElements>
-  <a:objectDefaults/>
-  <a:extraClrSchemeLst/>
+  <a:extLst>
+    <a:ext uri="{05A4C25C-085E-4340-85A3-A5531E510DB2}">
+      <thm15:themeFamily xmlns:thm15="http://schemas.microsoft.com/office/thememl/2012/main" name="Office Theme" id="{62F939B6-93AF-4DB8-9C6B-D6C7DFDC589F}" vid="{4A3C46E8-61CC-4603-A589-7422A47A8E4A}"/>
+    </a:ext>
+  </a:extLst>
 </a:theme>
 </file>
--- a/javabase1Jvm/src/main/java/com/javabase/jvm1runtime/runtimeDetail/3.常用JVM配置参数.pptx
+++ b/javabase1Jvm/src/main/java/com/javabase/jvm1runtime/runtimeDetail/3.常用JVM配置参数.pptx
@@ -3394,14 +3394,14 @@
               <a:rPr lang="zh-CN" altLang="en-US" sz="1200" baseline="0" dirty="0" smtClean="0">
                 <a:latin typeface="微软雅黑" panose="020B0503020204020204" pitchFamily="34" charset="-122"/>
                 <a:ea typeface="微软雅黑" panose="020B0503020204020204" pitchFamily="34" charset="-122"/>
-                <a:cs typeface="Arial Unicode MS" pitchFamily="34" charset="-122"/>
+                <a:cs typeface="Arial Unicode MS" panose="020B0604020202020204" pitchFamily="34" charset="-122"/>
               </a:rPr>
               <a:t>葛一鸣</a:t>
             </a:r>
             <a:endParaRPr lang="en-US" altLang="zh-CN" sz="1200" baseline="0" dirty="0" smtClean="0">
               <a:latin typeface="微软雅黑" panose="020B0503020204020204" pitchFamily="34" charset="-122"/>
               <a:ea typeface="微软雅黑" panose="020B0503020204020204" pitchFamily="34" charset="-122"/>
-              <a:cs typeface="Arial Unicode MS" pitchFamily="34" charset="-122"/>
+              <a:cs typeface="Arial Unicode MS" panose="020B0604020202020204" pitchFamily="34" charset="-122"/>
             </a:endParaRPr>
           </a:p>
           <a:p>
@@ -3418,7 +3418,7 @@
               <a:rPr lang="zh-CN" altLang="en-US" sz="1200" baseline="0" dirty="0" smtClean="0">
                 <a:latin typeface="微软雅黑" panose="020B0503020204020204" pitchFamily="34" charset="-122"/>
                 <a:ea typeface="微软雅黑" panose="020B0503020204020204" pitchFamily="34" charset="-122"/>
-                <a:cs typeface="Arial Unicode MS" pitchFamily="34" charset="-122"/>
+                <a:cs typeface="Arial Unicode MS" panose="020B0604020202020204" pitchFamily="34" charset="-122"/>
               </a:rPr>
               <a:t>主页 </a:t>
             </a:r>
@@ -3426,14 +3426,14 @@
               <a:rPr lang="en-US" altLang="zh-CN" sz="1200" baseline="0" dirty="0" smtClean="0">
                 <a:latin typeface="微软雅黑" panose="020B0503020204020204" pitchFamily="34" charset="-122"/>
                 <a:ea typeface="微软雅黑" panose="020B0503020204020204" pitchFamily="34" charset="-122"/>
-                <a:cs typeface="Arial Unicode MS" pitchFamily="34" charset="-122"/>
+                <a:cs typeface="Arial Unicode MS" panose="020B0604020202020204" pitchFamily="34" charset="-122"/>
               </a:rPr>
               <a:t>http://www.uucode.net</a:t>
             </a:r>
             <a:endParaRPr lang="zh-CN" altLang="en-US" sz="1200" dirty="0">
               <a:latin typeface="微软雅黑" panose="020B0503020204020204" pitchFamily="34" charset="-122"/>
               <a:ea typeface="微软雅黑" panose="020B0503020204020204" pitchFamily="34" charset="-122"/>
-              <a:cs typeface="Arial Unicode MS" pitchFamily="34" charset="-122"/>
+              <a:cs typeface="Arial Unicode MS" panose="020B0604020202020204" pitchFamily="34" charset="-122"/>
             </a:endParaRPr>
           </a:p>
         </p:txBody>
@@ -4338,24 +4338,24 @@
             </a:pPr>
             <a:r>
               <a:rPr lang="en-US" altLang="zh-CN" sz="1300" dirty="0" smtClean="0">
-                <a:latin typeface="Arial Unicode MS" pitchFamily="34" charset="-122"/>
-                <a:ea typeface="Arial Unicode MS" pitchFamily="34" charset="-122"/>
-                <a:cs typeface="Arial Unicode MS" pitchFamily="34" charset="-122"/>
+                <a:latin typeface="Arial Unicode MS" panose="020B0604020202020204" pitchFamily="34" charset="-122"/>
+                <a:ea typeface="Arial Unicode MS" panose="020B0604020202020204" pitchFamily="34" charset="-122"/>
+                <a:cs typeface="Arial Unicode MS" panose="020B0604020202020204" pitchFamily="34" charset="-122"/>
               </a:rPr>
               <a:t>DATAGURU</a:t>
             </a:r>
             <a:r>
               <a:rPr lang="zh-CN" altLang="en-US" sz="1300" dirty="0" smtClean="0">
-                <a:latin typeface="Arial Unicode MS" pitchFamily="34" charset="-122"/>
-                <a:ea typeface="Arial Unicode MS" pitchFamily="34" charset="-122"/>
-                <a:cs typeface="Arial Unicode MS" pitchFamily="34" charset="-122"/>
+                <a:latin typeface="Arial Unicode MS" panose="020B0604020202020204" pitchFamily="34" charset="-122"/>
+                <a:ea typeface="Arial Unicode MS" panose="020B0604020202020204" pitchFamily="34" charset="-122"/>
+                <a:cs typeface="Arial Unicode MS" panose="020B0604020202020204" pitchFamily="34" charset="-122"/>
               </a:rPr>
               <a:t>专业数据分析网站</a:t>
             </a:r>
             <a:endParaRPr lang="zh-CN" altLang="en-US" sz="1300" dirty="0">
-              <a:latin typeface="Arial Unicode MS" pitchFamily="34" charset="-122"/>
-              <a:ea typeface="Arial Unicode MS" pitchFamily="34" charset="-122"/>
-              <a:cs typeface="Arial Unicode MS" pitchFamily="34" charset="-122"/>
+              <a:latin typeface="Arial Unicode MS" panose="020B0604020202020204" pitchFamily="34" charset="-122"/>
+              <a:ea typeface="Arial Unicode MS" panose="020B0604020202020204" pitchFamily="34" charset="-122"/>
+              <a:cs typeface="Arial Unicode MS" panose="020B0604020202020204" pitchFamily="34" charset="-122"/>
             </a:endParaRPr>
           </a:p>
         </p:txBody>
@@ -4874,16 +4874,16 @@
             </a:r>
             <a:r>
               <a:rPr lang="zh-CN" altLang="en-US" sz="1200" baseline="0" dirty="0" smtClean="0">
-                <a:latin typeface="Arial Unicode MS" pitchFamily="34" charset="-122"/>
-                <a:ea typeface="Arial Unicode MS" pitchFamily="34" charset="-122"/>
-                <a:cs typeface="Arial Unicode MS" pitchFamily="34" charset="-122"/>
+                <a:latin typeface="Arial Unicode MS" panose="020B0604020202020204" pitchFamily="34" charset="-122"/>
+                <a:ea typeface="Arial Unicode MS" panose="020B0604020202020204" pitchFamily="34" charset="-122"/>
+                <a:cs typeface="Arial Unicode MS" panose="020B0604020202020204" pitchFamily="34" charset="-122"/>
               </a:rPr>
               <a:t>葛一鸣</a:t>
             </a:r>
             <a:endParaRPr lang="en-US" altLang="zh-CN" sz="1200" baseline="0" dirty="0" smtClean="0">
-              <a:latin typeface="Arial Unicode MS" pitchFamily="34" charset="-122"/>
-              <a:ea typeface="Arial Unicode MS" pitchFamily="34" charset="-122"/>
-              <a:cs typeface="Arial Unicode MS" pitchFamily="34" charset="-122"/>
+              <a:latin typeface="Arial Unicode MS" panose="020B0604020202020204" pitchFamily="34" charset="-122"/>
+              <a:ea typeface="Arial Unicode MS" panose="020B0604020202020204" pitchFamily="34" charset="-122"/>
+              <a:cs typeface="Arial Unicode MS" panose="020B0604020202020204" pitchFamily="34" charset="-122"/>
             </a:endParaRPr>
           </a:p>
           <a:p>
@@ -4898,24 +4898,24 @@
             </a:pPr>
             <a:r>
               <a:rPr lang="zh-CN" altLang="en-US" sz="1200" baseline="0" dirty="0" smtClean="0">
-                <a:latin typeface="Arial Unicode MS" pitchFamily="34" charset="-122"/>
-                <a:ea typeface="Arial Unicode MS" pitchFamily="34" charset="-122"/>
-                <a:cs typeface="Arial Unicode MS" pitchFamily="34" charset="-122"/>
+                <a:latin typeface="Arial Unicode MS" panose="020B0604020202020204" pitchFamily="34" charset="-122"/>
+                <a:ea typeface="Arial Unicode MS" panose="020B0604020202020204" pitchFamily="34" charset="-122"/>
+                <a:cs typeface="Arial Unicode MS" panose="020B0604020202020204" pitchFamily="34" charset="-122"/>
               </a:rPr>
               <a:t>主页 </a:t>
             </a:r>
             <a:r>
               <a:rPr lang="en-US" altLang="zh-CN" sz="1200" baseline="0" smtClean="0">
-                <a:latin typeface="Arial Unicode MS" pitchFamily="34" charset="-122"/>
-                <a:ea typeface="Arial Unicode MS" pitchFamily="34" charset="-122"/>
-                <a:cs typeface="Arial Unicode MS" pitchFamily="34" charset="-122"/>
+                <a:latin typeface="Arial Unicode MS" panose="020B0604020202020204" pitchFamily="34" charset="-122"/>
+                <a:ea typeface="Arial Unicode MS" panose="020B0604020202020204" pitchFamily="34" charset="-122"/>
+                <a:cs typeface="Arial Unicode MS" panose="020B0604020202020204" pitchFamily="34" charset="-122"/>
               </a:rPr>
               <a:t>http://www.uucode.net</a:t>
             </a:r>
             <a:endParaRPr lang="zh-CN" altLang="en-US" sz="1200" dirty="0">
-              <a:latin typeface="Arial Unicode MS" pitchFamily="34" charset="-122"/>
-              <a:ea typeface="Arial Unicode MS" pitchFamily="34" charset="-122"/>
-              <a:cs typeface="Arial Unicode MS" pitchFamily="34" charset="-122"/>
+              <a:latin typeface="Arial Unicode MS" panose="020B0604020202020204" pitchFamily="34" charset="-122"/>
+              <a:ea typeface="Arial Unicode MS" panose="020B0604020202020204" pitchFamily="34" charset="-122"/>
+              <a:cs typeface="Arial Unicode MS" panose="020B0604020202020204" pitchFamily="34" charset="-122"/>
             </a:endParaRPr>
           </a:p>
         </p:txBody>
@@ -7897,7 +7897,7 @@
             <a:pPr lvl="1"/>
             <a:r>
               <a:rPr lang="zh-CN" altLang="en-US" dirty="0" smtClean="0"/>
-              <a:t>设置新生代大小  直接设置</a:t>
+              <a:t>设置新生代大小</a:t>
             </a:r>
             <a:endParaRPr lang="en-US" altLang="zh-CN" dirty="0" smtClean="0"/>
           </a:p>
@@ -7924,7 +7924,7 @@
             </a:r>
             <a:r>
               <a:rPr lang="zh-CN" altLang="en-US" dirty="0" smtClean="0"/>
-              <a:t>）和老年代（不包含永久区）的比值  设置比例</a:t>
+              <a:t>）和老年代（不包含永久区）的比值</a:t>
             </a:r>
             <a:endParaRPr lang="en-US" altLang="zh-CN" dirty="0" smtClean="0"/>
           </a:p>
@@ -7980,26 +7980,6 @@
             <a:r>
               <a:rPr lang="en-US" altLang="zh-CN" dirty="0" smtClean="0"/>
               <a:t>Survivor</a:t>
-            </a:r>
-            <a:r>
-              <a:rPr lang="zh-CN" altLang="en-US" dirty="0" smtClean="0"/>
-              <a:t>（也叫</a:t>
-            </a:r>
-            <a:r>
-              <a:rPr lang="en-US" altLang="zh-CN" dirty="0" smtClean="0"/>
-              <a:t>from to </a:t>
-            </a:r>
-            <a:r>
-              <a:rPr lang="zh-CN" altLang="en-US" dirty="0" smtClean="0"/>
-              <a:t>或者</a:t>
-            </a:r>
-            <a:r>
-              <a:rPr lang="en-US" altLang="zh-CN" dirty="0" smtClean="0"/>
-              <a:t>s0 s1</a:t>
-            </a:r>
-            <a:r>
-              <a:rPr lang="zh-CN" altLang="en-US" dirty="0" smtClean="0"/>
-              <a:t>）</a:t>
             </a:r>
             <a:r>
               <a:rPr lang="zh-CN" altLang="en-US" dirty="0" smtClean="0"/>
@@ -9769,11 +9749,7 @@
             </a:r>
             <a:r>
               <a:rPr lang="en-US" altLang="zh-CN" dirty="0" err="1" smtClean="0"/>
-              <a:t>verbose:gc    </a:t>
-            </a:r>
-            <a:r>
-              <a:rPr lang="zh-CN" altLang="en-US" dirty="0" err="1" smtClean="0"/>
-              <a:t>两个方式都可以</a:t>
+              <a:t>verbose:gc</a:t>
             </a:r>
             <a:endParaRPr lang="en-US" altLang="zh-CN" dirty="0" smtClean="0"/>
           </a:p>
